--- a/진행.pptx
+++ b/진행.pptx
@@ -5,7 +5,7 @@
     <p:sldMasterId id="2147483648" r:id="rId1"/>
   </p:sldMasterIdLst>
   <p:notesMasterIdLst>
-    <p:notesMasterId r:id="rId12"/>
+    <p:notesMasterId r:id="rId13"/>
   </p:notesMasterIdLst>
   <p:sldIdLst>
     <p:sldId id="256" r:id="rId2"/>
@@ -18,6 +18,7 @@
     <p:sldId id="297" r:id="rId9"/>
     <p:sldId id="295" r:id="rId10"/>
     <p:sldId id="298" r:id="rId11"/>
+    <p:sldId id="299" r:id="rId12"/>
   </p:sldIdLst>
   <p:sldSz cx="10150475" cy="7616825"/>
   <p:notesSz cx="6867525" cy="9994900"/>
@@ -161,6 +162,7 @@
             <p14:sldId id="297"/>
             <p14:sldId id="295"/>
             <p14:sldId id="298"/>
+            <p14:sldId id="299"/>
           </p14:sldIdLst>
         </p14:section>
       </p14:sectionLst>
@@ -311,7 +313,7 @@
             <a:fld id="{6D61DB4D-25AF-4EE9-B3EB-9D14CE91ACF1}" type="datetimeFigureOut">
               <a:rPr lang="ko-KR" altLang="en-US" smtClean="0"/>
               <a:pPr/>
-              <a:t>2023-01-13 (Fri)</a:t>
+              <a:t>2023-01-14 (Sat)</a:t>
             </a:fld>
             <a:endParaRPr lang="ko-KR" altLang="en-US"/>
           </a:p>
@@ -4163,6 +4165,60 @@
       </p:sp>
       <p:sp>
         <p:nvSpPr>
+          <p:cNvPr id="6" name="내용 개체 틀 5">
+            <a:extLst>
+              <a:ext uri="{FF2B5EF4-FFF2-40B4-BE49-F238E27FC236}">
+                <a16:creationId xmlns:a16="http://schemas.microsoft.com/office/drawing/2014/main" id="{333C1E39-EB1D-C626-1712-0755425318EE}"/>
+              </a:ext>
+            </a:extLst>
+          </p:cNvPr>
+          <p:cNvSpPr>
+            <a:spLocks noGrp="1"/>
+          </p:cNvSpPr>
+          <p:nvPr>
+            <p:ph sz="half" idx="2"/>
+          </p:nvPr>
+        </p:nvSpPr>
+        <p:spPr/>
+        <p:txBody>
+          <a:bodyPr/>
+          <a:lstStyle/>
+          <a:p>
+            <a:endParaRPr lang="ko-KR" altLang="en-US"/>
+          </a:p>
+        </p:txBody>
+      </p:sp>
+      <p:sp>
+        <p:nvSpPr>
+          <p:cNvPr id="3" name="제목 2">
+            <a:extLst>
+              <a:ext uri="{FF2B5EF4-FFF2-40B4-BE49-F238E27FC236}">
+                <a16:creationId xmlns:a16="http://schemas.microsoft.com/office/drawing/2014/main" id="{B030252A-1667-4901-9E48-8392894928D8}"/>
+              </a:ext>
+            </a:extLst>
+          </p:cNvPr>
+          <p:cNvSpPr>
+            <a:spLocks noGrp="1"/>
+          </p:cNvSpPr>
+          <p:nvPr>
+            <p:ph type="title"/>
+          </p:nvPr>
+        </p:nvSpPr>
+        <p:spPr/>
+        <p:txBody>
+          <a:bodyPr/>
+          <a:lstStyle/>
+          <a:p>
+            <a:r>
+              <a:rPr lang="en-US" altLang="ko-KR" dirty="0"/>
+              <a:t>2023-01-14</a:t>
+            </a:r>
+            <a:endParaRPr lang="ko-KR" altLang="en-US" dirty="0"/>
+          </a:p>
+        </p:txBody>
+      </p:sp>
+      <p:sp>
+        <p:nvSpPr>
           <p:cNvPr id="4" name="바닥글 개체 틀 3">
             <a:extLst>
               <a:ext uri="{FF2B5EF4-FFF2-40B4-BE49-F238E27FC236}">
@@ -4246,7 +4302,7 @@
         </p:blipFill>
         <p:spPr>
           <a:xfrm>
-            <a:off x="975360" y="1520319"/>
+            <a:off x="1051560" y="1863471"/>
             <a:ext cx="7059903" cy="3889882"/>
           </a:xfrm>
           <a:prstGeom prst="rect">
@@ -4258,6 +4314,301 @@
     <p:extLst>
       <p:ext uri="{BB962C8B-B14F-4D97-AF65-F5344CB8AC3E}">
         <p14:creationId xmlns:p14="http://schemas.microsoft.com/office/powerpoint/2010/main" val="1805428754"/>
+      </p:ext>
+    </p:extLst>
+  </p:cSld>
+  <p:clrMapOvr>
+    <a:masterClrMapping/>
+  </p:clrMapOvr>
+</p:sld>
+</file>
+
+<file path=ppt/slides/slide11.xml><?xml version="1.0" encoding="utf-8"?>
+<p:sld xmlns:a="http://schemas.openxmlformats.org/drawingml/2006/main" xmlns:r="http://schemas.openxmlformats.org/officeDocument/2006/relationships" xmlns:p="http://schemas.openxmlformats.org/presentationml/2006/main">
+  <p:cSld>
+    <p:spTree>
+      <p:nvGrpSpPr>
+        <p:cNvPr id="1" name=""/>
+        <p:cNvGrpSpPr/>
+        <p:nvPr/>
+      </p:nvGrpSpPr>
+      <p:grpSpPr>
+        <a:xfrm>
+          <a:off x="0" y="0"/>
+          <a:ext cx="0" cy="0"/>
+          <a:chOff x="0" y="0"/>
+          <a:chExt cx="0" cy="0"/>
+        </a:xfrm>
+      </p:grpSpPr>
+      <p:sp>
+        <p:nvSpPr>
+          <p:cNvPr id="8" name="내용 개체 틀 7">
+            <a:extLst>
+              <a:ext uri="{FF2B5EF4-FFF2-40B4-BE49-F238E27FC236}">
+                <a16:creationId xmlns:a16="http://schemas.microsoft.com/office/drawing/2014/main" id="{BE0EECD7-ADA9-62B9-688E-DA6327C610A5}"/>
+              </a:ext>
+            </a:extLst>
+          </p:cNvPr>
+          <p:cNvSpPr>
+            <a:spLocks noGrp="1"/>
+          </p:cNvSpPr>
+          <p:nvPr>
+            <p:ph sz="half" idx="2"/>
+          </p:nvPr>
+        </p:nvSpPr>
+        <p:spPr/>
+        <p:txBody>
+          <a:bodyPr/>
+          <a:lstStyle/>
+          <a:p>
+            <a:endParaRPr lang="ko-KR" altLang="en-US" dirty="0"/>
+          </a:p>
+        </p:txBody>
+      </p:sp>
+      <p:sp>
+        <p:nvSpPr>
+          <p:cNvPr id="5" name="바닥글 개체 틀 4">
+            <a:extLst>
+              <a:ext uri="{FF2B5EF4-FFF2-40B4-BE49-F238E27FC236}">
+                <a16:creationId xmlns:a16="http://schemas.microsoft.com/office/drawing/2014/main" id="{1E2C46D5-F697-ED6A-492D-A3149939FA09}"/>
+              </a:ext>
+            </a:extLst>
+          </p:cNvPr>
+          <p:cNvSpPr>
+            <a:spLocks noGrp="1"/>
+          </p:cNvSpPr>
+          <p:nvPr>
+            <p:ph type="ftr" sz="quarter" idx="10"/>
+          </p:nvPr>
+        </p:nvSpPr>
+        <p:spPr/>
+        <p:txBody>
+          <a:bodyPr/>
+          <a:lstStyle/>
+          <a:p>
+            <a:pPr>
+              <a:buFont typeface="맑은 고딕" panose="020B0503020000020004" pitchFamily="50" charset="-127"/>
+              <a:buChar char="ⓒ"/>
+            </a:pPr>
+            <a:r>
+              <a:rPr lang="en-US" altLang="ko-KR"/>
+              <a:t>Sungwoon Choi 2021</a:t>
+            </a:r>
+          </a:p>
+        </p:txBody>
+      </p:sp>
+      <p:sp>
+        <p:nvSpPr>
+          <p:cNvPr id="6" name="슬라이드 번호 개체 틀 5">
+            <a:extLst>
+              <a:ext uri="{FF2B5EF4-FFF2-40B4-BE49-F238E27FC236}">
+                <a16:creationId xmlns:a16="http://schemas.microsoft.com/office/drawing/2014/main" id="{8B0FFD6D-919A-22A2-0440-0F188259FF1D}"/>
+              </a:ext>
+            </a:extLst>
+          </p:cNvPr>
+          <p:cNvSpPr>
+            <a:spLocks noGrp="1"/>
+          </p:cNvSpPr>
+          <p:nvPr>
+            <p:ph type="sldNum" sz="quarter" idx="11"/>
+          </p:nvPr>
+        </p:nvSpPr>
+        <p:spPr/>
+        <p:txBody>
+          <a:bodyPr/>
+          <a:lstStyle/>
+          <a:p>
+            <a:fld id="{AA4216F1-165B-4DFF-BD92-3D8E849D7D48}" type="slidenum">
+              <a:rPr lang="en-US" altLang="ko-KR" smtClean="0"/>
+              <a:pPr/>
+              <a:t>11</a:t>
+            </a:fld>
+            <a:endParaRPr lang="en-US" altLang="ko-KR"/>
+          </a:p>
+        </p:txBody>
+      </p:sp>
+      <p:sp>
+        <p:nvSpPr>
+          <p:cNvPr id="11" name="내용 개체 틀 10">
+            <a:extLst>
+              <a:ext uri="{FF2B5EF4-FFF2-40B4-BE49-F238E27FC236}">
+                <a16:creationId xmlns:a16="http://schemas.microsoft.com/office/drawing/2014/main" id="{E16EE665-8E91-FCC0-C129-AB659329884E}"/>
+              </a:ext>
+            </a:extLst>
+          </p:cNvPr>
+          <p:cNvSpPr>
+            <a:spLocks noGrp="1"/>
+          </p:cNvSpPr>
+          <p:nvPr>
+            <p:ph sz="half" idx="1"/>
+          </p:nvPr>
+        </p:nvSpPr>
+        <p:spPr/>
+        <p:txBody>
+          <a:bodyPr/>
+          <a:lstStyle/>
+          <a:p>
+            <a:r>
+              <a:rPr lang="en-US" altLang="ko-KR" dirty="0"/>
+              <a:t>Memory Layout</a:t>
+            </a:r>
+            <a:endParaRPr lang="ko-KR" altLang="en-US" dirty="0"/>
+          </a:p>
+        </p:txBody>
+      </p:sp>
+      <p:graphicFrame>
+        <p:nvGraphicFramePr>
+          <p:cNvPr id="12" name="표 9">
+            <a:extLst>
+              <a:ext uri="{FF2B5EF4-FFF2-40B4-BE49-F238E27FC236}">
+                <a16:creationId xmlns:a16="http://schemas.microsoft.com/office/drawing/2014/main" id="{8B453C39-75A6-B522-B1BA-1B85C9377EEF}"/>
+              </a:ext>
+            </a:extLst>
+          </p:cNvPr>
+          <p:cNvGraphicFramePr>
+            <a:graphicFrameLocks/>
+          </p:cNvGraphicFramePr>
+          <p:nvPr>
+            <p:extLst>
+              <p:ext uri="{D42A27DB-BD31-4B8C-83A1-F6EECF244321}">
+                <p14:modId xmlns:p14="http://schemas.microsoft.com/office/powerpoint/2010/main" val="2390612690"/>
+              </p:ext>
+            </p:extLst>
+          </p:nvPr>
+        </p:nvGraphicFramePr>
+        <p:xfrm>
+          <a:off x="859603" y="1582796"/>
+          <a:ext cx="6370260" cy="640080"/>
+        </p:xfrm>
+        <a:graphic>
+          <a:graphicData uri="http://schemas.openxmlformats.org/drawingml/2006/table">
+            <a:tbl>
+              <a:tblPr firstRow="1" bandRow="1">
+                <a:tableStyleId>{5C22544A-7EE6-4342-B048-85BDC9FD1C3A}</a:tableStyleId>
+              </a:tblPr>
+              <a:tblGrid>
+                <a:gridCol w="1274052">
+                  <a:extLst>
+                    <a:ext uri="{9D8B030D-6E8A-4147-A177-3AD203B41FA5}">
+                      <a16:colId xmlns:a16="http://schemas.microsoft.com/office/drawing/2014/main" val="89496307"/>
+                    </a:ext>
+                  </a:extLst>
+                </a:gridCol>
+                <a:gridCol w="1274052">
+                  <a:extLst>
+                    <a:ext uri="{9D8B030D-6E8A-4147-A177-3AD203B41FA5}">
+                      <a16:colId xmlns:a16="http://schemas.microsoft.com/office/drawing/2014/main" val="109995167"/>
+                    </a:ext>
+                  </a:extLst>
+                </a:gridCol>
+                <a:gridCol w="1274052">
+                  <a:extLst>
+                    <a:ext uri="{9D8B030D-6E8A-4147-A177-3AD203B41FA5}">
+                      <a16:colId xmlns:a16="http://schemas.microsoft.com/office/drawing/2014/main" val="2492865016"/>
+                    </a:ext>
+                  </a:extLst>
+                </a:gridCol>
+                <a:gridCol w="1274052">
+                  <a:extLst>
+                    <a:ext uri="{9D8B030D-6E8A-4147-A177-3AD203B41FA5}">
+                      <a16:colId xmlns:a16="http://schemas.microsoft.com/office/drawing/2014/main" val="3789576034"/>
+                    </a:ext>
+                  </a:extLst>
+                </a:gridCol>
+                <a:gridCol w="1274052">
+                  <a:extLst>
+                    <a:ext uri="{9D8B030D-6E8A-4147-A177-3AD203B41FA5}">
+                      <a16:colId xmlns:a16="http://schemas.microsoft.com/office/drawing/2014/main" val="280755101"/>
+                    </a:ext>
+                  </a:extLst>
+                </a:gridCol>
+              </a:tblGrid>
+              <a:tr h="370840">
+                <a:tc>
+                  <a:txBody>
+                    <a:bodyPr/>
+                    <a:lstStyle/>
+                    <a:p>
+                      <a:pPr latinLnBrk="1"/>
+                      <a:r>
+                        <a:rPr lang="en-US" altLang="ko-KR" dirty="0"/>
+                        <a:t>Data</a:t>
+                      </a:r>
+                      <a:r>
+                        <a:rPr lang="ko-KR" altLang="en-US" dirty="0"/>
+                        <a:t> </a:t>
+                      </a:r>
+                      <a:r>
+                        <a:rPr lang="en-US" altLang="ko-KR" dirty="0"/>
+                        <a:t>Segment</a:t>
+                      </a:r>
+                      <a:endParaRPr lang="ko-KR" altLang="en-US" dirty="0"/>
+                    </a:p>
+                  </a:txBody>
+                  <a:tcPr/>
+                </a:tc>
+                <a:tc>
+                  <a:txBody>
+                    <a:bodyPr/>
+                    <a:lstStyle/>
+                    <a:p>
+                      <a:pPr latinLnBrk="1"/>
+                      <a:r>
+                        <a:rPr lang="en-US" altLang="ko-KR" dirty="0"/>
+                        <a:t>Heap Segment</a:t>
+                      </a:r>
+                      <a:endParaRPr lang="ko-KR" altLang="en-US" dirty="0"/>
+                    </a:p>
+                  </a:txBody>
+                  <a:tcPr/>
+                </a:tc>
+                <a:tc>
+                  <a:txBody>
+                    <a:bodyPr/>
+                    <a:lstStyle/>
+                    <a:p>
+                      <a:pPr latinLnBrk="1"/>
+                      <a:endParaRPr lang="ko-KR" altLang="en-US" dirty="0"/>
+                    </a:p>
+                  </a:txBody>
+                  <a:tcPr/>
+                </a:tc>
+                <a:tc>
+                  <a:txBody>
+                    <a:bodyPr/>
+                    <a:lstStyle/>
+                    <a:p>
+                      <a:pPr latinLnBrk="1"/>
+                      <a:endParaRPr lang="ko-KR" altLang="en-US"/>
+                    </a:p>
+                  </a:txBody>
+                  <a:tcPr/>
+                </a:tc>
+                <a:tc>
+                  <a:txBody>
+                    <a:bodyPr/>
+                    <a:lstStyle/>
+                    <a:p>
+                      <a:pPr latinLnBrk="1"/>
+                      <a:endParaRPr lang="ko-KR" altLang="en-US" dirty="0"/>
+                    </a:p>
+                  </a:txBody>
+                  <a:tcPr/>
+                </a:tc>
+                <a:extLst>
+                  <a:ext uri="{0D108BD9-81ED-4DB2-BD59-A6C34878D82A}">
+                    <a16:rowId xmlns:a16="http://schemas.microsoft.com/office/drawing/2014/main" val="2580820977"/>
+                  </a:ext>
+                </a:extLst>
+              </a:tr>
+            </a:tbl>
+          </a:graphicData>
+        </a:graphic>
+      </p:graphicFrame>
+    </p:spTree>
+    <p:extLst>
+      <p:ext uri="{BB962C8B-B14F-4D97-AF65-F5344CB8AC3E}">
+        <p14:creationId xmlns:p14="http://schemas.microsoft.com/office/powerpoint/2010/main" val="2634096608"/>
       </p:ext>
     </p:extLst>
   </p:cSld>

--- a/진행.pptx
+++ b/진행.pptx
@@ -5,7 +5,7 @@
     <p:sldMasterId id="2147483648" r:id="rId1"/>
   </p:sldMasterIdLst>
   <p:notesMasterIdLst>
-    <p:notesMasterId r:id="rId13"/>
+    <p:notesMasterId r:id="rId14"/>
   </p:notesMasterIdLst>
   <p:sldIdLst>
     <p:sldId id="256" r:id="rId2"/>
@@ -18,7 +18,8 @@
     <p:sldId id="297" r:id="rId9"/>
     <p:sldId id="295" r:id="rId10"/>
     <p:sldId id="298" r:id="rId11"/>
-    <p:sldId id="299" r:id="rId12"/>
+    <p:sldId id="300" r:id="rId12"/>
+    <p:sldId id="299" r:id="rId13"/>
   </p:sldIdLst>
   <p:sldSz cx="10150475" cy="7616825"/>
   <p:notesSz cx="6867525" cy="9994900"/>
@@ -162,6 +163,7 @@
             <p14:sldId id="297"/>
             <p14:sldId id="295"/>
             <p14:sldId id="298"/>
+            <p14:sldId id="300"/>
             <p14:sldId id="299"/>
           </p14:sldIdLst>
         </p14:section>
@@ -313,7 +315,7 @@
             <a:fld id="{6D61DB4D-25AF-4EE9-B3EB-9D14CE91ACF1}" type="datetimeFigureOut">
               <a:rPr lang="ko-KR" altLang="en-US" smtClean="0"/>
               <a:pPr/>
-              <a:t>2023-01-14 (Sat)</a:t>
+              <a:t>2023-01-15 (Sun)</a:t>
             </a:fld>
             <a:endParaRPr lang="ko-KR" altLang="en-US"/>
           </a:p>
@@ -4342,6 +4344,124 @@
       </p:grpSpPr>
       <p:sp>
         <p:nvSpPr>
+          <p:cNvPr id="5" name="바닥글 개체 틀 4">
+            <a:extLst>
+              <a:ext uri="{FF2B5EF4-FFF2-40B4-BE49-F238E27FC236}">
+                <a16:creationId xmlns:a16="http://schemas.microsoft.com/office/drawing/2014/main" id="{0AE6DAF7-A124-B738-C9D1-7BB6C2337B23}"/>
+              </a:ext>
+            </a:extLst>
+          </p:cNvPr>
+          <p:cNvSpPr>
+            <a:spLocks noGrp="1"/>
+          </p:cNvSpPr>
+          <p:nvPr>
+            <p:ph type="ftr" sz="quarter" idx="10"/>
+          </p:nvPr>
+        </p:nvSpPr>
+        <p:spPr/>
+        <p:txBody>
+          <a:bodyPr/>
+          <a:lstStyle/>
+          <a:p>
+            <a:r>
+              <a:rPr lang="en-US" altLang="ko-KR"/>
+              <a:t>Sungwoon Choi 2021</a:t>
+            </a:r>
+          </a:p>
+        </p:txBody>
+      </p:sp>
+      <p:sp>
+        <p:nvSpPr>
+          <p:cNvPr id="6" name="슬라이드 번호 개체 틀 5">
+            <a:extLst>
+              <a:ext uri="{FF2B5EF4-FFF2-40B4-BE49-F238E27FC236}">
+                <a16:creationId xmlns:a16="http://schemas.microsoft.com/office/drawing/2014/main" id="{004B1A47-2BC0-AED7-2132-F6189AEBE4EE}"/>
+              </a:ext>
+            </a:extLst>
+          </p:cNvPr>
+          <p:cNvSpPr>
+            <a:spLocks noGrp="1"/>
+          </p:cNvSpPr>
+          <p:nvPr>
+            <p:ph type="sldNum" sz="quarter" idx="11"/>
+          </p:nvPr>
+        </p:nvSpPr>
+        <p:spPr/>
+        <p:txBody>
+          <a:bodyPr/>
+          <a:lstStyle/>
+          <a:p>
+            <a:fld id="{AA4216F1-165B-4DFF-BD92-3D8E849D7D48}" type="slidenum">
+              <a:rPr lang="en-US" altLang="ko-KR" smtClean="0"/>
+              <a:pPr/>
+              <a:t>11</a:t>
+            </a:fld>
+            <a:endParaRPr lang="en-US" altLang="ko-KR"/>
+          </a:p>
+        </p:txBody>
+      </p:sp>
+      <p:pic>
+        <p:nvPicPr>
+          <p:cNvPr id="8" name="그림 7">
+            <a:extLst>
+              <a:ext uri="{FF2B5EF4-FFF2-40B4-BE49-F238E27FC236}">
+                <a16:creationId xmlns:a16="http://schemas.microsoft.com/office/drawing/2014/main" id="{FEFEBE5D-F33D-B139-2CDE-344957C58204}"/>
+              </a:ext>
+            </a:extLst>
+          </p:cNvPr>
+          <p:cNvPicPr>
+            <a:picLocks noChangeAspect="1"/>
+          </p:cNvPicPr>
+          <p:nvPr/>
+        </p:nvPicPr>
+        <p:blipFill>
+          <a:blip r:embed="rId2"/>
+          <a:stretch>
+            <a:fillRect/>
+          </a:stretch>
+        </p:blipFill>
+        <p:spPr>
+          <a:xfrm>
+            <a:off x="833098" y="827437"/>
+            <a:ext cx="8484278" cy="6126338"/>
+          </a:xfrm>
+          <a:prstGeom prst="rect">
+            <a:avLst/>
+          </a:prstGeom>
+        </p:spPr>
+      </p:pic>
+    </p:spTree>
+    <p:extLst>
+      <p:ext uri="{BB962C8B-B14F-4D97-AF65-F5344CB8AC3E}">
+        <p14:creationId xmlns:p14="http://schemas.microsoft.com/office/powerpoint/2010/main" val="769574154"/>
+      </p:ext>
+    </p:extLst>
+  </p:cSld>
+  <p:clrMapOvr>
+    <a:masterClrMapping/>
+  </p:clrMapOvr>
+</p:sld>
+</file>
+
+<file path=ppt/slides/slide12.xml><?xml version="1.0" encoding="utf-8"?>
+<p:sld xmlns:a="http://schemas.openxmlformats.org/drawingml/2006/main" xmlns:r="http://schemas.openxmlformats.org/officeDocument/2006/relationships" xmlns:p="http://schemas.openxmlformats.org/presentationml/2006/main">
+  <p:cSld>
+    <p:spTree>
+      <p:nvGrpSpPr>
+        <p:cNvPr id="1" name=""/>
+        <p:cNvGrpSpPr/>
+        <p:nvPr/>
+      </p:nvGrpSpPr>
+      <p:grpSpPr>
+        <a:xfrm>
+          <a:off x="0" y="0"/>
+          <a:ext cx="0" cy="0"/>
+          <a:chOff x="0" y="0"/>
+          <a:chExt cx="0" cy="0"/>
+        </a:xfrm>
+      </p:grpSpPr>
+      <p:sp>
+        <p:nvSpPr>
           <p:cNvPr id="8" name="내용 개체 틀 7">
             <a:extLst>
               <a:ext uri="{FF2B5EF4-FFF2-40B4-BE49-F238E27FC236}">
@@ -4421,7 +4541,7 @@
             <a:fld id="{AA4216F1-165B-4DFF-BD92-3D8E849D7D48}" type="slidenum">
               <a:rPr lang="en-US" altLang="ko-KR" smtClean="0"/>
               <a:pPr/>
-              <a:t>11</a:t>
+              <a:t>12</a:t>
             </a:fld>
             <a:endParaRPr lang="en-US" altLang="ko-KR"/>
           </a:p>
@@ -4471,14 +4591,941 @@
           <p:nvPr>
             <p:extLst>
               <p:ext uri="{D42A27DB-BD31-4B8C-83A1-F6EECF244321}">
-                <p14:modId xmlns:p14="http://schemas.microsoft.com/office/powerpoint/2010/main" val="2390612690"/>
+                <p14:modId xmlns:p14="http://schemas.microsoft.com/office/powerpoint/2010/main" val="1737283525"/>
               </p:ext>
             </p:extLst>
           </p:nvPr>
         </p:nvGraphicFramePr>
         <p:xfrm>
-          <a:off x="859603" y="1582796"/>
-          <a:ext cx="6370260" cy="640080"/>
+          <a:off x="1974246" y="3240399"/>
+          <a:ext cx="6370260" cy="741680"/>
+        </p:xfrm>
+        <a:graphic>
+          <a:graphicData uri="http://schemas.openxmlformats.org/drawingml/2006/table">
+            <a:tbl>
+              <a:tblPr firstRow="1" bandRow="1">
+                <a:tableStyleId>{5C22544A-7EE6-4342-B048-85BDC9FD1C3A}</a:tableStyleId>
+              </a:tblPr>
+              <a:tblGrid>
+                <a:gridCol w="254810">
+                  <a:extLst>
+                    <a:ext uri="{9D8B030D-6E8A-4147-A177-3AD203B41FA5}">
+                      <a16:colId xmlns:a16="http://schemas.microsoft.com/office/drawing/2014/main" val="89496307"/>
+                    </a:ext>
+                  </a:extLst>
+                </a:gridCol>
+                <a:gridCol w="254811">
+                  <a:extLst>
+                    <a:ext uri="{9D8B030D-6E8A-4147-A177-3AD203B41FA5}">
+                      <a16:colId xmlns:a16="http://schemas.microsoft.com/office/drawing/2014/main" val="3788073561"/>
+                    </a:ext>
+                  </a:extLst>
+                </a:gridCol>
+                <a:gridCol w="254810">
+                  <a:extLst>
+                    <a:ext uri="{9D8B030D-6E8A-4147-A177-3AD203B41FA5}">
+                      <a16:colId xmlns:a16="http://schemas.microsoft.com/office/drawing/2014/main" val="2420394242"/>
+                    </a:ext>
+                  </a:extLst>
+                </a:gridCol>
+                <a:gridCol w="254811">
+                  <a:extLst>
+                    <a:ext uri="{9D8B030D-6E8A-4147-A177-3AD203B41FA5}">
+                      <a16:colId xmlns:a16="http://schemas.microsoft.com/office/drawing/2014/main" val="3364833796"/>
+                    </a:ext>
+                  </a:extLst>
+                </a:gridCol>
+                <a:gridCol w="254810">
+                  <a:extLst>
+                    <a:ext uri="{9D8B030D-6E8A-4147-A177-3AD203B41FA5}">
+                      <a16:colId xmlns:a16="http://schemas.microsoft.com/office/drawing/2014/main" val="3440812675"/>
+                    </a:ext>
+                  </a:extLst>
+                </a:gridCol>
+                <a:gridCol w="254810">
+                  <a:extLst>
+                    <a:ext uri="{9D8B030D-6E8A-4147-A177-3AD203B41FA5}">
+                      <a16:colId xmlns:a16="http://schemas.microsoft.com/office/drawing/2014/main" val="109995167"/>
+                    </a:ext>
+                  </a:extLst>
+                </a:gridCol>
+                <a:gridCol w="254811">
+                  <a:extLst>
+                    <a:ext uri="{9D8B030D-6E8A-4147-A177-3AD203B41FA5}">
+                      <a16:colId xmlns:a16="http://schemas.microsoft.com/office/drawing/2014/main" val="1405372141"/>
+                    </a:ext>
+                  </a:extLst>
+                </a:gridCol>
+                <a:gridCol w="254810">
+                  <a:extLst>
+                    <a:ext uri="{9D8B030D-6E8A-4147-A177-3AD203B41FA5}">
+                      <a16:colId xmlns:a16="http://schemas.microsoft.com/office/drawing/2014/main" val="1064117196"/>
+                    </a:ext>
+                  </a:extLst>
+                </a:gridCol>
+                <a:gridCol w="254811">
+                  <a:extLst>
+                    <a:ext uri="{9D8B030D-6E8A-4147-A177-3AD203B41FA5}">
+                      <a16:colId xmlns:a16="http://schemas.microsoft.com/office/drawing/2014/main" val="2555567213"/>
+                    </a:ext>
+                  </a:extLst>
+                </a:gridCol>
+                <a:gridCol w="254810">
+                  <a:extLst>
+                    <a:ext uri="{9D8B030D-6E8A-4147-A177-3AD203B41FA5}">
+                      <a16:colId xmlns:a16="http://schemas.microsoft.com/office/drawing/2014/main" val="162976839"/>
+                    </a:ext>
+                  </a:extLst>
+                </a:gridCol>
+                <a:gridCol w="254810">
+                  <a:extLst>
+                    <a:ext uri="{9D8B030D-6E8A-4147-A177-3AD203B41FA5}">
+                      <a16:colId xmlns:a16="http://schemas.microsoft.com/office/drawing/2014/main" val="2492865016"/>
+                    </a:ext>
+                  </a:extLst>
+                </a:gridCol>
+                <a:gridCol w="254811">
+                  <a:extLst>
+                    <a:ext uri="{9D8B030D-6E8A-4147-A177-3AD203B41FA5}">
+                      <a16:colId xmlns:a16="http://schemas.microsoft.com/office/drawing/2014/main" val="827266629"/>
+                    </a:ext>
+                  </a:extLst>
+                </a:gridCol>
+                <a:gridCol w="254810">
+                  <a:extLst>
+                    <a:ext uri="{9D8B030D-6E8A-4147-A177-3AD203B41FA5}">
+                      <a16:colId xmlns:a16="http://schemas.microsoft.com/office/drawing/2014/main" val="805101929"/>
+                    </a:ext>
+                  </a:extLst>
+                </a:gridCol>
+                <a:gridCol w="254811">
+                  <a:extLst>
+                    <a:ext uri="{9D8B030D-6E8A-4147-A177-3AD203B41FA5}">
+                      <a16:colId xmlns:a16="http://schemas.microsoft.com/office/drawing/2014/main" val="485972070"/>
+                    </a:ext>
+                  </a:extLst>
+                </a:gridCol>
+                <a:gridCol w="254810">
+                  <a:extLst>
+                    <a:ext uri="{9D8B030D-6E8A-4147-A177-3AD203B41FA5}">
+                      <a16:colId xmlns:a16="http://schemas.microsoft.com/office/drawing/2014/main" val="1435971920"/>
+                    </a:ext>
+                  </a:extLst>
+                </a:gridCol>
+                <a:gridCol w="254810">
+                  <a:extLst>
+                    <a:ext uri="{9D8B030D-6E8A-4147-A177-3AD203B41FA5}">
+                      <a16:colId xmlns:a16="http://schemas.microsoft.com/office/drawing/2014/main" val="3789576034"/>
+                    </a:ext>
+                  </a:extLst>
+                </a:gridCol>
+                <a:gridCol w="254811">
+                  <a:extLst>
+                    <a:ext uri="{9D8B030D-6E8A-4147-A177-3AD203B41FA5}">
+                      <a16:colId xmlns:a16="http://schemas.microsoft.com/office/drawing/2014/main" val="3005073403"/>
+                    </a:ext>
+                  </a:extLst>
+                </a:gridCol>
+                <a:gridCol w="254810">
+                  <a:extLst>
+                    <a:ext uri="{9D8B030D-6E8A-4147-A177-3AD203B41FA5}">
+                      <a16:colId xmlns:a16="http://schemas.microsoft.com/office/drawing/2014/main" val="1181105483"/>
+                    </a:ext>
+                  </a:extLst>
+                </a:gridCol>
+                <a:gridCol w="254811">
+                  <a:extLst>
+                    <a:ext uri="{9D8B030D-6E8A-4147-A177-3AD203B41FA5}">
+                      <a16:colId xmlns:a16="http://schemas.microsoft.com/office/drawing/2014/main" val="4064710252"/>
+                    </a:ext>
+                  </a:extLst>
+                </a:gridCol>
+                <a:gridCol w="254810">
+                  <a:extLst>
+                    <a:ext uri="{9D8B030D-6E8A-4147-A177-3AD203B41FA5}">
+                      <a16:colId xmlns:a16="http://schemas.microsoft.com/office/drawing/2014/main" val="3172369275"/>
+                    </a:ext>
+                  </a:extLst>
+                </a:gridCol>
+                <a:gridCol w="254810">
+                  <a:extLst>
+                    <a:ext uri="{9D8B030D-6E8A-4147-A177-3AD203B41FA5}">
+                      <a16:colId xmlns:a16="http://schemas.microsoft.com/office/drawing/2014/main" val="280755101"/>
+                    </a:ext>
+                  </a:extLst>
+                </a:gridCol>
+                <a:gridCol w="254811">
+                  <a:extLst>
+                    <a:ext uri="{9D8B030D-6E8A-4147-A177-3AD203B41FA5}">
+                      <a16:colId xmlns:a16="http://schemas.microsoft.com/office/drawing/2014/main" val="3466208078"/>
+                    </a:ext>
+                  </a:extLst>
+                </a:gridCol>
+                <a:gridCol w="254810">
+                  <a:extLst>
+                    <a:ext uri="{9D8B030D-6E8A-4147-A177-3AD203B41FA5}">
+                      <a16:colId xmlns:a16="http://schemas.microsoft.com/office/drawing/2014/main" val="48004114"/>
+                    </a:ext>
+                  </a:extLst>
+                </a:gridCol>
+                <a:gridCol w="254811">
+                  <a:extLst>
+                    <a:ext uri="{9D8B030D-6E8A-4147-A177-3AD203B41FA5}">
+                      <a16:colId xmlns:a16="http://schemas.microsoft.com/office/drawing/2014/main" val="3229746529"/>
+                    </a:ext>
+                  </a:extLst>
+                </a:gridCol>
+                <a:gridCol w="254810">
+                  <a:extLst>
+                    <a:ext uri="{9D8B030D-6E8A-4147-A177-3AD203B41FA5}">
+                      <a16:colId xmlns:a16="http://schemas.microsoft.com/office/drawing/2014/main" val="660685851"/>
+                    </a:ext>
+                  </a:extLst>
+                </a:gridCol>
+              </a:tblGrid>
+              <a:tr h="370840">
+                <a:tc gridSpan="5">
+                  <a:txBody>
+                    <a:bodyPr/>
+                    <a:lstStyle/>
+                    <a:p>
+                      <a:pPr latinLnBrk="1"/>
+                      <a:r>
+                        <a:rPr lang="en-US" altLang="ko-KR" dirty="0"/>
+                        <a:t>0</a:t>
+                      </a:r>
+                      <a:endParaRPr lang="ko-KR" altLang="en-US" dirty="0"/>
+                    </a:p>
+                  </a:txBody>
+                  <a:tcPr/>
+                </a:tc>
+                <a:tc hMerge="1">
+                  <a:txBody>
+                    <a:bodyPr/>
+                    <a:lstStyle/>
+                    <a:p>
+                      <a:pPr latinLnBrk="1"/>
+                      <a:endParaRPr lang="ko-KR" altLang="en-US"/>
+                    </a:p>
+                  </a:txBody>
+                  <a:tcPr/>
+                </a:tc>
+                <a:tc hMerge="1">
+                  <a:txBody>
+                    <a:bodyPr/>
+                    <a:lstStyle/>
+                    <a:p>
+                      <a:pPr latinLnBrk="1"/>
+                      <a:endParaRPr lang="ko-KR" altLang="en-US"/>
+                    </a:p>
+                  </a:txBody>
+                  <a:tcPr/>
+                </a:tc>
+                <a:tc hMerge="1">
+                  <a:txBody>
+                    <a:bodyPr/>
+                    <a:lstStyle/>
+                    <a:p>
+                      <a:pPr latinLnBrk="1"/>
+                      <a:endParaRPr lang="ko-KR" altLang="en-US"/>
+                    </a:p>
+                  </a:txBody>
+                  <a:tcPr/>
+                </a:tc>
+                <a:tc hMerge="1">
+                  <a:txBody>
+                    <a:bodyPr/>
+                    <a:lstStyle/>
+                    <a:p>
+                      <a:pPr latinLnBrk="1"/>
+                      <a:endParaRPr lang="ko-KR" altLang="en-US"/>
+                    </a:p>
+                  </a:txBody>
+                  <a:tcPr/>
+                </a:tc>
+                <a:tc gridSpan="5">
+                  <a:txBody>
+                    <a:bodyPr/>
+                    <a:lstStyle/>
+                    <a:p>
+                      <a:pPr latinLnBrk="1"/>
+                      <a:r>
+                        <a:rPr lang="en-US" altLang="ko-KR" dirty="0"/>
+                        <a:t>1</a:t>
+                      </a:r>
+                      <a:endParaRPr lang="ko-KR" altLang="en-US" dirty="0"/>
+                    </a:p>
+                  </a:txBody>
+                  <a:tcPr/>
+                </a:tc>
+                <a:tc hMerge="1">
+                  <a:txBody>
+                    <a:bodyPr/>
+                    <a:lstStyle/>
+                    <a:p>
+                      <a:pPr latinLnBrk="1"/>
+                      <a:endParaRPr lang="ko-KR" altLang="en-US"/>
+                    </a:p>
+                  </a:txBody>
+                  <a:tcPr/>
+                </a:tc>
+                <a:tc hMerge="1">
+                  <a:txBody>
+                    <a:bodyPr/>
+                    <a:lstStyle/>
+                    <a:p>
+                      <a:pPr latinLnBrk="1"/>
+                      <a:endParaRPr lang="ko-KR" altLang="en-US"/>
+                    </a:p>
+                  </a:txBody>
+                  <a:tcPr/>
+                </a:tc>
+                <a:tc hMerge="1">
+                  <a:txBody>
+                    <a:bodyPr/>
+                    <a:lstStyle/>
+                    <a:p>
+                      <a:pPr latinLnBrk="1"/>
+                      <a:endParaRPr lang="ko-KR" altLang="en-US"/>
+                    </a:p>
+                  </a:txBody>
+                  <a:tcPr/>
+                </a:tc>
+                <a:tc hMerge="1">
+                  <a:txBody>
+                    <a:bodyPr/>
+                    <a:lstStyle/>
+                    <a:p>
+                      <a:pPr latinLnBrk="1"/>
+                      <a:endParaRPr lang="ko-KR" altLang="en-US"/>
+                    </a:p>
+                  </a:txBody>
+                  <a:tcPr/>
+                </a:tc>
+                <a:tc gridSpan="5">
+                  <a:txBody>
+                    <a:bodyPr/>
+                    <a:lstStyle/>
+                    <a:p>
+                      <a:pPr latinLnBrk="1"/>
+                      <a:r>
+                        <a:rPr lang="en-US" altLang="ko-KR" dirty="0"/>
+                        <a:t>2</a:t>
+                      </a:r>
+                      <a:endParaRPr lang="ko-KR" altLang="en-US" dirty="0"/>
+                    </a:p>
+                  </a:txBody>
+                  <a:tcPr/>
+                </a:tc>
+                <a:tc hMerge="1">
+                  <a:txBody>
+                    <a:bodyPr/>
+                    <a:lstStyle/>
+                    <a:p>
+                      <a:pPr latinLnBrk="1"/>
+                      <a:endParaRPr lang="ko-KR" altLang="en-US"/>
+                    </a:p>
+                  </a:txBody>
+                  <a:tcPr/>
+                </a:tc>
+                <a:tc hMerge="1">
+                  <a:txBody>
+                    <a:bodyPr/>
+                    <a:lstStyle/>
+                    <a:p>
+                      <a:pPr latinLnBrk="1"/>
+                      <a:endParaRPr lang="ko-KR" altLang="en-US"/>
+                    </a:p>
+                  </a:txBody>
+                  <a:tcPr/>
+                </a:tc>
+                <a:tc hMerge="1">
+                  <a:txBody>
+                    <a:bodyPr/>
+                    <a:lstStyle/>
+                    <a:p>
+                      <a:pPr latinLnBrk="1"/>
+                      <a:endParaRPr lang="ko-KR" altLang="en-US"/>
+                    </a:p>
+                  </a:txBody>
+                  <a:tcPr/>
+                </a:tc>
+                <a:tc hMerge="1">
+                  <a:txBody>
+                    <a:bodyPr/>
+                    <a:lstStyle/>
+                    <a:p>
+                      <a:pPr latinLnBrk="1"/>
+                      <a:endParaRPr lang="ko-KR" altLang="en-US"/>
+                    </a:p>
+                  </a:txBody>
+                  <a:tcPr/>
+                </a:tc>
+                <a:tc gridSpan="5">
+                  <a:txBody>
+                    <a:bodyPr/>
+                    <a:lstStyle/>
+                    <a:p>
+                      <a:pPr latinLnBrk="1"/>
+                      <a:r>
+                        <a:rPr lang="en-US" altLang="ko-KR" dirty="0"/>
+                        <a:t>3</a:t>
+                      </a:r>
+                      <a:endParaRPr lang="ko-KR" altLang="en-US" dirty="0"/>
+                    </a:p>
+                  </a:txBody>
+                  <a:tcPr/>
+                </a:tc>
+                <a:tc hMerge="1">
+                  <a:txBody>
+                    <a:bodyPr/>
+                    <a:lstStyle/>
+                    <a:p>
+                      <a:pPr latinLnBrk="1"/>
+                      <a:endParaRPr lang="ko-KR" altLang="en-US"/>
+                    </a:p>
+                  </a:txBody>
+                  <a:tcPr/>
+                </a:tc>
+                <a:tc hMerge="1">
+                  <a:txBody>
+                    <a:bodyPr/>
+                    <a:lstStyle/>
+                    <a:p>
+                      <a:pPr latinLnBrk="1"/>
+                      <a:endParaRPr lang="ko-KR" altLang="en-US"/>
+                    </a:p>
+                  </a:txBody>
+                  <a:tcPr/>
+                </a:tc>
+                <a:tc hMerge="1">
+                  <a:txBody>
+                    <a:bodyPr/>
+                    <a:lstStyle/>
+                    <a:p>
+                      <a:pPr latinLnBrk="1"/>
+                      <a:endParaRPr lang="ko-KR" altLang="en-US"/>
+                    </a:p>
+                  </a:txBody>
+                  <a:tcPr/>
+                </a:tc>
+                <a:tc hMerge="1">
+                  <a:txBody>
+                    <a:bodyPr/>
+                    <a:lstStyle/>
+                    <a:p>
+                      <a:pPr latinLnBrk="1"/>
+                      <a:endParaRPr lang="ko-KR" altLang="en-US"/>
+                    </a:p>
+                  </a:txBody>
+                  <a:tcPr/>
+                </a:tc>
+                <a:tc gridSpan="5">
+                  <a:txBody>
+                    <a:bodyPr/>
+                    <a:lstStyle/>
+                    <a:p>
+                      <a:pPr latinLnBrk="1"/>
+                      <a:r>
+                        <a:rPr lang="en-US" altLang="ko-KR" dirty="0"/>
+                        <a:t>…</a:t>
+                      </a:r>
+                      <a:endParaRPr lang="ko-KR" altLang="en-US" dirty="0"/>
+                    </a:p>
+                  </a:txBody>
+                  <a:tcPr/>
+                </a:tc>
+                <a:tc hMerge="1">
+                  <a:txBody>
+                    <a:bodyPr/>
+                    <a:lstStyle/>
+                    <a:p>
+                      <a:pPr latinLnBrk="1"/>
+                      <a:endParaRPr lang="ko-KR" altLang="en-US"/>
+                    </a:p>
+                  </a:txBody>
+                  <a:tcPr/>
+                </a:tc>
+                <a:tc hMerge="1">
+                  <a:txBody>
+                    <a:bodyPr/>
+                    <a:lstStyle/>
+                    <a:p>
+                      <a:pPr latinLnBrk="1"/>
+                      <a:endParaRPr lang="ko-KR" altLang="en-US"/>
+                    </a:p>
+                  </a:txBody>
+                  <a:tcPr/>
+                </a:tc>
+                <a:tc hMerge="1">
+                  <a:txBody>
+                    <a:bodyPr/>
+                    <a:lstStyle/>
+                    <a:p>
+                      <a:pPr latinLnBrk="1"/>
+                      <a:endParaRPr lang="ko-KR" altLang="en-US"/>
+                    </a:p>
+                  </a:txBody>
+                  <a:tcPr/>
+                </a:tc>
+                <a:tc hMerge="1">
+                  <a:txBody>
+                    <a:bodyPr/>
+                    <a:lstStyle/>
+                    <a:p>
+                      <a:pPr latinLnBrk="1"/>
+                      <a:endParaRPr lang="ko-KR" altLang="en-US"/>
+                    </a:p>
+                  </a:txBody>
+                  <a:tcPr/>
+                </a:tc>
+                <a:extLst>
+                  <a:ext uri="{0D108BD9-81ED-4DB2-BD59-A6C34878D82A}">
+                    <a16:rowId xmlns:a16="http://schemas.microsoft.com/office/drawing/2014/main" val="2580820977"/>
+                  </a:ext>
+                </a:extLst>
+              </a:tr>
+              <a:tr h="370840">
+                <a:tc>
+                  <a:txBody>
+                    <a:bodyPr/>
+                    <a:lstStyle/>
+                    <a:p>
+                      <a:pPr latinLnBrk="1"/>
+                      <a:r>
+                        <a:rPr lang="en-US" altLang="ko-KR" dirty="0"/>
+                        <a:t>0</a:t>
+                      </a:r>
+                      <a:endParaRPr lang="ko-KR" altLang="en-US" dirty="0"/>
+                    </a:p>
+                  </a:txBody>
+                  <a:tcPr/>
+                </a:tc>
+                <a:tc>
+                  <a:txBody>
+                    <a:bodyPr/>
+                    <a:lstStyle/>
+                    <a:p>
+                      <a:pPr latinLnBrk="1"/>
+                      <a:r>
+                        <a:rPr lang="en-US" altLang="ko-KR" dirty="0"/>
+                        <a:t>1</a:t>
+                      </a:r>
+                      <a:endParaRPr lang="ko-KR" altLang="en-US" dirty="0"/>
+                    </a:p>
+                  </a:txBody>
+                  <a:tcPr/>
+                </a:tc>
+                <a:tc>
+                  <a:txBody>
+                    <a:bodyPr/>
+                    <a:lstStyle/>
+                    <a:p>
+                      <a:pPr latinLnBrk="1"/>
+                      <a:r>
+                        <a:rPr lang="en-US" altLang="ko-KR" dirty="0"/>
+                        <a:t>2</a:t>
+                      </a:r>
+                      <a:endParaRPr lang="ko-KR" altLang="en-US" dirty="0"/>
+                    </a:p>
+                  </a:txBody>
+                  <a:tcPr/>
+                </a:tc>
+                <a:tc>
+                  <a:txBody>
+                    <a:bodyPr/>
+                    <a:lstStyle/>
+                    <a:p>
+                      <a:pPr latinLnBrk="1"/>
+                      <a:r>
+                        <a:rPr lang="en-US" altLang="ko-KR" dirty="0"/>
+                        <a:t>3</a:t>
+                      </a:r>
+                      <a:endParaRPr lang="ko-KR" altLang="en-US" dirty="0"/>
+                    </a:p>
+                  </a:txBody>
+                  <a:tcPr/>
+                </a:tc>
+                <a:tc>
+                  <a:txBody>
+                    <a:bodyPr/>
+                    <a:lstStyle/>
+                    <a:p>
+                      <a:pPr latinLnBrk="1"/>
+                      <a:r>
+                        <a:rPr lang="en-US" altLang="ko-KR" dirty="0"/>
+                        <a:t>…</a:t>
+                      </a:r>
+                      <a:endParaRPr lang="ko-KR" altLang="en-US" dirty="0"/>
+                    </a:p>
+                  </a:txBody>
+                  <a:tcPr/>
+                </a:tc>
+                <a:tc>
+                  <a:txBody>
+                    <a:bodyPr/>
+                    <a:lstStyle/>
+                    <a:p>
+                      <a:pPr latinLnBrk="1"/>
+                      <a:endParaRPr lang="ko-KR" altLang="en-US" dirty="0"/>
+                    </a:p>
+                  </a:txBody>
+                  <a:tcPr/>
+                </a:tc>
+                <a:tc>
+                  <a:txBody>
+                    <a:bodyPr/>
+                    <a:lstStyle/>
+                    <a:p>
+                      <a:pPr latinLnBrk="1"/>
+                      <a:endParaRPr lang="ko-KR" altLang="en-US" dirty="0"/>
+                    </a:p>
+                  </a:txBody>
+                  <a:tcPr/>
+                </a:tc>
+                <a:tc>
+                  <a:txBody>
+                    <a:bodyPr/>
+                    <a:lstStyle/>
+                    <a:p>
+                      <a:pPr latinLnBrk="1"/>
+                      <a:endParaRPr lang="ko-KR" altLang="en-US" dirty="0"/>
+                    </a:p>
+                  </a:txBody>
+                  <a:tcPr/>
+                </a:tc>
+                <a:tc>
+                  <a:txBody>
+                    <a:bodyPr/>
+                    <a:lstStyle/>
+                    <a:p>
+                      <a:pPr latinLnBrk="1"/>
+                      <a:endParaRPr lang="ko-KR" altLang="en-US" dirty="0"/>
+                    </a:p>
+                  </a:txBody>
+                  <a:tcPr/>
+                </a:tc>
+                <a:tc>
+                  <a:txBody>
+                    <a:bodyPr/>
+                    <a:lstStyle/>
+                    <a:p>
+                      <a:pPr latinLnBrk="1"/>
+                      <a:endParaRPr lang="ko-KR" altLang="en-US" dirty="0"/>
+                    </a:p>
+                  </a:txBody>
+                  <a:tcPr/>
+                </a:tc>
+                <a:tc>
+                  <a:txBody>
+                    <a:bodyPr/>
+                    <a:lstStyle/>
+                    <a:p>
+                      <a:pPr latinLnBrk="1"/>
+                      <a:endParaRPr lang="ko-KR" altLang="en-US" dirty="0"/>
+                    </a:p>
+                  </a:txBody>
+                  <a:tcPr/>
+                </a:tc>
+                <a:tc>
+                  <a:txBody>
+                    <a:bodyPr/>
+                    <a:lstStyle/>
+                    <a:p>
+                      <a:pPr latinLnBrk="1"/>
+                      <a:endParaRPr lang="ko-KR" altLang="en-US" dirty="0"/>
+                    </a:p>
+                  </a:txBody>
+                  <a:tcPr/>
+                </a:tc>
+                <a:tc>
+                  <a:txBody>
+                    <a:bodyPr/>
+                    <a:lstStyle/>
+                    <a:p>
+                      <a:pPr latinLnBrk="1"/>
+                      <a:endParaRPr lang="ko-KR" altLang="en-US" dirty="0"/>
+                    </a:p>
+                  </a:txBody>
+                  <a:tcPr/>
+                </a:tc>
+                <a:tc>
+                  <a:txBody>
+                    <a:bodyPr/>
+                    <a:lstStyle/>
+                    <a:p>
+                      <a:pPr latinLnBrk="1"/>
+                      <a:endParaRPr lang="ko-KR" altLang="en-US" dirty="0"/>
+                    </a:p>
+                  </a:txBody>
+                  <a:tcPr/>
+                </a:tc>
+                <a:tc>
+                  <a:txBody>
+                    <a:bodyPr/>
+                    <a:lstStyle/>
+                    <a:p>
+                      <a:pPr latinLnBrk="1"/>
+                      <a:endParaRPr lang="ko-KR" altLang="en-US" dirty="0"/>
+                    </a:p>
+                  </a:txBody>
+                  <a:tcPr/>
+                </a:tc>
+                <a:tc>
+                  <a:txBody>
+                    <a:bodyPr/>
+                    <a:lstStyle/>
+                    <a:p>
+                      <a:pPr latinLnBrk="1"/>
+                      <a:endParaRPr lang="ko-KR" altLang="en-US" dirty="0"/>
+                    </a:p>
+                  </a:txBody>
+                  <a:tcPr/>
+                </a:tc>
+                <a:tc>
+                  <a:txBody>
+                    <a:bodyPr/>
+                    <a:lstStyle/>
+                    <a:p>
+                      <a:pPr latinLnBrk="1"/>
+                      <a:endParaRPr lang="ko-KR" altLang="en-US" dirty="0"/>
+                    </a:p>
+                  </a:txBody>
+                  <a:tcPr/>
+                </a:tc>
+                <a:tc>
+                  <a:txBody>
+                    <a:bodyPr/>
+                    <a:lstStyle/>
+                    <a:p>
+                      <a:pPr latinLnBrk="1"/>
+                      <a:endParaRPr lang="ko-KR" altLang="en-US" dirty="0"/>
+                    </a:p>
+                  </a:txBody>
+                  <a:tcPr/>
+                </a:tc>
+                <a:tc>
+                  <a:txBody>
+                    <a:bodyPr/>
+                    <a:lstStyle/>
+                    <a:p>
+                      <a:pPr latinLnBrk="1"/>
+                      <a:endParaRPr lang="ko-KR" altLang="en-US" dirty="0"/>
+                    </a:p>
+                  </a:txBody>
+                  <a:tcPr/>
+                </a:tc>
+                <a:tc>
+                  <a:txBody>
+                    <a:bodyPr/>
+                    <a:lstStyle/>
+                    <a:p>
+                      <a:pPr latinLnBrk="1"/>
+                      <a:endParaRPr lang="ko-KR" altLang="en-US" dirty="0"/>
+                    </a:p>
+                  </a:txBody>
+                  <a:tcPr/>
+                </a:tc>
+                <a:tc>
+                  <a:txBody>
+                    <a:bodyPr/>
+                    <a:lstStyle/>
+                    <a:p>
+                      <a:pPr latinLnBrk="1"/>
+                      <a:endParaRPr lang="ko-KR" altLang="en-US" dirty="0"/>
+                    </a:p>
+                  </a:txBody>
+                  <a:tcPr/>
+                </a:tc>
+                <a:tc>
+                  <a:txBody>
+                    <a:bodyPr/>
+                    <a:lstStyle/>
+                    <a:p>
+                      <a:pPr latinLnBrk="1"/>
+                      <a:endParaRPr lang="ko-KR" altLang="en-US" dirty="0"/>
+                    </a:p>
+                  </a:txBody>
+                  <a:tcPr/>
+                </a:tc>
+                <a:tc>
+                  <a:txBody>
+                    <a:bodyPr/>
+                    <a:lstStyle/>
+                    <a:p>
+                      <a:pPr latinLnBrk="1"/>
+                      <a:endParaRPr lang="ko-KR" altLang="en-US" dirty="0"/>
+                    </a:p>
+                  </a:txBody>
+                  <a:tcPr/>
+                </a:tc>
+                <a:tc>
+                  <a:txBody>
+                    <a:bodyPr/>
+                    <a:lstStyle/>
+                    <a:p>
+                      <a:pPr latinLnBrk="1"/>
+                      <a:endParaRPr lang="ko-KR" altLang="en-US" dirty="0"/>
+                    </a:p>
+                  </a:txBody>
+                  <a:tcPr/>
+                </a:tc>
+                <a:tc>
+                  <a:txBody>
+                    <a:bodyPr/>
+                    <a:lstStyle/>
+                    <a:p>
+                      <a:pPr latinLnBrk="1"/>
+                      <a:endParaRPr lang="ko-KR" altLang="en-US" dirty="0"/>
+                    </a:p>
+                  </a:txBody>
+                  <a:tcPr/>
+                </a:tc>
+                <a:extLst>
+                  <a:ext uri="{0D108BD9-81ED-4DB2-BD59-A6C34878D82A}">
+                    <a16:rowId xmlns:a16="http://schemas.microsoft.com/office/drawing/2014/main" val="1195929496"/>
+                  </a:ext>
+                </a:extLst>
+              </a:tr>
+            </a:tbl>
+          </a:graphicData>
+        </a:graphic>
+      </p:graphicFrame>
+      <p:sp>
+        <p:nvSpPr>
+          <p:cNvPr id="3" name="직사각형 2">
+            <a:extLst>
+              <a:ext uri="{FF2B5EF4-FFF2-40B4-BE49-F238E27FC236}">
+                <a16:creationId xmlns:a16="http://schemas.microsoft.com/office/drawing/2014/main" id="{96D606D6-F3DD-E99F-12B0-B09F05C5F2C5}"/>
+              </a:ext>
+            </a:extLst>
+          </p:cNvPr>
+          <p:cNvSpPr/>
+          <p:nvPr/>
+        </p:nvSpPr>
+        <p:spPr bwMode="auto">
+          <a:xfrm>
+            <a:off x="1004341" y="1551217"/>
+            <a:ext cx="502170" cy="344773"/>
+          </a:xfrm>
+          <a:prstGeom prst="rect">
+            <a:avLst/>
+          </a:prstGeom>
+          <a:solidFill>
+            <a:schemeClr val="accent3">
+              <a:lumMod val="20000"/>
+              <a:lumOff val="80000"/>
+            </a:schemeClr>
+          </a:solidFill>
+          <a:ln w="9525" cap="flat" cmpd="sng" algn="ctr">
+            <a:solidFill>
+              <a:schemeClr val="accent3">
+                <a:lumMod val="75000"/>
+              </a:schemeClr>
+            </a:solidFill>
+            <a:prstDash val="solid"/>
+            <a:round/>
+            <a:headEnd type="none" w="med" len="med"/>
+            <a:tailEnd type="none" w="med" len="med"/>
+          </a:ln>
+          <a:effectLst/>
+        </p:spPr>
+        <p:txBody>
+          <a:bodyPr vert="horz" wrap="square" lIns="91440" tIns="45720" rIns="91440" bIns="45720" numCol="1" rtlCol="0" anchor="ctr" anchorCtr="0" compatLnSpc="1">
+            <a:prstTxWarp prst="textNoShape">
+              <a:avLst/>
+            </a:prstTxWarp>
+          </a:bodyPr>
+          <a:lstStyle/>
+          <a:p>
+            <a:pPr algn="ctr"/>
+            <a:r>
+              <a:rPr lang="en-US" altLang="ko-KR" sz="1400" dirty="0"/>
+              <a:t>0</a:t>
+            </a:r>
+            <a:endParaRPr lang="ko-KR" altLang="en-US" sz="1400" dirty="0"/>
+          </a:p>
+        </p:txBody>
+      </p:sp>
+      <p:sp>
+        <p:nvSpPr>
+          <p:cNvPr id="4" name="직사각형 3">
+            <a:extLst>
+              <a:ext uri="{FF2B5EF4-FFF2-40B4-BE49-F238E27FC236}">
+                <a16:creationId xmlns:a16="http://schemas.microsoft.com/office/drawing/2014/main" id="{3F6B7E19-7BA8-3946-4D33-8C0FD49C094D}"/>
+              </a:ext>
+            </a:extLst>
+          </p:cNvPr>
+          <p:cNvSpPr/>
+          <p:nvPr/>
+        </p:nvSpPr>
+        <p:spPr bwMode="auto">
+          <a:xfrm>
+            <a:off x="1506511" y="1551217"/>
+            <a:ext cx="502170" cy="344773"/>
+          </a:xfrm>
+          <a:prstGeom prst="rect">
+            <a:avLst/>
+          </a:prstGeom>
+          <a:solidFill>
+            <a:schemeClr val="accent3">
+              <a:lumMod val="20000"/>
+              <a:lumOff val="80000"/>
+            </a:schemeClr>
+          </a:solidFill>
+          <a:ln w="9525" cap="flat" cmpd="sng" algn="ctr">
+            <a:solidFill>
+              <a:schemeClr val="accent3">
+                <a:lumMod val="75000"/>
+              </a:schemeClr>
+            </a:solidFill>
+            <a:prstDash val="solid"/>
+            <a:round/>
+            <a:headEnd type="none" w="med" len="med"/>
+            <a:tailEnd type="none" w="med" len="med"/>
+          </a:ln>
+          <a:effectLst/>
+        </p:spPr>
+        <p:txBody>
+          <a:bodyPr vert="horz" wrap="square" lIns="91440" tIns="45720" rIns="91440" bIns="45720" numCol="1" rtlCol="0" anchor="ctr" anchorCtr="0" compatLnSpc="1">
+            <a:prstTxWarp prst="textNoShape">
+              <a:avLst/>
+            </a:prstTxWarp>
+          </a:bodyPr>
+          <a:lstStyle/>
+          <a:p>
+            <a:pPr algn="ctr"/>
+            <a:r>
+              <a:rPr lang="en-US" altLang="ko-KR" sz="1400" dirty="0"/>
+              <a:t>1</a:t>
+            </a:r>
+            <a:endParaRPr lang="ko-KR" altLang="en-US" sz="1400" dirty="0"/>
+          </a:p>
+        </p:txBody>
+      </p:sp>
+      <p:graphicFrame>
+        <p:nvGraphicFramePr>
+          <p:cNvPr id="7" name="표 9">
+            <a:extLst>
+              <a:ext uri="{FF2B5EF4-FFF2-40B4-BE49-F238E27FC236}">
+                <a16:creationId xmlns:a16="http://schemas.microsoft.com/office/drawing/2014/main" id="{0E97A2B2-AC01-0B8D-B7A0-CDDB41751383}"/>
+              </a:ext>
+            </a:extLst>
+          </p:cNvPr>
+          <p:cNvGraphicFramePr>
+            <a:graphicFrameLocks/>
+          </p:cNvGraphicFramePr>
+          <p:nvPr>
+            <p:extLst>
+              <p:ext uri="{D42A27DB-BD31-4B8C-83A1-F6EECF244321}">
+                <p14:modId xmlns:p14="http://schemas.microsoft.com/office/powerpoint/2010/main" val="3019131243"/>
+              </p:ext>
+            </p:extLst>
+          </p:nvPr>
+        </p:nvGraphicFramePr>
+        <p:xfrm>
+          <a:off x="2008681" y="2232988"/>
+          <a:ext cx="6370260" cy="741680"/>
         </p:xfrm>
         <a:graphic>
           <a:graphicData uri="http://schemas.openxmlformats.org/drawingml/2006/table">
@@ -4532,15 +5579,7 @@
                       <a:pPr latinLnBrk="1"/>
                       <a:r>
                         <a:rPr lang="en-US" altLang="ko-KR" dirty="0"/>
-                        <a:t>Data</a:t>
-                      </a:r>
-                      <a:r>
-                        <a:rPr lang="ko-KR" altLang="en-US" dirty="0"/>
-                        <a:t> </a:t>
-                      </a:r>
-                      <a:r>
-                        <a:rPr lang="en-US" altLang="ko-KR" dirty="0"/>
-                        <a:t>Segment</a:t>
+                        <a:t>0</a:t>
                       </a:r>
                       <a:endParaRPr lang="ko-KR" altLang="en-US" dirty="0"/>
                     </a:p>
@@ -4555,8 +5594,71 @@
                       <a:pPr latinLnBrk="1"/>
                       <a:r>
                         <a:rPr lang="en-US" altLang="ko-KR" dirty="0"/>
-                        <a:t>Heap Segment</a:t>
+                        <a:t>1</a:t>
                       </a:r>
+                      <a:endParaRPr lang="ko-KR" altLang="en-US" dirty="0"/>
+                    </a:p>
+                  </a:txBody>
+                  <a:tcPr/>
+                </a:tc>
+                <a:tc>
+                  <a:txBody>
+                    <a:bodyPr/>
+                    <a:lstStyle/>
+                    <a:p>
+                      <a:pPr latinLnBrk="1"/>
+                      <a:r>
+                        <a:rPr lang="en-US" altLang="ko-KR" dirty="0"/>
+                        <a:t>2</a:t>
+                      </a:r>
+                      <a:endParaRPr lang="ko-KR" altLang="en-US" dirty="0"/>
+                    </a:p>
+                  </a:txBody>
+                  <a:tcPr/>
+                </a:tc>
+                <a:tc>
+                  <a:txBody>
+                    <a:bodyPr/>
+                    <a:lstStyle/>
+                    <a:p>
+                      <a:pPr latinLnBrk="1"/>
+                      <a:r>
+                        <a:rPr lang="en-US" altLang="ko-KR" dirty="0"/>
+                        <a:t>3</a:t>
+                      </a:r>
+                      <a:endParaRPr lang="ko-KR" altLang="en-US" dirty="0"/>
+                    </a:p>
+                  </a:txBody>
+                  <a:tcPr/>
+                </a:tc>
+                <a:tc>
+                  <a:txBody>
+                    <a:bodyPr/>
+                    <a:lstStyle/>
+                    <a:p>
+                      <a:pPr latinLnBrk="1"/>
+                      <a:r>
+                        <a:rPr lang="en-US" altLang="ko-KR" dirty="0"/>
+                        <a:t>…</a:t>
+                      </a:r>
+                      <a:endParaRPr lang="ko-KR" altLang="en-US" dirty="0"/>
+                    </a:p>
+                  </a:txBody>
+                  <a:tcPr/>
+                </a:tc>
+                <a:extLst>
+                  <a:ext uri="{0D108BD9-81ED-4DB2-BD59-A6C34878D82A}">
+                    <a16:rowId xmlns:a16="http://schemas.microsoft.com/office/drawing/2014/main" val="2580820977"/>
+                  </a:ext>
+                </a:extLst>
+              </a:tr>
+              <a:tr h="370840">
+                <a:tc>
+                  <a:txBody>
+                    <a:bodyPr/>
+                    <a:lstStyle/>
+                    <a:p>
+                      <a:pPr latinLnBrk="1"/>
                       <a:endParaRPr lang="ko-KR" altLang="en-US" dirty="0"/>
                     </a:p>
                   </a:txBody>
@@ -4579,7 +5681,18 @@
                     <a:lstStyle/>
                     <a:p>
                       <a:pPr latinLnBrk="1"/>
-                      <a:endParaRPr lang="ko-KR" altLang="en-US"/>
+                      <a:endParaRPr lang="ko-KR" altLang="en-US" dirty="0"/>
+                    </a:p>
+                  </a:txBody>
+                  <a:tcPr/>
+                </a:tc>
+                <a:tc>
+                  <a:txBody>
+                    <a:bodyPr/>
+                    <a:lstStyle/>
+                    <a:p>
+                      <a:pPr latinLnBrk="1"/>
+                      <a:endParaRPr lang="ko-KR" altLang="en-US" dirty="0"/>
                     </a:p>
                   </a:txBody>
                   <a:tcPr/>
@@ -4597,7 +5710,7 @@
                 </a:tc>
                 <a:extLst>
                   <a:ext uri="{0D108BD9-81ED-4DB2-BD59-A6C34878D82A}">
-                    <a16:rowId xmlns:a16="http://schemas.microsoft.com/office/drawing/2014/main" val="2580820977"/>
+                    <a16:rowId xmlns:a16="http://schemas.microsoft.com/office/drawing/2014/main" val="2264084892"/>
                   </a:ext>
                 </a:extLst>
               </a:tr>

--- a/진행.pptx
+++ b/진행.pptx
@@ -5,7 +5,7 @@
     <p:sldMasterId id="2147483648" r:id="rId1"/>
   </p:sldMasterIdLst>
   <p:notesMasterIdLst>
-    <p:notesMasterId r:id="rId14"/>
+    <p:notesMasterId r:id="rId15"/>
   </p:notesMasterIdLst>
   <p:sldIdLst>
     <p:sldId id="256" r:id="rId2"/>
@@ -20,6 +20,7 @@
     <p:sldId id="298" r:id="rId11"/>
     <p:sldId id="300" r:id="rId12"/>
     <p:sldId id="299" r:id="rId13"/>
+    <p:sldId id="301" r:id="rId14"/>
   </p:sldIdLst>
   <p:sldSz cx="10150475" cy="7616825"/>
   <p:notesSz cx="6867525" cy="9994900"/>
@@ -165,6 +166,7 @@
             <p14:sldId id="298"/>
             <p14:sldId id="300"/>
             <p14:sldId id="299"/>
+            <p14:sldId id="301"/>
           </p14:sldIdLst>
         </p14:section>
       </p14:sectionLst>
@@ -315,7 +317,7 @@
             <a:fld id="{6D61DB4D-25AF-4EE9-B3EB-9D14CE91ACF1}" type="datetimeFigureOut">
               <a:rPr lang="ko-KR" altLang="en-US" smtClean="0"/>
               <a:pPr/>
-              <a:t>2023-01-15 (Sun)</a:t>
+              <a:t>2023-01-16</a:t>
             </a:fld>
             <a:endParaRPr lang="ko-KR" altLang="en-US"/>
           </a:p>
@@ -581,6 +583,91 @@
     </a:lvl9pPr>
   </p:notesStyle>
 </p:notesMaster>
+</file>
+
+<file path=ppt/notesSlides/notesSlide1.xml><?xml version="1.0" encoding="utf-8"?>
+<p:notes xmlns:a="http://schemas.openxmlformats.org/drawingml/2006/main" xmlns:r="http://schemas.openxmlformats.org/officeDocument/2006/relationships" xmlns:p="http://schemas.openxmlformats.org/presentationml/2006/main">
+  <p:cSld>
+    <p:spTree>
+      <p:nvGrpSpPr>
+        <p:cNvPr id="1" name=""/>
+        <p:cNvGrpSpPr/>
+        <p:nvPr/>
+      </p:nvGrpSpPr>
+      <p:grpSpPr>
+        <a:xfrm>
+          <a:off x="0" y="0"/>
+          <a:ext cx="0" cy="0"/>
+          <a:chOff x="0" y="0"/>
+          <a:chExt cx="0" cy="0"/>
+        </a:xfrm>
+      </p:grpSpPr>
+      <p:sp>
+        <p:nvSpPr>
+          <p:cNvPr id="2" name="슬라이드 이미지 개체 틀 1"/>
+          <p:cNvSpPr>
+            <a:spLocks noGrp="1" noRot="1" noChangeAspect="1"/>
+          </p:cNvSpPr>
+          <p:nvPr>
+            <p:ph type="sldImg"/>
+          </p:nvPr>
+        </p:nvSpPr>
+        <p:spPr/>
+      </p:sp>
+      <p:sp>
+        <p:nvSpPr>
+          <p:cNvPr id="3" name="슬라이드 노트 개체 틀 2"/>
+          <p:cNvSpPr>
+            <a:spLocks noGrp="1"/>
+          </p:cNvSpPr>
+          <p:nvPr>
+            <p:ph type="body" idx="1"/>
+          </p:nvPr>
+        </p:nvSpPr>
+        <p:spPr/>
+        <p:txBody>
+          <a:bodyPr/>
+          <a:lstStyle/>
+          <a:p>
+            <a:endParaRPr lang="ko-KR" altLang="en-US" dirty="0"/>
+          </a:p>
+        </p:txBody>
+      </p:sp>
+      <p:sp>
+        <p:nvSpPr>
+          <p:cNvPr id="4" name="슬라이드 번호 개체 틀 3"/>
+          <p:cNvSpPr>
+            <a:spLocks noGrp="1"/>
+          </p:cNvSpPr>
+          <p:nvPr>
+            <p:ph type="sldNum" sz="quarter" idx="5"/>
+          </p:nvPr>
+        </p:nvSpPr>
+        <p:spPr/>
+        <p:txBody>
+          <a:bodyPr/>
+          <a:lstStyle/>
+          <a:p>
+            <a:fld id="{198950DA-FFE2-4ED0-B2C9-F373E7764F7B}" type="slidenum">
+              <a:rPr lang="ko-KR" altLang="en-US" smtClean="0"/>
+              <a:pPr/>
+              <a:t>13</a:t>
+            </a:fld>
+            <a:endParaRPr lang="ko-KR" altLang="en-US"/>
+          </a:p>
+        </p:txBody>
+      </p:sp>
+    </p:spTree>
+    <p:extLst>
+      <p:ext uri="{BB962C8B-B14F-4D97-AF65-F5344CB8AC3E}">
+        <p14:creationId xmlns:p14="http://schemas.microsoft.com/office/powerpoint/2010/main" val="3798780060"/>
+      </p:ext>
+    </p:extLst>
+  </p:cSld>
+  <p:clrMapOvr>
+    <a:masterClrMapping/>
+  </p:clrMapOvr>
+</p:notes>
 </file>
 
 <file path=ppt/slideLayouts/slideLayout1.xml><?xml version="1.0" encoding="utf-8"?>
@@ -5731,6 +5818,4792 @@
 </p:sld>
 </file>
 
+<file path=ppt/slides/slide13.xml><?xml version="1.0" encoding="utf-8"?>
+<p:sld xmlns:a="http://schemas.openxmlformats.org/drawingml/2006/main" xmlns:r="http://schemas.openxmlformats.org/officeDocument/2006/relationships" xmlns:p="http://schemas.openxmlformats.org/presentationml/2006/main">
+  <p:cSld>
+    <p:spTree>
+      <p:nvGrpSpPr>
+        <p:cNvPr id="1" name=""/>
+        <p:cNvGrpSpPr/>
+        <p:nvPr/>
+      </p:nvGrpSpPr>
+      <p:grpSpPr>
+        <a:xfrm>
+          <a:off x="0" y="0"/>
+          <a:ext cx="0" cy="0"/>
+          <a:chOff x="0" y="0"/>
+          <a:chExt cx="0" cy="0"/>
+        </a:xfrm>
+      </p:grpSpPr>
+      <p:sp>
+        <p:nvSpPr>
+          <p:cNvPr id="2" name="내용 개체 틀 1">
+            <a:extLst>
+              <a:ext uri="{FF2B5EF4-FFF2-40B4-BE49-F238E27FC236}">
+                <a16:creationId xmlns:a16="http://schemas.microsoft.com/office/drawing/2014/main" id="{8BB405B3-3C5E-A96A-AC82-E751B7CF6DDA}"/>
+              </a:ext>
+            </a:extLst>
+          </p:cNvPr>
+          <p:cNvSpPr>
+            <a:spLocks noGrp="1"/>
+          </p:cNvSpPr>
+          <p:nvPr>
+            <p:ph sz="half" idx="1"/>
+          </p:nvPr>
+        </p:nvSpPr>
+        <p:spPr/>
+        <p:txBody>
+          <a:bodyPr/>
+          <a:lstStyle/>
+          <a:p>
+            <a:r>
+              <a:rPr lang="en-US" altLang="ko-KR" dirty="0"/>
+              <a:t>Page</a:t>
+            </a:r>
+            <a:r>
+              <a:rPr lang="ko-KR" altLang="en-US" dirty="0"/>
+              <a:t> </a:t>
+            </a:r>
+            <a:r>
+              <a:rPr lang="en-US" altLang="ko-KR" dirty="0"/>
+              <a:t>Manager</a:t>
+            </a:r>
+            <a:endParaRPr lang="ko-KR" altLang="en-US" dirty="0"/>
+          </a:p>
+        </p:txBody>
+      </p:sp>
+      <p:sp>
+        <p:nvSpPr>
+          <p:cNvPr id="4" name="바닥글 개체 틀 3">
+            <a:extLst>
+              <a:ext uri="{FF2B5EF4-FFF2-40B4-BE49-F238E27FC236}">
+                <a16:creationId xmlns:a16="http://schemas.microsoft.com/office/drawing/2014/main" id="{74F58BAD-87A7-5FDE-A9B0-E98C0799C3BA}"/>
+              </a:ext>
+            </a:extLst>
+          </p:cNvPr>
+          <p:cNvSpPr>
+            <a:spLocks noGrp="1"/>
+          </p:cNvSpPr>
+          <p:nvPr>
+            <p:ph type="ftr" sz="quarter" idx="10"/>
+          </p:nvPr>
+        </p:nvSpPr>
+        <p:spPr/>
+        <p:txBody>
+          <a:bodyPr/>
+          <a:lstStyle/>
+          <a:p>
+            <a:pPr>
+              <a:buFont typeface="맑은 고딕" panose="020B0503020000020004" pitchFamily="50" charset="-127"/>
+              <a:buChar char="ⓒ"/>
+            </a:pPr>
+            <a:r>
+              <a:rPr lang="en-US" altLang="ko-KR"/>
+              <a:t>Sungwoon Choi 2021</a:t>
+            </a:r>
+            <a:endParaRPr lang="en-US" altLang="ko-KR" dirty="0"/>
+          </a:p>
+        </p:txBody>
+      </p:sp>
+      <p:sp>
+        <p:nvSpPr>
+          <p:cNvPr id="5" name="슬라이드 번호 개체 틀 4">
+            <a:extLst>
+              <a:ext uri="{FF2B5EF4-FFF2-40B4-BE49-F238E27FC236}">
+                <a16:creationId xmlns:a16="http://schemas.microsoft.com/office/drawing/2014/main" id="{1229AD37-46C9-4A00-69F7-919F6DB8B75B}"/>
+              </a:ext>
+            </a:extLst>
+          </p:cNvPr>
+          <p:cNvSpPr>
+            <a:spLocks noGrp="1"/>
+          </p:cNvSpPr>
+          <p:nvPr>
+            <p:ph type="sldNum" sz="quarter" idx="11"/>
+          </p:nvPr>
+        </p:nvSpPr>
+        <p:spPr/>
+        <p:txBody>
+          <a:bodyPr/>
+          <a:lstStyle/>
+          <a:p>
+            <a:fld id="{AA4216F1-165B-4DFF-BD92-3D8E849D7D48}" type="slidenum">
+              <a:rPr lang="en-US" altLang="ko-KR" smtClean="0"/>
+              <a:pPr/>
+              <a:t>13</a:t>
+            </a:fld>
+            <a:endParaRPr lang="en-US" altLang="ko-KR"/>
+          </a:p>
+        </p:txBody>
+      </p:sp>
+      <p:sp>
+        <p:nvSpPr>
+          <p:cNvPr id="6" name="직사각형 5">
+            <a:extLst>
+              <a:ext uri="{FF2B5EF4-FFF2-40B4-BE49-F238E27FC236}">
+                <a16:creationId xmlns:a16="http://schemas.microsoft.com/office/drawing/2014/main" id="{0B451344-B21D-9751-5B14-8F3B33E6671C}"/>
+              </a:ext>
+            </a:extLst>
+          </p:cNvPr>
+          <p:cNvSpPr/>
+          <p:nvPr/>
+        </p:nvSpPr>
+        <p:spPr bwMode="auto">
+          <a:xfrm>
+            <a:off x="2151136" y="2126667"/>
+            <a:ext cx="592282" cy="467591"/>
+          </a:xfrm>
+          <a:prstGeom prst="rect">
+            <a:avLst/>
+          </a:prstGeom>
+          <a:solidFill>
+            <a:schemeClr val="accent3">
+              <a:lumMod val="20000"/>
+              <a:lumOff val="80000"/>
+            </a:schemeClr>
+          </a:solidFill>
+          <a:ln w="9525" cap="flat" cmpd="sng" algn="ctr">
+            <a:solidFill>
+              <a:schemeClr val="accent3">
+                <a:lumMod val="75000"/>
+              </a:schemeClr>
+            </a:solidFill>
+            <a:prstDash val="solid"/>
+            <a:round/>
+            <a:headEnd type="none" w="med" len="med"/>
+            <a:tailEnd type="none" w="med" len="med"/>
+          </a:ln>
+          <a:effectLst/>
+        </p:spPr>
+        <p:txBody>
+          <a:bodyPr vert="horz" wrap="square" lIns="91440" tIns="45720" rIns="91440" bIns="45720" numCol="1" rtlCol="0" anchor="ctr" anchorCtr="0" compatLnSpc="1">
+            <a:prstTxWarp prst="textNoShape">
+              <a:avLst/>
+            </a:prstTxWarp>
+          </a:bodyPr>
+          <a:lstStyle/>
+          <a:p>
+            <a:pPr algn="ctr"/>
+            <a:endParaRPr lang="ko-KR" altLang="en-US" sz="1400" dirty="0"/>
+          </a:p>
+        </p:txBody>
+      </p:sp>
+      <p:sp>
+        <p:nvSpPr>
+          <p:cNvPr id="10" name="TextBox 9">
+            <a:extLst>
+              <a:ext uri="{FF2B5EF4-FFF2-40B4-BE49-F238E27FC236}">
+                <a16:creationId xmlns:a16="http://schemas.microsoft.com/office/drawing/2014/main" id="{7490F8EF-8E64-907E-FC23-D4F62B6D68C4}"/>
+              </a:ext>
+            </a:extLst>
+          </p:cNvPr>
+          <p:cNvSpPr txBox="1"/>
+          <p:nvPr/>
+        </p:nvSpPr>
+        <p:spPr>
+          <a:xfrm>
+            <a:off x="1344960" y="2225331"/>
+            <a:ext cx="550151" cy="276999"/>
+          </a:xfrm>
+          <a:prstGeom prst="rect">
+            <a:avLst/>
+          </a:prstGeom>
+          <a:solidFill>
+            <a:schemeClr val="bg1">
+              <a:lumMod val="95000"/>
+            </a:schemeClr>
+          </a:solidFill>
+          <a:ln>
+            <a:solidFill>
+              <a:schemeClr val="accent3">
+                <a:lumMod val="75000"/>
+              </a:schemeClr>
+            </a:solidFill>
+          </a:ln>
+        </p:spPr>
+        <p:txBody>
+          <a:bodyPr wrap="none" rtlCol="0">
+            <a:spAutoFit/>
+          </a:bodyPr>
+          <a:lstStyle/>
+          <a:p>
+            <a:pPr algn="l"/>
+            <a:r>
+              <a:rPr lang="en-US" altLang="ko-KR" sz="1200" dirty="0"/>
+              <a:t>Head</a:t>
+            </a:r>
+            <a:endParaRPr lang="ko-KR" altLang="en-US" sz="1200" dirty="0"/>
+          </a:p>
+        </p:txBody>
+      </p:sp>
+      <p:cxnSp>
+        <p:nvCxnSpPr>
+          <p:cNvPr id="11" name="직선 화살표 연결선 10">
+            <a:extLst>
+              <a:ext uri="{FF2B5EF4-FFF2-40B4-BE49-F238E27FC236}">
+                <a16:creationId xmlns:a16="http://schemas.microsoft.com/office/drawing/2014/main" id="{CD496904-CB87-8022-0CFD-E4DCA1862B92}"/>
+              </a:ext>
+            </a:extLst>
+          </p:cNvPr>
+          <p:cNvCxnSpPr>
+            <a:stCxn id="10" idx="3"/>
+            <a:endCxn id="6" idx="1"/>
+          </p:cNvCxnSpPr>
+          <p:nvPr/>
+        </p:nvCxnSpPr>
+        <p:spPr bwMode="auto">
+          <a:xfrm flipV="1">
+            <a:off x="1895111" y="2360463"/>
+            <a:ext cx="256025" cy="3368"/>
+          </a:xfrm>
+          <a:prstGeom prst="straightConnector1">
+            <a:avLst/>
+          </a:prstGeom>
+          <a:solidFill>
+            <a:schemeClr val="accent1"/>
+          </a:solidFill>
+          <a:ln w="9525" cap="flat" cmpd="sng" algn="ctr">
+            <a:solidFill>
+              <a:schemeClr val="tx1"/>
+            </a:solidFill>
+            <a:prstDash val="solid"/>
+            <a:round/>
+            <a:headEnd type="none" w="med" len="med"/>
+            <a:tailEnd type="triangle"/>
+          </a:ln>
+          <a:effectLst/>
+          <a:extLst>
+            <a:ext uri="{AF507438-7753-43E0-B8FC-AC1667EBCBE1}">
+              <a14:hiddenEffects xmlns:a14="http://schemas.microsoft.com/office/drawing/2010/main">
+                <a:effectLst>
+                  <a:outerShdw dist="35921" dir="2700000" algn="ctr" rotWithShape="0">
+                    <a:schemeClr val="bg2"/>
+                  </a:outerShdw>
+                </a:effectLst>
+              </a14:hiddenEffects>
+            </a:ext>
+          </a:extLst>
+        </p:spPr>
+      </p:cxnSp>
+      <p:sp>
+        <p:nvSpPr>
+          <p:cNvPr id="30" name="TextBox 29">
+            <a:extLst>
+              <a:ext uri="{FF2B5EF4-FFF2-40B4-BE49-F238E27FC236}">
+                <a16:creationId xmlns:a16="http://schemas.microsoft.com/office/drawing/2014/main" id="{54138766-8672-5711-6FF9-C56C2A09B2DE}"/>
+              </a:ext>
+            </a:extLst>
+          </p:cNvPr>
+          <p:cNvSpPr txBox="1"/>
+          <p:nvPr/>
+        </p:nvSpPr>
+        <p:spPr>
+          <a:xfrm>
+            <a:off x="1583367" y="1313821"/>
+            <a:ext cx="287258" cy="276999"/>
+          </a:xfrm>
+          <a:prstGeom prst="rect">
+            <a:avLst/>
+          </a:prstGeom>
+          <a:solidFill>
+            <a:schemeClr val="accent1">
+              <a:lumMod val="20000"/>
+              <a:lumOff val="80000"/>
+            </a:schemeClr>
+          </a:solidFill>
+          <a:ln>
+            <a:solidFill>
+              <a:schemeClr val="accent3">
+                <a:lumMod val="75000"/>
+              </a:schemeClr>
+            </a:solidFill>
+          </a:ln>
+        </p:spPr>
+        <p:txBody>
+          <a:bodyPr wrap="none" rtlCol="0">
+            <a:spAutoFit/>
+          </a:bodyPr>
+          <a:lstStyle/>
+          <a:p>
+            <a:pPr algn="l"/>
+            <a:r>
+              <a:rPr lang="en-US" altLang="ko-KR" sz="1200" dirty="0"/>
+              <a:t>S</a:t>
+            </a:r>
+            <a:endParaRPr lang="ko-KR" altLang="en-US" sz="1200" dirty="0"/>
+          </a:p>
+        </p:txBody>
+      </p:sp>
+      <p:sp>
+        <p:nvSpPr>
+          <p:cNvPr id="31" name="TextBox 30">
+            <a:extLst>
+              <a:ext uri="{FF2B5EF4-FFF2-40B4-BE49-F238E27FC236}">
+                <a16:creationId xmlns:a16="http://schemas.microsoft.com/office/drawing/2014/main" id="{26CA7123-B71D-43F5-4E4F-07950C804752}"/>
+              </a:ext>
+            </a:extLst>
+          </p:cNvPr>
+          <p:cNvSpPr txBox="1"/>
+          <p:nvPr/>
+        </p:nvSpPr>
+        <p:spPr>
+          <a:xfrm>
+            <a:off x="2344501" y="1301397"/>
+            <a:ext cx="295274" cy="276999"/>
+          </a:xfrm>
+          <a:prstGeom prst="rect">
+            <a:avLst/>
+          </a:prstGeom>
+          <a:solidFill>
+            <a:schemeClr val="accent1">
+              <a:lumMod val="20000"/>
+              <a:lumOff val="80000"/>
+            </a:schemeClr>
+          </a:solidFill>
+          <a:ln>
+            <a:solidFill>
+              <a:schemeClr val="accent3">
+                <a:lumMod val="75000"/>
+              </a:schemeClr>
+            </a:solidFill>
+          </a:ln>
+        </p:spPr>
+        <p:txBody>
+          <a:bodyPr wrap="none" rtlCol="0">
+            <a:spAutoFit/>
+          </a:bodyPr>
+          <a:lstStyle/>
+          <a:p>
+            <a:pPr algn="l"/>
+            <a:r>
+              <a:rPr lang="en-US" altLang="ko-KR" sz="1200" dirty="0"/>
+              <a:t>w</a:t>
+            </a:r>
+            <a:endParaRPr lang="ko-KR" altLang="en-US" sz="1200" dirty="0"/>
+          </a:p>
+        </p:txBody>
+      </p:sp>
+      <p:sp>
+        <p:nvSpPr>
+          <p:cNvPr id="32" name="TextBox 31">
+            <a:extLst>
+              <a:ext uri="{FF2B5EF4-FFF2-40B4-BE49-F238E27FC236}">
+                <a16:creationId xmlns:a16="http://schemas.microsoft.com/office/drawing/2014/main" id="{8B287A21-A2BB-6FAD-5F8B-509D974EC901}"/>
+              </a:ext>
+            </a:extLst>
+          </p:cNvPr>
+          <p:cNvSpPr txBox="1"/>
+          <p:nvPr/>
+        </p:nvSpPr>
+        <p:spPr>
+          <a:xfrm>
+            <a:off x="1972750" y="1302139"/>
+            <a:ext cx="269626" cy="276999"/>
+          </a:xfrm>
+          <a:prstGeom prst="rect">
+            <a:avLst/>
+          </a:prstGeom>
+          <a:solidFill>
+            <a:schemeClr val="accent1">
+              <a:lumMod val="20000"/>
+              <a:lumOff val="80000"/>
+            </a:schemeClr>
+          </a:solidFill>
+          <a:ln>
+            <a:solidFill>
+              <a:schemeClr val="accent3">
+                <a:lumMod val="75000"/>
+              </a:schemeClr>
+            </a:solidFill>
+          </a:ln>
+        </p:spPr>
+        <p:txBody>
+          <a:bodyPr wrap="none" rtlCol="0">
+            <a:spAutoFit/>
+          </a:bodyPr>
+          <a:lstStyle/>
+          <a:p>
+            <a:pPr algn="l"/>
+            <a:r>
+              <a:rPr lang="en-US" altLang="ko-KR" sz="1200" dirty="0"/>
+              <a:t>L</a:t>
+            </a:r>
+            <a:endParaRPr lang="ko-KR" altLang="en-US" sz="1200" dirty="0"/>
+          </a:p>
+        </p:txBody>
+      </p:sp>
+      <p:cxnSp>
+        <p:nvCxnSpPr>
+          <p:cNvPr id="34" name="연결선: 꺾임 33">
+            <a:extLst>
+              <a:ext uri="{FF2B5EF4-FFF2-40B4-BE49-F238E27FC236}">
+                <a16:creationId xmlns:a16="http://schemas.microsoft.com/office/drawing/2014/main" id="{BBEEC107-8BBB-8DF9-FEBF-462056BBE030}"/>
+              </a:ext>
+            </a:extLst>
+          </p:cNvPr>
+          <p:cNvCxnSpPr>
+            <a:stCxn id="30" idx="2"/>
+            <a:endCxn id="6" idx="0"/>
+          </p:cNvCxnSpPr>
+          <p:nvPr/>
+        </p:nvCxnSpPr>
+        <p:spPr bwMode="auto">
+          <a:xfrm rot="16200000" flipH="1">
+            <a:off x="1819213" y="1498602"/>
+            <a:ext cx="535847" cy="720281"/>
+          </a:xfrm>
+          <a:prstGeom prst="bentConnector3">
+            <a:avLst/>
+          </a:prstGeom>
+          <a:solidFill>
+            <a:schemeClr val="accent1"/>
+          </a:solidFill>
+          <a:ln w="9525" cap="flat" cmpd="sng" algn="ctr">
+            <a:solidFill>
+              <a:schemeClr val="tx1"/>
+            </a:solidFill>
+            <a:prstDash val="solid"/>
+            <a:round/>
+            <a:headEnd type="none" w="med" len="med"/>
+            <a:tailEnd type="triangle"/>
+          </a:ln>
+          <a:effectLst/>
+          <a:extLst>
+            <a:ext uri="{AF507438-7753-43E0-B8FC-AC1667EBCBE1}">
+              <a14:hiddenEffects xmlns:a14="http://schemas.microsoft.com/office/drawing/2010/main">
+                <a:effectLst>
+                  <a:outerShdw dist="35921" dir="2700000" algn="ctr" rotWithShape="0">
+                    <a:schemeClr val="bg2"/>
+                  </a:outerShdw>
+                </a:effectLst>
+              </a14:hiddenEffects>
+            </a:ext>
+          </a:extLst>
+        </p:spPr>
+      </p:cxnSp>
+      <p:cxnSp>
+        <p:nvCxnSpPr>
+          <p:cNvPr id="35" name="연결선: 꺾임 34">
+            <a:extLst>
+              <a:ext uri="{FF2B5EF4-FFF2-40B4-BE49-F238E27FC236}">
+                <a16:creationId xmlns:a16="http://schemas.microsoft.com/office/drawing/2014/main" id="{5A5827D8-FA6F-2496-138D-7150BD0A3EB9}"/>
+              </a:ext>
+            </a:extLst>
+          </p:cNvPr>
+          <p:cNvCxnSpPr>
+            <a:stCxn id="31" idx="2"/>
+            <a:endCxn id="6" idx="0"/>
+          </p:cNvCxnSpPr>
+          <p:nvPr/>
+        </p:nvCxnSpPr>
+        <p:spPr bwMode="auto">
+          <a:xfrm rot="5400000">
+            <a:off x="2195573" y="1830101"/>
+            <a:ext cx="548271" cy="44861"/>
+          </a:xfrm>
+          <a:prstGeom prst="bentConnector3">
+            <a:avLst/>
+          </a:prstGeom>
+          <a:solidFill>
+            <a:schemeClr val="accent1"/>
+          </a:solidFill>
+          <a:ln w="9525" cap="flat" cmpd="sng" algn="ctr">
+            <a:solidFill>
+              <a:schemeClr val="tx1"/>
+            </a:solidFill>
+            <a:prstDash val="solid"/>
+            <a:round/>
+            <a:headEnd type="none" w="med" len="med"/>
+            <a:tailEnd type="triangle"/>
+          </a:ln>
+          <a:effectLst/>
+          <a:extLst>
+            <a:ext uri="{AF507438-7753-43E0-B8FC-AC1667EBCBE1}">
+              <a14:hiddenEffects xmlns:a14="http://schemas.microsoft.com/office/drawing/2010/main">
+                <a:effectLst>
+                  <a:outerShdw dist="35921" dir="2700000" algn="ctr" rotWithShape="0">
+                    <a:schemeClr val="bg2"/>
+                  </a:outerShdw>
+                </a:effectLst>
+              </a14:hiddenEffects>
+            </a:ext>
+          </a:extLst>
+        </p:spPr>
+      </p:cxnSp>
+      <p:cxnSp>
+        <p:nvCxnSpPr>
+          <p:cNvPr id="40" name="연결선: 꺾임 39">
+            <a:extLst>
+              <a:ext uri="{FF2B5EF4-FFF2-40B4-BE49-F238E27FC236}">
+                <a16:creationId xmlns:a16="http://schemas.microsoft.com/office/drawing/2014/main" id="{28C32807-C92C-8838-7DD4-4462160E54D2}"/>
+              </a:ext>
+            </a:extLst>
+          </p:cNvPr>
+          <p:cNvCxnSpPr>
+            <a:stCxn id="32" idx="2"/>
+            <a:endCxn id="6" idx="0"/>
+          </p:cNvCxnSpPr>
+          <p:nvPr/>
+        </p:nvCxnSpPr>
+        <p:spPr bwMode="auto">
+          <a:xfrm rot="16200000" flipH="1">
+            <a:off x="2003656" y="1683045"/>
+            <a:ext cx="547529" cy="339714"/>
+          </a:xfrm>
+          <a:prstGeom prst="bentConnector3">
+            <a:avLst>
+              <a:gd name="adj1" fmla="val 50000"/>
+            </a:avLst>
+          </a:prstGeom>
+          <a:solidFill>
+            <a:schemeClr val="accent1"/>
+          </a:solidFill>
+          <a:ln w="9525" cap="flat" cmpd="sng" algn="ctr">
+            <a:solidFill>
+              <a:schemeClr val="tx1"/>
+            </a:solidFill>
+            <a:prstDash val="solid"/>
+            <a:round/>
+            <a:headEnd type="none" w="med" len="med"/>
+            <a:tailEnd type="triangle"/>
+          </a:ln>
+          <a:effectLst/>
+          <a:extLst>
+            <a:ext uri="{AF507438-7753-43E0-B8FC-AC1667EBCBE1}">
+              <a14:hiddenEffects xmlns:a14="http://schemas.microsoft.com/office/drawing/2010/main">
+                <a:effectLst>
+                  <a:outerShdw dist="35921" dir="2700000" algn="ctr" rotWithShape="0">
+                    <a:schemeClr val="bg2"/>
+                  </a:outerShdw>
+                </a:effectLst>
+              </a14:hiddenEffects>
+            </a:ext>
+          </a:extLst>
+        </p:spPr>
+      </p:cxnSp>
+      <p:sp>
+        <p:nvSpPr>
+          <p:cNvPr id="49" name="직사각형 48">
+            <a:extLst>
+              <a:ext uri="{FF2B5EF4-FFF2-40B4-BE49-F238E27FC236}">
+                <a16:creationId xmlns:a16="http://schemas.microsoft.com/office/drawing/2014/main" id="{5A76D108-50D5-66C7-B112-EAC7B7EF0645}"/>
+              </a:ext>
+            </a:extLst>
+          </p:cNvPr>
+          <p:cNvSpPr/>
+          <p:nvPr/>
+        </p:nvSpPr>
+        <p:spPr bwMode="auto">
+          <a:xfrm>
+            <a:off x="4026500" y="2151781"/>
+            <a:ext cx="592282" cy="467591"/>
+          </a:xfrm>
+          <a:prstGeom prst="rect">
+            <a:avLst/>
+          </a:prstGeom>
+          <a:solidFill>
+            <a:schemeClr val="accent1">
+              <a:lumMod val="20000"/>
+              <a:lumOff val="80000"/>
+            </a:schemeClr>
+          </a:solidFill>
+          <a:ln w="9525" cap="flat" cmpd="sng" algn="ctr">
+            <a:solidFill>
+              <a:schemeClr val="accent3">
+                <a:lumMod val="75000"/>
+              </a:schemeClr>
+            </a:solidFill>
+            <a:prstDash val="solid"/>
+            <a:round/>
+            <a:headEnd type="none" w="med" len="med"/>
+            <a:tailEnd type="none" w="med" len="med"/>
+          </a:ln>
+          <a:effectLst/>
+        </p:spPr>
+        <p:txBody>
+          <a:bodyPr vert="horz" wrap="square" lIns="91440" tIns="45720" rIns="91440" bIns="45720" numCol="1" rtlCol="0" anchor="ctr" anchorCtr="0" compatLnSpc="1">
+            <a:prstTxWarp prst="textNoShape">
+              <a:avLst/>
+            </a:prstTxWarp>
+          </a:bodyPr>
+          <a:lstStyle/>
+          <a:p>
+            <a:pPr algn="ctr"/>
+            <a:endParaRPr lang="ko-KR" altLang="en-US" sz="1400" dirty="0"/>
+          </a:p>
+        </p:txBody>
+      </p:sp>
+      <p:sp>
+        <p:nvSpPr>
+          <p:cNvPr id="50" name="TextBox 49">
+            <a:extLst>
+              <a:ext uri="{FF2B5EF4-FFF2-40B4-BE49-F238E27FC236}">
+                <a16:creationId xmlns:a16="http://schemas.microsoft.com/office/drawing/2014/main" id="{C27973F0-43E7-3178-AE23-824ABC4F5544}"/>
+              </a:ext>
+            </a:extLst>
+          </p:cNvPr>
+          <p:cNvSpPr txBox="1"/>
+          <p:nvPr/>
+        </p:nvSpPr>
+        <p:spPr>
+          <a:xfrm>
+            <a:off x="3220324" y="2250445"/>
+            <a:ext cx="550151" cy="276999"/>
+          </a:xfrm>
+          <a:prstGeom prst="rect">
+            <a:avLst/>
+          </a:prstGeom>
+          <a:solidFill>
+            <a:schemeClr val="bg1">
+              <a:lumMod val="95000"/>
+            </a:schemeClr>
+          </a:solidFill>
+          <a:ln>
+            <a:solidFill>
+              <a:schemeClr val="accent3">
+                <a:lumMod val="75000"/>
+              </a:schemeClr>
+            </a:solidFill>
+          </a:ln>
+        </p:spPr>
+        <p:txBody>
+          <a:bodyPr wrap="none" rtlCol="0">
+            <a:spAutoFit/>
+          </a:bodyPr>
+          <a:lstStyle/>
+          <a:p>
+            <a:pPr algn="l"/>
+            <a:r>
+              <a:rPr lang="en-US" altLang="ko-KR" sz="1200" dirty="0"/>
+              <a:t>Head</a:t>
+            </a:r>
+            <a:endParaRPr lang="ko-KR" altLang="en-US" sz="1200" dirty="0"/>
+          </a:p>
+        </p:txBody>
+      </p:sp>
+      <p:cxnSp>
+        <p:nvCxnSpPr>
+          <p:cNvPr id="51" name="직선 화살표 연결선 50">
+            <a:extLst>
+              <a:ext uri="{FF2B5EF4-FFF2-40B4-BE49-F238E27FC236}">
+                <a16:creationId xmlns:a16="http://schemas.microsoft.com/office/drawing/2014/main" id="{C07A8B90-04EA-0C71-A99B-BA6F139F6361}"/>
+              </a:ext>
+            </a:extLst>
+          </p:cNvPr>
+          <p:cNvCxnSpPr>
+            <a:stCxn id="50" idx="3"/>
+            <a:endCxn id="49" idx="1"/>
+          </p:cNvCxnSpPr>
+          <p:nvPr/>
+        </p:nvCxnSpPr>
+        <p:spPr bwMode="auto">
+          <a:xfrm flipV="1">
+            <a:off x="3770475" y="2385577"/>
+            <a:ext cx="256025" cy="3368"/>
+          </a:xfrm>
+          <a:prstGeom prst="straightConnector1">
+            <a:avLst/>
+          </a:prstGeom>
+          <a:solidFill>
+            <a:schemeClr val="accent1"/>
+          </a:solidFill>
+          <a:ln w="9525" cap="flat" cmpd="sng" algn="ctr">
+            <a:solidFill>
+              <a:schemeClr val="tx1"/>
+            </a:solidFill>
+            <a:prstDash val="solid"/>
+            <a:round/>
+            <a:headEnd type="none" w="med" len="med"/>
+            <a:tailEnd type="triangle"/>
+          </a:ln>
+          <a:effectLst/>
+          <a:extLst>
+            <a:ext uri="{AF507438-7753-43E0-B8FC-AC1667EBCBE1}">
+              <a14:hiddenEffects xmlns:a14="http://schemas.microsoft.com/office/drawing/2010/main">
+                <a:effectLst>
+                  <a:outerShdw dist="35921" dir="2700000" algn="ctr" rotWithShape="0">
+                    <a:schemeClr val="bg2"/>
+                  </a:outerShdw>
+                </a:effectLst>
+              </a14:hiddenEffects>
+            </a:ext>
+          </a:extLst>
+        </p:spPr>
+      </p:cxnSp>
+      <p:sp>
+        <p:nvSpPr>
+          <p:cNvPr id="52" name="TextBox 51">
+            <a:extLst>
+              <a:ext uri="{FF2B5EF4-FFF2-40B4-BE49-F238E27FC236}">
+                <a16:creationId xmlns:a16="http://schemas.microsoft.com/office/drawing/2014/main" id="{822B5FD7-68B5-FE58-49D4-8505C62F7B3B}"/>
+              </a:ext>
+            </a:extLst>
+          </p:cNvPr>
+          <p:cNvSpPr txBox="1"/>
+          <p:nvPr/>
+        </p:nvSpPr>
+        <p:spPr>
+          <a:xfrm>
+            <a:off x="3458731" y="1338935"/>
+            <a:ext cx="287258" cy="276999"/>
+          </a:xfrm>
+          <a:prstGeom prst="rect">
+            <a:avLst/>
+          </a:prstGeom>
+          <a:solidFill>
+            <a:schemeClr val="bg1">
+              <a:lumMod val="95000"/>
+            </a:schemeClr>
+          </a:solidFill>
+          <a:ln>
+            <a:solidFill>
+              <a:schemeClr val="accent3">
+                <a:lumMod val="75000"/>
+              </a:schemeClr>
+            </a:solidFill>
+          </a:ln>
+        </p:spPr>
+        <p:txBody>
+          <a:bodyPr wrap="none" rtlCol="0">
+            <a:spAutoFit/>
+          </a:bodyPr>
+          <a:lstStyle/>
+          <a:p>
+            <a:pPr algn="l"/>
+            <a:r>
+              <a:rPr lang="en-US" altLang="ko-KR" sz="1200" dirty="0"/>
+              <a:t>S</a:t>
+            </a:r>
+            <a:endParaRPr lang="ko-KR" altLang="en-US" sz="1200" dirty="0"/>
+          </a:p>
+        </p:txBody>
+      </p:sp>
+      <p:sp>
+        <p:nvSpPr>
+          <p:cNvPr id="53" name="TextBox 52">
+            <a:extLst>
+              <a:ext uri="{FF2B5EF4-FFF2-40B4-BE49-F238E27FC236}">
+                <a16:creationId xmlns:a16="http://schemas.microsoft.com/office/drawing/2014/main" id="{D991E118-CE61-0607-0FDC-1A2331705110}"/>
+              </a:ext>
+            </a:extLst>
+          </p:cNvPr>
+          <p:cNvSpPr txBox="1"/>
+          <p:nvPr/>
+        </p:nvSpPr>
+        <p:spPr>
+          <a:xfrm>
+            <a:off x="4196109" y="1325640"/>
+            <a:ext cx="295274" cy="276999"/>
+          </a:xfrm>
+          <a:prstGeom prst="rect">
+            <a:avLst/>
+          </a:prstGeom>
+          <a:solidFill>
+            <a:schemeClr val="accent1">
+              <a:lumMod val="20000"/>
+              <a:lumOff val="80000"/>
+            </a:schemeClr>
+          </a:solidFill>
+          <a:ln>
+            <a:solidFill>
+              <a:schemeClr val="accent3">
+                <a:lumMod val="75000"/>
+              </a:schemeClr>
+            </a:solidFill>
+          </a:ln>
+        </p:spPr>
+        <p:txBody>
+          <a:bodyPr wrap="none" rtlCol="0">
+            <a:spAutoFit/>
+          </a:bodyPr>
+          <a:lstStyle/>
+          <a:p>
+            <a:pPr algn="l"/>
+            <a:r>
+              <a:rPr lang="en-US" altLang="ko-KR" sz="1200" dirty="0"/>
+              <a:t>w</a:t>
+            </a:r>
+            <a:endParaRPr lang="ko-KR" altLang="en-US" sz="1200" dirty="0"/>
+          </a:p>
+        </p:txBody>
+      </p:sp>
+      <p:sp>
+        <p:nvSpPr>
+          <p:cNvPr id="54" name="TextBox 53">
+            <a:extLst>
+              <a:ext uri="{FF2B5EF4-FFF2-40B4-BE49-F238E27FC236}">
+                <a16:creationId xmlns:a16="http://schemas.microsoft.com/office/drawing/2014/main" id="{460D86A4-D2B0-1072-DE41-BE7107A140F8}"/>
+              </a:ext>
+            </a:extLst>
+          </p:cNvPr>
+          <p:cNvSpPr txBox="1"/>
+          <p:nvPr/>
+        </p:nvSpPr>
+        <p:spPr>
+          <a:xfrm>
+            <a:off x="3844930" y="1332818"/>
+            <a:ext cx="269626" cy="276999"/>
+          </a:xfrm>
+          <a:prstGeom prst="rect">
+            <a:avLst/>
+          </a:prstGeom>
+          <a:solidFill>
+            <a:schemeClr val="bg1">
+              <a:lumMod val="95000"/>
+            </a:schemeClr>
+          </a:solidFill>
+          <a:ln>
+            <a:solidFill>
+              <a:schemeClr val="accent3">
+                <a:lumMod val="75000"/>
+              </a:schemeClr>
+            </a:solidFill>
+          </a:ln>
+        </p:spPr>
+        <p:txBody>
+          <a:bodyPr wrap="none" rtlCol="0">
+            <a:spAutoFit/>
+          </a:bodyPr>
+          <a:lstStyle/>
+          <a:p>
+            <a:pPr algn="l"/>
+            <a:r>
+              <a:rPr lang="en-US" altLang="ko-KR" sz="1200" dirty="0"/>
+              <a:t>L</a:t>
+            </a:r>
+            <a:endParaRPr lang="ko-KR" altLang="en-US" sz="1200" dirty="0"/>
+          </a:p>
+        </p:txBody>
+      </p:sp>
+      <p:cxnSp>
+        <p:nvCxnSpPr>
+          <p:cNvPr id="55" name="연결선: 꺾임 54">
+            <a:extLst>
+              <a:ext uri="{FF2B5EF4-FFF2-40B4-BE49-F238E27FC236}">
+                <a16:creationId xmlns:a16="http://schemas.microsoft.com/office/drawing/2014/main" id="{8F150EEF-A4D4-BF49-1A21-C9C3A16D7734}"/>
+              </a:ext>
+            </a:extLst>
+          </p:cNvPr>
+          <p:cNvCxnSpPr>
+            <a:stCxn id="52" idx="2"/>
+            <a:endCxn id="49" idx="0"/>
+          </p:cNvCxnSpPr>
+          <p:nvPr/>
+        </p:nvCxnSpPr>
+        <p:spPr bwMode="auto">
+          <a:xfrm rot="16200000" flipH="1">
+            <a:off x="3694577" y="1523716"/>
+            <a:ext cx="535847" cy="720281"/>
+          </a:xfrm>
+          <a:prstGeom prst="bentConnector3">
+            <a:avLst/>
+          </a:prstGeom>
+          <a:solidFill>
+            <a:schemeClr val="accent1"/>
+          </a:solidFill>
+          <a:ln w="9525" cap="flat" cmpd="sng" algn="ctr">
+            <a:solidFill>
+              <a:schemeClr val="tx1"/>
+            </a:solidFill>
+            <a:prstDash val="solid"/>
+            <a:round/>
+            <a:headEnd type="none" w="med" len="med"/>
+            <a:tailEnd type="triangle"/>
+          </a:ln>
+          <a:effectLst/>
+          <a:extLst>
+            <a:ext uri="{AF507438-7753-43E0-B8FC-AC1667EBCBE1}">
+              <a14:hiddenEffects xmlns:a14="http://schemas.microsoft.com/office/drawing/2010/main">
+                <a:effectLst>
+                  <a:outerShdw dist="35921" dir="2700000" algn="ctr" rotWithShape="0">
+                    <a:schemeClr val="bg2"/>
+                  </a:outerShdw>
+                </a:effectLst>
+              </a14:hiddenEffects>
+            </a:ext>
+          </a:extLst>
+        </p:spPr>
+      </p:cxnSp>
+      <p:cxnSp>
+        <p:nvCxnSpPr>
+          <p:cNvPr id="56" name="연결선: 꺾임 55">
+            <a:extLst>
+              <a:ext uri="{FF2B5EF4-FFF2-40B4-BE49-F238E27FC236}">
+                <a16:creationId xmlns:a16="http://schemas.microsoft.com/office/drawing/2014/main" id="{BDFF46B3-0943-89E4-FE9E-305D71EF1622}"/>
+              </a:ext>
+            </a:extLst>
+          </p:cNvPr>
+          <p:cNvCxnSpPr>
+            <a:stCxn id="53" idx="2"/>
+          </p:cNvCxnSpPr>
+          <p:nvPr/>
+        </p:nvCxnSpPr>
+        <p:spPr bwMode="auto">
+          <a:xfrm rot="16200000" flipH="1">
+            <a:off x="4548504" y="1397880"/>
+            <a:ext cx="146062" cy="555579"/>
+          </a:xfrm>
+          <a:prstGeom prst="bentConnector2">
+            <a:avLst/>
+          </a:prstGeom>
+          <a:solidFill>
+            <a:schemeClr val="accent1"/>
+          </a:solidFill>
+          <a:ln w="9525" cap="flat" cmpd="sng" algn="ctr">
+            <a:solidFill>
+              <a:schemeClr val="tx1"/>
+            </a:solidFill>
+            <a:prstDash val="solid"/>
+            <a:round/>
+            <a:headEnd type="none" w="med" len="med"/>
+            <a:tailEnd type="triangle"/>
+          </a:ln>
+          <a:effectLst/>
+          <a:extLst>
+            <a:ext uri="{AF507438-7753-43E0-B8FC-AC1667EBCBE1}">
+              <a14:hiddenEffects xmlns:a14="http://schemas.microsoft.com/office/drawing/2010/main">
+                <a:effectLst>
+                  <a:outerShdw dist="35921" dir="2700000" algn="ctr" rotWithShape="0">
+                    <a:schemeClr val="bg2"/>
+                  </a:outerShdw>
+                </a:effectLst>
+              </a14:hiddenEffects>
+            </a:ext>
+          </a:extLst>
+        </p:spPr>
+      </p:cxnSp>
+      <p:cxnSp>
+        <p:nvCxnSpPr>
+          <p:cNvPr id="57" name="연결선: 꺾임 56">
+            <a:extLst>
+              <a:ext uri="{FF2B5EF4-FFF2-40B4-BE49-F238E27FC236}">
+                <a16:creationId xmlns:a16="http://schemas.microsoft.com/office/drawing/2014/main" id="{BEDB3D7C-8BB9-C20D-6C76-484AF6604E5A}"/>
+              </a:ext>
+            </a:extLst>
+          </p:cNvPr>
+          <p:cNvCxnSpPr>
+            <a:stCxn id="54" idx="2"/>
+            <a:endCxn id="49" idx="0"/>
+          </p:cNvCxnSpPr>
+          <p:nvPr/>
+        </p:nvCxnSpPr>
+        <p:spPr bwMode="auto">
+          <a:xfrm rot="16200000" flipH="1">
+            <a:off x="3880210" y="1709350"/>
+            <a:ext cx="541964" cy="342898"/>
+          </a:xfrm>
+          <a:prstGeom prst="bentConnector3">
+            <a:avLst>
+              <a:gd name="adj1" fmla="val 50000"/>
+            </a:avLst>
+          </a:prstGeom>
+          <a:solidFill>
+            <a:schemeClr val="accent1"/>
+          </a:solidFill>
+          <a:ln w="9525" cap="flat" cmpd="sng" algn="ctr">
+            <a:solidFill>
+              <a:schemeClr val="tx1"/>
+            </a:solidFill>
+            <a:prstDash val="solid"/>
+            <a:round/>
+            <a:headEnd type="none" w="med" len="med"/>
+            <a:tailEnd type="triangle"/>
+          </a:ln>
+          <a:effectLst/>
+          <a:extLst>
+            <a:ext uri="{AF507438-7753-43E0-B8FC-AC1667EBCBE1}">
+              <a14:hiddenEffects xmlns:a14="http://schemas.microsoft.com/office/drawing/2010/main">
+                <a:effectLst>
+                  <a:outerShdw dist="35921" dir="2700000" algn="ctr" rotWithShape="0">
+                    <a:schemeClr val="bg2"/>
+                  </a:outerShdw>
+                </a:effectLst>
+              </a14:hiddenEffects>
+            </a:ext>
+          </a:extLst>
+        </p:spPr>
+      </p:cxnSp>
+      <p:sp>
+        <p:nvSpPr>
+          <p:cNvPr id="58" name="타원 57">
+            <a:extLst>
+              <a:ext uri="{FF2B5EF4-FFF2-40B4-BE49-F238E27FC236}">
+                <a16:creationId xmlns:a16="http://schemas.microsoft.com/office/drawing/2014/main" id="{CE24724B-829C-7AB6-BC89-EC8A6B2AD07C}"/>
+              </a:ext>
+            </a:extLst>
+          </p:cNvPr>
+          <p:cNvSpPr/>
+          <p:nvPr/>
+        </p:nvSpPr>
+        <p:spPr bwMode="auto">
+          <a:xfrm>
+            <a:off x="1031426" y="1345337"/>
+            <a:ext cx="332630" cy="276998"/>
+          </a:xfrm>
+          <a:prstGeom prst="ellipse">
+            <a:avLst/>
+          </a:prstGeom>
+          <a:solidFill>
+            <a:srgbClr val="FFFF00"/>
+          </a:solidFill>
+          <a:ln w="9525" cap="flat" cmpd="sng" algn="ctr">
+            <a:solidFill>
+              <a:schemeClr val="accent3">
+                <a:lumMod val="75000"/>
+              </a:schemeClr>
+            </a:solidFill>
+            <a:prstDash val="solid"/>
+            <a:round/>
+            <a:headEnd type="none" w="med" len="med"/>
+            <a:tailEnd type="none" w="med" len="med"/>
+          </a:ln>
+          <a:effectLst/>
+        </p:spPr>
+        <p:txBody>
+          <a:bodyPr vert="horz" wrap="square" lIns="91440" tIns="45720" rIns="91440" bIns="45720" numCol="1" rtlCol="0" anchor="ctr" anchorCtr="0" compatLnSpc="1">
+            <a:prstTxWarp prst="textNoShape">
+              <a:avLst/>
+            </a:prstTxWarp>
+          </a:bodyPr>
+          <a:lstStyle/>
+          <a:p>
+            <a:pPr algn="ctr"/>
+            <a:r>
+              <a:rPr lang="en-US" altLang="ko-KR" sz="1400" dirty="0"/>
+              <a:t>0</a:t>
+            </a:r>
+            <a:endParaRPr lang="ko-KR" altLang="en-US" sz="1400" dirty="0"/>
+          </a:p>
+        </p:txBody>
+      </p:sp>
+      <p:sp>
+        <p:nvSpPr>
+          <p:cNvPr id="59" name="타원 58">
+            <a:extLst>
+              <a:ext uri="{FF2B5EF4-FFF2-40B4-BE49-F238E27FC236}">
+                <a16:creationId xmlns:a16="http://schemas.microsoft.com/office/drawing/2014/main" id="{BAA92628-49CA-3452-6242-7EB101D8F01B}"/>
+              </a:ext>
+            </a:extLst>
+          </p:cNvPr>
+          <p:cNvSpPr/>
+          <p:nvPr/>
+        </p:nvSpPr>
+        <p:spPr bwMode="auto">
+          <a:xfrm>
+            <a:off x="3018347" y="1325565"/>
+            <a:ext cx="332630" cy="276998"/>
+          </a:xfrm>
+          <a:prstGeom prst="ellipse">
+            <a:avLst/>
+          </a:prstGeom>
+          <a:solidFill>
+            <a:srgbClr val="FFFF00"/>
+          </a:solidFill>
+          <a:ln w="9525" cap="flat" cmpd="sng" algn="ctr">
+            <a:solidFill>
+              <a:schemeClr val="accent3">
+                <a:lumMod val="75000"/>
+              </a:schemeClr>
+            </a:solidFill>
+            <a:prstDash val="solid"/>
+            <a:round/>
+            <a:headEnd type="none" w="med" len="med"/>
+            <a:tailEnd type="none" w="med" len="med"/>
+          </a:ln>
+          <a:effectLst/>
+        </p:spPr>
+        <p:txBody>
+          <a:bodyPr vert="horz" wrap="square" lIns="91440" tIns="45720" rIns="91440" bIns="45720" numCol="1" rtlCol="0" anchor="ctr" anchorCtr="0" compatLnSpc="1">
+            <a:prstTxWarp prst="textNoShape">
+              <a:avLst/>
+            </a:prstTxWarp>
+          </a:bodyPr>
+          <a:lstStyle/>
+          <a:p>
+            <a:pPr algn="ctr"/>
+            <a:r>
+              <a:rPr lang="en-US" altLang="ko-KR" sz="1400" dirty="0"/>
+              <a:t>1</a:t>
+            </a:r>
+            <a:endParaRPr lang="ko-KR" altLang="en-US" sz="1400" dirty="0"/>
+          </a:p>
+        </p:txBody>
+      </p:sp>
+      <p:sp>
+        <p:nvSpPr>
+          <p:cNvPr id="61" name="직사각형 60">
+            <a:extLst>
+              <a:ext uri="{FF2B5EF4-FFF2-40B4-BE49-F238E27FC236}">
+                <a16:creationId xmlns:a16="http://schemas.microsoft.com/office/drawing/2014/main" id="{6CE77338-866F-781E-2494-852B8C0B3388}"/>
+              </a:ext>
+            </a:extLst>
+          </p:cNvPr>
+          <p:cNvSpPr/>
+          <p:nvPr/>
+        </p:nvSpPr>
+        <p:spPr bwMode="auto">
+          <a:xfrm>
+            <a:off x="2317451" y="3967971"/>
+            <a:ext cx="592282" cy="467591"/>
+          </a:xfrm>
+          <a:prstGeom prst="rect">
+            <a:avLst/>
+          </a:prstGeom>
+          <a:solidFill>
+            <a:schemeClr val="accent3">
+              <a:lumMod val="20000"/>
+              <a:lumOff val="80000"/>
+            </a:schemeClr>
+          </a:solidFill>
+          <a:ln w="9525" cap="flat" cmpd="sng" algn="ctr">
+            <a:solidFill>
+              <a:schemeClr val="accent3">
+                <a:lumMod val="75000"/>
+              </a:schemeClr>
+            </a:solidFill>
+            <a:prstDash val="solid"/>
+            <a:round/>
+            <a:headEnd type="none" w="med" len="med"/>
+            <a:tailEnd type="none" w="med" len="med"/>
+          </a:ln>
+          <a:effectLst/>
+        </p:spPr>
+        <p:txBody>
+          <a:bodyPr vert="horz" wrap="square" lIns="91440" tIns="45720" rIns="91440" bIns="45720" numCol="1" rtlCol="0" anchor="ctr" anchorCtr="0" compatLnSpc="1">
+            <a:prstTxWarp prst="textNoShape">
+              <a:avLst/>
+            </a:prstTxWarp>
+          </a:bodyPr>
+          <a:lstStyle/>
+          <a:p>
+            <a:pPr algn="ctr"/>
+            <a:endParaRPr lang="ko-KR" altLang="en-US" sz="1400" dirty="0"/>
+          </a:p>
+        </p:txBody>
+      </p:sp>
+      <p:sp>
+        <p:nvSpPr>
+          <p:cNvPr id="62" name="TextBox 61">
+            <a:extLst>
+              <a:ext uri="{FF2B5EF4-FFF2-40B4-BE49-F238E27FC236}">
+                <a16:creationId xmlns:a16="http://schemas.microsoft.com/office/drawing/2014/main" id="{0E73881E-2ABD-41FA-7F01-D748B29CFD49}"/>
+              </a:ext>
+            </a:extLst>
+          </p:cNvPr>
+          <p:cNvSpPr txBox="1"/>
+          <p:nvPr/>
+        </p:nvSpPr>
+        <p:spPr>
+          <a:xfrm>
+            <a:off x="1511275" y="4066635"/>
+            <a:ext cx="550151" cy="276999"/>
+          </a:xfrm>
+          <a:prstGeom prst="rect">
+            <a:avLst/>
+          </a:prstGeom>
+          <a:solidFill>
+            <a:schemeClr val="bg1">
+              <a:lumMod val="95000"/>
+            </a:schemeClr>
+          </a:solidFill>
+          <a:ln>
+            <a:solidFill>
+              <a:schemeClr val="accent3">
+                <a:lumMod val="75000"/>
+              </a:schemeClr>
+            </a:solidFill>
+          </a:ln>
+        </p:spPr>
+        <p:txBody>
+          <a:bodyPr wrap="none" rtlCol="0">
+            <a:spAutoFit/>
+          </a:bodyPr>
+          <a:lstStyle/>
+          <a:p>
+            <a:pPr algn="l"/>
+            <a:r>
+              <a:rPr lang="en-US" altLang="ko-KR" sz="1200" dirty="0"/>
+              <a:t>Head</a:t>
+            </a:r>
+            <a:endParaRPr lang="ko-KR" altLang="en-US" sz="1200" dirty="0"/>
+          </a:p>
+        </p:txBody>
+      </p:sp>
+      <p:cxnSp>
+        <p:nvCxnSpPr>
+          <p:cNvPr id="63" name="직선 화살표 연결선 62">
+            <a:extLst>
+              <a:ext uri="{FF2B5EF4-FFF2-40B4-BE49-F238E27FC236}">
+                <a16:creationId xmlns:a16="http://schemas.microsoft.com/office/drawing/2014/main" id="{7C191022-CC75-A77F-AF7F-D1E46C14E351}"/>
+              </a:ext>
+            </a:extLst>
+          </p:cNvPr>
+          <p:cNvCxnSpPr>
+            <a:stCxn id="62" idx="3"/>
+            <a:endCxn id="61" idx="1"/>
+          </p:cNvCxnSpPr>
+          <p:nvPr/>
+        </p:nvCxnSpPr>
+        <p:spPr bwMode="auto">
+          <a:xfrm flipV="1">
+            <a:off x="2061426" y="4201767"/>
+            <a:ext cx="256025" cy="3368"/>
+          </a:xfrm>
+          <a:prstGeom prst="straightConnector1">
+            <a:avLst/>
+          </a:prstGeom>
+          <a:solidFill>
+            <a:schemeClr val="accent1"/>
+          </a:solidFill>
+          <a:ln w="9525" cap="flat" cmpd="sng" algn="ctr">
+            <a:solidFill>
+              <a:schemeClr val="tx1"/>
+            </a:solidFill>
+            <a:prstDash val="solid"/>
+            <a:round/>
+            <a:headEnd type="none" w="med" len="med"/>
+            <a:tailEnd type="triangle"/>
+          </a:ln>
+          <a:effectLst/>
+          <a:extLst>
+            <a:ext uri="{AF507438-7753-43E0-B8FC-AC1667EBCBE1}">
+              <a14:hiddenEffects xmlns:a14="http://schemas.microsoft.com/office/drawing/2010/main">
+                <a:effectLst>
+                  <a:outerShdw dist="35921" dir="2700000" algn="ctr" rotWithShape="0">
+                    <a:schemeClr val="bg2"/>
+                  </a:outerShdw>
+                </a:effectLst>
+              </a14:hiddenEffects>
+            </a:ext>
+          </a:extLst>
+        </p:spPr>
+      </p:cxnSp>
+      <p:sp>
+        <p:nvSpPr>
+          <p:cNvPr id="64" name="TextBox 63">
+            <a:extLst>
+              <a:ext uri="{FF2B5EF4-FFF2-40B4-BE49-F238E27FC236}">
+                <a16:creationId xmlns:a16="http://schemas.microsoft.com/office/drawing/2014/main" id="{8CF8B7CF-7B16-2404-810F-B3204E9A2B4A}"/>
+              </a:ext>
+            </a:extLst>
+          </p:cNvPr>
+          <p:cNvSpPr txBox="1"/>
+          <p:nvPr/>
+        </p:nvSpPr>
+        <p:spPr>
+          <a:xfrm>
+            <a:off x="1749682" y="3155125"/>
+            <a:ext cx="287258" cy="276999"/>
+          </a:xfrm>
+          <a:prstGeom prst="rect">
+            <a:avLst/>
+          </a:prstGeom>
+          <a:solidFill>
+            <a:schemeClr val="bg1">
+              <a:lumMod val="95000"/>
+            </a:schemeClr>
+          </a:solidFill>
+          <a:ln>
+            <a:solidFill>
+              <a:schemeClr val="accent3">
+                <a:lumMod val="75000"/>
+              </a:schemeClr>
+            </a:solidFill>
+          </a:ln>
+        </p:spPr>
+        <p:txBody>
+          <a:bodyPr wrap="none" rtlCol="0">
+            <a:spAutoFit/>
+          </a:bodyPr>
+          <a:lstStyle/>
+          <a:p>
+            <a:pPr algn="l"/>
+            <a:r>
+              <a:rPr lang="en-US" altLang="ko-KR" sz="1200" dirty="0"/>
+              <a:t>S</a:t>
+            </a:r>
+            <a:endParaRPr lang="ko-KR" altLang="en-US" sz="1200" dirty="0"/>
+          </a:p>
+        </p:txBody>
+      </p:sp>
+      <p:sp>
+        <p:nvSpPr>
+          <p:cNvPr id="65" name="TextBox 64">
+            <a:extLst>
+              <a:ext uri="{FF2B5EF4-FFF2-40B4-BE49-F238E27FC236}">
+                <a16:creationId xmlns:a16="http://schemas.microsoft.com/office/drawing/2014/main" id="{0F04CF10-8F78-C28B-4E61-6AA133F9F1D4}"/>
+              </a:ext>
+            </a:extLst>
+          </p:cNvPr>
+          <p:cNvSpPr txBox="1"/>
+          <p:nvPr/>
+        </p:nvSpPr>
+        <p:spPr>
+          <a:xfrm>
+            <a:off x="2389409" y="3146602"/>
+            <a:ext cx="295274" cy="276999"/>
+          </a:xfrm>
+          <a:prstGeom prst="rect">
+            <a:avLst/>
+          </a:prstGeom>
+          <a:solidFill>
+            <a:schemeClr val="bg1">
+              <a:lumMod val="95000"/>
+            </a:schemeClr>
+          </a:solidFill>
+          <a:ln>
+            <a:solidFill>
+              <a:schemeClr val="accent3">
+                <a:lumMod val="75000"/>
+              </a:schemeClr>
+            </a:solidFill>
+          </a:ln>
+        </p:spPr>
+        <p:txBody>
+          <a:bodyPr wrap="none" rtlCol="0">
+            <a:spAutoFit/>
+          </a:bodyPr>
+          <a:lstStyle/>
+          <a:p>
+            <a:pPr algn="l"/>
+            <a:r>
+              <a:rPr lang="en-US" altLang="ko-KR" sz="1200" dirty="0"/>
+              <a:t>w</a:t>
+            </a:r>
+            <a:endParaRPr lang="ko-KR" altLang="en-US" sz="1200" dirty="0"/>
+          </a:p>
+        </p:txBody>
+      </p:sp>
+      <p:sp>
+        <p:nvSpPr>
+          <p:cNvPr id="66" name="TextBox 65">
+            <a:extLst>
+              <a:ext uri="{FF2B5EF4-FFF2-40B4-BE49-F238E27FC236}">
+                <a16:creationId xmlns:a16="http://schemas.microsoft.com/office/drawing/2014/main" id="{9C0D224E-C2B9-4AB4-575A-E7A2764F1C81}"/>
+              </a:ext>
+            </a:extLst>
+          </p:cNvPr>
+          <p:cNvSpPr txBox="1"/>
+          <p:nvPr/>
+        </p:nvSpPr>
+        <p:spPr>
+          <a:xfrm>
+            <a:off x="2072298" y="3146602"/>
+            <a:ext cx="269626" cy="276999"/>
+          </a:xfrm>
+          <a:prstGeom prst="rect">
+            <a:avLst/>
+          </a:prstGeom>
+          <a:solidFill>
+            <a:schemeClr val="bg1">
+              <a:lumMod val="95000"/>
+            </a:schemeClr>
+          </a:solidFill>
+          <a:ln>
+            <a:solidFill>
+              <a:schemeClr val="accent3">
+                <a:lumMod val="75000"/>
+              </a:schemeClr>
+            </a:solidFill>
+          </a:ln>
+        </p:spPr>
+        <p:txBody>
+          <a:bodyPr wrap="none" rtlCol="0">
+            <a:spAutoFit/>
+          </a:bodyPr>
+          <a:lstStyle/>
+          <a:p>
+            <a:pPr algn="l"/>
+            <a:r>
+              <a:rPr lang="en-US" altLang="ko-KR" sz="1200" dirty="0"/>
+              <a:t>L</a:t>
+            </a:r>
+            <a:endParaRPr lang="ko-KR" altLang="en-US" sz="1200" dirty="0"/>
+          </a:p>
+        </p:txBody>
+      </p:sp>
+      <p:cxnSp>
+        <p:nvCxnSpPr>
+          <p:cNvPr id="67" name="연결선: 꺾임 66">
+            <a:extLst>
+              <a:ext uri="{FF2B5EF4-FFF2-40B4-BE49-F238E27FC236}">
+                <a16:creationId xmlns:a16="http://schemas.microsoft.com/office/drawing/2014/main" id="{039129CC-104A-BF4E-5478-254B87E1D008}"/>
+              </a:ext>
+            </a:extLst>
+          </p:cNvPr>
+          <p:cNvCxnSpPr>
+            <a:stCxn id="64" idx="2"/>
+            <a:endCxn id="61" idx="0"/>
+          </p:cNvCxnSpPr>
+          <p:nvPr/>
+        </p:nvCxnSpPr>
+        <p:spPr bwMode="auto">
+          <a:xfrm rot="16200000" flipH="1">
+            <a:off x="1985528" y="3339906"/>
+            <a:ext cx="535847" cy="720281"/>
+          </a:xfrm>
+          <a:prstGeom prst="bentConnector3">
+            <a:avLst/>
+          </a:prstGeom>
+          <a:solidFill>
+            <a:schemeClr val="accent1"/>
+          </a:solidFill>
+          <a:ln w="9525" cap="flat" cmpd="sng" algn="ctr">
+            <a:solidFill>
+              <a:schemeClr val="tx1"/>
+            </a:solidFill>
+            <a:prstDash val="solid"/>
+            <a:round/>
+            <a:headEnd type="none" w="med" len="med"/>
+            <a:tailEnd type="triangle"/>
+          </a:ln>
+          <a:effectLst/>
+          <a:extLst>
+            <a:ext uri="{AF507438-7753-43E0-B8FC-AC1667EBCBE1}">
+              <a14:hiddenEffects xmlns:a14="http://schemas.microsoft.com/office/drawing/2010/main">
+                <a:effectLst>
+                  <a:outerShdw dist="35921" dir="2700000" algn="ctr" rotWithShape="0">
+                    <a:schemeClr val="bg2"/>
+                  </a:outerShdw>
+                </a:effectLst>
+              </a14:hiddenEffects>
+            </a:ext>
+          </a:extLst>
+        </p:spPr>
+      </p:cxnSp>
+      <p:cxnSp>
+        <p:nvCxnSpPr>
+          <p:cNvPr id="68" name="연결선: 꺾임 67">
+            <a:extLst>
+              <a:ext uri="{FF2B5EF4-FFF2-40B4-BE49-F238E27FC236}">
+                <a16:creationId xmlns:a16="http://schemas.microsoft.com/office/drawing/2014/main" id="{8C6AE69E-0CCD-A1E0-C7F7-9B589CBBFD8A}"/>
+              </a:ext>
+            </a:extLst>
+          </p:cNvPr>
+          <p:cNvCxnSpPr>
+            <a:stCxn id="65" idx="2"/>
+            <a:endCxn id="61" idx="0"/>
+          </p:cNvCxnSpPr>
+          <p:nvPr/>
+        </p:nvCxnSpPr>
+        <p:spPr bwMode="auto">
+          <a:xfrm rot="16200000" flipH="1">
+            <a:off x="2303134" y="3657513"/>
+            <a:ext cx="544370" cy="76546"/>
+          </a:xfrm>
+          <a:prstGeom prst="bentConnector3">
+            <a:avLst/>
+          </a:prstGeom>
+          <a:solidFill>
+            <a:schemeClr val="accent1"/>
+          </a:solidFill>
+          <a:ln w="9525" cap="flat" cmpd="sng" algn="ctr">
+            <a:solidFill>
+              <a:schemeClr val="tx1"/>
+            </a:solidFill>
+            <a:prstDash val="solid"/>
+            <a:round/>
+            <a:headEnd type="none" w="med" len="med"/>
+            <a:tailEnd type="triangle"/>
+          </a:ln>
+          <a:effectLst/>
+          <a:extLst>
+            <a:ext uri="{AF507438-7753-43E0-B8FC-AC1667EBCBE1}">
+              <a14:hiddenEffects xmlns:a14="http://schemas.microsoft.com/office/drawing/2010/main">
+                <a:effectLst>
+                  <a:outerShdw dist="35921" dir="2700000" algn="ctr" rotWithShape="0">
+                    <a:schemeClr val="bg2"/>
+                  </a:outerShdw>
+                </a:effectLst>
+              </a14:hiddenEffects>
+            </a:ext>
+          </a:extLst>
+        </p:spPr>
+      </p:cxnSp>
+      <p:cxnSp>
+        <p:nvCxnSpPr>
+          <p:cNvPr id="69" name="연결선: 꺾임 68">
+            <a:extLst>
+              <a:ext uri="{FF2B5EF4-FFF2-40B4-BE49-F238E27FC236}">
+                <a16:creationId xmlns:a16="http://schemas.microsoft.com/office/drawing/2014/main" id="{56FFC54C-5850-BE98-AFF5-74503A2D380F}"/>
+              </a:ext>
+            </a:extLst>
+          </p:cNvPr>
+          <p:cNvCxnSpPr>
+            <a:stCxn id="66" idx="2"/>
+            <a:endCxn id="61" idx="0"/>
+          </p:cNvCxnSpPr>
+          <p:nvPr/>
+        </p:nvCxnSpPr>
+        <p:spPr bwMode="auto">
+          <a:xfrm rot="16200000" flipH="1">
+            <a:off x="2138166" y="3492545"/>
+            <a:ext cx="544370" cy="406481"/>
+          </a:xfrm>
+          <a:prstGeom prst="bentConnector3">
+            <a:avLst>
+              <a:gd name="adj1" fmla="val 50000"/>
+            </a:avLst>
+          </a:prstGeom>
+          <a:solidFill>
+            <a:schemeClr val="accent1"/>
+          </a:solidFill>
+          <a:ln w="9525" cap="flat" cmpd="sng" algn="ctr">
+            <a:solidFill>
+              <a:schemeClr val="tx1"/>
+            </a:solidFill>
+            <a:prstDash val="solid"/>
+            <a:round/>
+            <a:headEnd type="none" w="med" len="med"/>
+            <a:tailEnd type="triangle"/>
+          </a:ln>
+          <a:effectLst/>
+          <a:extLst>
+            <a:ext uri="{AF507438-7753-43E0-B8FC-AC1667EBCBE1}">
+              <a14:hiddenEffects xmlns:a14="http://schemas.microsoft.com/office/drawing/2010/main">
+                <a:effectLst>
+                  <a:outerShdw dist="35921" dir="2700000" algn="ctr" rotWithShape="0">
+                    <a:schemeClr val="bg2"/>
+                  </a:outerShdw>
+                </a:effectLst>
+              </a14:hiddenEffects>
+            </a:ext>
+          </a:extLst>
+        </p:spPr>
+      </p:cxnSp>
+      <p:sp>
+        <p:nvSpPr>
+          <p:cNvPr id="70" name="직사각형 69">
+            <a:extLst>
+              <a:ext uri="{FF2B5EF4-FFF2-40B4-BE49-F238E27FC236}">
+                <a16:creationId xmlns:a16="http://schemas.microsoft.com/office/drawing/2014/main" id="{10E23599-CCA2-0BFD-66C5-4EEA8C7679F0}"/>
+              </a:ext>
+            </a:extLst>
+          </p:cNvPr>
+          <p:cNvSpPr/>
+          <p:nvPr/>
+        </p:nvSpPr>
+        <p:spPr bwMode="auto">
+          <a:xfrm>
+            <a:off x="5086802" y="3989096"/>
+            <a:ext cx="592282" cy="467591"/>
+          </a:xfrm>
+          <a:prstGeom prst="rect">
+            <a:avLst/>
+          </a:prstGeom>
+          <a:solidFill>
+            <a:schemeClr val="accent3">
+              <a:lumMod val="20000"/>
+              <a:lumOff val="80000"/>
+            </a:schemeClr>
+          </a:solidFill>
+          <a:ln w="9525" cap="flat" cmpd="sng" algn="ctr">
+            <a:solidFill>
+              <a:schemeClr val="accent3">
+                <a:lumMod val="75000"/>
+              </a:schemeClr>
+            </a:solidFill>
+            <a:prstDash val="solid"/>
+            <a:round/>
+            <a:headEnd type="none" w="med" len="med"/>
+            <a:tailEnd type="none" w="med" len="med"/>
+          </a:ln>
+          <a:effectLst/>
+        </p:spPr>
+        <p:txBody>
+          <a:bodyPr vert="horz" wrap="square" lIns="91440" tIns="45720" rIns="91440" bIns="45720" numCol="1" rtlCol="0" anchor="ctr" anchorCtr="0" compatLnSpc="1">
+            <a:prstTxWarp prst="textNoShape">
+              <a:avLst/>
+            </a:prstTxWarp>
+          </a:bodyPr>
+          <a:lstStyle/>
+          <a:p>
+            <a:pPr algn="ctr"/>
+            <a:endParaRPr lang="ko-KR" altLang="en-US" sz="1400" dirty="0"/>
+          </a:p>
+        </p:txBody>
+      </p:sp>
+      <p:sp>
+        <p:nvSpPr>
+          <p:cNvPr id="71" name="TextBox 70">
+            <a:extLst>
+              <a:ext uri="{FF2B5EF4-FFF2-40B4-BE49-F238E27FC236}">
+                <a16:creationId xmlns:a16="http://schemas.microsoft.com/office/drawing/2014/main" id="{5E3117C9-622D-1D5C-A821-14337F89B520}"/>
+              </a:ext>
+            </a:extLst>
+          </p:cNvPr>
+          <p:cNvSpPr txBox="1"/>
+          <p:nvPr/>
+        </p:nvSpPr>
+        <p:spPr>
+          <a:xfrm>
+            <a:off x="4280626" y="4087760"/>
+            <a:ext cx="550151" cy="276999"/>
+          </a:xfrm>
+          <a:prstGeom prst="rect">
+            <a:avLst/>
+          </a:prstGeom>
+          <a:solidFill>
+            <a:schemeClr val="bg1">
+              <a:lumMod val="95000"/>
+            </a:schemeClr>
+          </a:solidFill>
+          <a:ln>
+            <a:solidFill>
+              <a:schemeClr val="accent3">
+                <a:lumMod val="75000"/>
+              </a:schemeClr>
+            </a:solidFill>
+          </a:ln>
+        </p:spPr>
+        <p:txBody>
+          <a:bodyPr wrap="none" rtlCol="0">
+            <a:spAutoFit/>
+          </a:bodyPr>
+          <a:lstStyle/>
+          <a:p>
+            <a:pPr algn="l"/>
+            <a:r>
+              <a:rPr lang="en-US" altLang="ko-KR" sz="1200" dirty="0"/>
+              <a:t>Head</a:t>
+            </a:r>
+            <a:endParaRPr lang="ko-KR" altLang="en-US" sz="1200" dirty="0"/>
+          </a:p>
+        </p:txBody>
+      </p:sp>
+      <p:cxnSp>
+        <p:nvCxnSpPr>
+          <p:cNvPr id="72" name="직선 화살표 연결선 71">
+            <a:extLst>
+              <a:ext uri="{FF2B5EF4-FFF2-40B4-BE49-F238E27FC236}">
+                <a16:creationId xmlns:a16="http://schemas.microsoft.com/office/drawing/2014/main" id="{CEC08A77-4323-26EF-C105-03859429B6D4}"/>
+              </a:ext>
+            </a:extLst>
+          </p:cNvPr>
+          <p:cNvCxnSpPr>
+            <a:stCxn id="71" idx="3"/>
+            <a:endCxn id="70" idx="1"/>
+          </p:cNvCxnSpPr>
+          <p:nvPr/>
+        </p:nvCxnSpPr>
+        <p:spPr bwMode="auto">
+          <a:xfrm flipV="1">
+            <a:off x="4830777" y="4222892"/>
+            <a:ext cx="256025" cy="3368"/>
+          </a:xfrm>
+          <a:prstGeom prst="straightConnector1">
+            <a:avLst/>
+          </a:prstGeom>
+          <a:solidFill>
+            <a:schemeClr val="accent1"/>
+          </a:solidFill>
+          <a:ln w="9525" cap="flat" cmpd="sng" algn="ctr">
+            <a:solidFill>
+              <a:schemeClr val="tx1"/>
+            </a:solidFill>
+            <a:prstDash val="solid"/>
+            <a:round/>
+            <a:headEnd type="none" w="med" len="med"/>
+            <a:tailEnd type="triangle"/>
+          </a:ln>
+          <a:effectLst/>
+          <a:extLst>
+            <a:ext uri="{AF507438-7753-43E0-B8FC-AC1667EBCBE1}">
+              <a14:hiddenEffects xmlns:a14="http://schemas.microsoft.com/office/drawing/2010/main">
+                <a:effectLst>
+                  <a:outerShdw dist="35921" dir="2700000" algn="ctr" rotWithShape="0">
+                    <a:schemeClr val="bg2"/>
+                  </a:outerShdw>
+                </a:effectLst>
+              </a14:hiddenEffects>
+            </a:ext>
+          </a:extLst>
+        </p:spPr>
+      </p:cxnSp>
+      <p:sp>
+        <p:nvSpPr>
+          <p:cNvPr id="73" name="TextBox 72">
+            <a:extLst>
+              <a:ext uri="{FF2B5EF4-FFF2-40B4-BE49-F238E27FC236}">
+                <a16:creationId xmlns:a16="http://schemas.microsoft.com/office/drawing/2014/main" id="{9D6B38C0-F0EA-C82F-6149-608EA093CED0}"/>
+              </a:ext>
+            </a:extLst>
+          </p:cNvPr>
+          <p:cNvSpPr txBox="1"/>
+          <p:nvPr/>
+        </p:nvSpPr>
+        <p:spPr>
+          <a:xfrm>
+            <a:off x="4519033" y="3176250"/>
+            <a:ext cx="287258" cy="276999"/>
+          </a:xfrm>
+          <a:prstGeom prst="rect">
+            <a:avLst/>
+          </a:prstGeom>
+          <a:solidFill>
+            <a:schemeClr val="bg1">
+              <a:lumMod val="95000"/>
+            </a:schemeClr>
+          </a:solidFill>
+          <a:ln>
+            <a:solidFill>
+              <a:schemeClr val="accent3">
+                <a:lumMod val="75000"/>
+              </a:schemeClr>
+            </a:solidFill>
+          </a:ln>
+        </p:spPr>
+        <p:txBody>
+          <a:bodyPr wrap="none" rtlCol="0">
+            <a:spAutoFit/>
+          </a:bodyPr>
+          <a:lstStyle/>
+          <a:p>
+            <a:pPr algn="l"/>
+            <a:r>
+              <a:rPr lang="en-US" altLang="ko-KR" sz="1200" dirty="0"/>
+              <a:t>S</a:t>
+            </a:r>
+            <a:endParaRPr lang="ko-KR" altLang="en-US" sz="1200" dirty="0"/>
+          </a:p>
+        </p:txBody>
+      </p:sp>
+      <p:sp>
+        <p:nvSpPr>
+          <p:cNvPr id="74" name="TextBox 73">
+            <a:extLst>
+              <a:ext uri="{FF2B5EF4-FFF2-40B4-BE49-F238E27FC236}">
+                <a16:creationId xmlns:a16="http://schemas.microsoft.com/office/drawing/2014/main" id="{C363006C-D240-1106-632C-FA02283CEB9C}"/>
+              </a:ext>
+            </a:extLst>
+          </p:cNvPr>
+          <p:cNvSpPr txBox="1"/>
+          <p:nvPr/>
+        </p:nvSpPr>
+        <p:spPr>
+          <a:xfrm>
+            <a:off x="5279140" y="3176250"/>
+            <a:ext cx="295274" cy="276999"/>
+          </a:xfrm>
+          <a:prstGeom prst="rect">
+            <a:avLst/>
+          </a:prstGeom>
+          <a:solidFill>
+            <a:schemeClr val="accent1">
+              <a:lumMod val="20000"/>
+              <a:lumOff val="80000"/>
+            </a:schemeClr>
+          </a:solidFill>
+          <a:ln>
+            <a:solidFill>
+              <a:schemeClr val="accent3">
+                <a:lumMod val="75000"/>
+              </a:schemeClr>
+            </a:solidFill>
+          </a:ln>
+        </p:spPr>
+        <p:txBody>
+          <a:bodyPr wrap="none" rtlCol="0">
+            <a:spAutoFit/>
+          </a:bodyPr>
+          <a:lstStyle/>
+          <a:p>
+            <a:pPr algn="l"/>
+            <a:r>
+              <a:rPr lang="en-US" altLang="ko-KR" sz="1200" dirty="0"/>
+              <a:t>w</a:t>
+            </a:r>
+            <a:endParaRPr lang="ko-KR" altLang="en-US" sz="1200" dirty="0"/>
+          </a:p>
+        </p:txBody>
+      </p:sp>
+      <p:sp>
+        <p:nvSpPr>
+          <p:cNvPr id="75" name="TextBox 74">
+            <a:extLst>
+              <a:ext uri="{FF2B5EF4-FFF2-40B4-BE49-F238E27FC236}">
+                <a16:creationId xmlns:a16="http://schemas.microsoft.com/office/drawing/2014/main" id="{B371AB80-082F-7B17-5AAA-7599D82CCEB5}"/>
+              </a:ext>
+            </a:extLst>
+          </p:cNvPr>
+          <p:cNvSpPr txBox="1"/>
+          <p:nvPr/>
+        </p:nvSpPr>
+        <p:spPr>
+          <a:xfrm>
+            <a:off x="4899325" y="3168691"/>
+            <a:ext cx="269626" cy="276999"/>
+          </a:xfrm>
+          <a:prstGeom prst="rect">
+            <a:avLst/>
+          </a:prstGeom>
+          <a:solidFill>
+            <a:schemeClr val="accent1">
+              <a:lumMod val="20000"/>
+              <a:lumOff val="80000"/>
+            </a:schemeClr>
+          </a:solidFill>
+          <a:ln>
+            <a:solidFill>
+              <a:schemeClr val="accent3">
+                <a:lumMod val="75000"/>
+              </a:schemeClr>
+            </a:solidFill>
+          </a:ln>
+        </p:spPr>
+        <p:txBody>
+          <a:bodyPr wrap="none" rtlCol="0">
+            <a:spAutoFit/>
+          </a:bodyPr>
+          <a:lstStyle/>
+          <a:p>
+            <a:pPr algn="l"/>
+            <a:r>
+              <a:rPr lang="en-US" altLang="ko-KR" sz="1200" dirty="0"/>
+              <a:t>L</a:t>
+            </a:r>
+            <a:endParaRPr lang="ko-KR" altLang="en-US" sz="1200" dirty="0"/>
+          </a:p>
+        </p:txBody>
+      </p:sp>
+      <p:cxnSp>
+        <p:nvCxnSpPr>
+          <p:cNvPr id="76" name="연결선: 꺾임 75">
+            <a:extLst>
+              <a:ext uri="{FF2B5EF4-FFF2-40B4-BE49-F238E27FC236}">
+                <a16:creationId xmlns:a16="http://schemas.microsoft.com/office/drawing/2014/main" id="{24542414-0076-2771-329E-F10E28178AC7}"/>
+              </a:ext>
+            </a:extLst>
+          </p:cNvPr>
+          <p:cNvCxnSpPr>
+            <a:stCxn id="73" idx="2"/>
+          </p:cNvCxnSpPr>
+          <p:nvPr/>
+        </p:nvCxnSpPr>
+        <p:spPr bwMode="auto">
+          <a:xfrm rot="16200000" flipH="1">
+            <a:off x="4540255" y="3575655"/>
+            <a:ext cx="640913" cy="396099"/>
+          </a:xfrm>
+          <a:prstGeom prst="bentConnector3">
+            <a:avLst/>
+          </a:prstGeom>
+          <a:solidFill>
+            <a:schemeClr val="accent1"/>
+          </a:solidFill>
+          <a:ln w="9525" cap="flat" cmpd="sng" algn="ctr">
+            <a:solidFill>
+              <a:schemeClr val="tx1"/>
+            </a:solidFill>
+            <a:prstDash val="solid"/>
+            <a:round/>
+            <a:headEnd type="none" w="med" len="med"/>
+            <a:tailEnd type="triangle"/>
+          </a:ln>
+          <a:effectLst/>
+          <a:extLst>
+            <a:ext uri="{AF507438-7753-43E0-B8FC-AC1667EBCBE1}">
+              <a14:hiddenEffects xmlns:a14="http://schemas.microsoft.com/office/drawing/2010/main">
+                <a:effectLst>
+                  <a:outerShdw dist="35921" dir="2700000" algn="ctr" rotWithShape="0">
+                    <a:schemeClr val="bg2"/>
+                  </a:outerShdw>
+                </a:effectLst>
+              </a14:hiddenEffects>
+            </a:ext>
+          </a:extLst>
+        </p:spPr>
+      </p:cxnSp>
+      <p:cxnSp>
+        <p:nvCxnSpPr>
+          <p:cNvPr id="77" name="연결선: 꺾임 76">
+            <a:extLst>
+              <a:ext uri="{FF2B5EF4-FFF2-40B4-BE49-F238E27FC236}">
+                <a16:creationId xmlns:a16="http://schemas.microsoft.com/office/drawing/2014/main" id="{F18061D9-3EEF-D2D8-8A3B-BFF05D79329A}"/>
+              </a:ext>
+            </a:extLst>
+          </p:cNvPr>
+          <p:cNvCxnSpPr>
+            <a:stCxn id="74" idx="3"/>
+            <a:endCxn id="84" idx="0"/>
+          </p:cNvCxnSpPr>
+          <p:nvPr/>
+        </p:nvCxnSpPr>
+        <p:spPr bwMode="auto">
+          <a:xfrm>
+            <a:off x="5574414" y="3314750"/>
+            <a:ext cx="614850" cy="653931"/>
+          </a:xfrm>
+          <a:prstGeom prst="bentConnector2">
+            <a:avLst/>
+          </a:prstGeom>
+          <a:solidFill>
+            <a:schemeClr val="accent1"/>
+          </a:solidFill>
+          <a:ln w="9525" cap="flat" cmpd="sng" algn="ctr">
+            <a:solidFill>
+              <a:schemeClr val="tx1"/>
+            </a:solidFill>
+            <a:prstDash val="solid"/>
+            <a:round/>
+            <a:headEnd type="none" w="med" len="med"/>
+            <a:tailEnd type="triangle"/>
+          </a:ln>
+          <a:effectLst/>
+          <a:extLst>
+            <a:ext uri="{AF507438-7753-43E0-B8FC-AC1667EBCBE1}">
+              <a14:hiddenEffects xmlns:a14="http://schemas.microsoft.com/office/drawing/2010/main">
+                <a:effectLst>
+                  <a:outerShdw dist="35921" dir="2700000" algn="ctr" rotWithShape="0">
+                    <a:schemeClr val="bg2"/>
+                  </a:outerShdw>
+                </a:effectLst>
+              </a14:hiddenEffects>
+            </a:ext>
+          </a:extLst>
+        </p:spPr>
+      </p:cxnSp>
+      <p:cxnSp>
+        <p:nvCxnSpPr>
+          <p:cNvPr id="78" name="연결선: 꺾임 77">
+            <a:extLst>
+              <a:ext uri="{FF2B5EF4-FFF2-40B4-BE49-F238E27FC236}">
+                <a16:creationId xmlns:a16="http://schemas.microsoft.com/office/drawing/2014/main" id="{B34F64D3-6F5D-8382-BA0D-D7AC7D85F2A2}"/>
+              </a:ext>
+            </a:extLst>
+          </p:cNvPr>
+          <p:cNvCxnSpPr>
+            <a:stCxn id="75" idx="2"/>
+            <a:endCxn id="70" idx="0"/>
+          </p:cNvCxnSpPr>
+          <p:nvPr/>
+        </p:nvCxnSpPr>
+        <p:spPr bwMode="auto">
+          <a:xfrm rot="16200000" flipH="1">
+            <a:off x="4936837" y="3542990"/>
+            <a:ext cx="543406" cy="348805"/>
+          </a:xfrm>
+          <a:prstGeom prst="bentConnector3">
+            <a:avLst>
+              <a:gd name="adj1" fmla="val 50000"/>
+            </a:avLst>
+          </a:prstGeom>
+          <a:solidFill>
+            <a:schemeClr val="accent1"/>
+          </a:solidFill>
+          <a:ln w="9525" cap="flat" cmpd="sng" algn="ctr">
+            <a:solidFill>
+              <a:schemeClr val="tx1"/>
+            </a:solidFill>
+            <a:prstDash val="solid"/>
+            <a:round/>
+            <a:headEnd type="none" w="med" len="med"/>
+            <a:tailEnd type="triangle"/>
+          </a:ln>
+          <a:effectLst/>
+          <a:extLst>
+            <a:ext uri="{AF507438-7753-43E0-B8FC-AC1667EBCBE1}">
+              <a14:hiddenEffects xmlns:a14="http://schemas.microsoft.com/office/drawing/2010/main">
+                <a:effectLst>
+                  <a:outerShdw dist="35921" dir="2700000" algn="ctr" rotWithShape="0">
+                    <a:schemeClr val="bg2"/>
+                  </a:outerShdw>
+                </a:effectLst>
+              </a14:hiddenEffects>
+            </a:ext>
+          </a:extLst>
+        </p:spPr>
+      </p:cxnSp>
+      <p:sp>
+        <p:nvSpPr>
+          <p:cNvPr id="79" name="타원 78">
+            <a:extLst>
+              <a:ext uri="{FF2B5EF4-FFF2-40B4-BE49-F238E27FC236}">
+                <a16:creationId xmlns:a16="http://schemas.microsoft.com/office/drawing/2014/main" id="{3FB88B73-C55F-9CDC-6D11-DCEBCFFCA0DA}"/>
+              </a:ext>
+            </a:extLst>
+          </p:cNvPr>
+          <p:cNvSpPr/>
+          <p:nvPr/>
+        </p:nvSpPr>
+        <p:spPr bwMode="auto">
+          <a:xfrm>
+            <a:off x="1197741" y="3186641"/>
+            <a:ext cx="332630" cy="276998"/>
+          </a:xfrm>
+          <a:prstGeom prst="ellipse">
+            <a:avLst/>
+          </a:prstGeom>
+          <a:solidFill>
+            <a:srgbClr val="FFFF00"/>
+          </a:solidFill>
+          <a:ln w="9525" cap="flat" cmpd="sng" algn="ctr">
+            <a:solidFill>
+              <a:schemeClr val="accent3">
+                <a:lumMod val="75000"/>
+              </a:schemeClr>
+            </a:solidFill>
+            <a:prstDash val="solid"/>
+            <a:round/>
+            <a:headEnd type="none" w="med" len="med"/>
+            <a:tailEnd type="none" w="med" len="med"/>
+          </a:ln>
+          <a:effectLst/>
+        </p:spPr>
+        <p:txBody>
+          <a:bodyPr vert="horz" wrap="square" lIns="91440" tIns="45720" rIns="91440" bIns="45720" numCol="1" rtlCol="0" anchor="ctr" anchorCtr="0" compatLnSpc="1">
+            <a:prstTxWarp prst="textNoShape">
+              <a:avLst/>
+            </a:prstTxWarp>
+          </a:bodyPr>
+          <a:lstStyle/>
+          <a:p>
+            <a:pPr algn="ctr"/>
+            <a:r>
+              <a:rPr lang="en-US" altLang="ko-KR" sz="1400" dirty="0"/>
+              <a:t>0</a:t>
+            </a:r>
+            <a:endParaRPr lang="ko-KR" altLang="en-US" sz="1400" dirty="0"/>
+          </a:p>
+        </p:txBody>
+      </p:sp>
+      <p:sp>
+        <p:nvSpPr>
+          <p:cNvPr id="80" name="타원 79">
+            <a:extLst>
+              <a:ext uri="{FF2B5EF4-FFF2-40B4-BE49-F238E27FC236}">
+                <a16:creationId xmlns:a16="http://schemas.microsoft.com/office/drawing/2014/main" id="{D0689BC2-628C-802A-920E-CF90375979C0}"/>
+              </a:ext>
+            </a:extLst>
+          </p:cNvPr>
+          <p:cNvSpPr/>
+          <p:nvPr/>
+        </p:nvSpPr>
+        <p:spPr bwMode="auto">
+          <a:xfrm>
+            <a:off x="4078649" y="3162880"/>
+            <a:ext cx="332630" cy="276998"/>
+          </a:xfrm>
+          <a:prstGeom prst="ellipse">
+            <a:avLst/>
+          </a:prstGeom>
+          <a:solidFill>
+            <a:srgbClr val="FFFF00"/>
+          </a:solidFill>
+          <a:ln w="9525" cap="flat" cmpd="sng" algn="ctr">
+            <a:solidFill>
+              <a:schemeClr val="accent3">
+                <a:lumMod val="75000"/>
+              </a:schemeClr>
+            </a:solidFill>
+            <a:prstDash val="solid"/>
+            <a:round/>
+            <a:headEnd type="none" w="med" len="med"/>
+            <a:tailEnd type="none" w="med" len="med"/>
+          </a:ln>
+          <a:effectLst/>
+        </p:spPr>
+        <p:txBody>
+          <a:bodyPr vert="horz" wrap="square" lIns="91440" tIns="45720" rIns="91440" bIns="45720" numCol="1" rtlCol="0" anchor="ctr" anchorCtr="0" compatLnSpc="1">
+            <a:prstTxWarp prst="textNoShape">
+              <a:avLst/>
+            </a:prstTxWarp>
+          </a:bodyPr>
+          <a:lstStyle/>
+          <a:p>
+            <a:pPr algn="ctr"/>
+            <a:r>
+              <a:rPr lang="en-US" altLang="ko-KR" sz="1400" dirty="0"/>
+              <a:t>1</a:t>
+            </a:r>
+            <a:endParaRPr lang="ko-KR" altLang="en-US" sz="1400" dirty="0"/>
+          </a:p>
+        </p:txBody>
+      </p:sp>
+      <p:sp>
+        <p:nvSpPr>
+          <p:cNvPr id="81" name="직사각형 80">
+            <a:extLst>
+              <a:ext uri="{FF2B5EF4-FFF2-40B4-BE49-F238E27FC236}">
+                <a16:creationId xmlns:a16="http://schemas.microsoft.com/office/drawing/2014/main" id="{32CFFBE5-8469-6592-81DD-B395B37B7E4D}"/>
+              </a:ext>
+            </a:extLst>
+          </p:cNvPr>
+          <p:cNvSpPr/>
+          <p:nvPr/>
+        </p:nvSpPr>
+        <p:spPr bwMode="auto">
+          <a:xfrm>
+            <a:off x="3126608" y="3967970"/>
+            <a:ext cx="592282" cy="467591"/>
+          </a:xfrm>
+          <a:prstGeom prst="rect">
+            <a:avLst/>
+          </a:prstGeom>
+          <a:solidFill>
+            <a:schemeClr val="accent3">
+              <a:lumMod val="20000"/>
+              <a:lumOff val="80000"/>
+            </a:schemeClr>
+          </a:solidFill>
+          <a:ln w="9525" cap="flat" cmpd="sng" algn="ctr">
+            <a:solidFill>
+              <a:schemeClr val="accent3">
+                <a:lumMod val="75000"/>
+              </a:schemeClr>
+            </a:solidFill>
+            <a:prstDash val="solid"/>
+            <a:round/>
+            <a:headEnd type="none" w="med" len="med"/>
+            <a:tailEnd type="none" w="med" len="med"/>
+          </a:ln>
+          <a:effectLst/>
+        </p:spPr>
+        <p:txBody>
+          <a:bodyPr vert="horz" wrap="square" lIns="91440" tIns="45720" rIns="91440" bIns="45720" numCol="1" rtlCol="0" anchor="ctr" anchorCtr="0" compatLnSpc="1">
+            <a:prstTxWarp prst="textNoShape">
+              <a:avLst/>
+            </a:prstTxWarp>
+          </a:bodyPr>
+          <a:lstStyle/>
+          <a:p>
+            <a:pPr algn="ctr"/>
+            <a:endParaRPr lang="ko-KR" altLang="en-US" sz="1400" dirty="0"/>
+          </a:p>
+        </p:txBody>
+      </p:sp>
+      <p:cxnSp>
+        <p:nvCxnSpPr>
+          <p:cNvPr id="82" name="직선 화살표 연결선 81">
+            <a:extLst>
+              <a:ext uri="{FF2B5EF4-FFF2-40B4-BE49-F238E27FC236}">
+                <a16:creationId xmlns:a16="http://schemas.microsoft.com/office/drawing/2014/main" id="{CFF15EFA-92F6-61BA-66FB-11C7DD7D1BC9}"/>
+              </a:ext>
+            </a:extLst>
+          </p:cNvPr>
+          <p:cNvCxnSpPr>
+            <a:stCxn id="61" idx="3"/>
+            <a:endCxn id="81" idx="1"/>
+          </p:cNvCxnSpPr>
+          <p:nvPr/>
+        </p:nvCxnSpPr>
+        <p:spPr bwMode="auto">
+          <a:xfrm flipV="1">
+            <a:off x="2909733" y="4201766"/>
+            <a:ext cx="216875" cy="1"/>
+          </a:xfrm>
+          <a:prstGeom prst="straightConnector1">
+            <a:avLst/>
+          </a:prstGeom>
+          <a:solidFill>
+            <a:schemeClr val="accent1"/>
+          </a:solidFill>
+          <a:ln w="9525" cap="flat" cmpd="sng" algn="ctr">
+            <a:solidFill>
+              <a:schemeClr val="tx1"/>
+            </a:solidFill>
+            <a:prstDash val="solid"/>
+            <a:round/>
+            <a:headEnd type="none" w="med" len="med"/>
+            <a:tailEnd type="triangle"/>
+          </a:ln>
+          <a:effectLst/>
+          <a:extLst>
+            <a:ext uri="{AF507438-7753-43E0-B8FC-AC1667EBCBE1}">
+              <a14:hiddenEffects xmlns:a14="http://schemas.microsoft.com/office/drawing/2010/main">
+                <a:effectLst>
+                  <a:outerShdw dist="35921" dir="2700000" algn="ctr" rotWithShape="0">
+                    <a:schemeClr val="bg2"/>
+                  </a:outerShdw>
+                </a:effectLst>
+              </a14:hiddenEffects>
+            </a:ext>
+          </a:extLst>
+        </p:spPr>
+      </p:cxnSp>
+      <p:sp>
+        <p:nvSpPr>
+          <p:cNvPr id="84" name="직사각형 83">
+            <a:extLst>
+              <a:ext uri="{FF2B5EF4-FFF2-40B4-BE49-F238E27FC236}">
+                <a16:creationId xmlns:a16="http://schemas.microsoft.com/office/drawing/2014/main" id="{E730A031-E8F5-C77F-2817-6F616FD605A8}"/>
+              </a:ext>
+            </a:extLst>
+          </p:cNvPr>
+          <p:cNvSpPr/>
+          <p:nvPr/>
+        </p:nvSpPr>
+        <p:spPr bwMode="auto">
+          <a:xfrm>
+            <a:off x="5893123" y="3968681"/>
+            <a:ext cx="592282" cy="467591"/>
+          </a:xfrm>
+          <a:prstGeom prst="rect">
+            <a:avLst/>
+          </a:prstGeom>
+          <a:solidFill>
+            <a:schemeClr val="accent3">
+              <a:lumMod val="20000"/>
+              <a:lumOff val="80000"/>
+            </a:schemeClr>
+          </a:solidFill>
+          <a:ln w="9525" cap="flat" cmpd="sng" algn="ctr">
+            <a:solidFill>
+              <a:schemeClr val="accent3">
+                <a:lumMod val="75000"/>
+              </a:schemeClr>
+            </a:solidFill>
+            <a:prstDash val="solid"/>
+            <a:round/>
+            <a:headEnd type="none" w="med" len="med"/>
+            <a:tailEnd type="none" w="med" len="med"/>
+          </a:ln>
+          <a:effectLst/>
+        </p:spPr>
+        <p:txBody>
+          <a:bodyPr vert="horz" wrap="square" lIns="91440" tIns="45720" rIns="91440" bIns="45720" numCol="1" rtlCol="0" anchor="ctr" anchorCtr="0" compatLnSpc="1">
+            <a:prstTxWarp prst="textNoShape">
+              <a:avLst/>
+            </a:prstTxWarp>
+          </a:bodyPr>
+          <a:lstStyle/>
+          <a:p>
+            <a:pPr algn="ctr"/>
+            <a:endParaRPr lang="ko-KR" altLang="en-US" sz="1400" dirty="0"/>
+          </a:p>
+        </p:txBody>
+      </p:sp>
+      <p:cxnSp>
+        <p:nvCxnSpPr>
+          <p:cNvPr id="85" name="직선 화살표 연결선 84">
+            <a:extLst>
+              <a:ext uri="{FF2B5EF4-FFF2-40B4-BE49-F238E27FC236}">
+                <a16:creationId xmlns:a16="http://schemas.microsoft.com/office/drawing/2014/main" id="{54FC92A4-41C3-B361-81ED-4A8DCF401E1F}"/>
+              </a:ext>
+            </a:extLst>
+          </p:cNvPr>
+          <p:cNvCxnSpPr>
+            <a:cxnSpLocks/>
+            <a:stCxn id="70" idx="3"/>
+            <a:endCxn id="84" idx="1"/>
+          </p:cNvCxnSpPr>
+          <p:nvPr/>
+        </p:nvCxnSpPr>
+        <p:spPr bwMode="auto">
+          <a:xfrm flipV="1">
+            <a:off x="5679084" y="4202477"/>
+            <a:ext cx="214039" cy="20415"/>
+          </a:xfrm>
+          <a:prstGeom prst="straightConnector1">
+            <a:avLst/>
+          </a:prstGeom>
+          <a:solidFill>
+            <a:schemeClr val="accent1"/>
+          </a:solidFill>
+          <a:ln w="9525" cap="flat" cmpd="sng" algn="ctr">
+            <a:solidFill>
+              <a:schemeClr val="tx1"/>
+            </a:solidFill>
+            <a:prstDash val="solid"/>
+            <a:round/>
+            <a:headEnd type="none" w="med" len="med"/>
+            <a:tailEnd type="triangle"/>
+          </a:ln>
+          <a:effectLst/>
+          <a:extLst>
+            <a:ext uri="{AF507438-7753-43E0-B8FC-AC1667EBCBE1}">
+              <a14:hiddenEffects xmlns:a14="http://schemas.microsoft.com/office/drawing/2010/main">
+                <a:effectLst>
+                  <a:outerShdw dist="35921" dir="2700000" algn="ctr" rotWithShape="0">
+                    <a:schemeClr val="bg2"/>
+                  </a:outerShdw>
+                </a:effectLst>
+              </a14:hiddenEffects>
+            </a:ext>
+          </a:extLst>
+        </p:spPr>
+      </p:cxnSp>
+      <p:sp>
+        <p:nvSpPr>
+          <p:cNvPr id="102" name="직사각형 101">
+            <a:extLst>
+              <a:ext uri="{FF2B5EF4-FFF2-40B4-BE49-F238E27FC236}">
+                <a16:creationId xmlns:a16="http://schemas.microsoft.com/office/drawing/2014/main" id="{64474FE7-1B07-5ED1-43C2-71B4476CCF8A}"/>
+              </a:ext>
+            </a:extLst>
+          </p:cNvPr>
+          <p:cNvSpPr/>
+          <p:nvPr/>
+        </p:nvSpPr>
+        <p:spPr bwMode="auto">
+          <a:xfrm>
+            <a:off x="7724933" y="3988385"/>
+            <a:ext cx="592282" cy="467591"/>
+          </a:xfrm>
+          <a:prstGeom prst="rect">
+            <a:avLst/>
+          </a:prstGeom>
+          <a:solidFill>
+            <a:schemeClr val="accent1">
+              <a:lumMod val="20000"/>
+              <a:lumOff val="80000"/>
+            </a:schemeClr>
+          </a:solidFill>
+          <a:ln w="9525" cap="flat" cmpd="sng" algn="ctr">
+            <a:solidFill>
+              <a:schemeClr val="accent3">
+                <a:lumMod val="75000"/>
+              </a:schemeClr>
+            </a:solidFill>
+            <a:prstDash val="solid"/>
+            <a:round/>
+            <a:headEnd type="none" w="med" len="med"/>
+            <a:tailEnd type="none" w="med" len="med"/>
+          </a:ln>
+          <a:effectLst/>
+        </p:spPr>
+        <p:txBody>
+          <a:bodyPr vert="horz" wrap="square" lIns="91440" tIns="45720" rIns="91440" bIns="45720" numCol="1" rtlCol="0" anchor="ctr" anchorCtr="0" compatLnSpc="1">
+            <a:prstTxWarp prst="textNoShape">
+              <a:avLst/>
+            </a:prstTxWarp>
+          </a:bodyPr>
+          <a:lstStyle/>
+          <a:p>
+            <a:pPr algn="ctr"/>
+            <a:endParaRPr lang="ko-KR" altLang="en-US" sz="1400" dirty="0"/>
+          </a:p>
+        </p:txBody>
+      </p:sp>
+      <p:sp>
+        <p:nvSpPr>
+          <p:cNvPr id="103" name="TextBox 102">
+            <a:extLst>
+              <a:ext uri="{FF2B5EF4-FFF2-40B4-BE49-F238E27FC236}">
+                <a16:creationId xmlns:a16="http://schemas.microsoft.com/office/drawing/2014/main" id="{F12B78CC-A347-C5F7-4EB8-11002AB8BAA9}"/>
+              </a:ext>
+            </a:extLst>
+          </p:cNvPr>
+          <p:cNvSpPr txBox="1"/>
+          <p:nvPr/>
+        </p:nvSpPr>
+        <p:spPr>
+          <a:xfrm>
+            <a:off x="6918757" y="4087049"/>
+            <a:ext cx="550151" cy="276999"/>
+          </a:xfrm>
+          <a:prstGeom prst="rect">
+            <a:avLst/>
+          </a:prstGeom>
+          <a:solidFill>
+            <a:schemeClr val="bg1">
+              <a:lumMod val="95000"/>
+            </a:schemeClr>
+          </a:solidFill>
+          <a:ln>
+            <a:solidFill>
+              <a:schemeClr val="accent3">
+                <a:lumMod val="75000"/>
+              </a:schemeClr>
+            </a:solidFill>
+          </a:ln>
+        </p:spPr>
+        <p:txBody>
+          <a:bodyPr wrap="none" rtlCol="0">
+            <a:spAutoFit/>
+          </a:bodyPr>
+          <a:lstStyle/>
+          <a:p>
+            <a:pPr algn="l"/>
+            <a:r>
+              <a:rPr lang="en-US" altLang="ko-KR" sz="1200" dirty="0"/>
+              <a:t>Head</a:t>
+            </a:r>
+            <a:endParaRPr lang="ko-KR" altLang="en-US" sz="1200" dirty="0"/>
+          </a:p>
+        </p:txBody>
+      </p:sp>
+      <p:cxnSp>
+        <p:nvCxnSpPr>
+          <p:cNvPr id="104" name="직선 화살표 연결선 103">
+            <a:extLst>
+              <a:ext uri="{FF2B5EF4-FFF2-40B4-BE49-F238E27FC236}">
+                <a16:creationId xmlns:a16="http://schemas.microsoft.com/office/drawing/2014/main" id="{D2656255-D482-2B1E-B448-8C5AB4355DC3}"/>
+              </a:ext>
+            </a:extLst>
+          </p:cNvPr>
+          <p:cNvCxnSpPr>
+            <a:stCxn id="103" idx="3"/>
+            <a:endCxn id="102" idx="1"/>
+          </p:cNvCxnSpPr>
+          <p:nvPr/>
+        </p:nvCxnSpPr>
+        <p:spPr bwMode="auto">
+          <a:xfrm flipV="1">
+            <a:off x="7468908" y="4222181"/>
+            <a:ext cx="256025" cy="3368"/>
+          </a:xfrm>
+          <a:prstGeom prst="straightConnector1">
+            <a:avLst/>
+          </a:prstGeom>
+          <a:solidFill>
+            <a:schemeClr val="accent1"/>
+          </a:solidFill>
+          <a:ln w="9525" cap="flat" cmpd="sng" algn="ctr">
+            <a:solidFill>
+              <a:schemeClr val="tx1"/>
+            </a:solidFill>
+            <a:prstDash val="solid"/>
+            <a:round/>
+            <a:headEnd type="none" w="med" len="med"/>
+            <a:tailEnd type="triangle"/>
+          </a:ln>
+          <a:effectLst/>
+          <a:extLst>
+            <a:ext uri="{AF507438-7753-43E0-B8FC-AC1667EBCBE1}">
+              <a14:hiddenEffects xmlns:a14="http://schemas.microsoft.com/office/drawing/2010/main">
+                <a:effectLst>
+                  <a:outerShdw dist="35921" dir="2700000" algn="ctr" rotWithShape="0">
+                    <a:schemeClr val="bg2"/>
+                  </a:outerShdw>
+                </a:effectLst>
+              </a14:hiddenEffects>
+            </a:ext>
+          </a:extLst>
+        </p:spPr>
+      </p:cxnSp>
+      <p:sp>
+        <p:nvSpPr>
+          <p:cNvPr id="105" name="TextBox 104">
+            <a:extLst>
+              <a:ext uri="{FF2B5EF4-FFF2-40B4-BE49-F238E27FC236}">
+                <a16:creationId xmlns:a16="http://schemas.microsoft.com/office/drawing/2014/main" id="{9E0732FB-8700-EDBD-6805-272AFB8C3051}"/>
+              </a:ext>
+            </a:extLst>
+          </p:cNvPr>
+          <p:cNvSpPr txBox="1"/>
+          <p:nvPr/>
+        </p:nvSpPr>
+        <p:spPr>
+          <a:xfrm>
+            <a:off x="7157164" y="3175539"/>
+            <a:ext cx="287258" cy="276999"/>
+          </a:xfrm>
+          <a:prstGeom prst="rect">
+            <a:avLst/>
+          </a:prstGeom>
+          <a:solidFill>
+            <a:schemeClr val="bg1">
+              <a:lumMod val="95000"/>
+            </a:schemeClr>
+          </a:solidFill>
+          <a:ln>
+            <a:solidFill>
+              <a:schemeClr val="accent3">
+                <a:lumMod val="75000"/>
+              </a:schemeClr>
+            </a:solidFill>
+          </a:ln>
+        </p:spPr>
+        <p:txBody>
+          <a:bodyPr wrap="none" rtlCol="0">
+            <a:spAutoFit/>
+          </a:bodyPr>
+          <a:lstStyle/>
+          <a:p>
+            <a:pPr algn="l"/>
+            <a:r>
+              <a:rPr lang="en-US" altLang="ko-KR" sz="1200" dirty="0"/>
+              <a:t>S</a:t>
+            </a:r>
+            <a:endParaRPr lang="ko-KR" altLang="en-US" sz="1200" dirty="0"/>
+          </a:p>
+        </p:txBody>
+      </p:sp>
+      <p:sp>
+        <p:nvSpPr>
+          <p:cNvPr id="106" name="TextBox 105">
+            <a:extLst>
+              <a:ext uri="{FF2B5EF4-FFF2-40B4-BE49-F238E27FC236}">
+                <a16:creationId xmlns:a16="http://schemas.microsoft.com/office/drawing/2014/main" id="{FE63543C-5448-F380-C48C-EF536E81FE6E}"/>
+              </a:ext>
+            </a:extLst>
+          </p:cNvPr>
+          <p:cNvSpPr txBox="1"/>
+          <p:nvPr/>
+        </p:nvSpPr>
+        <p:spPr>
+          <a:xfrm>
+            <a:off x="7917271" y="3175539"/>
+            <a:ext cx="295274" cy="276999"/>
+          </a:xfrm>
+          <a:prstGeom prst="rect">
+            <a:avLst/>
+          </a:prstGeom>
+          <a:solidFill>
+            <a:schemeClr val="accent1">
+              <a:lumMod val="20000"/>
+              <a:lumOff val="80000"/>
+            </a:schemeClr>
+          </a:solidFill>
+          <a:ln>
+            <a:solidFill>
+              <a:schemeClr val="accent3">
+                <a:lumMod val="75000"/>
+              </a:schemeClr>
+            </a:solidFill>
+          </a:ln>
+        </p:spPr>
+        <p:txBody>
+          <a:bodyPr wrap="none" rtlCol="0">
+            <a:spAutoFit/>
+          </a:bodyPr>
+          <a:lstStyle/>
+          <a:p>
+            <a:pPr algn="l"/>
+            <a:r>
+              <a:rPr lang="en-US" altLang="ko-KR" sz="1200" dirty="0"/>
+              <a:t>w</a:t>
+            </a:r>
+            <a:endParaRPr lang="ko-KR" altLang="en-US" sz="1200" dirty="0"/>
+          </a:p>
+        </p:txBody>
+      </p:sp>
+      <p:sp>
+        <p:nvSpPr>
+          <p:cNvPr id="107" name="TextBox 106">
+            <a:extLst>
+              <a:ext uri="{FF2B5EF4-FFF2-40B4-BE49-F238E27FC236}">
+                <a16:creationId xmlns:a16="http://schemas.microsoft.com/office/drawing/2014/main" id="{7F23B8FC-1B20-4A33-B2CD-427CBB306F80}"/>
+              </a:ext>
+            </a:extLst>
+          </p:cNvPr>
+          <p:cNvSpPr txBox="1"/>
+          <p:nvPr/>
+        </p:nvSpPr>
+        <p:spPr>
+          <a:xfrm>
+            <a:off x="7537456" y="3167980"/>
+            <a:ext cx="269626" cy="276999"/>
+          </a:xfrm>
+          <a:prstGeom prst="rect">
+            <a:avLst/>
+          </a:prstGeom>
+          <a:solidFill>
+            <a:schemeClr val="accent1">
+              <a:lumMod val="20000"/>
+              <a:lumOff val="80000"/>
+            </a:schemeClr>
+          </a:solidFill>
+          <a:ln>
+            <a:solidFill>
+              <a:schemeClr val="accent3">
+                <a:lumMod val="75000"/>
+              </a:schemeClr>
+            </a:solidFill>
+          </a:ln>
+        </p:spPr>
+        <p:txBody>
+          <a:bodyPr wrap="none" rtlCol="0">
+            <a:spAutoFit/>
+          </a:bodyPr>
+          <a:lstStyle/>
+          <a:p>
+            <a:pPr algn="l"/>
+            <a:r>
+              <a:rPr lang="en-US" altLang="ko-KR" sz="1200" dirty="0"/>
+              <a:t>L</a:t>
+            </a:r>
+            <a:endParaRPr lang="ko-KR" altLang="en-US" sz="1200" dirty="0"/>
+          </a:p>
+        </p:txBody>
+      </p:sp>
+      <p:cxnSp>
+        <p:nvCxnSpPr>
+          <p:cNvPr id="108" name="연결선: 꺾임 107">
+            <a:extLst>
+              <a:ext uri="{FF2B5EF4-FFF2-40B4-BE49-F238E27FC236}">
+                <a16:creationId xmlns:a16="http://schemas.microsoft.com/office/drawing/2014/main" id="{E9C36EBA-55EE-55BE-9157-1C1A986C8FCC}"/>
+              </a:ext>
+            </a:extLst>
+          </p:cNvPr>
+          <p:cNvCxnSpPr>
+            <a:stCxn id="105" idx="2"/>
+          </p:cNvCxnSpPr>
+          <p:nvPr/>
+        </p:nvCxnSpPr>
+        <p:spPr bwMode="auto">
+          <a:xfrm rot="16200000" flipH="1">
+            <a:off x="7178386" y="3574944"/>
+            <a:ext cx="640913" cy="396099"/>
+          </a:xfrm>
+          <a:prstGeom prst="bentConnector3">
+            <a:avLst/>
+          </a:prstGeom>
+          <a:solidFill>
+            <a:schemeClr val="accent1"/>
+          </a:solidFill>
+          <a:ln w="9525" cap="flat" cmpd="sng" algn="ctr">
+            <a:solidFill>
+              <a:schemeClr val="tx1"/>
+            </a:solidFill>
+            <a:prstDash val="solid"/>
+            <a:round/>
+            <a:headEnd type="none" w="med" len="med"/>
+            <a:tailEnd type="triangle"/>
+          </a:ln>
+          <a:effectLst/>
+          <a:extLst>
+            <a:ext uri="{AF507438-7753-43E0-B8FC-AC1667EBCBE1}">
+              <a14:hiddenEffects xmlns:a14="http://schemas.microsoft.com/office/drawing/2010/main">
+                <a:effectLst>
+                  <a:outerShdw dist="35921" dir="2700000" algn="ctr" rotWithShape="0">
+                    <a:schemeClr val="bg2"/>
+                  </a:outerShdw>
+                </a:effectLst>
+              </a14:hiddenEffects>
+            </a:ext>
+          </a:extLst>
+        </p:spPr>
+      </p:cxnSp>
+      <p:cxnSp>
+        <p:nvCxnSpPr>
+          <p:cNvPr id="109" name="연결선: 꺾임 108">
+            <a:extLst>
+              <a:ext uri="{FF2B5EF4-FFF2-40B4-BE49-F238E27FC236}">
+                <a16:creationId xmlns:a16="http://schemas.microsoft.com/office/drawing/2014/main" id="{A2FEF02C-3186-6D74-B213-5B4C63B9891E}"/>
+              </a:ext>
+            </a:extLst>
+          </p:cNvPr>
+          <p:cNvCxnSpPr>
+            <a:stCxn id="106" idx="3"/>
+            <a:endCxn id="181" idx="0"/>
+          </p:cNvCxnSpPr>
+          <p:nvPr/>
+        </p:nvCxnSpPr>
+        <p:spPr bwMode="auto">
+          <a:xfrm>
+            <a:off x="8212545" y="3314039"/>
+            <a:ext cx="1282468" cy="644922"/>
+          </a:xfrm>
+          <a:prstGeom prst="bentConnector2">
+            <a:avLst/>
+          </a:prstGeom>
+          <a:solidFill>
+            <a:schemeClr val="accent1"/>
+          </a:solidFill>
+          <a:ln w="9525" cap="flat" cmpd="sng" algn="ctr">
+            <a:solidFill>
+              <a:schemeClr val="tx1"/>
+            </a:solidFill>
+            <a:prstDash val="solid"/>
+            <a:round/>
+            <a:headEnd type="none" w="med" len="med"/>
+            <a:tailEnd type="triangle"/>
+          </a:ln>
+          <a:effectLst/>
+          <a:extLst>
+            <a:ext uri="{AF507438-7753-43E0-B8FC-AC1667EBCBE1}">
+              <a14:hiddenEffects xmlns:a14="http://schemas.microsoft.com/office/drawing/2010/main">
+                <a:effectLst>
+                  <a:outerShdw dist="35921" dir="2700000" algn="ctr" rotWithShape="0">
+                    <a:schemeClr val="bg2"/>
+                  </a:outerShdw>
+                </a:effectLst>
+              </a14:hiddenEffects>
+            </a:ext>
+          </a:extLst>
+        </p:spPr>
+      </p:cxnSp>
+      <p:cxnSp>
+        <p:nvCxnSpPr>
+          <p:cNvPr id="110" name="연결선: 꺾임 109">
+            <a:extLst>
+              <a:ext uri="{FF2B5EF4-FFF2-40B4-BE49-F238E27FC236}">
+                <a16:creationId xmlns:a16="http://schemas.microsoft.com/office/drawing/2014/main" id="{621049A7-750B-E107-7AFF-FEC711612D57}"/>
+              </a:ext>
+            </a:extLst>
+          </p:cNvPr>
+          <p:cNvCxnSpPr>
+            <a:stCxn id="107" idx="2"/>
+            <a:endCxn id="112" idx="0"/>
+          </p:cNvCxnSpPr>
+          <p:nvPr/>
+        </p:nvCxnSpPr>
+        <p:spPr bwMode="auto">
+          <a:xfrm rot="16200000" flipH="1">
+            <a:off x="7988337" y="3128911"/>
+            <a:ext cx="522991" cy="1155126"/>
+          </a:xfrm>
+          <a:prstGeom prst="bentConnector3">
+            <a:avLst>
+              <a:gd name="adj1" fmla="val 50000"/>
+            </a:avLst>
+          </a:prstGeom>
+          <a:solidFill>
+            <a:schemeClr val="accent1"/>
+          </a:solidFill>
+          <a:ln w="9525" cap="flat" cmpd="sng" algn="ctr">
+            <a:solidFill>
+              <a:schemeClr val="tx1"/>
+            </a:solidFill>
+            <a:prstDash val="solid"/>
+            <a:round/>
+            <a:headEnd type="none" w="med" len="med"/>
+            <a:tailEnd type="triangle"/>
+          </a:ln>
+          <a:effectLst/>
+          <a:extLst>
+            <a:ext uri="{AF507438-7753-43E0-B8FC-AC1667EBCBE1}">
+              <a14:hiddenEffects xmlns:a14="http://schemas.microsoft.com/office/drawing/2010/main">
+                <a:effectLst>
+                  <a:outerShdw dist="35921" dir="2700000" algn="ctr" rotWithShape="0">
+                    <a:schemeClr val="bg2"/>
+                  </a:outerShdw>
+                </a:effectLst>
+              </a14:hiddenEffects>
+            </a:ext>
+          </a:extLst>
+        </p:spPr>
+      </p:cxnSp>
+      <p:sp>
+        <p:nvSpPr>
+          <p:cNvPr id="111" name="타원 110">
+            <a:extLst>
+              <a:ext uri="{FF2B5EF4-FFF2-40B4-BE49-F238E27FC236}">
+                <a16:creationId xmlns:a16="http://schemas.microsoft.com/office/drawing/2014/main" id="{CE613F65-8068-E2B9-CD9D-089FBB5E11D7}"/>
+              </a:ext>
+            </a:extLst>
+          </p:cNvPr>
+          <p:cNvSpPr/>
+          <p:nvPr/>
+        </p:nvSpPr>
+        <p:spPr bwMode="auto">
+          <a:xfrm>
+            <a:off x="6716780" y="3162169"/>
+            <a:ext cx="332630" cy="276998"/>
+          </a:xfrm>
+          <a:prstGeom prst="ellipse">
+            <a:avLst/>
+          </a:prstGeom>
+          <a:solidFill>
+            <a:srgbClr val="FFFF00"/>
+          </a:solidFill>
+          <a:ln w="9525" cap="flat" cmpd="sng" algn="ctr">
+            <a:solidFill>
+              <a:schemeClr val="accent3">
+                <a:lumMod val="75000"/>
+              </a:schemeClr>
+            </a:solidFill>
+            <a:prstDash val="solid"/>
+            <a:round/>
+            <a:headEnd type="none" w="med" len="med"/>
+            <a:tailEnd type="none" w="med" len="med"/>
+          </a:ln>
+          <a:effectLst/>
+        </p:spPr>
+        <p:txBody>
+          <a:bodyPr vert="horz" wrap="square" lIns="91440" tIns="45720" rIns="91440" bIns="45720" numCol="1" rtlCol="0" anchor="ctr" anchorCtr="0" compatLnSpc="1">
+            <a:prstTxWarp prst="textNoShape">
+              <a:avLst/>
+            </a:prstTxWarp>
+          </a:bodyPr>
+          <a:lstStyle/>
+          <a:p>
+            <a:pPr algn="ctr"/>
+            <a:r>
+              <a:rPr lang="en-US" altLang="ko-KR" sz="1400" dirty="0"/>
+              <a:t>2</a:t>
+            </a:r>
+            <a:endParaRPr lang="ko-KR" altLang="en-US" sz="1400" dirty="0"/>
+          </a:p>
+        </p:txBody>
+      </p:sp>
+      <p:sp>
+        <p:nvSpPr>
+          <p:cNvPr id="112" name="직사각형 111">
+            <a:extLst>
+              <a:ext uri="{FF2B5EF4-FFF2-40B4-BE49-F238E27FC236}">
+                <a16:creationId xmlns:a16="http://schemas.microsoft.com/office/drawing/2014/main" id="{B25A8F17-E757-475C-0F4B-706564C6127A}"/>
+              </a:ext>
+            </a:extLst>
+          </p:cNvPr>
+          <p:cNvSpPr/>
+          <p:nvPr/>
+        </p:nvSpPr>
+        <p:spPr bwMode="auto">
+          <a:xfrm>
+            <a:off x="8531254" y="3967970"/>
+            <a:ext cx="592282" cy="467591"/>
+          </a:xfrm>
+          <a:prstGeom prst="rect">
+            <a:avLst/>
+          </a:prstGeom>
+          <a:solidFill>
+            <a:schemeClr val="accent1">
+              <a:lumMod val="20000"/>
+              <a:lumOff val="80000"/>
+            </a:schemeClr>
+          </a:solidFill>
+          <a:ln w="9525" cap="flat" cmpd="sng" algn="ctr">
+            <a:solidFill>
+              <a:schemeClr val="accent3">
+                <a:lumMod val="75000"/>
+              </a:schemeClr>
+            </a:solidFill>
+            <a:prstDash val="solid"/>
+            <a:round/>
+            <a:headEnd type="none" w="med" len="med"/>
+            <a:tailEnd type="none" w="med" len="med"/>
+          </a:ln>
+          <a:effectLst/>
+        </p:spPr>
+        <p:txBody>
+          <a:bodyPr vert="horz" wrap="square" lIns="91440" tIns="45720" rIns="91440" bIns="45720" numCol="1" rtlCol="0" anchor="ctr" anchorCtr="0" compatLnSpc="1">
+            <a:prstTxWarp prst="textNoShape">
+              <a:avLst/>
+            </a:prstTxWarp>
+          </a:bodyPr>
+          <a:lstStyle/>
+          <a:p>
+            <a:pPr algn="ctr"/>
+            <a:endParaRPr lang="ko-KR" altLang="en-US" sz="1400" dirty="0"/>
+          </a:p>
+        </p:txBody>
+      </p:sp>
+      <p:cxnSp>
+        <p:nvCxnSpPr>
+          <p:cNvPr id="113" name="직선 화살표 연결선 112">
+            <a:extLst>
+              <a:ext uri="{FF2B5EF4-FFF2-40B4-BE49-F238E27FC236}">
+                <a16:creationId xmlns:a16="http://schemas.microsoft.com/office/drawing/2014/main" id="{30211C65-DD0A-257D-E0FB-C2A12AF36436}"/>
+              </a:ext>
+            </a:extLst>
+          </p:cNvPr>
+          <p:cNvCxnSpPr>
+            <a:cxnSpLocks/>
+            <a:stCxn id="102" idx="3"/>
+            <a:endCxn id="112" idx="1"/>
+          </p:cNvCxnSpPr>
+          <p:nvPr/>
+        </p:nvCxnSpPr>
+        <p:spPr bwMode="auto">
+          <a:xfrm flipV="1">
+            <a:off x="8317215" y="4201766"/>
+            <a:ext cx="214039" cy="20415"/>
+          </a:xfrm>
+          <a:prstGeom prst="straightConnector1">
+            <a:avLst/>
+          </a:prstGeom>
+          <a:solidFill>
+            <a:schemeClr val="accent1"/>
+          </a:solidFill>
+          <a:ln w="9525" cap="flat" cmpd="sng" algn="ctr">
+            <a:solidFill>
+              <a:schemeClr val="tx1"/>
+            </a:solidFill>
+            <a:prstDash val="solid"/>
+            <a:round/>
+            <a:headEnd type="none" w="med" len="med"/>
+            <a:tailEnd type="triangle"/>
+          </a:ln>
+          <a:effectLst/>
+          <a:extLst>
+            <a:ext uri="{AF507438-7753-43E0-B8FC-AC1667EBCBE1}">
+              <a14:hiddenEffects xmlns:a14="http://schemas.microsoft.com/office/drawing/2010/main">
+                <a:effectLst>
+                  <a:outerShdw dist="35921" dir="2700000" algn="ctr" rotWithShape="0">
+                    <a:schemeClr val="bg2"/>
+                  </a:outerShdw>
+                </a:effectLst>
+              </a14:hiddenEffects>
+            </a:ext>
+          </a:extLst>
+        </p:spPr>
+      </p:cxnSp>
+      <p:sp>
+        <p:nvSpPr>
+          <p:cNvPr id="141" name="직사각형 140">
+            <a:extLst>
+              <a:ext uri="{FF2B5EF4-FFF2-40B4-BE49-F238E27FC236}">
+                <a16:creationId xmlns:a16="http://schemas.microsoft.com/office/drawing/2014/main" id="{C3F85FDF-10FF-D06F-9805-6B920B7C84B3}"/>
+              </a:ext>
+            </a:extLst>
+          </p:cNvPr>
+          <p:cNvSpPr/>
+          <p:nvPr/>
+        </p:nvSpPr>
+        <p:spPr bwMode="auto">
+          <a:xfrm>
+            <a:off x="5625112" y="5674562"/>
+            <a:ext cx="592282" cy="467591"/>
+          </a:xfrm>
+          <a:prstGeom prst="rect">
+            <a:avLst/>
+          </a:prstGeom>
+          <a:solidFill>
+            <a:schemeClr val="accent3">
+              <a:lumMod val="20000"/>
+              <a:lumOff val="80000"/>
+            </a:schemeClr>
+          </a:solidFill>
+          <a:ln w="9525" cap="flat" cmpd="sng" algn="ctr">
+            <a:solidFill>
+              <a:schemeClr val="accent3">
+                <a:lumMod val="75000"/>
+              </a:schemeClr>
+            </a:solidFill>
+            <a:prstDash val="solid"/>
+            <a:round/>
+            <a:headEnd type="none" w="med" len="med"/>
+            <a:tailEnd type="none" w="med" len="med"/>
+          </a:ln>
+          <a:effectLst/>
+        </p:spPr>
+        <p:txBody>
+          <a:bodyPr vert="horz" wrap="square" lIns="91440" tIns="45720" rIns="91440" bIns="45720" numCol="1" rtlCol="0" anchor="ctr" anchorCtr="0" compatLnSpc="1">
+            <a:prstTxWarp prst="textNoShape">
+              <a:avLst/>
+            </a:prstTxWarp>
+          </a:bodyPr>
+          <a:lstStyle/>
+          <a:p>
+            <a:pPr algn="ctr"/>
+            <a:endParaRPr lang="ko-KR" altLang="en-US" sz="1400" dirty="0"/>
+          </a:p>
+        </p:txBody>
+      </p:sp>
+      <p:cxnSp>
+        <p:nvCxnSpPr>
+          <p:cNvPr id="143" name="직선 화살표 연결선 142">
+            <a:extLst>
+              <a:ext uri="{FF2B5EF4-FFF2-40B4-BE49-F238E27FC236}">
+                <a16:creationId xmlns:a16="http://schemas.microsoft.com/office/drawing/2014/main" id="{2654253D-C976-1CCB-33E0-35D55F0D2D62}"/>
+              </a:ext>
+            </a:extLst>
+          </p:cNvPr>
+          <p:cNvCxnSpPr>
+            <a:cxnSpLocks/>
+            <a:stCxn id="153" idx="3"/>
+            <a:endCxn id="141" idx="1"/>
+          </p:cNvCxnSpPr>
+          <p:nvPr/>
+        </p:nvCxnSpPr>
+        <p:spPr bwMode="auto">
+          <a:xfrm flipV="1">
+            <a:off x="5342992" y="5908358"/>
+            <a:ext cx="282120" cy="14969"/>
+          </a:xfrm>
+          <a:prstGeom prst="straightConnector1">
+            <a:avLst/>
+          </a:prstGeom>
+          <a:solidFill>
+            <a:schemeClr val="accent1"/>
+          </a:solidFill>
+          <a:ln w="9525" cap="flat" cmpd="sng" algn="ctr">
+            <a:solidFill>
+              <a:schemeClr val="tx1"/>
+            </a:solidFill>
+            <a:prstDash val="solid"/>
+            <a:round/>
+            <a:headEnd type="none" w="med" len="med"/>
+            <a:tailEnd type="triangle"/>
+          </a:ln>
+          <a:effectLst/>
+          <a:extLst>
+            <a:ext uri="{AF507438-7753-43E0-B8FC-AC1667EBCBE1}">
+              <a14:hiddenEffects xmlns:a14="http://schemas.microsoft.com/office/drawing/2010/main">
+                <a:effectLst>
+                  <a:outerShdw dist="35921" dir="2700000" algn="ctr" rotWithShape="0">
+                    <a:schemeClr val="bg2"/>
+                  </a:outerShdw>
+                </a:effectLst>
+              </a14:hiddenEffects>
+            </a:ext>
+          </a:extLst>
+        </p:spPr>
+      </p:cxnSp>
+      <p:sp>
+        <p:nvSpPr>
+          <p:cNvPr id="144" name="TextBox 143">
+            <a:extLst>
+              <a:ext uri="{FF2B5EF4-FFF2-40B4-BE49-F238E27FC236}">
+                <a16:creationId xmlns:a16="http://schemas.microsoft.com/office/drawing/2014/main" id="{30DF6601-84B6-1E86-8D41-A58DDED4BA0D}"/>
+              </a:ext>
+            </a:extLst>
+          </p:cNvPr>
+          <p:cNvSpPr txBox="1"/>
+          <p:nvPr/>
+        </p:nvSpPr>
+        <p:spPr>
+          <a:xfrm>
+            <a:off x="5057343" y="4861716"/>
+            <a:ext cx="287258" cy="276999"/>
+          </a:xfrm>
+          <a:prstGeom prst="rect">
+            <a:avLst/>
+          </a:prstGeom>
+          <a:solidFill>
+            <a:schemeClr val="bg1">
+              <a:lumMod val="95000"/>
+            </a:schemeClr>
+          </a:solidFill>
+          <a:ln>
+            <a:solidFill>
+              <a:schemeClr val="accent3">
+                <a:lumMod val="75000"/>
+              </a:schemeClr>
+            </a:solidFill>
+          </a:ln>
+        </p:spPr>
+        <p:txBody>
+          <a:bodyPr wrap="none" rtlCol="0">
+            <a:spAutoFit/>
+          </a:bodyPr>
+          <a:lstStyle/>
+          <a:p>
+            <a:pPr algn="l"/>
+            <a:r>
+              <a:rPr lang="en-US" altLang="ko-KR" sz="1200" dirty="0"/>
+              <a:t>S</a:t>
+            </a:r>
+            <a:endParaRPr lang="ko-KR" altLang="en-US" sz="1200" dirty="0"/>
+          </a:p>
+        </p:txBody>
+      </p:sp>
+      <p:sp>
+        <p:nvSpPr>
+          <p:cNvPr id="145" name="TextBox 144">
+            <a:extLst>
+              <a:ext uri="{FF2B5EF4-FFF2-40B4-BE49-F238E27FC236}">
+                <a16:creationId xmlns:a16="http://schemas.microsoft.com/office/drawing/2014/main" id="{4E5BDB23-FBF0-C2B9-A203-E54C11DEB8CB}"/>
+              </a:ext>
+            </a:extLst>
+          </p:cNvPr>
+          <p:cNvSpPr txBox="1"/>
+          <p:nvPr/>
+        </p:nvSpPr>
+        <p:spPr>
+          <a:xfrm>
+            <a:off x="5817450" y="4861716"/>
+            <a:ext cx="295274" cy="276999"/>
+          </a:xfrm>
+          <a:prstGeom prst="rect">
+            <a:avLst/>
+          </a:prstGeom>
+          <a:solidFill>
+            <a:schemeClr val="bg1">
+              <a:lumMod val="95000"/>
+            </a:schemeClr>
+          </a:solidFill>
+          <a:ln>
+            <a:solidFill>
+              <a:schemeClr val="accent3">
+                <a:lumMod val="75000"/>
+              </a:schemeClr>
+            </a:solidFill>
+          </a:ln>
+        </p:spPr>
+        <p:txBody>
+          <a:bodyPr wrap="none" rtlCol="0">
+            <a:spAutoFit/>
+          </a:bodyPr>
+          <a:lstStyle/>
+          <a:p>
+            <a:pPr algn="l"/>
+            <a:r>
+              <a:rPr lang="en-US" altLang="ko-KR" sz="1200" dirty="0"/>
+              <a:t>w</a:t>
+            </a:r>
+            <a:endParaRPr lang="ko-KR" altLang="en-US" sz="1200" dirty="0"/>
+          </a:p>
+        </p:txBody>
+      </p:sp>
+      <p:sp>
+        <p:nvSpPr>
+          <p:cNvPr id="146" name="TextBox 145">
+            <a:extLst>
+              <a:ext uri="{FF2B5EF4-FFF2-40B4-BE49-F238E27FC236}">
+                <a16:creationId xmlns:a16="http://schemas.microsoft.com/office/drawing/2014/main" id="{46BD5512-021C-6B0A-A5D4-164BE6BB74EE}"/>
+              </a:ext>
+            </a:extLst>
+          </p:cNvPr>
+          <p:cNvSpPr txBox="1"/>
+          <p:nvPr/>
+        </p:nvSpPr>
+        <p:spPr>
+          <a:xfrm>
+            <a:off x="5437635" y="4854157"/>
+            <a:ext cx="269626" cy="276999"/>
+          </a:xfrm>
+          <a:prstGeom prst="rect">
+            <a:avLst/>
+          </a:prstGeom>
+          <a:solidFill>
+            <a:schemeClr val="bg1">
+              <a:lumMod val="95000"/>
+            </a:schemeClr>
+          </a:solidFill>
+          <a:ln>
+            <a:solidFill>
+              <a:schemeClr val="accent3">
+                <a:lumMod val="75000"/>
+              </a:schemeClr>
+            </a:solidFill>
+          </a:ln>
+        </p:spPr>
+        <p:txBody>
+          <a:bodyPr wrap="none" rtlCol="0">
+            <a:spAutoFit/>
+          </a:bodyPr>
+          <a:lstStyle/>
+          <a:p>
+            <a:pPr algn="l"/>
+            <a:r>
+              <a:rPr lang="en-US" altLang="ko-KR" sz="1200" dirty="0"/>
+              <a:t>L</a:t>
+            </a:r>
+            <a:endParaRPr lang="ko-KR" altLang="en-US" sz="1200" dirty="0"/>
+          </a:p>
+        </p:txBody>
+      </p:sp>
+      <p:cxnSp>
+        <p:nvCxnSpPr>
+          <p:cNvPr id="147" name="연결선: 꺾임 146">
+            <a:extLst>
+              <a:ext uri="{FF2B5EF4-FFF2-40B4-BE49-F238E27FC236}">
+                <a16:creationId xmlns:a16="http://schemas.microsoft.com/office/drawing/2014/main" id="{BBDF5168-648C-3D13-FB79-B06E5A4927B3}"/>
+              </a:ext>
+            </a:extLst>
+          </p:cNvPr>
+          <p:cNvCxnSpPr>
+            <a:stCxn id="144" idx="2"/>
+            <a:endCxn id="153" idx="1"/>
+          </p:cNvCxnSpPr>
+          <p:nvPr/>
+        </p:nvCxnSpPr>
+        <p:spPr bwMode="auto">
+          <a:xfrm rot="5400000">
+            <a:off x="4583535" y="5305890"/>
+            <a:ext cx="784612" cy="450262"/>
+          </a:xfrm>
+          <a:prstGeom prst="bentConnector4">
+            <a:avLst>
+              <a:gd name="adj1" fmla="val 35101"/>
+              <a:gd name="adj2" fmla="val 150770"/>
+            </a:avLst>
+          </a:prstGeom>
+          <a:solidFill>
+            <a:schemeClr val="accent1"/>
+          </a:solidFill>
+          <a:ln w="9525" cap="flat" cmpd="sng" algn="ctr">
+            <a:solidFill>
+              <a:schemeClr val="tx1"/>
+            </a:solidFill>
+            <a:prstDash val="solid"/>
+            <a:round/>
+            <a:headEnd type="none" w="med" len="med"/>
+            <a:tailEnd type="triangle"/>
+          </a:ln>
+          <a:effectLst/>
+          <a:extLst>
+            <a:ext uri="{AF507438-7753-43E0-B8FC-AC1667EBCBE1}">
+              <a14:hiddenEffects xmlns:a14="http://schemas.microsoft.com/office/drawing/2010/main">
+                <a:effectLst>
+                  <a:outerShdw dist="35921" dir="2700000" algn="ctr" rotWithShape="0">
+                    <a:schemeClr val="bg2"/>
+                  </a:outerShdw>
+                </a:effectLst>
+              </a14:hiddenEffects>
+            </a:ext>
+          </a:extLst>
+        </p:spPr>
+      </p:cxnSp>
+      <p:cxnSp>
+        <p:nvCxnSpPr>
+          <p:cNvPr id="148" name="연결선: 꺾임 147">
+            <a:extLst>
+              <a:ext uri="{FF2B5EF4-FFF2-40B4-BE49-F238E27FC236}">
+                <a16:creationId xmlns:a16="http://schemas.microsoft.com/office/drawing/2014/main" id="{77F91889-6DDC-80DF-20F5-B847CFD8B54E}"/>
+              </a:ext>
+            </a:extLst>
+          </p:cNvPr>
+          <p:cNvCxnSpPr>
+            <a:stCxn id="145" idx="3"/>
+            <a:endCxn id="151" idx="0"/>
+          </p:cNvCxnSpPr>
+          <p:nvPr/>
+        </p:nvCxnSpPr>
+        <p:spPr bwMode="auto">
+          <a:xfrm>
+            <a:off x="6112724" y="5000216"/>
+            <a:ext cx="614850" cy="653931"/>
+          </a:xfrm>
+          <a:prstGeom prst="bentConnector2">
+            <a:avLst/>
+          </a:prstGeom>
+          <a:solidFill>
+            <a:schemeClr val="accent1"/>
+          </a:solidFill>
+          <a:ln w="9525" cap="flat" cmpd="sng" algn="ctr">
+            <a:solidFill>
+              <a:schemeClr val="tx1"/>
+            </a:solidFill>
+            <a:prstDash val="solid"/>
+            <a:round/>
+            <a:headEnd type="none" w="med" len="med"/>
+            <a:tailEnd type="triangle"/>
+          </a:ln>
+          <a:effectLst/>
+          <a:extLst>
+            <a:ext uri="{AF507438-7753-43E0-B8FC-AC1667EBCBE1}">
+              <a14:hiddenEffects xmlns:a14="http://schemas.microsoft.com/office/drawing/2010/main">
+                <a:effectLst>
+                  <a:outerShdw dist="35921" dir="2700000" algn="ctr" rotWithShape="0">
+                    <a:schemeClr val="bg2"/>
+                  </a:outerShdw>
+                </a:effectLst>
+              </a14:hiddenEffects>
+            </a:ext>
+          </a:extLst>
+        </p:spPr>
+      </p:cxnSp>
+      <p:cxnSp>
+        <p:nvCxnSpPr>
+          <p:cNvPr id="149" name="연결선: 꺾임 148">
+            <a:extLst>
+              <a:ext uri="{FF2B5EF4-FFF2-40B4-BE49-F238E27FC236}">
+                <a16:creationId xmlns:a16="http://schemas.microsoft.com/office/drawing/2014/main" id="{14F88ACB-0579-64C2-9C31-F08EF541D9FF}"/>
+              </a:ext>
+            </a:extLst>
+          </p:cNvPr>
+          <p:cNvCxnSpPr>
+            <a:stCxn id="146" idx="2"/>
+            <a:endCxn id="141" idx="0"/>
+          </p:cNvCxnSpPr>
+          <p:nvPr/>
+        </p:nvCxnSpPr>
+        <p:spPr bwMode="auto">
+          <a:xfrm rot="16200000" flipH="1">
+            <a:off x="5475147" y="5228456"/>
+            <a:ext cx="543406" cy="348805"/>
+          </a:xfrm>
+          <a:prstGeom prst="bentConnector3">
+            <a:avLst>
+              <a:gd name="adj1" fmla="val 50000"/>
+            </a:avLst>
+          </a:prstGeom>
+          <a:solidFill>
+            <a:schemeClr val="accent1"/>
+          </a:solidFill>
+          <a:ln w="9525" cap="flat" cmpd="sng" algn="ctr">
+            <a:solidFill>
+              <a:schemeClr val="tx1"/>
+            </a:solidFill>
+            <a:prstDash val="solid"/>
+            <a:round/>
+            <a:headEnd type="none" w="med" len="med"/>
+            <a:tailEnd type="triangle"/>
+          </a:ln>
+          <a:effectLst/>
+          <a:extLst>
+            <a:ext uri="{AF507438-7753-43E0-B8FC-AC1667EBCBE1}">
+              <a14:hiddenEffects xmlns:a14="http://schemas.microsoft.com/office/drawing/2010/main">
+                <a:effectLst>
+                  <a:outerShdw dist="35921" dir="2700000" algn="ctr" rotWithShape="0">
+                    <a:schemeClr val="bg2"/>
+                  </a:outerShdw>
+                </a:effectLst>
+              </a14:hiddenEffects>
+            </a:ext>
+          </a:extLst>
+        </p:spPr>
+      </p:cxnSp>
+      <p:sp>
+        <p:nvSpPr>
+          <p:cNvPr id="150" name="타원 149">
+            <a:extLst>
+              <a:ext uri="{FF2B5EF4-FFF2-40B4-BE49-F238E27FC236}">
+                <a16:creationId xmlns:a16="http://schemas.microsoft.com/office/drawing/2014/main" id="{92062376-27A3-4B36-EE02-684004D5BB53}"/>
+              </a:ext>
+            </a:extLst>
+          </p:cNvPr>
+          <p:cNvSpPr/>
+          <p:nvPr/>
+        </p:nvSpPr>
+        <p:spPr bwMode="auto">
+          <a:xfrm>
+            <a:off x="4616959" y="4848346"/>
+            <a:ext cx="332630" cy="276998"/>
+          </a:xfrm>
+          <a:prstGeom prst="ellipse">
+            <a:avLst/>
+          </a:prstGeom>
+          <a:solidFill>
+            <a:srgbClr val="FFFF00"/>
+          </a:solidFill>
+          <a:ln w="9525" cap="flat" cmpd="sng" algn="ctr">
+            <a:solidFill>
+              <a:schemeClr val="accent3">
+                <a:lumMod val="75000"/>
+              </a:schemeClr>
+            </a:solidFill>
+            <a:prstDash val="solid"/>
+            <a:round/>
+            <a:headEnd type="none" w="med" len="med"/>
+            <a:tailEnd type="none" w="med" len="med"/>
+          </a:ln>
+          <a:effectLst/>
+        </p:spPr>
+        <p:txBody>
+          <a:bodyPr vert="horz" wrap="square" lIns="91440" tIns="45720" rIns="91440" bIns="45720" numCol="1" rtlCol="0" anchor="ctr" anchorCtr="0" compatLnSpc="1">
+            <a:prstTxWarp prst="textNoShape">
+              <a:avLst/>
+            </a:prstTxWarp>
+          </a:bodyPr>
+          <a:lstStyle/>
+          <a:p>
+            <a:pPr algn="ctr"/>
+            <a:r>
+              <a:rPr lang="en-US" altLang="ko-KR" sz="1400" dirty="0"/>
+              <a:t>1</a:t>
+            </a:r>
+            <a:endParaRPr lang="ko-KR" altLang="en-US" sz="1400" dirty="0"/>
+          </a:p>
+        </p:txBody>
+      </p:sp>
+      <p:sp>
+        <p:nvSpPr>
+          <p:cNvPr id="151" name="직사각형 150">
+            <a:extLst>
+              <a:ext uri="{FF2B5EF4-FFF2-40B4-BE49-F238E27FC236}">
+                <a16:creationId xmlns:a16="http://schemas.microsoft.com/office/drawing/2014/main" id="{D59F887D-B1C4-043A-7BE6-875AC251E5E4}"/>
+              </a:ext>
+            </a:extLst>
+          </p:cNvPr>
+          <p:cNvSpPr/>
+          <p:nvPr/>
+        </p:nvSpPr>
+        <p:spPr bwMode="auto">
+          <a:xfrm>
+            <a:off x="6431433" y="5654147"/>
+            <a:ext cx="592282" cy="467591"/>
+          </a:xfrm>
+          <a:prstGeom prst="rect">
+            <a:avLst/>
+          </a:prstGeom>
+          <a:solidFill>
+            <a:schemeClr val="accent3">
+              <a:lumMod val="20000"/>
+              <a:lumOff val="80000"/>
+            </a:schemeClr>
+          </a:solidFill>
+          <a:ln w="9525" cap="flat" cmpd="sng" algn="ctr">
+            <a:solidFill>
+              <a:schemeClr val="accent3">
+                <a:lumMod val="75000"/>
+              </a:schemeClr>
+            </a:solidFill>
+            <a:prstDash val="solid"/>
+            <a:round/>
+            <a:headEnd type="none" w="med" len="med"/>
+            <a:tailEnd type="none" w="med" len="med"/>
+          </a:ln>
+          <a:effectLst/>
+        </p:spPr>
+        <p:txBody>
+          <a:bodyPr vert="horz" wrap="square" lIns="91440" tIns="45720" rIns="91440" bIns="45720" numCol="1" rtlCol="0" anchor="ctr" anchorCtr="0" compatLnSpc="1">
+            <a:prstTxWarp prst="textNoShape">
+              <a:avLst/>
+            </a:prstTxWarp>
+          </a:bodyPr>
+          <a:lstStyle/>
+          <a:p>
+            <a:pPr algn="ctr"/>
+            <a:endParaRPr lang="ko-KR" altLang="en-US" sz="1400" dirty="0"/>
+          </a:p>
+        </p:txBody>
+      </p:sp>
+      <p:cxnSp>
+        <p:nvCxnSpPr>
+          <p:cNvPr id="152" name="직선 화살표 연결선 151">
+            <a:extLst>
+              <a:ext uri="{FF2B5EF4-FFF2-40B4-BE49-F238E27FC236}">
+                <a16:creationId xmlns:a16="http://schemas.microsoft.com/office/drawing/2014/main" id="{882F888D-2D75-0D08-2AB3-B9CAFF88DF34}"/>
+              </a:ext>
+            </a:extLst>
+          </p:cNvPr>
+          <p:cNvCxnSpPr>
+            <a:cxnSpLocks/>
+            <a:stCxn id="141" idx="3"/>
+            <a:endCxn id="151" idx="1"/>
+          </p:cNvCxnSpPr>
+          <p:nvPr/>
+        </p:nvCxnSpPr>
+        <p:spPr bwMode="auto">
+          <a:xfrm flipV="1">
+            <a:off x="6217394" y="5887943"/>
+            <a:ext cx="214039" cy="20415"/>
+          </a:xfrm>
+          <a:prstGeom prst="straightConnector1">
+            <a:avLst/>
+          </a:prstGeom>
+          <a:solidFill>
+            <a:schemeClr val="accent1"/>
+          </a:solidFill>
+          <a:ln w="9525" cap="flat" cmpd="sng" algn="ctr">
+            <a:solidFill>
+              <a:schemeClr val="tx1"/>
+            </a:solidFill>
+            <a:prstDash val="solid"/>
+            <a:round/>
+            <a:headEnd type="none" w="med" len="med"/>
+            <a:tailEnd type="triangle"/>
+          </a:ln>
+          <a:effectLst/>
+          <a:extLst>
+            <a:ext uri="{AF507438-7753-43E0-B8FC-AC1667EBCBE1}">
+              <a14:hiddenEffects xmlns:a14="http://schemas.microsoft.com/office/drawing/2010/main">
+                <a:effectLst>
+                  <a:outerShdw dist="35921" dir="2700000" algn="ctr" rotWithShape="0">
+                    <a:schemeClr val="bg2"/>
+                  </a:outerShdw>
+                </a:effectLst>
+              </a14:hiddenEffects>
+            </a:ext>
+          </a:extLst>
+        </p:spPr>
+      </p:cxnSp>
+      <p:sp>
+        <p:nvSpPr>
+          <p:cNvPr id="153" name="직사각형 152">
+            <a:extLst>
+              <a:ext uri="{FF2B5EF4-FFF2-40B4-BE49-F238E27FC236}">
+                <a16:creationId xmlns:a16="http://schemas.microsoft.com/office/drawing/2014/main" id="{70E73FDF-229C-B604-ACB3-12012382C190}"/>
+              </a:ext>
+            </a:extLst>
+          </p:cNvPr>
+          <p:cNvSpPr/>
+          <p:nvPr/>
+        </p:nvSpPr>
+        <p:spPr bwMode="auto">
+          <a:xfrm>
+            <a:off x="4750710" y="5689531"/>
+            <a:ext cx="592282" cy="467591"/>
+          </a:xfrm>
+          <a:prstGeom prst="rect">
+            <a:avLst/>
+          </a:prstGeom>
+          <a:solidFill>
+            <a:schemeClr val="accent3">
+              <a:lumMod val="20000"/>
+              <a:lumOff val="80000"/>
+            </a:schemeClr>
+          </a:solidFill>
+          <a:ln w="9525" cap="flat" cmpd="sng" algn="ctr">
+            <a:solidFill>
+              <a:schemeClr val="accent3">
+                <a:lumMod val="75000"/>
+              </a:schemeClr>
+            </a:solidFill>
+            <a:prstDash val="solid"/>
+            <a:round/>
+            <a:headEnd type="none" w="med" len="med"/>
+            <a:tailEnd type="none" w="med" len="med"/>
+          </a:ln>
+          <a:effectLst/>
+        </p:spPr>
+        <p:txBody>
+          <a:bodyPr vert="horz" wrap="square" lIns="91440" tIns="45720" rIns="91440" bIns="45720" numCol="1" rtlCol="0" anchor="ctr" anchorCtr="0" compatLnSpc="1">
+            <a:prstTxWarp prst="textNoShape">
+              <a:avLst/>
+            </a:prstTxWarp>
+          </a:bodyPr>
+          <a:lstStyle/>
+          <a:p>
+            <a:pPr algn="ctr"/>
+            <a:endParaRPr lang="ko-KR" altLang="en-US" sz="1400" dirty="0"/>
+          </a:p>
+        </p:txBody>
+      </p:sp>
+      <p:sp>
+        <p:nvSpPr>
+          <p:cNvPr id="155" name="직사각형 154">
+            <a:extLst>
+              <a:ext uri="{FF2B5EF4-FFF2-40B4-BE49-F238E27FC236}">
+                <a16:creationId xmlns:a16="http://schemas.microsoft.com/office/drawing/2014/main" id="{1C07DC5C-2358-F2CB-8876-07D9C37E9740}"/>
+              </a:ext>
+            </a:extLst>
+          </p:cNvPr>
+          <p:cNvSpPr/>
+          <p:nvPr/>
+        </p:nvSpPr>
+        <p:spPr bwMode="auto">
+          <a:xfrm>
+            <a:off x="1634074" y="5771083"/>
+            <a:ext cx="592282" cy="467591"/>
+          </a:xfrm>
+          <a:prstGeom prst="rect">
+            <a:avLst/>
+          </a:prstGeom>
+          <a:solidFill>
+            <a:schemeClr val="accent3">
+              <a:lumMod val="20000"/>
+              <a:lumOff val="80000"/>
+            </a:schemeClr>
+          </a:solidFill>
+          <a:ln w="9525" cap="flat" cmpd="sng" algn="ctr">
+            <a:solidFill>
+              <a:schemeClr val="accent3">
+                <a:lumMod val="75000"/>
+              </a:schemeClr>
+            </a:solidFill>
+            <a:prstDash val="solid"/>
+            <a:round/>
+            <a:headEnd type="none" w="med" len="med"/>
+            <a:tailEnd type="none" w="med" len="med"/>
+          </a:ln>
+          <a:effectLst/>
+        </p:spPr>
+        <p:txBody>
+          <a:bodyPr vert="horz" wrap="square" lIns="91440" tIns="45720" rIns="91440" bIns="45720" numCol="1" rtlCol="0" anchor="ctr" anchorCtr="0" compatLnSpc="1">
+            <a:prstTxWarp prst="textNoShape">
+              <a:avLst/>
+            </a:prstTxWarp>
+          </a:bodyPr>
+          <a:lstStyle/>
+          <a:p>
+            <a:pPr algn="ctr"/>
+            <a:endParaRPr lang="ko-KR" altLang="en-US" sz="1400" dirty="0"/>
+          </a:p>
+        </p:txBody>
+      </p:sp>
+      <p:sp>
+        <p:nvSpPr>
+          <p:cNvPr id="158" name="TextBox 157">
+            <a:extLst>
+              <a:ext uri="{FF2B5EF4-FFF2-40B4-BE49-F238E27FC236}">
+                <a16:creationId xmlns:a16="http://schemas.microsoft.com/office/drawing/2014/main" id="{BDD1BF85-7C58-A227-EEEB-C9A9AEEC1162}"/>
+              </a:ext>
+            </a:extLst>
+          </p:cNvPr>
+          <p:cNvSpPr txBox="1"/>
+          <p:nvPr/>
+        </p:nvSpPr>
+        <p:spPr>
+          <a:xfrm>
+            <a:off x="1686628" y="4926418"/>
+            <a:ext cx="287258" cy="276999"/>
+          </a:xfrm>
+          <a:prstGeom prst="rect">
+            <a:avLst/>
+          </a:prstGeom>
+          <a:solidFill>
+            <a:schemeClr val="bg1">
+              <a:lumMod val="95000"/>
+            </a:schemeClr>
+          </a:solidFill>
+          <a:ln>
+            <a:solidFill>
+              <a:schemeClr val="accent3">
+                <a:lumMod val="75000"/>
+              </a:schemeClr>
+            </a:solidFill>
+          </a:ln>
+        </p:spPr>
+        <p:txBody>
+          <a:bodyPr wrap="none" rtlCol="0">
+            <a:spAutoFit/>
+          </a:bodyPr>
+          <a:lstStyle/>
+          <a:p>
+            <a:pPr algn="l"/>
+            <a:r>
+              <a:rPr lang="en-US" altLang="ko-KR" sz="1200" dirty="0"/>
+              <a:t>S</a:t>
+            </a:r>
+            <a:endParaRPr lang="ko-KR" altLang="en-US" sz="1200" dirty="0"/>
+          </a:p>
+        </p:txBody>
+      </p:sp>
+      <p:sp>
+        <p:nvSpPr>
+          <p:cNvPr id="159" name="TextBox 158">
+            <a:extLst>
+              <a:ext uri="{FF2B5EF4-FFF2-40B4-BE49-F238E27FC236}">
+                <a16:creationId xmlns:a16="http://schemas.microsoft.com/office/drawing/2014/main" id="{24F7B71B-5434-AC71-25CD-39E04DA48CD2}"/>
+              </a:ext>
+            </a:extLst>
+          </p:cNvPr>
+          <p:cNvSpPr txBox="1"/>
+          <p:nvPr/>
+        </p:nvSpPr>
+        <p:spPr>
+          <a:xfrm>
+            <a:off x="2446735" y="4926418"/>
+            <a:ext cx="295274" cy="276999"/>
+          </a:xfrm>
+          <a:prstGeom prst="rect">
+            <a:avLst/>
+          </a:prstGeom>
+          <a:solidFill>
+            <a:schemeClr val="bg1">
+              <a:lumMod val="95000"/>
+            </a:schemeClr>
+          </a:solidFill>
+          <a:ln>
+            <a:solidFill>
+              <a:schemeClr val="accent3">
+                <a:lumMod val="75000"/>
+              </a:schemeClr>
+            </a:solidFill>
+          </a:ln>
+        </p:spPr>
+        <p:txBody>
+          <a:bodyPr wrap="none" rtlCol="0">
+            <a:spAutoFit/>
+          </a:bodyPr>
+          <a:lstStyle/>
+          <a:p>
+            <a:pPr algn="l"/>
+            <a:r>
+              <a:rPr lang="en-US" altLang="ko-KR" sz="1200" dirty="0"/>
+              <a:t>w</a:t>
+            </a:r>
+            <a:endParaRPr lang="ko-KR" altLang="en-US" sz="1200" dirty="0"/>
+          </a:p>
+        </p:txBody>
+      </p:sp>
+      <p:sp>
+        <p:nvSpPr>
+          <p:cNvPr id="160" name="TextBox 159">
+            <a:extLst>
+              <a:ext uri="{FF2B5EF4-FFF2-40B4-BE49-F238E27FC236}">
+                <a16:creationId xmlns:a16="http://schemas.microsoft.com/office/drawing/2014/main" id="{0CCDED42-710A-D1D2-517A-B61FBD127DEE}"/>
+              </a:ext>
+            </a:extLst>
+          </p:cNvPr>
+          <p:cNvSpPr txBox="1"/>
+          <p:nvPr/>
+        </p:nvSpPr>
+        <p:spPr>
+          <a:xfrm>
+            <a:off x="2066920" y="4918859"/>
+            <a:ext cx="269626" cy="276999"/>
+          </a:xfrm>
+          <a:prstGeom prst="rect">
+            <a:avLst/>
+          </a:prstGeom>
+          <a:solidFill>
+            <a:schemeClr val="bg1">
+              <a:lumMod val="95000"/>
+            </a:schemeClr>
+          </a:solidFill>
+          <a:ln>
+            <a:solidFill>
+              <a:schemeClr val="accent3">
+                <a:lumMod val="75000"/>
+              </a:schemeClr>
+            </a:solidFill>
+          </a:ln>
+        </p:spPr>
+        <p:txBody>
+          <a:bodyPr wrap="none" rtlCol="0">
+            <a:spAutoFit/>
+          </a:bodyPr>
+          <a:lstStyle/>
+          <a:p>
+            <a:pPr algn="l"/>
+            <a:r>
+              <a:rPr lang="en-US" altLang="ko-KR" sz="1200" dirty="0"/>
+              <a:t>L</a:t>
+            </a:r>
+            <a:endParaRPr lang="ko-KR" altLang="en-US" sz="1200" dirty="0"/>
+          </a:p>
+        </p:txBody>
+      </p:sp>
+      <p:cxnSp>
+        <p:nvCxnSpPr>
+          <p:cNvPr id="161" name="연결선: 꺾임 160">
+            <a:extLst>
+              <a:ext uri="{FF2B5EF4-FFF2-40B4-BE49-F238E27FC236}">
+                <a16:creationId xmlns:a16="http://schemas.microsoft.com/office/drawing/2014/main" id="{0F3217F4-1550-3333-F0E7-F4AD84CD77ED}"/>
+              </a:ext>
+            </a:extLst>
+          </p:cNvPr>
+          <p:cNvCxnSpPr>
+            <a:stCxn id="158" idx="2"/>
+            <a:endCxn id="155" idx="1"/>
+          </p:cNvCxnSpPr>
+          <p:nvPr/>
+        </p:nvCxnSpPr>
+        <p:spPr bwMode="auto">
+          <a:xfrm rot="5400000">
+            <a:off x="1331435" y="5506057"/>
+            <a:ext cx="801462" cy="196183"/>
+          </a:xfrm>
+          <a:prstGeom prst="bentConnector4">
+            <a:avLst>
+              <a:gd name="adj1" fmla="val 35414"/>
+              <a:gd name="adj2" fmla="val 216524"/>
+            </a:avLst>
+          </a:prstGeom>
+          <a:solidFill>
+            <a:schemeClr val="accent1"/>
+          </a:solidFill>
+          <a:ln w="9525" cap="flat" cmpd="sng" algn="ctr">
+            <a:solidFill>
+              <a:schemeClr val="tx1"/>
+            </a:solidFill>
+            <a:prstDash val="solid"/>
+            <a:round/>
+            <a:headEnd type="none" w="med" len="med"/>
+            <a:tailEnd type="triangle"/>
+          </a:ln>
+          <a:effectLst/>
+          <a:extLst>
+            <a:ext uri="{AF507438-7753-43E0-B8FC-AC1667EBCBE1}">
+              <a14:hiddenEffects xmlns:a14="http://schemas.microsoft.com/office/drawing/2010/main">
+                <a:effectLst>
+                  <a:outerShdw dist="35921" dir="2700000" algn="ctr" rotWithShape="0">
+                    <a:schemeClr val="bg2"/>
+                  </a:outerShdw>
+                </a:effectLst>
+              </a14:hiddenEffects>
+            </a:ext>
+          </a:extLst>
+        </p:spPr>
+      </p:cxnSp>
+      <p:cxnSp>
+        <p:nvCxnSpPr>
+          <p:cNvPr id="162" name="연결선: 꺾임 161">
+            <a:extLst>
+              <a:ext uri="{FF2B5EF4-FFF2-40B4-BE49-F238E27FC236}">
+                <a16:creationId xmlns:a16="http://schemas.microsoft.com/office/drawing/2014/main" id="{402459B8-1B3A-4A2C-87D2-1237FA746451}"/>
+              </a:ext>
+            </a:extLst>
+          </p:cNvPr>
+          <p:cNvCxnSpPr>
+            <a:stCxn id="159" idx="3"/>
+            <a:endCxn id="165" idx="0"/>
+          </p:cNvCxnSpPr>
+          <p:nvPr/>
+        </p:nvCxnSpPr>
+        <p:spPr bwMode="auto">
+          <a:xfrm flipH="1">
+            <a:off x="2736536" y="5064918"/>
+            <a:ext cx="5473" cy="685750"/>
+          </a:xfrm>
+          <a:prstGeom prst="bentConnector4">
+            <a:avLst>
+              <a:gd name="adj1" fmla="val -4176868"/>
+              <a:gd name="adj2" fmla="val 60098"/>
+            </a:avLst>
+          </a:prstGeom>
+          <a:solidFill>
+            <a:schemeClr val="accent1"/>
+          </a:solidFill>
+          <a:ln w="9525" cap="flat" cmpd="sng" algn="ctr">
+            <a:solidFill>
+              <a:schemeClr val="tx1"/>
+            </a:solidFill>
+            <a:prstDash val="solid"/>
+            <a:round/>
+            <a:headEnd type="none" w="med" len="med"/>
+            <a:tailEnd type="triangle"/>
+          </a:ln>
+          <a:effectLst/>
+          <a:extLst>
+            <a:ext uri="{AF507438-7753-43E0-B8FC-AC1667EBCBE1}">
+              <a14:hiddenEffects xmlns:a14="http://schemas.microsoft.com/office/drawing/2010/main">
+                <a:effectLst>
+                  <a:outerShdw dist="35921" dir="2700000" algn="ctr" rotWithShape="0">
+                    <a:schemeClr val="bg2"/>
+                  </a:outerShdw>
+                </a:effectLst>
+              </a14:hiddenEffects>
+            </a:ext>
+          </a:extLst>
+        </p:spPr>
+      </p:cxnSp>
+      <p:cxnSp>
+        <p:nvCxnSpPr>
+          <p:cNvPr id="163" name="연결선: 꺾임 162">
+            <a:extLst>
+              <a:ext uri="{FF2B5EF4-FFF2-40B4-BE49-F238E27FC236}">
+                <a16:creationId xmlns:a16="http://schemas.microsoft.com/office/drawing/2014/main" id="{F94FA4FD-D284-345E-7590-4EBBFA710E9F}"/>
+              </a:ext>
+            </a:extLst>
+          </p:cNvPr>
+          <p:cNvCxnSpPr>
+            <a:stCxn id="160" idx="2"/>
+            <a:endCxn id="155" idx="0"/>
+          </p:cNvCxnSpPr>
+          <p:nvPr/>
+        </p:nvCxnSpPr>
+        <p:spPr bwMode="auto">
+          <a:xfrm rot="5400000">
+            <a:off x="1778362" y="5347711"/>
+            <a:ext cx="575225" cy="271518"/>
+          </a:xfrm>
+          <a:prstGeom prst="bentConnector3">
+            <a:avLst>
+              <a:gd name="adj1" fmla="val 50000"/>
+            </a:avLst>
+          </a:prstGeom>
+          <a:solidFill>
+            <a:schemeClr val="accent1"/>
+          </a:solidFill>
+          <a:ln w="9525" cap="flat" cmpd="sng" algn="ctr">
+            <a:solidFill>
+              <a:schemeClr val="tx1"/>
+            </a:solidFill>
+            <a:prstDash val="solid"/>
+            <a:round/>
+            <a:headEnd type="none" w="med" len="med"/>
+            <a:tailEnd type="triangle"/>
+          </a:ln>
+          <a:effectLst/>
+          <a:extLst>
+            <a:ext uri="{AF507438-7753-43E0-B8FC-AC1667EBCBE1}">
+              <a14:hiddenEffects xmlns:a14="http://schemas.microsoft.com/office/drawing/2010/main">
+                <a:effectLst>
+                  <a:outerShdw dist="35921" dir="2700000" algn="ctr" rotWithShape="0">
+                    <a:schemeClr val="bg2"/>
+                  </a:outerShdw>
+                </a:effectLst>
+              </a14:hiddenEffects>
+            </a:ext>
+          </a:extLst>
+        </p:spPr>
+      </p:cxnSp>
+      <p:sp>
+        <p:nvSpPr>
+          <p:cNvPr id="164" name="타원 163">
+            <a:extLst>
+              <a:ext uri="{FF2B5EF4-FFF2-40B4-BE49-F238E27FC236}">
+                <a16:creationId xmlns:a16="http://schemas.microsoft.com/office/drawing/2014/main" id="{ED67DD75-B5C4-2BEB-7E17-36590F305CAD}"/>
+              </a:ext>
+            </a:extLst>
+          </p:cNvPr>
+          <p:cNvSpPr/>
+          <p:nvPr/>
+        </p:nvSpPr>
+        <p:spPr bwMode="auto">
+          <a:xfrm>
+            <a:off x="1246244" y="4913048"/>
+            <a:ext cx="332630" cy="276998"/>
+          </a:xfrm>
+          <a:prstGeom prst="ellipse">
+            <a:avLst/>
+          </a:prstGeom>
+          <a:solidFill>
+            <a:srgbClr val="FFFF00"/>
+          </a:solidFill>
+          <a:ln w="9525" cap="flat" cmpd="sng" algn="ctr">
+            <a:solidFill>
+              <a:schemeClr val="accent3">
+                <a:lumMod val="75000"/>
+              </a:schemeClr>
+            </a:solidFill>
+            <a:prstDash val="solid"/>
+            <a:round/>
+            <a:headEnd type="none" w="med" len="med"/>
+            <a:tailEnd type="none" w="med" len="med"/>
+          </a:ln>
+          <a:effectLst/>
+        </p:spPr>
+        <p:txBody>
+          <a:bodyPr vert="horz" wrap="square" lIns="91440" tIns="45720" rIns="91440" bIns="45720" numCol="1" rtlCol="0" anchor="ctr" anchorCtr="0" compatLnSpc="1">
+            <a:prstTxWarp prst="textNoShape">
+              <a:avLst/>
+            </a:prstTxWarp>
+          </a:bodyPr>
+          <a:lstStyle/>
+          <a:p>
+            <a:pPr algn="ctr"/>
+            <a:r>
+              <a:rPr lang="en-US" altLang="ko-KR" sz="1400" dirty="0"/>
+              <a:t>0</a:t>
+            </a:r>
+            <a:endParaRPr lang="ko-KR" altLang="en-US" sz="1400" dirty="0"/>
+          </a:p>
+        </p:txBody>
+      </p:sp>
+      <p:sp>
+        <p:nvSpPr>
+          <p:cNvPr id="165" name="직사각형 164">
+            <a:extLst>
+              <a:ext uri="{FF2B5EF4-FFF2-40B4-BE49-F238E27FC236}">
+                <a16:creationId xmlns:a16="http://schemas.microsoft.com/office/drawing/2014/main" id="{49058D0B-0249-8611-7256-3730F3495963}"/>
+              </a:ext>
+            </a:extLst>
+          </p:cNvPr>
+          <p:cNvSpPr/>
+          <p:nvPr/>
+        </p:nvSpPr>
+        <p:spPr bwMode="auto">
+          <a:xfrm>
+            <a:off x="2440395" y="5750668"/>
+            <a:ext cx="592282" cy="467591"/>
+          </a:xfrm>
+          <a:prstGeom prst="rect">
+            <a:avLst/>
+          </a:prstGeom>
+          <a:solidFill>
+            <a:schemeClr val="accent3">
+              <a:lumMod val="20000"/>
+              <a:lumOff val="80000"/>
+            </a:schemeClr>
+          </a:solidFill>
+          <a:ln w="9525" cap="flat" cmpd="sng" algn="ctr">
+            <a:solidFill>
+              <a:schemeClr val="accent3">
+                <a:lumMod val="75000"/>
+              </a:schemeClr>
+            </a:solidFill>
+            <a:prstDash val="solid"/>
+            <a:round/>
+            <a:headEnd type="none" w="med" len="med"/>
+            <a:tailEnd type="none" w="med" len="med"/>
+          </a:ln>
+          <a:effectLst/>
+        </p:spPr>
+        <p:txBody>
+          <a:bodyPr vert="horz" wrap="square" lIns="91440" tIns="45720" rIns="91440" bIns="45720" numCol="1" rtlCol="0" anchor="ctr" anchorCtr="0" compatLnSpc="1">
+            <a:prstTxWarp prst="textNoShape">
+              <a:avLst/>
+            </a:prstTxWarp>
+          </a:bodyPr>
+          <a:lstStyle/>
+          <a:p>
+            <a:pPr algn="ctr"/>
+            <a:endParaRPr lang="ko-KR" altLang="en-US" sz="1400" dirty="0"/>
+          </a:p>
+        </p:txBody>
+      </p:sp>
+      <p:cxnSp>
+        <p:nvCxnSpPr>
+          <p:cNvPr id="166" name="직선 화살표 연결선 165">
+            <a:extLst>
+              <a:ext uri="{FF2B5EF4-FFF2-40B4-BE49-F238E27FC236}">
+                <a16:creationId xmlns:a16="http://schemas.microsoft.com/office/drawing/2014/main" id="{0C2ED301-AD0C-5D4A-E944-7A7CAEB10C7F}"/>
+              </a:ext>
+            </a:extLst>
+          </p:cNvPr>
+          <p:cNvCxnSpPr>
+            <a:cxnSpLocks/>
+            <a:stCxn id="155" idx="3"/>
+            <a:endCxn id="165" idx="1"/>
+          </p:cNvCxnSpPr>
+          <p:nvPr/>
+        </p:nvCxnSpPr>
+        <p:spPr bwMode="auto">
+          <a:xfrm flipV="1">
+            <a:off x="2226356" y="5984464"/>
+            <a:ext cx="214039" cy="20415"/>
+          </a:xfrm>
+          <a:prstGeom prst="straightConnector1">
+            <a:avLst/>
+          </a:prstGeom>
+          <a:solidFill>
+            <a:schemeClr val="accent1"/>
+          </a:solidFill>
+          <a:ln w="28575" cap="flat" cmpd="sng" algn="ctr">
+            <a:solidFill>
+              <a:srgbClr val="FF0000"/>
+            </a:solidFill>
+            <a:prstDash val="solid"/>
+            <a:round/>
+            <a:headEnd type="none" w="med" len="med"/>
+            <a:tailEnd type="triangle"/>
+          </a:ln>
+          <a:effectLst/>
+          <a:extLst>
+            <a:ext uri="{AF507438-7753-43E0-B8FC-AC1667EBCBE1}">
+              <a14:hiddenEffects xmlns:a14="http://schemas.microsoft.com/office/drawing/2010/main">
+                <a:effectLst>
+                  <a:outerShdw dist="35921" dir="2700000" algn="ctr" rotWithShape="0">
+                    <a:schemeClr val="bg2"/>
+                  </a:outerShdw>
+                </a:effectLst>
+              </a14:hiddenEffects>
+            </a:ext>
+          </a:extLst>
+        </p:spPr>
+      </p:cxnSp>
+      <p:sp>
+        <p:nvSpPr>
+          <p:cNvPr id="167" name="직사각형 166">
+            <a:extLst>
+              <a:ext uri="{FF2B5EF4-FFF2-40B4-BE49-F238E27FC236}">
+                <a16:creationId xmlns:a16="http://schemas.microsoft.com/office/drawing/2014/main" id="{C0C6DBD8-A8D7-78BC-5ED8-2C8A316135BB}"/>
+              </a:ext>
+            </a:extLst>
+          </p:cNvPr>
+          <p:cNvSpPr/>
+          <p:nvPr/>
+        </p:nvSpPr>
+        <p:spPr bwMode="auto">
+          <a:xfrm>
+            <a:off x="3242549" y="5722436"/>
+            <a:ext cx="592282" cy="467591"/>
+          </a:xfrm>
+          <a:prstGeom prst="rect">
+            <a:avLst/>
+          </a:prstGeom>
+          <a:solidFill>
+            <a:schemeClr val="accent3">
+              <a:lumMod val="20000"/>
+              <a:lumOff val="80000"/>
+            </a:schemeClr>
+          </a:solidFill>
+          <a:ln w="9525" cap="flat" cmpd="sng" algn="ctr">
+            <a:solidFill>
+              <a:schemeClr val="accent3">
+                <a:lumMod val="75000"/>
+              </a:schemeClr>
+            </a:solidFill>
+            <a:prstDash val="solid"/>
+            <a:round/>
+            <a:headEnd type="none" w="med" len="med"/>
+            <a:tailEnd type="none" w="med" len="med"/>
+          </a:ln>
+          <a:effectLst/>
+        </p:spPr>
+        <p:txBody>
+          <a:bodyPr vert="horz" wrap="square" lIns="91440" tIns="45720" rIns="91440" bIns="45720" numCol="1" rtlCol="0" anchor="ctr" anchorCtr="0" compatLnSpc="1">
+            <a:prstTxWarp prst="textNoShape">
+              <a:avLst/>
+            </a:prstTxWarp>
+          </a:bodyPr>
+          <a:lstStyle/>
+          <a:p>
+            <a:pPr algn="ctr"/>
+            <a:endParaRPr lang="ko-KR" altLang="en-US" sz="1400" dirty="0"/>
+          </a:p>
+        </p:txBody>
+      </p:sp>
+      <p:cxnSp>
+        <p:nvCxnSpPr>
+          <p:cNvPr id="168" name="직선 화살표 연결선 167">
+            <a:extLst>
+              <a:ext uri="{FF2B5EF4-FFF2-40B4-BE49-F238E27FC236}">
+                <a16:creationId xmlns:a16="http://schemas.microsoft.com/office/drawing/2014/main" id="{245F9F18-DDB1-6AB4-9599-0CD669B492CD}"/>
+              </a:ext>
+            </a:extLst>
+          </p:cNvPr>
+          <p:cNvCxnSpPr>
+            <a:cxnSpLocks/>
+            <a:stCxn id="165" idx="3"/>
+            <a:endCxn id="167" idx="1"/>
+          </p:cNvCxnSpPr>
+          <p:nvPr/>
+        </p:nvCxnSpPr>
+        <p:spPr bwMode="auto">
+          <a:xfrm flipV="1">
+            <a:off x="3032677" y="5956232"/>
+            <a:ext cx="209872" cy="28232"/>
+          </a:xfrm>
+          <a:prstGeom prst="straightConnector1">
+            <a:avLst/>
+          </a:prstGeom>
+          <a:solidFill>
+            <a:schemeClr val="accent1"/>
+          </a:solidFill>
+          <a:ln w="9525" cap="flat" cmpd="sng" algn="ctr">
+            <a:solidFill>
+              <a:schemeClr val="tx1"/>
+            </a:solidFill>
+            <a:prstDash val="solid"/>
+            <a:round/>
+            <a:headEnd type="none" w="med" len="med"/>
+            <a:tailEnd type="triangle"/>
+          </a:ln>
+          <a:effectLst/>
+          <a:extLst>
+            <a:ext uri="{AF507438-7753-43E0-B8FC-AC1667EBCBE1}">
+              <a14:hiddenEffects xmlns:a14="http://schemas.microsoft.com/office/drawing/2010/main">
+                <a:effectLst>
+                  <a:outerShdw dist="35921" dir="2700000" algn="ctr" rotWithShape="0">
+                    <a:schemeClr val="bg2"/>
+                  </a:outerShdw>
+                </a:effectLst>
+              </a14:hiddenEffects>
+            </a:ext>
+          </a:extLst>
+        </p:spPr>
+      </p:cxnSp>
+      <p:sp>
+        <p:nvSpPr>
+          <p:cNvPr id="181" name="직사각형 180">
+            <a:extLst>
+              <a:ext uri="{FF2B5EF4-FFF2-40B4-BE49-F238E27FC236}">
+                <a16:creationId xmlns:a16="http://schemas.microsoft.com/office/drawing/2014/main" id="{DBB7362A-10F6-4768-0E36-7F739BF9E254}"/>
+              </a:ext>
+            </a:extLst>
+          </p:cNvPr>
+          <p:cNvSpPr/>
+          <p:nvPr/>
+        </p:nvSpPr>
+        <p:spPr bwMode="auto">
+          <a:xfrm>
+            <a:off x="9198872" y="3958961"/>
+            <a:ext cx="592282" cy="467591"/>
+          </a:xfrm>
+          <a:prstGeom prst="rect">
+            <a:avLst/>
+          </a:prstGeom>
+          <a:solidFill>
+            <a:schemeClr val="accent3">
+              <a:lumMod val="20000"/>
+              <a:lumOff val="80000"/>
+            </a:schemeClr>
+          </a:solidFill>
+          <a:ln w="9525" cap="flat" cmpd="sng" algn="ctr">
+            <a:solidFill>
+              <a:schemeClr val="accent3">
+                <a:lumMod val="75000"/>
+              </a:schemeClr>
+            </a:solidFill>
+            <a:prstDash val="solid"/>
+            <a:round/>
+            <a:headEnd type="none" w="med" len="med"/>
+            <a:tailEnd type="none" w="med" len="med"/>
+          </a:ln>
+          <a:effectLst/>
+        </p:spPr>
+        <p:txBody>
+          <a:bodyPr vert="horz" wrap="square" lIns="91440" tIns="45720" rIns="91440" bIns="45720" numCol="1" rtlCol="0" anchor="ctr" anchorCtr="0" compatLnSpc="1">
+            <a:prstTxWarp prst="textNoShape">
+              <a:avLst/>
+            </a:prstTxWarp>
+          </a:bodyPr>
+          <a:lstStyle/>
+          <a:p>
+            <a:pPr algn="ctr"/>
+            <a:endParaRPr lang="ko-KR" altLang="en-US" sz="1400" dirty="0"/>
+          </a:p>
+        </p:txBody>
+      </p:sp>
+      <p:sp>
+        <p:nvSpPr>
+          <p:cNvPr id="186" name="직사각형 185">
+            <a:extLst>
+              <a:ext uri="{FF2B5EF4-FFF2-40B4-BE49-F238E27FC236}">
+                <a16:creationId xmlns:a16="http://schemas.microsoft.com/office/drawing/2014/main" id="{1EAB68FE-506D-6234-862A-B62A0F6D887B}"/>
+              </a:ext>
+            </a:extLst>
+          </p:cNvPr>
+          <p:cNvSpPr/>
+          <p:nvPr/>
+        </p:nvSpPr>
+        <p:spPr bwMode="auto">
+          <a:xfrm>
+            <a:off x="8292116" y="5709946"/>
+            <a:ext cx="592282" cy="467591"/>
+          </a:xfrm>
+          <a:prstGeom prst="rect">
+            <a:avLst/>
+          </a:prstGeom>
+          <a:solidFill>
+            <a:schemeClr val="accent1">
+              <a:lumMod val="20000"/>
+              <a:lumOff val="80000"/>
+            </a:schemeClr>
+          </a:solidFill>
+          <a:ln w="9525" cap="flat" cmpd="sng" algn="ctr">
+            <a:solidFill>
+              <a:schemeClr val="accent3">
+                <a:lumMod val="75000"/>
+              </a:schemeClr>
+            </a:solidFill>
+            <a:prstDash val="solid"/>
+            <a:round/>
+            <a:headEnd type="none" w="med" len="med"/>
+            <a:tailEnd type="none" w="med" len="med"/>
+          </a:ln>
+          <a:effectLst/>
+        </p:spPr>
+        <p:txBody>
+          <a:bodyPr vert="horz" wrap="square" lIns="91440" tIns="45720" rIns="91440" bIns="45720" numCol="1" rtlCol="0" anchor="ctr" anchorCtr="0" compatLnSpc="1">
+            <a:prstTxWarp prst="textNoShape">
+              <a:avLst/>
+            </a:prstTxWarp>
+          </a:bodyPr>
+          <a:lstStyle/>
+          <a:p>
+            <a:pPr algn="ctr"/>
+            <a:endParaRPr lang="ko-KR" altLang="en-US" sz="1400" dirty="0"/>
+          </a:p>
+        </p:txBody>
+      </p:sp>
+      <p:cxnSp>
+        <p:nvCxnSpPr>
+          <p:cNvPr id="187" name="직선 화살표 연결선 186">
+            <a:extLst>
+              <a:ext uri="{FF2B5EF4-FFF2-40B4-BE49-F238E27FC236}">
+                <a16:creationId xmlns:a16="http://schemas.microsoft.com/office/drawing/2014/main" id="{D34B75BC-407A-EC64-00B0-06C996B9FA20}"/>
+              </a:ext>
+            </a:extLst>
+          </p:cNvPr>
+          <p:cNvCxnSpPr>
+            <a:cxnSpLocks/>
+            <a:stCxn id="197" idx="3"/>
+            <a:endCxn id="186" idx="1"/>
+          </p:cNvCxnSpPr>
+          <p:nvPr/>
+        </p:nvCxnSpPr>
+        <p:spPr bwMode="auto">
+          <a:xfrm flipV="1">
+            <a:off x="8009996" y="5943742"/>
+            <a:ext cx="282120" cy="14969"/>
+          </a:xfrm>
+          <a:prstGeom prst="straightConnector1">
+            <a:avLst/>
+          </a:prstGeom>
+          <a:solidFill>
+            <a:schemeClr val="accent1"/>
+          </a:solidFill>
+          <a:ln w="9525" cap="flat" cmpd="sng" algn="ctr">
+            <a:solidFill>
+              <a:schemeClr val="tx1"/>
+            </a:solidFill>
+            <a:prstDash val="solid"/>
+            <a:round/>
+            <a:headEnd type="none" w="med" len="med"/>
+            <a:tailEnd type="triangle"/>
+          </a:ln>
+          <a:effectLst/>
+          <a:extLst>
+            <a:ext uri="{AF507438-7753-43E0-B8FC-AC1667EBCBE1}">
+              <a14:hiddenEffects xmlns:a14="http://schemas.microsoft.com/office/drawing/2010/main">
+                <a:effectLst>
+                  <a:outerShdw dist="35921" dir="2700000" algn="ctr" rotWithShape="0">
+                    <a:schemeClr val="bg2"/>
+                  </a:outerShdw>
+                </a:effectLst>
+              </a14:hiddenEffects>
+            </a:ext>
+          </a:extLst>
+        </p:spPr>
+      </p:cxnSp>
+      <p:sp>
+        <p:nvSpPr>
+          <p:cNvPr id="188" name="TextBox 187">
+            <a:extLst>
+              <a:ext uri="{FF2B5EF4-FFF2-40B4-BE49-F238E27FC236}">
+                <a16:creationId xmlns:a16="http://schemas.microsoft.com/office/drawing/2014/main" id="{49E836A3-C2FA-4721-3D81-735EE65789AC}"/>
+              </a:ext>
+            </a:extLst>
+          </p:cNvPr>
+          <p:cNvSpPr txBox="1"/>
+          <p:nvPr/>
+        </p:nvSpPr>
+        <p:spPr>
+          <a:xfrm>
+            <a:off x="7724347" y="4897100"/>
+            <a:ext cx="287258" cy="276999"/>
+          </a:xfrm>
+          <a:prstGeom prst="rect">
+            <a:avLst/>
+          </a:prstGeom>
+          <a:solidFill>
+            <a:schemeClr val="bg1">
+              <a:lumMod val="95000"/>
+            </a:schemeClr>
+          </a:solidFill>
+          <a:ln>
+            <a:solidFill>
+              <a:schemeClr val="accent3">
+                <a:lumMod val="75000"/>
+              </a:schemeClr>
+            </a:solidFill>
+          </a:ln>
+        </p:spPr>
+        <p:txBody>
+          <a:bodyPr wrap="none" rtlCol="0">
+            <a:spAutoFit/>
+          </a:bodyPr>
+          <a:lstStyle/>
+          <a:p>
+            <a:pPr algn="l"/>
+            <a:r>
+              <a:rPr lang="en-US" altLang="ko-KR" sz="1200" dirty="0"/>
+              <a:t>S</a:t>
+            </a:r>
+            <a:endParaRPr lang="ko-KR" altLang="en-US" sz="1200" dirty="0"/>
+          </a:p>
+        </p:txBody>
+      </p:sp>
+      <p:sp>
+        <p:nvSpPr>
+          <p:cNvPr id="189" name="TextBox 188">
+            <a:extLst>
+              <a:ext uri="{FF2B5EF4-FFF2-40B4-BE49-F238E27FC236}">
+                <a16:creationId xmlns:a16="http://schemas.microsoft.com/office/drawing/2014/main" id="{8FEBB9F6-ACB4-C9C8-34D9-40796F872C1B}"/>
+              </a:ext>
+            </a:extLst>
+          </p:cNvPr>
+          <p:cNvSpPr txBox="1"/>
+          <p:nvPr/>
+        </p:nvSpPr>
+        <p:spPr>
+          <a:xfrm>
+            <a:off x="8484454" y="4897100"/>
+            <a:ext cx="295274" cy="276999"/>
+          </a:xfrm>
+          <a:prstGeom prst="rect">
+            <a:avLst/>
+          </a:prstGeom>
+          <a:solidFill>
+            <a:schemeClr val="bg1">
+              <a:lumMod val="95000"/>
+            </a:schemeClr>
+          </a:solidFill>
+          <a:ln>
+            <a:solidFill>
+              <a:schemeClr val="accent3">
+                <a:lumMod val="75000"/>
+              </a:schemeClr>
+            </a:solidFill>
+          </a:ln>
+        </p:spPr>
+        <p:txBody>
+          <a:bodyPr wrap="none" rtlCol="0">
+            <a:spAutoFit/>
+          </a:bodyPr>
+          <a:lstStyle/>
+          <a:p>
+            <a:pPr algn="l"/>
+            <a:r>
+              <a:rPr lang="en-US" altLang="ko-KR" sz="1200" dirty="0"/>
+              <a:t>w</a:t>
+            </a:r>
+            <a:endParaRPr lang="ko-KR" altLang="en-US" sz="1200" dirty="0"/>
+          </a:p>
+        </p:txBody>
+      </p:sp>
+      <p:sp>
+        <p:nvSpPr>
+          <p:cNvPr id="190" name="TextBox 189">
+            <a:extLst>
+              <a:ext uri="{FF2B5EF4-FFF2-40B4-BE49-F238E27FC236}">
+                <a16:creationId xmlns:a16="http://schemas.microsoft.com/office/drawing/2014/main" id="{13C125D5-7140-382C-3A19-F6AE4D0293A5}"/>
+              </a:ext>
+            </a:extLst>
+          </p:cNvPr>
+          <p:cNvSpPr txBox="1"/>
+          <p:nvPr/>
+        </p:nvSpPr>
+        <p:spPr>
+          <a:xfrm>
+            <a:off x="8104639" y="4889541"/>
+            <a:ext cx="269626" cy="276999"/>
+          </a:xfrm>
+          <a:prstGeom prst="rect">
+            <a:avLst/>
+          </a:prstGeom>
+          <a:solidFill>
+            <a:schemeClr val="bg1">
+              <a:lumMod val="95000"/>
+            </a:schemeClr>
+          </a:solidFill>
+          <a:ln>
+            <a:solidFill>
+              <a:schemeClr val="accent3">
+                <a:lumMod val="75000"/>
+              </a:schemeClr>
+            </a:solidFill>
+          </a:ln>
+        </p:spPr>
+        <p:txBody>
+          <a:bodyPr wrap="none" rtlCol="0">
+            <a:spAutoFit/>
+          </a:bodyPr>
+          <a:lstStyle/>
+          <a:p>
+            <a:pPr algn="l"/>
+            <a:r>
+              <a:rPr lang="en-US" altLang="ko-KR" sz="1200" dirty="0"/>
+              <a:t>L</a:t>
+            </a:r>
+            <a:endParaRPr lang="ko-KR" altLang="en-US" sz="1200" dirty="0"/>
+          </a:p>
+        </p:txBody>
+      </p:sp>
+      <p:cxnSp>
+        <p:nvCxnSpPr>
+          <p:cNvPr id="191" name="연결선: 꺾임 190">
+            <a:extLst>
+              <a:ext uri="{FF2B5EF4-FFF2-40B4-BE49-F238E27FC236}">
+                <a16:creationId xmlns:a16="http://schemas.microsoft.com/office/drawing/2014/main" id="{DDA870F0-DAC6-9C65-CE28-72E5AD5A288B}"/>
+              </a:ext>
+            </a:extLst>
+          </p:cNvPr>
+          <p:cNvCxnSpPr>
+            <a:stCxn id="188" idx="2"/>
+            <a:endCxn id="197" idx="1"/>
+          </p:cNvCxnSpPr>
+          <p:nvPr/>
+        </p:nvCxnSpPr>
+        <p:spPr bwMode="auto">
+          <a:xfrm rot="5400000">
+            <a:off x="7250539" y="5341274"/>
+            <a:ext cx="784612" cy="450262"/>
+          </a:xfrm>
+          <a:prstGeom prst="bentConnector4">
+            <a:avLst>
+              <a:gd name="adj1" fmla="val 35101"/>
+              <a:gd name="adj2" fmla="val 150770"/>
+            </a:avLst>
+          </a:prstGeom>
+          <a:solidFill>
+            <a:schemeClr val="accent1"/>
+          </a:solidFill>
+          <a:ln w="9525" cap="flat" cmpd="sng" algn="ctr">
+            <a:solidFill>
+              <a:schemeClr val="tx1"/>
+            </a:solidFill>
+            <a:prstDash val="solid"/>
+            <a:round/>
+            <a:headEnd type="none" w="med" len="med"/>
+            <a:tailEnd type="triangle"/>
+          </a:ln>
+          <a:effectLst/>
+          <a:extLst>
+            <a:ext uri="{AF507438-7753-43E0-B8FC-AC1667EBCBE1}">
+              <a14:hiddenEffects xmlns:a14="http://schemas.microsoft.com/office/drawing/2010/main">
+                <a:effectLst>
+                  <a:outerShdw dist="35921" dir="2700000" algn="ctr" rotWithShape="0">
+                    <a:schemeClr val="bg2"/>
+                  </a:outerShdw>
+                </a:effectLst>
+              </a14:hiddenEffects>
+            </a:ext>
+          </a:extLst>
+        </p:spPr>
+      </p:cxnSp>
+      <p:cxnSp>
+        <p:nvCxnSpPr>
+          <p:cNvPr id="192" name="연결선: 꺾임 191">
+            <a:extLst>
+              <a:ext uri="{FF2B5EF4-FFF2-40B4-BE49-F238E27FC236}">
+                <a16:creationId xmlns:a16="http://schemas.microsoft.com/office/drawing/2014/main" id="{DEC413F7-C976-1D80-FD2D-E57C77CF5B2C}"/>
+              </a:ext>
+            </a:extLst>
+          </p:cNvPr>
+          <p:cNvCxnSpPr>
+            <a:stCxn id="189" idx="3"/>
+          </p:cNvCxnSpPr>
+          <p:nvPr/>
+        </p:nvCxnSpPr>
+        <p:spPr bwMode="auto">
+          <a:xfrm>
+            <a:off x="8779728" y="5035600"/>
+            <a:ext cx="891354" cy="167817"/>
+          </a:xfrm>
+          <a:prstGeom prst="bentConnector3">
+            <a:avLst>
+              <a:gd name="adj1" fmla="val 50000"/>
+            </a:avLst>
+          </a:prstGeom>
+          <a:solidFill>
+            <a:schemeClr val="accent1"/>
+          </a:solidFill>
+          <a:ln w="9525" cap="flat" cmpd="sng" algn="ctr">
+            <a:solidFill>
+              <a:schemeClr val="tx1"/>
+            </a:solidFill>
+            <a:prstDash val="solid"/>
+            <a:round/>
+            <a:headEnd type="none" w="med" len="med"/>
+            <a:tailEnd type="triangle"/>
+          </a:ln>
+          <a:effectLst/>
+          <a:extLst>
+            <a:ext uri="{AF507438-7753-43E0-B8FC-AC1667EBCBE1}">
+              <a14:hiddenEffects xmlns:a14="http://schemas.microsoft.com/office/drawing/2010/main">
+                <a:effectLst>
+                  <a:outerShdw dist="35921" dir="2700000" algn="ctr" rotWithShape="0">
+                    <a:schemeClr val="bg2"/>
+                  </a:outerShdw>
+                </a:effectLst>
+              </a14:hiddenEffects>
+            </a:ext>
+          </a:extLst>
+        </p:spPr>
+      </p:cxnSp>
+      <p:cxnSp>
+        <p:nvCxnSpPr>
+          <p:cNvPr id="193" name="연결선: 꺾임 192">
+            <a:extLst>
+              <a:ext uri="{FF2B5EF4-FFF2-40B4-BE49-F238E27FC236}">
+                <a16:creationId xmlns:a16="http://schemas.microsoft.com/office/drawing/2014/main" id="{464EE4ED-780F-A3F5-4F38-86B8350D5724}"/>
+              </a:ext>
+            </a:extLst>
+          </p:cNvPr>
+          <p:cNvCxnSpPr>
+            <a:stCxn id="190" idx="2"/>
+            <a:endCxn id="195" idx="0"/>
+          </p:cNvCxnSpPr>
+          <p:nvPr/>
+        </p:nvCxnSpPr>
+        <p:spPr bwMode="auto">
+          <a:xfrm rot="16200000" flipH="1">
+            <a:off x="8555520" y="4850472"/>
+            <a:ext cx="522991" cy="1155126"/>
+          </a:xfrm>
+          <a:prstGeom prst="bentConnector3">
+            <a:avLst>
+              <a:gd name="adj1" fmla="val 50000"/>
+            </a:avLst>
+          </a:prstGeom>
+          <a:solidFill>
+            <a:schemeClr val="accent1"/>
+          </a:solidFill>
+          <a:ln w="9525" cap="flat" cmpd="sng" algn="ctr">
+            <a:solidFill>
+              <a:schemeClr val="tx1"/>
+            </a:solidFill>
+            <a:prstDash val="solid"/>
+            <a:round/>
+            <a:headEnd type="none" w="med" len="med"/>
+            <a:tailEnd type="triangle"/>
+          </a:ln>
+          <a:effectLst/>
+          <a:extLst>
+            <a:ext uri="{AF507438-7753-43E0-B8FC-AC1667EBCBE1}">
+              <a14:hiddenEffects xmlns:a14="http://schemas.microsoft.com/office/drawing/2010/main">
+                <a:effectLst>
+                  <a:outerShdw dist="35921" dir="2700000" algn="ctr" rotWithShape="0">
+                    <a:schemeClr val="bg2"/>
+                  </a:outerShdw>
+                </a:effectLst>
+              </a14:hiddenEffects>
+            </a:ext>
+          </a:extLst>
+        </p:spPr>
+      </p:cxnSp>
+      <p:sp>
+        <p:nvSpPr>
+          <p:cNvPr id="194" name="타원 193">
+            <a:extLst>
+              <a:ext uri="{FF2B5EF4-FFF2-40B4-BE49-F238E27FC236}">
+                <a16:creationId xmlns:a16="http://schemas.microsoft.com/office/drawing/2014/main" id="{72343A4F-1F17-0030-CBB9-BFBE6DBF087F}"/>
+              </a:ext>
+            </a:extLst>
+          </p:cNvPr>
+          <p:cNvSpPr/>
+          <p:nvPr/>
+        </p:nvSpPr>
+        <p:spPr bwMode="auto">
+          <a:xfrm>
+            <a:off x="7283963" y="4883730"/>
+            <a:ext cx="332630" cy="276998"/>
+          </a:xfrm>
+          <a:prstGeom prst="ellipse">
+            <a:avLst/>
+          </a:prstGeom>
+          <a:solidFill>
+            <a:srgbClr val="FFFF00"/>
+          </a:solidFill>
+          <a:ln w="9525" cap="flat" cmpd="sng" algn="ctr">
+            <a:solidFill>
+              <a:schemeClr val="accent3">
+                <a:lumMod val="75000"/>
+              </a:schemeClr>
+            </a:solidFill>
+            <a:prstDash val="solid"/>
+            <a:round/>
+            <a:headEnd type="none" w="med" len="med"/>
+            <a:tailEnd type="none" w="med" len="med"/>
+          </a:ln>
+          <a:effectLst/>
+        </p:spPr>
+        <p:txBody>
+          <a:bodyPr vert="horz" wrap="square" lIns="91440" tIns="45720" rIns="91440" bIns="45720" numCol="1" rtlCol="0" anchor="ctr" anchorCtr="0" compatLnSpc="1">
+            <a:prstTxWarp prst="textNoShape">
+              <a:avLst/>
+            </a:prstTxWarp>
+          </a:bodyPr>
+          <a:lstStyle/>
+          <a:p>
+            <a:pPr algn="ctr"/>
+            <a:r>
+              <a:rPr lang="en-US" altLang="ko-KR" sz="1400" dirty="0"/>
+              <a:t>2</a:t>
+            </a:r>
+            <a:endParaRPr lang="ko-KR" altLang="en-US" sz="1400" dirty="0"/>
+          </a:p>
+        </p:txBody>
+      </p:sp>
+      <p:sp>
+        <p:nvSpPr>
+          <p:cNvPr id="195" name="직사각형 194">
+            <a:extLst>
+              <a:ext uri="{FF2B5EF4-FFF2-40B4-BE49-F238E27FC236}">
+                <a16:creationId xmlns:a16="http://schemas.microsoft.com/office/drawing/2014/main" id="{1C6876E9-88EE-6313-6524-FAEE1F618632}"/>
+              </a:ext>
+            </a:extLst>
+          </p:cNvPr>
+          <p:cNvSpPr/>
+          <p:nvPr/>
+        </p:nvSpPr>
+        <p:spPr bwMode="auto">
+          <a:xfrm>
+            <a:off x="9098437" y="5689531"/>
+            <a:ext cx="592282" cy="467591"/>
+          </a:xfrm>
+          <a:prstGeom prst="rect">
+            <a:avLst/>
+          </a:prstGeom>
+          <a:solidFill>
+            <a:schemeClr val="accent1">
+              <a:lumMod val="20000"/>
+              <a:lumOff val="80000"/>
+            </a:schemeClr>
+          </a:solidFill>
+          <a:ln w="9525" cap="flat" cmpd="sng" algn="ctr">
+            <a:solidFill>
+              <a:schemeClr val="accent3">
+                <a:lumMod val="75000"/>
+              </a:schemeClr>
+            </a:solidFill>
+            <a:prstDash val="solid"/>
+            <a:round/>
+            <a:headEnd type="none" w="med" len="med"/>
+            <a:tailEnd type="none" w="med" len="med"/>
+          </a:ln>
+          <a:effectLst/>
+        </p:spPr>
+        <p:txBody>
+          <a:bodyPr vert="horz" wrap="square" lIns="91440" tIns="45720" rIns="91440" bIns="45720" numCol="1" rtlCol="0" anchor="ctr" anchorCtr="0" compatLnSpc="1">
+            <a:prstTxWarp prst="textNoShape">
+              <a:avLst/>
+            </a:prstTxWarp>
+          </a:bodyPr>
+          <a:lstStyle/>
+          <a:p>
+            <a:pPr algn="ctr"/>
+            <a:endParaRPr lang="ko-KR" altLang="en-US" sz="1400" dirty="0"/>
+          </a:p>
+        </p:txBody>
+      </p:sp>
+      <p:cxnSp>
+        <p:nvCxnSpPr>
+          <p:cNvPr id="196" name="직선 화살표 연결선 195">
+            <a:extLst>
+              <a:ext uri="{FF2B5EF4-FFF2-40B4-BE49-F238E27FC236}">
+                <a16:creationId xmlns:a16="http://schemas.microsoft.com/office/drawing/2014/main" id="{AEF77072-5C13-2418-6EDE-99B43C589A33}"/>
+              </a:ext>
+            </a:extLst>
+          </p:cNvPr>
+          <p:cNvCxnSpPr>
+            <a:cxnSpLocks/>
+            <a:stCxn id="186" idx="3"/>
+            <a:endCxn id="195" idx="1"/>
+          </p:cNvCxnSpPr>
+          <p:nvPr/>
+        </p:nvCxnSpPr>
+        <p:spPr bwMode="auto">
+          <a:xfrm flipV="1">
+            <a:off x="8884398" y="5923327"/>
+            <a:ext cx="214039" cy="20415"/>
+          </a:xfrm>
+          <a:prstGeom prst="straightConnector1">
+            <a:avLst/>
+          </a:prstGeom>
+          <a:solidFill>
+            <a:schemeClr val="accent1"/>
+          </a:solidFill>
+          <a:ln w="9525" cap="flat" cmpd="sng" algn="ctr">
+            <a:solidFill>
+              <a:schemeClr val="tx1"/>
+            </a:solidFill>
+            <a:prstDash val="solid"/>
+            <a:round/>
+            <a:headEnd type="none" w="med" len="med"/>
+            <a:tailEnd type="triangle"/>
+          </a:ln>
+          <a:effectLst/>
+          <a:extLst>
+            <a:ext uri="{AF507438-7753-43E0-B8FC-AC1667EBCBE1}">
+              <a14:hiddenEffects xmlns:a14="http://schemas.microsoft.com/office/drawing/2010/main">
+                <a:effectLst>
+                  <a:outerShdw dist="35921" dir="2700000" algn="ctr" rotWithShape="0">
+                    <a:schemeClr val="bg2"/>
+                  </a:outerShdw>
+                </a:effectLst>
+              </a14:hiddenEffects>
+            </a:ext>
+          </a:extLst>
+        </p:spPr>
+      </p:cxnSp>
+      <p:sp>
+        <p:nvSpPr>
+          <p:cNvPr id="197" name="직사각형 196">
+            <a:extLst>
+              <a:ext uri="{FF2B5EF4-FFF2-40B4-BE49-F238E27FC236}">
+                <a16:creationId xmlns:a16="http://schemas.microsoft.com/office/drawing/2014/main" id="{0B3FA89C-B66B-E019-1EE8-40FDAD7D110C}"/>
+              </a:ext>
+            </a:extLst>
+          </p:cNvPr>
+          <p:cNvSpPr/>
+          <p:nvPr/>
+        </p:nvSpPr>
+        <p:spPr bwMode="auto">
+          <a:xfrm>
+            <a:off x="7417714" y="5724915"/>
+            <a:ext cx="592282" cy="467591"/>
+          </a:xfrm>
+          <a:prstGeom prst="rect">
+            <a:avLst/>
+          </a:prstGeom>
+          <a:solidFill>
+            <a:schemeClr val="accent3">
+              <a:lumMod val="20000"/>
+              <a:lumOff val="80000"/>
+            </a:schemeClr>
+          </a:solidFill>
+          <a:ln w="9525" cap="flat" cmpd="sng" algn="ctr">
+            <a:solidFill>
+              <a:schemeClr val="accent3">
+                <a:lumMod val="75000"/>
+              </a:schemeClr>
+            </a:solidFill>
+            <a:prstDash val="solid"/>
+            <a:round/>
+            <a:headEnd type="none" w="med" len="med"/>
+            <a:tailEnd type="none" w="med" len="med"/>
+          </a:ln>
+          <a:effectLst/>
+        </p:spPr>
+        <p:txBody>
+          <a:bodyPr vert="horz" wrap="square" lIns="91440" tIns="45720" rIns="91440" bIns="45720" numCol="1" rtlCol="0" anchor="ctr" anchorCtr="0" compatLnSpc="1">
+            <a:prstTxWarp prst="textNoShape">
+              <a:avLst/>
+            </a:prstTxWarp>
+          </a:bodyPr>
+          <a:lstStyle/>
+          <a:p>
+            <a:pPr algn="ctr"/>
+            <a:endParaRPr lang="ko-KR" altLang="en-US" sz="1400" dirty="0"/>
+          </a:p>
+        </p:txBody>
+      </p:sp>
+    </p:spTree>
+    <p:extLst>
+      <p:ext uri="{BB962C8B-B14F-4D97-AF65-F5344CB8AC3E}">
+        <p14:creationId xmlns:p14="http://schemas.microsoft.com/office/powerpoint/2010/main" val="3437000401"/>
+      </p:ext>
+    </p:extLst>
+  </p:cSld>
+  <p:clrMapOvr>
+    <a:masterClrMapping/>
+  </p:clrMapOvr>
+</p:sld>
+</file>
+
 <file path=ppt/slides/slide2.xml><?xml version="1.0" encoding="utf-8"?>
 <p:sld xmlns:a="http://schemas.openxmlformats.org/drawingml/2006/main" xmlns:r="http://schemas.openxmlformats.org/officeDocument/2006/relationships" xmlns:p="http://schemas.openxmlformats.org/presentationml/2006/main">
   <p:cSld>

--- a/진행.pptx
+++ b/진행.pptx
@@ -5,7 +5,7 @@
     <p:sldMasterId id="2147483648" r:id="rId1"/>
   </p:sldMasterIdLst>
   <p:notesMasterIdLst>
-    <p:notesMasterId r:id="rId17"/>
+    <p:notesMasterId r:id="rId19"/>
   </p:notesMasterIdLst>
   <p:sldIdLst>
     <p:sldId id="256" r:id="rId2"/>
@@ -23,6 +23,8 @@
     <p:sldId id="303" r:id="rId14"/>
     <p:sldId id="302" r:id="rId15"/>
     <p:sldId id="304" r:id="rId16"/>
+    <p:sldId id="305" r:id="rId17"/>
+    <p:sldId id="306" r:id="rId18"/>
   </p:sldIdLst>
   <p:sldSz cx="10150475" cy="7616825"/>
   <p:notesSz cx="6867525" cy="9994900"/>
@@ -171,6 +173,8 @@
             <p14:sldId id="303"/>
             <p14:sldId id="302"/>
             <p14:sldId id="304"/>
+            <p14:sldId id="305"/>
+            <p14:sldId id="306"/>
           </p14:sldIdLst>
         </p14:section>
       </p14:sectionLst>
@@ -321,7 +325,7 @@
             <a:fld id="{6D61DB4D-25AF-4EE9-B3EB-9D14CE91ACF1}" type="datetimeFigureOut">
               <a:rPr lang="ko-KR" altLang="en-US" smtClean="0"/>
               <a:pPr/>
-              <a:t>2023-01-17</a:t>
+              <a:t>2023-01-17 (Tue)</a:t>
             </a:fld>
             <a:endParaRPr lang="ko-KR" altLang="en-US"/>
           </a:p>
@@ -11819,886 +11823,3084 @@
           </a:p>
         </p:txBody>
       </p:sp>
-      <p:grpSp>
-        <p:nvGrpSpPr>
-          <p:cNvPr id="42" name="그룹 41">
-            <a:extLst>
-              <a:ext uri="{FF2B5EF4-FFF2-40B4-BE49-F238E27FC236}">
-                <a16:creationId xmlns:a16="http://schemas.microsoft.com/office/drawing/2014/main" id="{D0219E69-7A59-5ED6-4558-F12EFF95EBDF}"/>
-              </a:ext>
-            </a:extLst>
-          </p:cNvPr>
-          <p:cNvGrpSpPr/>
-          <p:nvPr/>
-        </p:nvGrpSpPr>
-        <p:grpSpPr>
-          <a:xfrm>
-            <a:off x="4694164" y="1457866"/>
-            <a:ext cx="3517329" cy="4361470"/>
-            <a:chOff x="4585522" y="1548401"/>
-            <a:chExt cx="3743665" cy="4361470"/>
-          </a:xfrm>
-        </p:grpSpPr>
-        <p:cxnSp>
-          <p:nvCxnSpPr>
-            <p:cNvPr id="6" name="직선 화살표 연결선 5">
-              <a:extLst>
-                <a:ext uri="{FF2B5EF4-FFF2-40B4-BE49-F238E27FC236}">
-                  <a16:creationId xmlns:a16="http://schemas.microsoft.com/office/drawing/2014/main" id="{6959CF60-E3FD-8970-8C7B-CCDDF6025858}"/>
-                </a:ext>
-              </a:extLst>
-            </p:cNvPr>
-            <p:cNvCxnSpPr>
-              <a:cxnSpLocks/>
-              <a:stCxn id="8" idx="0"/>
-              <a:endCxn id="12" idx="2"/>
-            </p:cNvCxnSpPr>
-            <p:nvPr/>
-          </p:nvCxnSpPr>
-          <p:spPr bwMode="auto">
-            <a:xfrm flipV="1">
-              <a:off x="5163370" y="2152194"/>
-              <a:ext cx="0" cy="228895"/>
-            </a:xfrm>
-            <a:prstGeom prst="straightConnector1">
+      <p:cxnSp>
+        <p:nvCxnSpPr>
+          <p:cNvPr id="6" name="직선 화살표 연결선 5">
+            <a:extLst>
+              <a:ext uri="{FF2B5EF4-FFF2-40B4-BE49-F238E27FC236}">
+                <a16:creationId xmlns:a16="http://schemas.microsoft.com/office/drawing/2014/main" id="{6959CF60-E3FD-8970-8C7B-CCDDF6025858}"/>
+              </a:ext>
+            </a:extLst>
+          </p:cNvPr>
+          <p:cNvCxnSpPr>
+            <a:cxnSpLocks/>
+            <a:stCxn id="8" idx="0"/>
+            <a:endCxn id="12" idx="2"/>
+          </p:cNvCxnSpPr>
+          <p:nvPr/>
+        </p:nvCxnSpPr>
+        <p:spPr bwMode="auto">
+          <a:xfrm flipH="1" flipV="1">
+            <a:off x="5237076" y="2061659"/>
+            <a:ext cx="1554" cy="164697"/>
+          </a:xfrm>
+          <a:prstGeom prst="straightConnector1">
+            <a:avLst/>
+          </a:prstGeom>
+          <a:solidFill>
+            <a:schemeClr val="accent1"/>
+          </a:solidFill>
+          <a:ln w="9525" cap="flat" cmpd="sng" algn="ctr">
+            <a:solidFill>
+              <a:schemeClr val="tx1"/>
+            </a:solidFill>
+            <a:prstDash val="solid"/>
+            <a:round/>
+            <a:headEnd type="none" w="med" len="med"/>
+            <a:tailEnd type="triangle"/>
+          </a:ln>
+          <a:effectLst/>
+          <a:extLst>
+            <a:ext uri="{AF507438-7753-43E0-B8FC-AC1667EBCBE1}">
+              <a14:hiddenEffects xmlns:a14="http://schemas.microsoft.com/office/drawing/2010/main">
+                <a:effectLst>
+                  <a:outerShdw dist="35921" dir="2700000" algn="ctr" rotWithShape="0">
+                    <a:schemeClr val="bg2"/>
+                  </a:outerShdw>
+                </a:effectLst>
+              </a14:hiddenEffects>
+            </a:ext>
+          </a:extLst>
+        </p:spPr>
+      </p:cxnSp>
+      <p:sp>
+        <p:nvSpPr>
+          <p:cNvPr id="8" name="직사각형 7">
+            <a:extLst>
+              <a:ext uri="{FF2B5EF4-FFF2-40B4-BE49-F238E27FC236}">
+                <a16:creationId xmlns:a16="http://schemas.microsoft.com/office/drawing/2014/main" id="{27E36A88-C767-9B71-A11A-5CD807BAB72A}"/>
+              </a:ext>
+            </a:extLst>
+          </p:cNvPr>
+          <p:cNvSpPr/>
+          <p:nvPr/>
+        </p:nvSpPr>
+        <p:spPr bwMode="auto">
+          <a:xfrm>
+            <a:off x="4695718" y="2226356"/>
+            <a:ext cx="1085824" cy="786236"/>
+          </a:xfrm>
+          <a:prstGeom prst="rect">
+            <a:avLst/>
+          </a:prstGeom>
+          <a:solidFill>
+            <a:schemeClr val="accent3">
+              <a:lumMod val="20000"/>
+              <a:lumOff val="80000"/>
+            </a:schemeClr>
+          </a:solidFill>
+          <a:ln w="9525" cap="flat" cmpd="sng" algn="ctr">
+            <a:solidFill>
+              <a:schemeClr val="accent3">
+                <a:lumMod val="75000"/>
+              </a:schemeClr>
+            </a:solidFill>
+            <a:prstDash val="solid"/>
+            <a:round/>
+            <a:headEnd type="none" w="med" len="med"/>
+            <a:tailEnd type="none" w="med" len="med"/>
+          </a:ln>
+          <a:effectLst/>
+        </p:spPr>
+        <p:txBody>
+          <a:bodyPr vert="horz" wrap="square" lIns="91440" tIns="45720" rIns="91440" bIns="45720" numCol="1" rtlCol="0" anchor="ctr" anchorCtr="0" compatLnSpc="1">
+            <a:prstTxWarp prst="textNoShape">
               <a:avLst/>
-            </a:prstGeom>
-            <a:solidFill>
-              <a:schemeClr val="accent1"/>
-            </a:solidFill>
-            <a:ln w="9525" cap="flat" cmpd="sng" algn="ctr">
-              <a:solidFill>
-                <a:schemeClr val="tx1"/>
-              </a:solidFill>
-              <a:prstDash val="solid"/>
-              <a:round/>
-              <a:headEnd type="none" w="med" len="med"/>
-              <a:tailEnd type="triangle"/>
-            </a:ln>
-            <a:effectLst/>
-            <a:extLst>
-              <a:ext uri="{AF507438-7753-43E0-B8FC-AC1667EBCBE1}">
-                <a14:hiddenEffects xmlns:a14="http://schemas.microsoft.com/office/drawing/2010/main">
-                  <a:effectLst>
-                    <a:outerShdw dist="35921" dir="2700000" algn="ctr" rotWithShape="0">
-                      <a:schemeClr val="bg2"/>
-                    </a:outerShdw>
-                  </a:effectLst>
-                </a14:hiddenEffects>
-              </a:ext>
-            </a:extLst>
-          </p:spPr>
-        </p:cxnSp>
-        <p:sp>
-          <p:nvSpPr>
-            <p:cNvPr id="8" name="직사각형 7">
-              <a:extLst>
-                <a:ext uri="{FF2B5EF4-FFF2-40B4-BE49-F238E27FC236}">
-                  <a16:creationId xmlns:a16="http://schemas.microsoft.com/office/drawing/2014/main" id="{27E36A88-C767-9B71-A11A-5CD807BAB72A}"/>
-                </a:ext>
-              </a:extLst>
-            </p:cNvPr>
-            <p:cNvSpPr/>
-            <p:nvPr/>
-          </p:nvSpPr>
-          <p:spPr bwMode="auto">
-            <a:xfrm>
-              <a:off x="4585522" y="2381089"/>
-              <a:ext cx="1155696" cy="786236"/>
-            </a:xfrm>
-            <a:prstGeom prst="rect">
+            </a:prstTxWarp>
+          </a:bodyPr>
+          <a:lstStyle/>
+          <a:p>
+            <a:r>
+              <a:rPr lang="en-US" altLang="ko-KR" sz="1400" dirty="0"/>
+              <a:t>Slot index</a:t>
+            </a:r>
+          </a:p>
+          <a:p>
+            <a:r>
+              <a:rPr lang="en-US" altLang="ko-KR" sz="1400" dirty="0"/>
+              <a:t>-  </a:t>
+            </a:r>
+            <a:r>
+              <a:rPr lang="en-US" altLang="ko-KR" sz="1400" dirty="0" err="1"/>
+              <a:t>lAdd</a:t>
+            </a:r>
+            <a:endParaRPr lang="en-US" altLang="ko-KR" sz="1400" dirty="0"/>
+          </a:p>
+          <a:p>
+            <a:r>
+              <a:rPr lang="en-US" altLang="ko-KR" sz="1400" dirty="0"/>
+              <a:t>- </a:t>
+            </a:r>
+            <a:r>
+              <a:rPr lang="en-US" altLang="ko-KR" sz="1400" dirty="0" err="1"/>
+              <a:t>szSlot</a:t>
+            </a:r>
+            <a:endParaRPr lang="ko-KR" altLang="en-US" sz="1400" dirty="0"/>
+          </a:p>
+        </p:txBody>
+      </p:sp>
+      <p:sp>
+        <p:nvSpPr>
+          <p:cNvPr id="10" name="직사각형 9">
+            <a:extLst>
+              <a:ext uri="{FF2B5EF4-FFF2-40B4-BE49-F238E27FC236}">
+                <a16:creationId xmlns:a16="http://schemas.microsoft.com/office/drawing/2014/main" id="{24CCF1C0-1BF5-A0B3-9FC7-935C6DBBE240}"/>
+              </a:ext>
+            </a:extLst>
+          </p:cNvPr>
+          <p:cNvSpPr/>
+          <p:nvPr/>
+        </p:nvSpPr>
+        <p:spPr bwMode="auto">
+          <a:xfrm>
+            <a:off x="6063648" y="2463840"/>
+            <a:ext cx="778321" cy="439663"/>
+          </a:xfrm>
+          <a:prstGeom prst="rect">
+            <a:avLst/>
+          </a:prstGeom>
+          <a:solidFill>
+            <a:schemeClr val="accent3">
+              <a:lumMod val="20000"/>
+              <a:lumOff val="80000"/>
+            </a:schemeClr>
+          </a:solidFill>
+          <a:ln w="9525" cap="flat" cmpd="sng" algn="ctr">
+            <a:solidFill>
+              <a:schemeClr val="accent3">
+                <a:lumMod val="75000"/>
+              </a:schemeClr>
+            </a:solidFill>
+            <a:prstDash val="solid"/>
+            <a:round/>
+            <a:headEnd type="none" w="med" len="med"/>
+            <a:tailEnd type="none" w="med" len="med"/>
+          </a:ln>
+          <a:effectLst/>
+        </p:spPr>
+        <p:txBody>
+          <a:bodyPr vert="horz" wrap="square" lIns="91440" tIns="45720" rIns="91440" bIns="45720" numCol="1" rtlCol="0" anchor="ctr" anchorCtr="0" compatLnSpc="1">
+            <a:prstTxWarp prst="textNoShape">
               <a:avLst/>
-            </a:prstGeom>
+            </a:prstTxWarp>
+          </a:bodyPr>
+          <a:lstStyle/>
+          <a:p>
+            <a:r>
+              <a:rPr lang="en-US" altLang="ko-KR" sz="1400" dirty="0"/>
+              <a:t>Slot</a:t>
+            </a:r>
+            <a:endParaRPr lang="ko-KR" altLang="en-US" sz="1400" dirty="0"/>
+          </a:p>
+        </p:txBody>
+      </p:sp>
+      <p:cxnSp>
+        <p:nvCxnSpPr>
+          <p:cNvPr id="11" name="직선 화살표 연결선 10">
+            <a:extLst>
+              <a:ext uri="{FF2B5EF4-FFF2-40B4-BE49-F238E27FC236}">
+                <a16:creationId xmlns:a16="http://schemas.microsoft.com/office/drawing/2014/main" id="{5823935F-81F5-B251-5977-35D0854B703D}"/>
+              </a:ext>
+            </a:extLst>
+          </p:cNvPr>
+          <p:cNvCxnSpPr>
+            <a:cxnSpLocks/>
+            <a:stCxn id="8" idx="3"/>
+            <a:endCxn id="10" idx="1"/>
+          </p:cNvCxnSpPr>
+          <p:nvPr/>
+        </p:nvCxnSpPr>
+        <p:spPr bwMode="auto">
+          <a:xfrm>
+            <a:off x="5781542" y="2619474"/>
+            <a:ext cx="282106" cy="64198"/>
+          </a:xfrm>
+          <a:prstGeom prst="straightConnector1">
+            <a:avLst/>
+          </a:prstGeom>
+          <a:solidFill>
+            <a:schemeClr val="accent1"/>
+          </a:solidFill>
+          <a:ln w="9525" cap="flat" cmpd="sng" algn="ctr">
+            <a:solidFill>
+              <a:schemeClr val="tx1"/>
+            </a:solidFill>
+            <a:prstDash val="solid"/>
+            <a:round/>
+            <a:headEnd type="none" w="med" len="med"/>
+            <a:tailEnd type="triangle"/>
+          </a:ln>
+          <a:effectLst/>
+          <a:extLst>
+            <a:ext uri="{AF507438-7753-43E0-B8FC-AC1667EBCBE1}">
+              <a14:hiddenEffects xmlns:a14="http://schemas.microsoft.com/office/drawing/2010/main">
+                <a:effectLst>
+                  <a:outerShdw dist="35921" dir="2700000" algn="ctr" rotWithShape="0">
+                    <a:schemeClr val="bg2"/>
+                  </a:outerShdw>
+                </a:effectLst>
+              </a14:hiddenEffects>
+            </a:ext>
+          </a:extLst>
+        </p:spPr>
+      </p:cxnSp>
+      <p:sp>
+        <p:nvSpPr>
+          <p:cNvPr id="12" name="직사각형 11">
+            <a:extLst>
+              <a:ext uri="{FF2B5EF4-FFF2-40B4-BE49-F238E27FC236}">
+                <a16:creationId xmlns:a16="http://schemas.microsoft.com/office/drawing/2014/main" id="{3ED55CFD-4922-C3F7-D38C-567DCE5F8692}"/>
+              </a:ext>
+            </a:extLst>
+          </p:cNvPr>
+          <p:cNvSpPr/>
+          <p:nvPr/>
+        </p:nvSpPr>
+        <p:spPr bwMode="auto">
+          <a:xfrm>
+            <a:off x="4694164" y="1482496"/>
+            <a:ext cx="1085824" cy="579163"/>
+          </a:xfrm>
+          <a:prstGeom prst="rect">
+            <a:avLst/>
+          </a:prstGeom>
+          <a:solidFill>
+            <a:schemeClr val="accent3">
+              <a:lumMod val="20000"/>
+              <a:lumOff val="80000"/>
+            </a:schemeClr>
+          </a:solidFill>
+          <a:ln w="9525" cap="flat" cmpd="sng" algn="ctr">
             <a:solidFill>
               <a:schemeClr val="accent3">
-                <a:lumMod val="20000"/>
-                <a:lumOff val="80000"/>
+                <a:lumMod val="75000"/>
               </a:schemeClr>
             </a:solidFill>
-            <a:ln w="9525" cap="flat" cmpd="sng" algn="ctr">
-              <a:solidFill>
-                <a:schemeClr val="accent3">
-                  <a:lumMod val="75000"/>
-                </a:schemeClr>
-              </a:solidFill>
-              <a:prstDash val="solid"/>
-              <a:round/>
-              <a:headEnd type="none" w="med" len="med"/>
-              <a:tailEnd type="none" w="med" len="med"/>
-            </a:ln>
-            <a:effectLst/>
-          </p:spPr>
-          <p:txBody>
-            <a:bodyPr vert="horz" wrap="square" lIns="91440" tIns="45720" rIns="91440" bIns="45720" numCol="1" rtlCol="0" anchor="ctr" anchorCtr="0" compatLnSpc="1">
-              <a:prstTxWarp prst="textNoShape">
-                <a:avLst/>
-              </a:prstTxWarp>
-            </a:bodyPr>
-            <a:lstStyle/>
-            <a:p>
-              <a:r>
-                <a:rPr lang="en-US" altLang="ko-KR" sz="1400" dirty="0"/>
-                <a:t>Slot index</a:t>
-              </a:r>
-            </a:p>
-            <a:p>
-              <a:r>
-                <a:rPr lang="en-US" altLang="ko-KR" sz="1400" dirty="0"/>
-                <a:t>-  </a:t>
-              </a:r>
-              <a:r>
-                <a:rPr lang="en-US" altLang="ko-KR" sz="1400" dirty="0" err="1"/>
-                <a:t>lAdd</a:t>
-              </a:r>
-              <a:endParaRPr lang="en-US" altLang="ko-KR" sz="1400" dirty="0"/>
-            </a:p>
-            <a:p>
-              <a:r>
-                <a:rPr lang="en-US" altLang="ko-KR" sz="1400" dirty="0"/>
-                <a:t>- </a:t>
-              </a:r>
-              <a:r>
-                <a:rPr lang="en-US" altLang="ko-KR" sz="1400" dirty="0" err="1"/>
-                <a:t>szSlot</a:t>
-              </a:r>
-              <a:endParaRPr lang="ko-KR" altLang="en-US" sz="1400" dirty="0"/>
-            </a:p>
-          </p:txBody>
-        </p:sp>
-        <p:sp>
-          <p:nvSpPr>
-            <p:cNvPr id="10" name="직사각형 9">
-              <a:extLst>
-                <a:ext uri="{FF2B5EF4-FFF2-40B4-BE49-F238E27FC236}">
-                  <a16:creationId xmlns:a16="http://schemas.microsoft.com/office/drawing/2014/main" id="{24CCF1C0-1BF5-A0B3-9FC7-935C6DBBE240}"/>
-                </a:ext>
-              </a:extLst>
-            </p:cNvPr>
-            <p:cNvSpPr/>
-            <p:nvPr/>
-          </p:nvSpPr>
-          <p:spPr bwMode="auto">
-            <a:xfrm>
-              <a:off x="6043131" y="2554375"/>
-              <a:ext cx="828405" cy="439663"/>
-            </a:xfrm>
-            <a:prstGeom prst="rect">
+            <a:prstDash val="solid"/>
+            <a:round/>
+            <a:headEnd type="none" w="med" len="med"/>
+            <a:tailEnd type="none" w="med" len="med"/>
+          </a:ln>
+          <a:effectLst/>
+        </p:spPr>
+        <p:txBody>
+          <a:bodyPr vert="horz" wrap="square" lIns="91440" tIns="45720" rIns="91440" bIns="45720" numCol="1" rtlCol="0" anchor="ctr" anchorCtr="0" compatLnSpc="1">
+            <a:prstTxWarp prst="textNoShape">
               <a:avLst/>
-            </a:prstGeom>
+            </a:prstTxWarp>
+          </a:bodyPr>
+          <a:lstStyle/>
+          <a:p>
+            <a:r>
+              <a:rPr lang="en-US" altLang="ko-KR" sz="1400" dirty="0"/>
+              <a:t>Page Index</a:t>
+            </a:r>
+          </a:p>
+          <a:p>
+            <a:r>
+              <a:rPr lang="en-US" altLang="ko-KR" sz="1400" dirty="0"/>
+              <a:t>- 23</a:t>
+            </a:r>
+            <a:endParaRPr lang="ko-KR" altLang="en-US" sz="1400" dirty="0"/>
+          </a:p>
+        </p:txBody>
+      </p:sp>
+      <p:sp>
+        <p:nvSpPr>
+          <p:cNvPr id="16" name="직사각형 15">
+            <a:extLst>
+              <a:ext uri="{FF2B5EF4-FFF2-40B4-BE49-F238E27FC236}">
+                <a16:creationId xmlns:a16="http://schemas.microsoft.com/office/drawing/2014/main" id="{C787DCC3-AE54-B902-EB44-E173F5708311}"/>
+              </a:ext>
+            </a:extLst>
+          </p:cNvPr>
+          <p:cNvSpPr/>
+          <p:nvPr/>
+        </p:nvSpPr>
+        <p:spPr bwMode="auto">
+          <a:xfrm>
+            <a:off x="5923174" y="1462007"/>
+            <a:ext cx="1085824" cy="579163"/>
+          </a:xfrm>
+          <a:prstGeom prst="rect">
+            <a:avLst/>
+          </a:prstGeom>
+          <a:solidFill>
+            <a:schemeClr val="accent2">
+              <a:lumMod val="20000"/>
+              <a:lumOff val="80000"/>
+            </a:schemeClr>
+          </a:solidFill>
+          <a:ln w="9525" cap="flat" cmpd="sng" algn="ctr">
+            <a:solidFill>
+              <a:schemeClr val="accent2">
+                <a:lumMod val="50000"/>
+              </a:schemeClr>
+            </a:solidFill>
+            <a:prstDash val="solid"/>
+            <a:round/>
+            <a:headEnd type="none" w="med" len="med"/>
+            <a:tailEnd type="none" w="med" len="med"/>
+          </a:ln>
+          <a:effectLst/>
+        </p:spPr>
+        <p:txBody>
+          <a:bodyPr vert="horz" wrap="square" lIns="91440" tIns="45720" rIns="91440" bIns="45720" numCol="1" rtlCol="0" anchor="ctr" anchorCtr="0" compatLnSpc="1">
+            <a:prstTxWarp prst="textNoShape">
+              <a:avLst/>
+            </a:prstTxWarp>
+          </a:bodyPr>
+          <a:lstStyle/>
+          <a:p>
+            <a:r>
+              <a:rPr lang="en-US" altLang="ko-KR" sz="1400" dirty="0"/>
+              <a:t>Page Index</a:t>
+            </a:r>
+          </a:p>
+          <a:p>
+            <a:r>
+              <a:rPr lang="en-US" altLang="ko-KR" sz="1400" dirty="0"/>
+              <a:t>- 45</a:t>
+            </a:r>
+            <a:endParaRPr lang="ko-KR" altLang="en-US" sz="1400" dirty="0"/>
+          </a:p>
+        </p:txBody>
+      </p:sp>
+      <p:cxnSp>
+        <p:nvCxnSpPr>
+          <p:cNvPr id="18" name="연결선: 꺾임 17">
+            <a:extLst>
+              <a:ext uri="{FF2B5EF4-FFF2-40B4-BE49-F238E27FC236}">
+                <a16:creationId xmlns:a16="http://schemas.microsoft.com/office/drawing/2014/main" id="{D8C16CAF-B72E-F456-C1A3-8056A3787700}"/>
+              </a:ext>
+            </a:extLst>
+          </p:cNvPr>
+          <p:cNvCxnSpPr>
+            <a:stCxn id="12" idx="0"/>
+            <a:endCxn id="25" idx="0"/>
+          </p:cNvCxnSpPr>
+          <p:nvPr/>
+        </p:nvCxnSpPr>
+        <p:spPr bwMode="auto">
+          <a:xfrm rot="5400000" flipH="1" flipV="1">
+            <a:off x="6440513" y="254429"/>
+            <a:ext cx="24630" cy="2431505"/>
+          </a:xfrm>
+          <a:prstGeom prst="bentConnector3">
+            <a:avLst>
+              <a:gd name="adj1" fmla="val 1028136"/>
+            </a:avLst>
+          </a:prstGeom>
+          <a:solidFill>
+            <a:schemeClr val="accent1"/>
+          </a:solidFill>
+          <a:ln w="9525" cap="flat" cmpd="sng" algn="ctr">
+            <a:solidFill>
+              <a:schemeClr val="tx1"/>
+            </a:solidFill>
+            <a:prstDash val="solid"/>
+            <a:round/>
+            <a:headEnd type="none" w="med" len="med"/>
+            <a:tailEnd type="triangle"/>
+          </a:ln>
+          <a:effectLst/>
+          <a:extLst>
+            <a:ext uri="{AF507438-7753-43E0-B8FC-AC1667EBCBE1}">
+              <a14:hiddenEffects xmlns:a14="http://schemas.microsoft.com/office/drawing/2010/main">
+                <a:effectLst>
+                  <a:outerShdw dist="35921" dir="2700000" algn="ctr" rotWithShape="0">
+                    <a:schemeClr val="bg2"/>
+                  </a:outerShdw>
+                </a:effectLst>
+              </a14:hiddenEffects>
+            </a:ext>
+          </a:extLst>
+        </p:spPr>
+      </p:cxnSp>
+      <p:sp>
+        <p:nvSpPr>
+          <p:cNvPr id="21" name="직사각형 20">
+            <a:extLst>
+              <a:ext uri="{FF2B5EF4-FFF2-40B4-BE49-F238E27FC236}">
+                <a16:creationId xmlns:a16="http://schemas.microsoft.com/office/drawing/2014/main" id="{EFE74C62-CAD8-3518-A0CA-5AA784416E9B}"/>
+              </a:ext>
+            </a:extLst>
+          </p:cNvPr>
+          <p:cNvSpPr/>
+          <p:nvPr/>
+        </p:nvSpPr>
+        <p:spPr bwMode="auto">
+          <a:xfrm>
+            <a:off x="4933771" y="3042308"/>
+            <a:ext cx="1129878" cy="646305"/>
+          </a:xfrm>
+          <a:prstGeom prst="rect">
+            <a:avLst/>
+          </a:prstGeom>
+          <a:solidFill>
+            <a:schemeClr val="accent1">
+              <a:lumMod val="20000"/>
+              <a:lumOff val="80000"/>
+            </a:schemeClr>
+          </a:solidFill>
+          <a:ln w="9525" cap="flat" cmpd="sng" algn="ctr">
             <a:solidFill>
               <a:schemeClr val="accent3">
-                <a:lumMod val="20000"/>
-                <a:lumOff val="80000"/>
+                <a:lumMod val="75000"/>
               </a:schemeClr>
             </a:solidFill>
-            <a:ln w="9525" cap="flat" cmpd="sng" algn="ctr">
-              <a:solidFill>
-                <a:schemeClr val="accent3">
-                  <a:lumMod val="75000"/>
-                </a:schemeClr>
-              </a:solidFill>
-              <a:prstDash val="solid"/>
-              <a:round/>
-              <a:headEnd type="none" w="med" len="med"/>
-              <a:tailEnd type="none" w="med" len="med"/>
-            </a:ln>
-            <a:effectLst/>
-          </p:spPr>
-          <p:txBody>
-            <a:bodyPr vert="horz" wrap="square" lIns="91440" tIns="45720" rIns="91440" bIns="45720" numCol="1" rtlCol="0" anchor="ctr" anchorCtr="0" compatLnSpc="1">
-              <a:prstTxWarp prst="textNoShape">
-                <a:avLst/>
-              </a:prstTxWarp>
-            </a:bodyPr>
-            <a:lstStyle/>
-            <a:p>
-              <a:r>
-                <a:rPr lang="en-US" altLang="ko-KR" sz="1400" dirty="0"/>
-                <a:t>Slot</a:t>
-              </a:r>
-              <a:endParaRPr lang="ko-KR" altLang="en-US" sz="1400" dirty="0"/>
-            </a:p>
-          </p:txBody>
-        </p:sp>
-        <p:cxnSp>
-          <p:nvCxnSpPr>
-            <p:cNvPr id="11" name="직선 화살표 연결선 10">
-              <a:extLst>
-                <a:ext uri="{FF2B5EF4-FFF2-40B4-BE49-F238E27FC236}">
-                  <a16:creationId xmlns:a16="http://schemas.microsoft.com/office/drawing/2014/main" id="{5823935F-81F5-B251-5977-35D0854B703D}"/>
-                </a:ext>
-              </a:extLst>
-            </p:cNvPr>
-            <p:cNvCxnSpPr>
-              <a:cxnSpLocks/>
-              <a:stCxn id="8" idx="3"/>
-              <a:endCxn id="10" idx="1"/>
-            </p:cNvCxnSpPr>
-            <p:nvPr/>
-          </p:nvCxnSpPr>
-          <p:spPr bwMode="auto">
-            <a:xfrm>
-              <a:off x="5741218" y="2774207"/>
-              <a:ext cx="301913" cy="0"/>
-            </a:xfrm>
-            <a:prstGeom prst="straightConnector1">
+            <a:prstDash val="solid"/>
+            <a:round/>
+            <a:headEnd type="none" w="med" len="med"/>
+            <a:tailEnd type="none" w="med" len="med"/>
+          </a:ln>
+          <a:effectLst/>
+        </p:spPr>
+        <p:txBody>
+          <a:bodyPr vert="horz" wrap="square" lIns="91440" tIns="45720" rIns="91440" bIns="45720" numCol="1" rtlCol="0" anchor="ctr" anchorCtr="0" compatLnSpc="1">
+            <a:prstTxWarp prst="textNoShape">
               <a:avLst/>
-            </a:prstGeom>
-            <a:solidFill>
-              <a:schemeClr val="accent1"/>
-            </a:solidFill>
-            <a:ln w="9525" cap="flat" cmpd="sng" algn="ctr">
-              <a:solidFill>
-                <a:schemeClr val="tx1"/>
-              </a:solidFill>
-              <a:prstDash val="solid"/>
-              <a:round/>
-              <a:headEnd type="none" w="med" len="med"/>
-              <a:tailEnd type="triangle"/>
-            </a:ln>
-            <a:effectLst/>
-            <a:extLst>
-              <a:ext uri="{AF507438-7753-43E0-B8FC-AC1667EBCBE1}">
-                <a14:hiddenEffects xmlns:a14="http://schemas.microsoft.com/office/drawing/2010/main">
-                  <a:effectLst>
-                    <a:outerShdw dist="35921" dir="2700000" algn="ctr" rotWithShape="0">
-                      <a:schemeClr val="bg2"/>
-                    </a:outerShdw>
-                  </a:effectLst>
-                </a14:hiddenEffects>
-              </a:ext>
-            </a:extLst>
-          </p:spPr>
-        </p:cxnSp>
-        <p:sp>
-          <p:nvSpPr>
-            <p:cNvPr id="12" name="직사각형 11">
-              <a:extLst>
-                <a:ext uri="{FF2B5EF4-FFF2-40B4-BE49-F238E27FC236}">
-                  <a16:creationId xmlns:a16="http://schemas.microsoft.com/office/drawing/2014/main" id="{3ED55CFD-4922-C3F7-D38C-567DCE5F8692}"/>
-                </a:ext>
-              </a:extLst>
-            </p:cNvPr>
-            <p:cNvSpPr/>
-            <p:nvPr/>
-          </p:nvSpPr>
-          <p:spPr bwMode="auto">
-            <a:xfrm>
-              <a:off x="4585522" y="1573031"/>
-              <a:ext cx="1155696" cy="579163"/>
-            </a:xfrm>
-            <a:prstGeom prst="rect">
+            </a:prstTxWarp>
+          </a:bodyPr>
+          <a:lstStyle/>
+          <a:p>
+            <a:pPr algn="ctr"/>
+            <a:r>
+              <a:rPr lang="en-US" altLang="ko-KR" sz="1400" dirty="0"/>
+              <a:t>Logical  Page No</a:t>
+            </a:r>
+          </a:p>
+          <a:p>
+            <a:pPr algn="ctr"/>
+            <a:r>
+              <a:rPr lang="en-US" altLang="ko-KR" sz="1400" dirty="0"/>
+              <a:t>03</a:t>
+            </a:r>
+            <a:endParaRPr lang="ko-KR" altLang="en-US" sz="1400" dirty="0"/>
+          </a:p>
+        </p:txBody>
+      </p:sp>
+      <p:sp>
+        <p:nvSpPr>
+          <p:cNvPr id="25" name="직사각형 24">
+            <a:extLst>
+              <a:ext uri="{FF2B5EF4-FFF2-40B4-BE49-F238E27FC236}">
+                <a16:creationId xmlns:a16="http://schemas.microsoft.com/office/drawing/2014/main" id="{8BF39BF6-78C5-296D-BF63-F9F3B08E69E4}"/>
+              </a:ext>
+            </a:extLst>
+          </p:cNvPr>
+          <p:cNvSpPr/>
+          <p:nvPr/>
+        </p:nvSpPr>
+        <p:spPr bwMode="auto">
+          <a:xfrm>
+            <a:off x="7125669" y="1457866"/>
+            <a:ext cx="1085824" cy="579163"/>
+          </a:xfrm>
+          <a:prstGeom prst="rect">
+            <a:avLst/>
+          </a:prstGeom>
+          <a:solidFill>
+            <a:schemeClr val="accent3">
+              <a:lumMod val="20000"/>
+              <a:lumOff val="80000"/>
+            </a:schemeClr>
+          </a:solidFill>
+          <a:ln w="9525" cap="flat" cmpd="sng" algn="ctr">
+            <a:solidFill>
+              <a:schemeClr val="accent3">
+                <a:lumMod val="75000"/>
+              </a:schemeClr>
+            </a:solidFill>
+            <a:prstDash val="solid"/>
+            <a:round/>
+            <a:headEnd type="none" w="med" len="med"/>
+            <a:tailEnd type="none" w="med" len="med"/>
+          </a:ln>
+          <a:effectLst/>
+        </p:spPr>
+        <p:txBody>
+          <a:bodyPr vert="horz" wrap="square" lIns="91440" tIns="45720" rIns="91440" bIns="45720" numCol="1" rtlCol="0" anchor="ctr" anchorCtr="0" compatLnSpc="1">
+            <a:prstTxWarp prst="textNoShape">
               <a:avLst/>
-            </a:prstGeom>
+            </a:prstTxWarp>
+          </a:bodyPr>
+          <a:lstStyle/>
+          <a:p>
+            <a:r>
+              <a:rPr lang="en-US" altLang="ko-KR" sz="1400" dirty="0"/>
+              <a:t>Page Index</a:t>
+            </a:r>
+          </a:p>
+          <a:p>
+            <a:r>
+              <a:rPr lang="en-US" altLang="ko-KR" sz="1400" dirty="0"/>
+              <a:t>- 31</a:t>
+            </a:r>
+            <a:endParaRPr lang="ko-KR" altLang="en-US" sz="1400" dirty="0"/>
+          </a:p>
+        </p:txBody>
+      </p:sp>
+      <p:sp>
+        <p:nvSpPr>
+          <p:cNvPr id="29" name="직사각형 28">
+            <a:extLst>
+              <a:ext uri="{FF2B5EF4-FFF2-40B4-BE49-F238E27FC236}">
+                <a16:creationId xmlns:a16="http://schemas.microsoft.com/office/drawing/2014/main" id="{FD149EF8-89CD-0808-87A7-F34D2B7C1515}"/>
+              </a:ext>
+            </a:extLst>
+          </p:cNvPr>
+          <p:cNvSpPr/>
+          <p:nvPr/>
+        </p:nvSpPr>
+        <p:spPr bwMode="auto">
+          <a:xfrm>
+            <a:off x="4694164" y="4421277"/>
+            <a:ext cx="1085824" cy="786236"/>
+          </a:xfrm>
+          <a:prstGeom prst="rect">
+            <a:avLst/>
+          </a:prstGeom>
+          <a:solidFill>
+            <a:schemeClr val="accent3">
+              <a:lumMod val="20000"/>
+              <a:lumOff val="80000"/>
+            </a:schemeClr>
+          </a:solidFill>
+          <a:ln w="9525" cap="flat" cmpd="sng" algn="ctr">
             <a:solidFill>
               <a:schemeClr val="accent3">
-                <a:lumMod val="20000"/>
-                <a:lumOff val="80000"/>
+                <a:lumMod val="75000"/>
               </a:schemeClr>
             </a:solidFill>
-            <a:ln w="9525" cap="flat" cmpd="sng" algn="ctr">
-              <a:solidFill>
-                <a:schemeClr val="accent3">
-                  <a:lumMod val="75000"/>
-                </a:schemeClr>
-              </a:solidFill>
-              <a:prstDash val="solid"/>
-              <a:round/>
-              <a:headEnd type="none" w="med" len="med"/>
-              <a:tailEnd type="none" w="med" len="med"/>
-            </a:ln>
-            <a:effectLst/>
-          </p:spPr>
-          <p:txBody>
-            <a:bodyPr vert="horz" wrap="square" lIns="91440" tIns="45720" rIns="91440" bIns="45720" numCol="1" rtlCol="0" anchor="ctr" anchorCtr="0" compatLnSpc="1">
-              <a:prstTxWarp prst="textNoShape">
-                <a:avLst/>
-              </a:prstTxWarp>
-            </a:bodyPr>
-            <a:lstStyle/>
-            <a:p>
-              <a:r>
-                <a:rPr lang="en-US" altLang="ko-KR" sz="1400" dirty="0"/>
-                <a:t>Page Index</a:t>
-              </a:r>
-            </a:p>
-            <a:p>
-              <a:r>
-                <a:rPr lang="en-US" altLang="ko-KR" sz="1400" dirty="0"/>
-                <a:t>- 23</a:t>
-              </a:r>
-              <a:endParaRPr lang="ko-KR" altLang="en-US" sz="1400" dirty="0"/>
-            </a:p>
-          </p:txBody>
-        </p:sp>
-        <p:sp>
-          <p:nvSpPr>
-            <p:cNvPr id="16" name="직사각형 15">
-              <a:extLst>
-                <a:ext uri="{FF2B5EF4-FFF2-40B4-BE49-F238E27FC236}">
-                  <a16:creationId xmlns:a16="http://schemas.microsoft.com/office/drawing/2014/main" id="{C787DCC3-AE54-B902-EB44-E173F5708311}"/>
-                </a:ext>
-              </a:extLst>
-            </p:cNvPr>
-            <p:cNvSpPr/>
-            <p:nvPr/>
-          </p:nvSpPr>
-          <p:spPr bwMode="auto">
-            <a:xfrm>
-              <a:off x="5893617" y="1552542"/>
-              <a:ext cx="1155696" cy="579163"/>
-            </a:xfrm>
-            <a:prstGeom prst="rect">
+            <a:prstDash val="solid"/>
+            <a:round/>
+            <a:headEnd type="none" w="med" len="med"/>
+            <a:tailEnd type="none" w="med" len="med"/>
+          </a:ln>
+          <a:effectLst/>
+        </p:spPr>
+        <p:txBody>
+          <a:bodyPr vert="horz" wrap="square" lIns="91440" tIns="45720" rIns="91440" bIns="45720" numCol="1" rtlCol="0" anchor="ctr" anchorCtr="0" compatLnSpc="1">
+            <a:prstTxWarp prst="textNoShape">
               <a:avLst/>
-            </a:prstGeom>
-            <a:solidFill>
-              <a:schemeClr val="accent2">
-                <a:lumMod val="20000"/>
-                <a:lumOff val="80000"/>
+            </a:prstTxWarp>
+          </a:bodyPr>
+          <a:lstStyle/>
+          <a:p>
+            <a:r>
+              <a:rPr lang="en-US" altLang="ko-KR" sz="1400" dirty="0"/>
+              <a:t>Slot index</a:t>
+            </a:r>
+          </a:p>
+          <a:p>
+            <a:r>
+              <a:rPr lang="en-US" altLang="ko-KR" sz="1400" dirty="0"/>
+              <a:t>-  </a:t>
+            </a:r>
+            <a:r>
+              <a:rPr lang="en-US" altLang="ko-KR" sz="1400" dirty="0" err="1"/>
+              <a:t>lAdd</a:t>
+            </a:r>
+            <a:endParaRPr lang="en-US" altLang="ko-KR" sz="1400" dirty="0"/>
+          </a:p>
+          <a:p>
+            <a:r>
+              <a:rPr lang="en-US" altLang="ko-KR" sz="1400" dirty="0"/>
+              <a:t>- </a:t>
+            </a:r>
+            <a:r>
+              <a:rPr lang="en-US" altLang="ko-KR" sz="1400" dirty="0" err="1"/>
+              <a:t>szSlot</a:t>
+            </a:r>
+            <a:endParaRPr lang="ko-KR" altLang="en-US" sz="1400" dirty="0"/>
+          </a:p>
+        </p:txBody>
+      </p:sp>
+      <p:sp>
+        <p:nvSpPr>
+          <p:cNvPr id="32" name="직사각형 31">
+            <a:extLst>
+              <a:ext uri="{FF2B5EF4-FFF2-40B4-BE49-F238E27FC236}">
+                <a16:creationId xmlns:a16="http://schemas.microsoft.com/office/drawing/2014/main" id="{0386A95C-7568-9046-9293-EA42732FF5C7}"/>
+              </a:ext>
+            </a:extLst>
+          </p:cNvPr>
+          <p:cNvSpPr/>
+          <p:nvPr/>
+        </p:nvSpPr>
+        <p:spPr bwMode="auto">
+          <a:xfrm>
+            <a:off x="4933771" y="5173031"/>
+            <a:ext cx="1129878" cy="646305"/>
+          </a:xfrm>
+          <a:prstGeom prst="rect">
+            <a:avLst/>
+          </a:prstGeom>
+          <a:solidFill>
+            <a:schemeClr val="accent1">
+              <a:lumMod val="20000"/>
+              <a:lumOff val="80000"/>
+            </a:schemeClr>
+          </a:solidFill>
+          <a:ln w="9525" cap="flat" cmpd="sng" algn="ctr">
+            <a:solidFill>
+              <a:schemeClr val="accent3">
+                <a:lumMod val="75000"/>
               </a:schemeClr>
             </a:solidFill>
-            <a:ln w="9525" cap="flat" cmpd="sng" algn="ctr">
-              <a:solidFill>
-                <a:schemeClr val="accent2">
-                  <a:lumMod val="50000"/>
-                </a:schemeClr>
-              </a:solidFill>
-              <a:prstDash val="solid"/>
-              <a:round/>
-              <a:headEnd type="none" w="med" len="med"/>
-              <a:tailEnd type="none" w="med" len="med"/>
-            </a:ln>
-            <a:effectLst/>
-          </p:spPr>
-          <p:txBody>
-            <a:bodyPr vert="horz" wrap="square" lIns="91440" tIns="45720" rIns="91440" bIns="45720" numCol="1" rtlCol="0" anchor="ctr" anchorCtr="0" compatLnSpc="1">
-              <a:prstTxWarp prst="textNoShape">
-                <a:avLst/>
-              </a:prstTxWarp>
-            </a:bodyPr>
-            <a:lstStyle/>
-            <a:p>
-              <a:r>
-                <a:rPr lang="en-US" altLang="ko-KR" sz="1400" dirty="0"/>
-                <a:t>Page Index</a:t>
-              </a:r>
-            </a:p>
-            <a:p>
-              <a:r>
-                <a:rPr lang="en-US" altLang="ko-KR" sz="1400" dirty="0"/>
-                <a:t>- 45</a:t>
-              </a:r>
-              <a:endParaRPr lang="ko-KR" altLang="en-US" sz="1400" dirty="0"/>
-            </a:p>
-          </p:txBody>
-        </p:sp>
-        <p:cxnSp>
-          <p:nvCxnSpPr>
-            <p:cNvPr id="18" name="연결선: 꺾임 17">
-              <a:extLst>
-                <a:ext uri="{FF2B5EF4-FFF2-40B4-BE49-F238E27FC236}">
-                  <a16:creationId xmlns:a16="http://schemas.microsoft.com/office/drawing/2014/main" id="{D8C16CAF-B72E-F456-C1A3-8056A3787700}"/>
-                </a:ext>
-              </a:extLst>
-            </p:cNvPr>
-            <p:cNvCxnSpPr>
-              <a:stCxn id="12" idx="0"/>
-              <a:endCxn id="25" idx="0"/>
-            </p:cNvCxnSpPr>
-            <p:nvPr/>
-          </p:nvCxnSpPr>
-          <p:spPr bwMode="auto">
-            <a:xfrm rot="5400000" flipH="1" flipV="1">
-              <a:off x="6445039" y="266732"/>
-              <a:ext cx="24630" cy="2587969"/>
-            </a:xfrm>
-            <a:prstGeom prst="bentConnector3">
-              <a:avLst>
-                <a:gd name="adj1" fmla="val 1028136"/>
-              </a:avLst>
-            </a:prstGeom>
-            <a:solidFill>
-              <a:schemeClr val="accent1"/>
-            </a:solidFill>
-            <a:ln w="9525" cap="flat" cmpd="sng" algn="ctr">
-              <a:solidFill>
-                <a:schemeClr val="tx1"/>
-              </a:solidFill>
-              <a:prstDash val="solid"/>
-              <a:round/>
-              <a:headEnd type="none" w="med" len="med"/>
-              <a:tailEnd type="triangle"/>
-            </a:ln>
-            <a:effectLst/>
-            <a:extLst>
-              <a:ext uri="{AF507438-7753-43E0-B8FC-AC1667EBCBE1}">
-                <a14:hiddenEffects xmlns:a14="http://schemas.microsoft.com/office/drawing/2010/main">
-                  <a:effectLst>
-                    <a:outerShdw dist="35921" dir="2700000" algn="ctr" rotWithShape="0">
-                      <a:schemeClr val="bg2"/>
-                    </a:outerShdw>
-                  </a:effectLst>
-                </a14:hiddenEffects>
-              </a:ext>
-            </a:extLst>
-          </p:spPr>
-        </p:cxnSp>
-        <p:sp>
-          <p:nvSpPr>
-            <p:cNvPr id="21" name="직사각형 20">
-              <a:extLst>
-                <a:ext uri="{FF2B5EF4-FFF2-40B4-BE49-F238E27FC236}">
-                  <a16:creationId xmlns:a16="http://schemas.microsoft.com/office/drawing/2014/main" id="{EFE74C62-CAD8-3518-A0CA-5AA784416E9B}"/>
-                </a:ext>
-              </a:extLst>
-            </p:cNvPr>
-            <p:cNvSpPr/>
-            <p:nvPr/>
-          </p:nvSpPr>
-          <p:spPr bwMode="auto">
-            <a:xfrm>
-              <a:off x="4840547" y="3132843"/>
-              <a:ext cx="1202584" cy="646305"/>
-            </a:xfrm>
-            <a:prstGeom prst="rect">
+            <a:prstDash val="solid"/>
+            <a:round/>
+            <a:headEnd type="none" w="med" len="med"/>
+            <a:tailEnd type="none" w="med" len="med"/>
+          </a:ln>
+          <a:effectLst/>
+        </p:spPr>
+        <p:txBody>
+          <a:bodyPr vert="horz" wrap="square" lIns="91440" tIns="45720" rIns="91440" bIns="45720" numCol="1" rtlCol="0" anchor="ctr" anchorCtr="0" compatLnSpc="1">
+            <a:prstTxWarp prst="textNoShape">
               <a:avLst/>
-            </a:prstGeom>
-            <a:solidFill>
-              <a:schemeClr val="accent1">
-                <a:lumMod val="20000"/>
-                <a:lumOff val="80000"/>
+            </a:prstTxWarp>
+          </a:bodyPr>
+          <a:lstStyle/>
+          <a:p>
+            <a:pPr algn="ctr"/>
+            <a:r>
+              <a:rPr lang="en-US" altLang="ko-KR" sz="1400" dirty="0"/>
+              <a:t>Logical  Page No</a:t>
+            </a:r>
+          </a:p>
+          <a:p>
+            <a:pPr algn="ctr"/>
+            <a:r>
+              <a:rPr lang="en-US" altLang="ko-KR" sz="1400" dirty="0"/>
+              <a:t>031</a:t>
+            </a:r>
+            <a:endParaRPr lang="ko-KR" altLang="en-US" sz="1400" dirty="0"/>
+          </a:p>
+        </p:txBody>
+      </p:sp>
+      <p:sp>
+        <p:nvSpPr>
+          <p:cNvPr id="33" name="직사각형 32">
+            <a:extLst>
+              <a:ext uri="{FF2B5EF4-FFF2-40B4-BE49-F238E27FC236}">
+                <a16:creationId xmlns:a16="http://schemas.microsoft.com/office/drawing/2014/main" id="{F4BED896-72FA-46A6-3883-A915A657E183}"/>
+              </a:ext>
+            </a:extLst>
+          </p:cNvPr>
+          <p:cNvSpPr/>
+          <p:nvPr/>
+        </p:nvSpPr>
+        <p:spPr bwMode="auto">
+          <a:xfrm>
+            <a:off x="6351374" y="4421277"/>
+            <a:ext cx="1085824" cy="786236"/>
+          </a:xfrm>
+          <a:prstGeom prst="rect">
+            <a:avLst/>
+          </a:prstGeom>
+          <a:solidFill>
+            <a:schemeClr val="accent3">
+              <a:lumMod val="20000"/>
+              <a:lumOff val="80000"/>
+            </a:schemeClr>
+          </a:solidFill>
+          <a:ln w="9525" cap="flat" cmpd="sng" algn="ctr">
+            <a:solidFill>
+              <a:schemeClr val="accent3">
+                <a:lumMod val="75000"/>
               </a:schemeClr>
             </a:solidFill>
-            <a:ln w="9525" cap="flat" cmpd="sng" algn="ctr">
-              <a:solidFill>
-                <a:schemeClr val="accent3">
-                  <a:lumMod val="75000"/>
-                </a:schemeClr>
-              </a:solidFill>
-              <a:prstDash val="solid"/>
-              <a:round/>
-              <a:headEnd type="none" w="med" len="med"/>
-              <a:tailEnd type="none" w="med" len="med"/>
-            </a:ln>
-            <a:effectLst/>
-          </p:spPr>
-          <p:txBody>
-            <a:bodyPr vert="horz" wrap="square" lIns="91440" tIns="45720" rIns="91440" bIns="45720" numCol="1" rtlCol="0" anchor="ctr" anchorCtr="0" compatLnSpc="1">
-              <a:prstTxWarp prst="textNoShape">
-                <a:avLst/>
-              </a:prstTxWarp>
-            </a:bodyPr>
-            <a:lstStyle/>
-            <a:p>
-              <a:pPr algn="ctr"/>
-              <a:r>
-                <a:rPr lang="en-US" altLang="ko-KR" sz="1400" dirty="0"/>
-                <a:t>Logical  Page No</a:t>
-              </a:r>
-            </a:p>
-            <a:p>
-              <a:pPr algn="ctr"/>
-              <a:r>
-                <a:rPr lang="en-US" altLang="ko-KR" sz="1400" dirty="0"/>
-                <a:t>03</a:t>
-              </a:r>
-              <a:endParaRPr lang="ko-KR" altLang="en-US" sz="1400" dirty="0"/>
-            </a:p>
-          </p:txBody>
-        </p:sp>
-        <p:sp>
-          <p:nvSpPr>
-            <p:cNvPr id="25" name="직사각형 24">
-              <a:extLst>
-                <a:ext uri="{FF2B5EF4-FFF2-40B4-BE49-F238E27FC236}">
-                  <a16:creationId xmlns:a16="http://schemas.microsoft.com/office/drawing/2014/main" id="{8BF39BF6-78C5-296D-BF63-F9F3B08E69E4}"/>
-                </a:ext>
-              </a:extLst>
-            </p:cNvPr>
-            <p:cNvSpPr/>
-            <p:nvPr/>
-          </p:nvSpPr>
-          <p:spPr bwMode="auto">
-            <a:xfrm>
-              <a:off x="7173491" y="1548401"/>
-              <a:ext cx="1155696" cy="579163"/>
-            </a:xfrm>
-            <a:prstGeom prst="rect">
+            <a:prstDash val="solid"/>
+            <a:round/>
+            <a:headEnd type="none" w="med" len="med"/>
+            <a:tailEnd type="none" w="med" len="med"/>
+          </a:ln>
+          <a:effectLst/>
+        </p:spPr>
+        <p:txBody>
+          <a:bodyPr vert="horz" wrap="square" lIns="91440" tIns="45720" rIns="91440" bIns="45720" numCol="1" rtlCol="0" anchor="ctr" anchorCtr="0" compatLnSpc="1">
+            <a:prstTxWarp prst="textNoShape">
               <a:avLst/>
-            </a:prstGeom>
+            </a:prstTxWarp>
+          </a:bodyPr>
+          <a:lstStyle/>
+          <a:p>
+            <a:r>
+              <a:rPr lang="en-US" altLang="ko-KR" sz="1400" dirty="0"/>
+              <a:t>Slot index</a:t>
+            </a:r>
+          </a:p>
+          <a:p>
+            <a:r>
+              <a:rPr lang="en-US" altLang="ko-KR" sz="1400" dirty="0"/>
+              <a:t>-  </a:t>
+            </a:r>
+            <a:r>
+              <a:rPr lang="en-US" altLang="ko-KR" sz="1400" dirty="0" err="1"/>
+              <a:t>lAdd</a:t>
+            </a:r>
+            <a:endParaRPr lang="en-US" altLang="ko-KR" sz="1400" dirty="0"/>
+          </a:p>
+          <a:p>
+            <a:r>
+              <a:rPr lang="en-US" altLang="ko-KR" sz="1400" dirty="0"/>
+              <a:t>- </a:t>
+            </a:r>
+            <a:r>
+              <a:rPr lang="en-US" altLang="ko-KR" sz="1400" dirty="0" err="1"/>
+              <a:t>szSlot</a:t>
+            </a:r>
+            <a:endParaRPr lang="ko-KR" altLang="en-US" sz="1400" dirty="0"/>
+          </a:p>
+        </p:txBody>
+      </p:sp>
+      <p:sp>
+        <p:nvSpPr>
+          <p:cNvPr id="36" name="직사각형 35">
+            <a:extLst>
+              <a:ext uri="{FF2B5EF4-FFF2-40B4-BE49-F238E27FC236}">
+                <a16:creationId xmlns:a16="http://schemas.microsoft.com/office/drawing/2014/main" id="{2E44A2B3-C955-0330-C0FC-1A03E0E614BE}"/>
+              </a:ext>
+            </a:extLst>
+          </p:cNvPr>
+          <p:cNvSpPr/>
+          <p:nvPr/>
+        </p:nvSpPr>
+        <p:spPr bwMode="auto">
+          <a:xfrm>
+            <a:off x="6590981" y="5173031"/>
+            <a:ext cx="1129878" cy="646305"/>
+          </a:xfrm>
+          <a:prstGeom prst="rect">
+            <a:avLst/>
+          </a:prstGeom>
+          <a:solidFill>
+            <a:schemeClr val="accent1">
+              <a:lumMod val="20000"/>
+              <a:lumOff val="80000"/>
+            </a:schemeClr>
+          </a:solidFill>
+          <a:ln w="9525" cap="flat" cmpd="sng" algn="ctr">
             <a:solidFill>
               <a:schemeClr val="accent3">
-                <a:lumMod val="20000"/>
-                <a:lumOff val="80000"/>
+                <a:lumMod val="75000"/>
               </a:schemeClr>
             </a:solidFill>
-            <a:ln w="9525" cap="flat" cmpd="sng" algn="ctr">
-              <a:solidFill>
-                <a:schemeClr val="accent3">
-                  <a:lumMod val="75000"/>
-                </a:schemeClr>
-              </a:solidFill>
-              <a:prstDash val="solid"/>
-              <a:round/>
-              <a:headEnd type="none" w="med" len="med"/>
-              <a:tailEnd type="none" w="med" len="med"/>
-            </a:ln>
-            <a:effectLst/>
-          </p:spPr>
-          <p:txBody>
-            <a:bodyPr vert="horz" wrap="square" lIns="91440" tIns="45720" rIns="91440" bIns="45720" numCol="1" rtlCol="0" anchor="ctr" anchorCtr="0" compatLnSpc="1">
-              <a:prstTxWarp prst="textNoShape">
-                <a:avLst/>
-              </a:prstTxWarp>
-            </a:bodyPr>
-            <a:lstStyle/>
-            <a:p>
-              <a:r>
-                <a:rPr lang="en-US" altLang="ko-KR" sz="1400" dirty="0"/>
-                <a:t>Page Index</a:t>
-              </a:r>
-            </a:p>
-            <a:p>
-              <a:r>
-                <a:rPr lang="en-US" altLang="ko-KR" sz="1400" dirty="0"/>
-                <a:t>- 31</a:t>
-              </a:r>
-              <a:endParaRPr lang="ko-KR" altLang="en-US" sz="1400" dirty="0"/>
-            </a:p>
-          </p:txBody>
-        </p:sp>
-        <p:sp>
-          <p:nvSpPr>
-            <p:cNvPr id="29" name="직사각형 28">
-              <a:extLst>
-                <a:ext uri="{FF2B5EF4-FFF2-40B4-BE49-F238E27FC236}">
-                  <a16:creationId xmlns:a16="http://schemas.microsoft.com/office/drawing/2014/main" id="{FD149EF8-89CD-0808-87A7-F34D2B7C1515}"/>
-                </a:ext>
-              </a:extLst>
-            </p:cNvPr>
-            <p:cNvSpPr/>
-            <p:nvPr/>
-          </p:nvSpPr>
-          <p:spPr bwMode="auto">
-            <a:xfrm>
-              <a:off x="4585522" y="4511812"/>
-              <a:ext cx="1155696" cy="786236"/>
-            </a:xfrm>
-            <a:prstGeom prst="rect">
+            <a:prstDash val="solid"/>
+            <a:round/>
+            <a:headEnd type="none" w="med" len="med"/>
+            <a:tailEnd type="none" w="med" len="med"/>
+          </a:ln>
+          <a:effectLst/>
+        </p:spPr>
+        <p:txBody>
+          <a:bodyPr vert="horz" wrap="square" lIns="91440" tIns="45720" rIns="91440" bIns="45720" numCol="1" rtlCol="0" anchor="ctr" anchorCtr="0" compatLnSpc="1">
+            <a:prstTxWarp prst="textNoShape">
               <a:avLst/>
-            </a:prstGeom>
-            <a:solidFill>
-              <a:schemeClr val="accent3">
-                <a:lumMod val="20000"/>
-                <a:lumOff val="80000"/>
-              </a:schemeClr>
-            </a:solidFill>
-            <a:ln w="9525" cap="flat" cmpd="sng" algn="ctr">
-              <a:solidFill>
-                <a:schemeClr val="accent3">
-                  <a:lumMod val="75000"/>
-                </a:schemeClr>
-              </a:solidFill>
-              <a:prstDash val="solid"/>
-              <a:round/>
-              <a:headEnd type="none" w="med" len="med"/>
-              <a:tailEnd type="none" w="med" len="med"/>
-            </a:ln>
-            <a:effectLst/>
-          </p:spPr>
-          <p:txBody>
-            <a:bodyPr vert="horz" wrap="square" lIns="91440" tIns="45720" rIns="91440" bIns="45720" numCol="1" rtlCol="0" anchor="ctr" anchorCtr="0" compatLnSpc="1">
-              <a:prstTxWarp prst="textNoShape">
-                <a:avLst/>
-              </a:prstTxWarp>
-            </a:bodyPr>
-            <a:lstStyle/>
-            <a:p>
-              <a:r>
-                <a:rPr lang="en-US" altLang="ko-KR" sz="1400" dirty="0"/>
-                <a:t>Slot index</a:t>
-              </a:r>
-            </a:p>
-            <a:p>
-              <a:r>
-                <a:rPr lang="en-US" altLang="ko-KR" sz="1400" dirty="0"/>
-                <a:t>-  </a:t>
-              </a:r>
-              <a:r>
-                <a:rPr lang="en-US" altLang="ko-KR" sz="1400" dirty="0" err="1"/>
-                <a:t>lAdd</a:t>
-              </a:r>
-              <a:endParaRPr lang="en-US" altLang="ko-KR" sz="1400" dirty="0"/>
-            </a:p>
-            <a:p>
-              <a:r>
-                <a:rPr lang="en-US" altLang="ko-KR" sz="1400" dirty="0"/>
-                <a:t>- </a:t>
-              </a:r>
-              <a:r>
-                <a:rPr lang="en-US" altLang="ko-KR" sz="1400" dirty="0" err="1"/>
-                <a:t>szSlot</a:t>
-              </a:r>
-              <a:endParaRPr lang="ko-KR" altLang="en-US" sz="1400" dirty="0"/>
-            </a:p>
-          </p:txBody>
-        </p:sp>
-        <p:sp>
-          <p:nvSpPr>
-            <p:cNvPr id="32" name="직사각형 31">
-              <a:extLst>
-                <a:ext uri="{FF2B5EF4-FFF2-40B4-BE49-F238E27FC236}">
-                  <a16:creationId xmlns:a16="http://schemas.microsoft.com/office/drawing/2014/main" id="{0386A95C-7568-9046-9293-EA42732FF5C7}"/>
-                </a:ext>
-              </a:extLst>
-            </p:cNvPr>
-            <p:cNvSpPr/>
-            <p:nvPr/>
-          </p:nvSpPr>
-          <p:spPr bwMode="auto">
-            <a:xfrm>
-              <a:off x="4840547" y="5263566"/>
-              <a:ext cx="1202584" cy="646305"/>
-            </a:xfrm>
-            <a:prstGeom prst="rect">
-              <a:avLst/>
-            </a:prstGeom>
-            <a:solidFill>
-              <a:schemeClr val="accent1">
-                <a:lumMod val="20000"/>
-                <a:lumOff val="80000"/>
-              </a:schemeClr>
-            </a:solidFill>
-            <a:ln w="9525" cap="flat" cmpd="sng" algn="ctr">
-              <a:solidFill>
-                <a:schemeClr val="accent3">
-                  <a:lumMod val="75000"/>
-                </a:schemeClr>
-              </a:solidFill>
-              <a:prstDash val="solid"/>
-              <a:round/>
-              <a:headEnd type="none" w="med" len="med"/>
-              <a:tailEnd type="none" w="med" len="med"/>
-            </a:ln>
-            <a:effectLst/>
-          </p:spPr>
-          <p:txBody>
-            <a:bodyPr vert="horz" wrap="square" lIns="91440" tIns="45720" rIns="91440" bIns="45720" numCol="1" rtlCol="0" anchor="ctr" anchorCtr="0" compatLnSpc="1">
-              <a:prstTxWarp prst="textNoShape">
-                <a:avLst/>
-              </a:prstTxWarp>
-            </a:bodyPr>
-            <a:lstStyle/>
-            <a:p>
-              <a:pPr algn="ctr"/>
-              <a:r>
-                <a:rPr lang="en-US" altLang="ko-KR" sz="1400" dirty="0"/>
-                <a:t>Logical  Page No</a:t>
-              </a:r>
-            </a:p>
-            <a:p>
-              <a:pPr algn="ctr"/>
-              <a:r>
-                <a:rPr lang="en-US" altLang="ko-KR" sz="1400" dirty="0"/>
-                <a:t>031</a:t>
-              </a:r>
-              <a:endParaRPr lang="ko-KR" altLang="en-US" sz="1400" dirty="0"/>
-            </a:p>
-          </p:txBody>
-        </p:sp>
-        <p:sp>
-          <p:nvSpPr>
-            <p:cNvPr id="33" name="직사각형 32">
-              <a:extLst>
-                <a:ext uri="{FF2B5EF4-FFF2-40B4-BE49-F238E27FC236}">
-                  <a16:creationId xmlns:a16="http://schemas.microsoft.com/office/drawing/2014/main" id="{F4BED896-72FA-46A6-3883-A915A657E183}"/>
-                </a:ext>
-              </a:extLst>
-            </p:cNvPr>
-            <p:cNvSpPr/>
-            <p:nvPr/>
-          </p:nvSpPr>
-          <p:spPr bwMode="auto">
-            <a:xfrm>
-              <a:off x="6349372" y="4511812"/>
-              <a:ext cx="1155696" cy="786236"/>
-            </a:xfrm>
-            <a:prstGeom prst="rect">
-              <a:avLst/>
-            </a:prstGeom>
-            <a:solidFill>
-              <a:schemeClr val="accent3">
-                <a:lumMod val="20000"/>
-                <a:lumOff val="80000"/>
-              </a:schemeClr>
-            </a:solidFill>
-            <a:ln w="9525" cap="flat" cmpd="sng" algn="ctr">
-              <a:solidFill>
-                <a:schemeClr val="accent3">
-                  <a:lumMod val="75000"/>
-                </a:schemeClr>
-              </a:solidFill>
-              <a:prstDash val="solid"/>
-              <a:round/>
-              <a:headEnd type="none" w="med" len="med"/>
-              <a:tailEnd type="none" w="med" len="med"/>
-            </a:ln>
-            <a:effectLst/>
-          </p:spPr>
-          <p:txBody>
-            <a:bodyPr vert="horz" wrap="square" lIns="91440" tIns="45720" rIns="91440" bIns="45720" numCol="1" rtlCol="0" anchor="ctr" anchorCtr="0" compatLnSpc="1">
-              <a:prstTxWarp prst="textNoShape">
-                <a:avLst/>
-              </a:prstTxWarp>
-            </a:bodyPr>
-            <a:lstStyle/>
-            <a:p>
-              <a:r>
-                <a:rPr lang="en-US" altLang="ko-KR" sz="1400" dirty="0"/>
-                <a:t>Slot index</a:t>
-              </a:r>
-            </a:p>
-            <a:p>
-              <a:r>
-                <a:rPr lang="en-US" altLang="ko-KR" sz="1400" dirty="0"/>
-                <a:t>-  </a:t>
-              </a:r>
-              <a:r>
-                <a:rPr lang="en-US" altLang="ko-KR" sz="1400" dirty="0" err="1"/>
-                <a:t>lAdd</a:t>
-              </a:r>
-              <a:endParaRPr lang="en-US" altLang="ko-KR" sz="1400" dirty="0"/>
-            </a:p>
-            <a:p>
-              <a:r>
-                <a:rPr lang="en-US" altLang="ko-KR" sz="1400" dirty="0"/>
-                <a:t>- </a:t>
-              </a:r>
-              <a:r>
-                <a:rPr lang="en-US" altLang="ko-KR" sz="1400" dirty="0" err="1"/>
-                <a:t>szSlot</a:t>
-              </a:r>
-              <a:endParaRPr lang="ko-KR" altLang="en-US" sz="1400" dirty="0"/>
-            </a:p>
-          </p:txBody>
-        </p:sp>
-        <p:sp>
-          <p:nvSpPr>
-            <p:cNvPr id="36" name="직사각형 35">
-              <a:extLst>
-                <a:ext uri="{FF2B5EF4-FFF2-40B4-BE49-F238E27FC236}">
-                  <a16:creationId xmlns:a16="http://schemas.microsoft.com/office/drawing/2014/main" id="{2E44A2B3-C955-0330-C0FC-1A03E0E614BE}"/>
-                </a:ext>
-              </a:extLst>
-            </p:cNvPr>
-            <p:cNvSpPr/>
-            <p:nvPr/>
-          </p:nvSpPr>
-          <p:spPr bwMode="auto">
-            <a:xfrm>
-              <a:off x="6604397" y="5263566"/>
-              <a:ext cx="1202584" cy="646305"/>
-            </a:xfrm>
-            <a:prstGeom prst="rect">
-              <a:avLst/>
-            </a:prstGeom>
-            <a:solidFill>
-              <a:schemeClr val="accent1">
-                <a:lumMod val="20000"/>
-                <a:lumOff val="80000"/>
-              </a:schemeClr>
-            </a:solidFill>
-            <a:ln w="9525" cap="flat" cmpd="sng" algn="ctr">
-              <a:solidFill>
-                <a:schemeClr val="accent3">
-                  <a:lumMod val="75000"/>
-                </a:schemeClr>
-              </a:solidFill>
-              <a:prstDash val="solid"/>
-              <a:round/>
-              <a:headEnd type="none" w="med" len="med"/>
-              <a:tailEnd type="none" w="med" len="med"/>
-            </a:ln>
-            <a:effectLst/>
-          </p:spPr>
-          <p:txBody>
-            <a:bodyPr vert="horz" wrap="square" lIns="91440" tIns="45720" rIns="91440" bIns="45720" numCol="1" rtlCol="0" anchor="ctr" anchorCtr="0" compatLnSpc="1">
-              <a:prstTxWarp prst="textNoShape">
-                <a:avLst/>
-              </a:prstTxWarp>
-            </a:bodyPr>
-            <a:lstStyle/>
-            <a:p>
-              <a:pPr algn="ctr"/>
-              <a:r>
-                <a:rPr lang="en-US" altLang="ko-KR" sz="1400" dirty="0"/>
-                <a:t>Logical  Page No</a:t>
-              </a:r>
-            </a:p>
-            <a:p>
-              <a:pPr algn="ctr"/>
-              <a:r>
-                <a:rPr lang="en-US" altLang="ko-KR" sz="1400" dirty="0"/>
-                <a:t>032</a:t>
-              </a:r>
-              <a:endParaRPr lang="ko-KR" altLang="en-US" sz="1400" dirty="0"/>
-            </a:p>
-          </p:txBody>
-        </p:sp>
-        <p:cxnSp>
-          <p:nvCxnSpPr>
-            <p:cNvPr id="38" name="연결선: 꺾임 37">
-              <a:extLst>
-                <a:ext uri="{FF2B5EF4-FFF2-40B4-BE49-F238E27FC236}">
-                  <a16:creationId xmlns:a16="http://schemas.microsoft.com/office/drawing/2014/main" id="{15841F82-9298-9E8D-CC14-712044F56FB2}"/>
-                </a:ext>
-              </a:extLst>
-            </p:cNvPr>
-            <p:cNvCxnSpPr>
-              <a:stCxn id="29" idx="3"/>
-              <a:endCxn id="33" idx="1"/>
-            </p:cNvCxnSpPr>
-            <p:nvPr/>
-          </p:nvCxnSpPr>
-          <p:spPr bwMode="auto">
-            <a:xfrm>
-              <a:off x="5741218" y="4904930"/>
-              <a:ext cx="608154" cy="12700"/>
-            </a:xfrm>
-            <a:prstGeom prst="bentConnector3">
-              <a:avLst/>
-            </a:prstGeom>
-            <a:solidFill>
-              <a:schemeClr val="accent1"/>
-            </a:solidFill>
-            <a:ln w="9525" cap="flat" cmpd="sng" algn="ctr">
-              <a:solidFill>
-                <a:schemeClr val="tx1"/>
-              </a:solidFill>
-              <a:prstDash val="solid"/>
-              <a:round/>
-              <a:headEnd type="none" w="med" len="med"/>
-              <a:tailEnd type="triangle"/>
-            </a:ln>
-            <a:effectLst/>
-            <a:extLst>
-              <a:ext uri="{AF507438-7753-43E0-B8FC-AC1667EBCBE1}">
-                <a14:hiddenEffects xmlns:a14="http://schemas.microsoft.com/office/drawing/2010/main">
-                  <a:effectLst>
-                    <a:outerShdw dist="35921" dir="2700000" algn="ctr" rotWithShape="0">
-                      <a:schemeClr val="bg2"/>
-                    </a:outerShdw>
-                  </a:effectLst>
-                </a14:hiddenEffects>
-              </a:ext>
-            </a:extLst>
-          </p:spPr>
-        </p:cxnSp>
-      </p:grpSp>
+            </a:prstTxWarp>
+          </a:bodyPr>
+          <a:lstStyle/>
+          <a:p>
+            <a:pPr algn="ctr"/>
+            <a:r>
+              <a:rPr lang="en-US" altLang="ko-KR" sz="1400" dirty="0"/>
+              <a:t>Logical  Page No</a:t>
+            </a:r>
+          </a:p>
+          <a:p>
+            <a:pPr algn="ctr"/>
+            <a:r>
+              <a:rPr lang="en-US" altLang="ko-KR" sz="1400" dirty="0"/>
+              <a:t>032</a:t>
+            </a:r>
+            <a:endParaRPr lang="ko-KR" altLang="en-US" sz="1400" dirty="0"/>
+          </a:p>
+        </p:txBody>
+      </p:sp>
+      <p:cxnSp>
+        <p:nvCxnSpPr>
+          <p:cNvPr id="38" name="연결선: 꺾임 37">
+            <a:extLst>
+              <a:ext uri="{FF2B5EF4-FFF2-40B4-BE49-F238E27FC236}">
+                <a16:creationId xmlns:a16="http://schemas.microsoft.com/office/drawing/2014/main" id="{15841F82-9298-9E8D-CC14-712044F56FB2}"/>
+              </a:ext>
+            </a:extLst>
+          </p:cNvPr>
+          <p:cNvCxnSpPr>
+            <a:stCxn id="29" idx="3"/>
+            <a:endCxn id="33" idx="1"/>
+          </p:cNvCxnSpPr>
+          <p:nvPr/>
+        </p:nvCxnSpPr>
+        <p:spPr bwMode="auto">
+          <a:xfrm>
+            <a:off x="5779988" y="4814395"/>
+            <a:ext cx="571386" cy="12700"/>
+          </a:xfrm>
+          <a:prstGeom prst="bentConnector3">
+            <a:avLst/>
+          </a:prstGeom>
+          <a:solidFill>
+            <a:schemeClr val="accent1"/>
+          </a:solidFill>
+          <a:ln w="9525" cap="flat" cmpd="sng" algn="ctr">
+            <a:solidFill>
+              <a:schemeClr val="tx1"/>
+            </a:solidFill>
+            <a:prstDash val="solid"/>
+            <a:round/>
+            <a:headEnd type="none" w="med" len="med"/>
+            <a:tailEnd type="triangle"/>
+          </a:ln>
+          <a:effectLst/>
+          <a:extLst>
+            <a:ext uri="{AF507438-7753-43E0-B8FC-AC1667EBCBE1}">
+              <a14:hiddenEffects xmlns:a14="http://schemas.microsoft.com/office/drawing/2010/main">
+                <a:effectLst>
+                  <a:outerShdw dist="35921" dir="2700000" algn="ctr" rotWithShape="0">
+                    <a:schemeClr val="bg2"/>
+                  </a:outerShdw>
+                </a:effectLst>
+              </a14:hiddenEffects>
+            </a:ext>
+          </a:extLst>
+        </p:spPr>
+      </p:cxnSp>
     </p:spTree>
     <p:extLst>
       <p:ext uri="{BB962C8B-B14F-4D97-AF65-F5344CB8AC3E}">
         <p14:creationId xmlns:p14="http://schemas.microsoft.com/office/powerpoint/2010/main" val="582543466"/>
+      </p:ext>
+    </p:extLst>
+  </p:cSld>
+  <p:clrMapOvr>
+    <a:masterClrMapping/>
+  </p:clrMapOvr>
+</p:sld>
+</file>
+
+<file path=ppt/slides/slide16.xml><?xml version="1.0" encoding="utf-8"?>
+<p:sld xmlns:a="http://schemas.openxmlformats.org/drawingml/2006/main" xmlns:r="http://schemas.openxmlformats.org/officeDocument/2006/relationships" xmlns:p="http://schemas.openxmlformats.org/presentationml/2006/main">
+  <p:cSld>
+    <p:spTree>
+      <p:nvGrpSpPr>
+        <p:cNvPr id="1" name=""/>
+        <p:cNvGrpSpPr/>
+        <p:nvPr/>
+      </p:nvGrpSpPr>
+      <p:grpSpPr>
+        <a:xfrm>
+          <a:off x="0" y="0"/>
+          <a:ext cx="0" cy="0"/>
+          <a:chOff x="0" y="0"/>
+          <a:chExt cx="0" cy="0"/>
+        </a:xfrm>
+      </p:grpSpPr>
+      <p:sp>
+        <p:nvSpPr>
+          <p:cNvPr id="2" name="내용 개체 틀 1">
+            <a:extLst>
+              <a:ext uri="{FF2B5EF4-FFF2-40B4-BE49-F238E27FC236}">
+                <a16:creationId xmlns:a16="http://schemas.microsoft.com/office/drawing/2014/main" id="{793BE85F-F101-F421-510F-CFDBDC8EF57E}"/>
+              </a:ext>
+            </a:extLst>
+          </p:cNvPr>
+          <p:cNvSpPr>
+            <a:spLocks noGrp="1"/>
+          </p:cNvSpPr>
+          <p:nvPr>
+            <p:ph sz="half" idx="1"/>
+          </p:nvPr>
+        </p:nvSpPr>
+        <p:spPr/>
+        <p:txBody>
+          <a:bodyPr/>
+          <a:lstStyle/>
+          <a:p>
+            <a:r>
+              <a:rPr lang="en-US" altLang="ko-KR" dirty="0"/>
+              <a:t>Slot Index</a:t>
+            </a:r>
+          </a:p>
+          <a:p>
+            <a:pPr lvl="1"/>
+            <a:r>
+              <a:rPr lang="en-US" altLang="ko-KR" dirty="0" err="1"/>
+              <a:t>SlotIndex</a:t>
+            </a:r>
+            <a:r>
+              <a:rPr lang="en-US" altLang="ko-KR" dirty="0"/>
+              <a:t> List - </a:t>
+            </a:r>
+            <a:r>
+              <a:rPr lang="en-US" altLang="ko-KR" dirty="0" err="1"/>
+              <a:t>pNext</a:t>
+            </a:r>
+            <a:endParaRPr lang="en-US" altLang="ko-KR" dirty="0"/>
+          </a:p>
+          <a:p>
+            <a:pPr lvl="2"/>
+            <a:r>
+              <a:rPr lang="en-US" altLang="ko-KR" dirty="0"/>
+              <a:t>Size in Ascending order </a:t>
+            </a:r>
+          </a:p>
+          <a:p>
+            <a:pPr lvl="1"/>
+            <a:r>
+              <a:rPr lang="en-US" altLang="ko-KR" dirty="0" err="1"/>
+              <a:t>SlotIndex</a:t>
+            </a:r>
+            <a:r>
+              <a:rPr lang="en-US" altLang="ko-KR" dirty="0"/>
+              <a:t> List – </a:t>
+            </a:r>
+            <a:r>
+              <a:rPr lang="en-US" altLang="ko-KR" dirty="0" err="1"/>
+              <a:t>pSibling</a:t>
+            </a:r>
+            <a:endParaRPr lang="en-US" altLang="ko-KR" dirty="0"/>
+          </a:p>
+          <a:p>
+            <a:pPr lvl="2"/>
+            <a:r>
+              <a:rPr lang="en-US" altLang="ko-KR" dirty="0"/>
+              <a:t>Of the same size</a:t>
+            </a:r>
+          </a:p>
+          <a:p>
+            <a:pPr lvl="2"/>
+            <a:endParaRPr lang="en-US" altLang="ko-KR" dirty="0"/>
+          </a:p>
+          <a:p>
+            <a:pPr lvl="1"/>
+            <a:r>
+              <a:rPr lang="en-US" altLang="ko-KR" dirty="0"/>
+              <a:t>Slots</a:t>
+            </a:r>
+          </a:p>
+          <a:p>
+            <a:pPr lvl="2"/>
+            <a:r>
+              <a:rPr lang="en-US" altLang="ko-KR" dirty="0"/>
+              <a:t>Even Size</a:t>
+            </a:r>
+          </a:p>
+          <a:p>
+            <a:endParaRPr lang="en-US" altLang="ko-KR" dirty="0"/>
+          </a:p>
+          <a:p>
+            <a:endParaRPr lang="en-US" altLang="ko-KR" dirty="0"/>
+          </a:p>
+          <a:p>
+            <a:endParaRPr lang="en-US" altLang="ko-KR" dirty="0"/>
+          </a:p>
+          <a:p>
+            <a:pPr lvl="1"/>
+            <a:r>
+              <a:rPr lang="en-US" altLang="ko-KR" dirty="0"/>
+              <a:t>Page Index</a:t>
+            </a:r>
+          </a:p>
+          <a:p>
+            <a:pPr lvl="2"/>
+            <a:endParaRPr lang="en-US" altLang="ko-KR" dirty="0"/>
+          </a:p>
+          <a:p>
+            <a:pPr lvl="2"/>
+            <a:r>
+              <a:rPr lang="en-US" altLang="ko-KR" dirty="0" err="1"/>
+              <a:t>szSlot</a:t>
+            </a:r>
+            <a:r>
+              <a:rPr lang="en-US" altLang="ko-KR" dirty="0"/>
+              <a:t> &lt;= </a:t>
+            </a:r>
+            <a:r>
+              <a:rPr lang="en-US" altLang="ko-KR" dirty="0" err="1"/>
+              <a:t>szPage</a:t>
+            </a:r>
+            <a:endParaRPr lang="en-US" altLang="ko-KR" dirty="0"/>
+          </a:p>
+          <a:p>
+            <a:pPr lvl="2"/>
+            <a:endParaRPr lang="en-US" altLang="ko-KR" dirty="0"/>
+          </a:p>
+          <a:p>
+            <a:pPr lvl="2"/>
+            <a:endParaRPr lang="en-US" altLang="ko-KR" dirty="0"/>
+          </a:p>
+          <a:p>
+            <a:pPr lvl="2"/>
+            <a:r>
+              <a:rPr lang="en-US" altLang="ko-KR" dirty="0" err="1"/>
+              <a:t>szSlot</a:t>
+            </a:r>
+            <a:r>
+              <a:rPr lang="en-US" altLang="ko-KR" dirty="0"/>
+              <a:t> &gt; </a:t>
+            </a:r>
+            <a:r>
+              <a:rPr lang="en-US" altLang="ko-KR" dirty="0" err="1"/>
+              <a:t>szPage</a:t>
+            </a:r>
+            <a:endParaRPr lang="ko-KR" altLang="en-US" dirty="0"/>
+          </a:p>
+        </p:txBody>
+      </p:sp>
+      <p:sp>
+        <p:nvSpPr>
+          <p:cNvPr id="4" name="바닥글 개체 틀 3">
+            <a:extLst>
+              <a:ext uri="{FF2B5EF4-FFF2-40B4-BE49-F238E27FC236}">
+                <a16:creationId xmlns:a16="http://schemas.microsoft.com/office/drawing/2014/main" id="{18D5AEAD-4BF5-9B78-1CDD-97253ECF40F8}"/>
+              </a:ext>
+            </a:extLst>
+          </p:cNvPr>
+          <p:cNvSpPr>
+            <a:spLocks noGrp="1"/>
+          </p:cNvSpPr>
+          <p:nvPr>
+            <p:ph type="ftr" sz="quarter" idx="10"/>
+          </p:nvPr>
+        </p:nvSpPr>
+        <p:spPr/>
+        <p:txBody>
+          <a:bodyPr/>
+          <a:lstStyle/>
+          <a:p>
+            <a:pPr>
+              <a:buFont typeface="맑은 고딕" panose="020B0503020000020004" pitchFamily="50" charset="-127"/>
+              <a:buChar char="ⓒ"/>
+            </a:pPr>
+            <a:r>
+              <a:rPr lang="en-US" altLang="ko-KR"/>
+              <a:t>Sungwoon Choi 2021</a:t>
+            </a:r>
+            <a:endParaRPr lang="en-US" altLang="ko-KR" dirty="0"/>
+          </a:p>
+        </p:txBody>
+      </p:sp>
+      <p:sp>
+        <p:nvSpPr>
+          <p:cNvPr id="5" name="슬라이드 번호 개체 틀 4">
+            <a:extLst>
+              <a:ext uri="{FF2B5EF4-FFF2-40B4-BE49-F238E27FC236}">
+                <a16:creationId xmlns:a16="http://schemas.microsoft.com/office/drawing/2014/main" id="{AA39A911-6908-1C0B-62EB-064BF985249B}"/>
+              </a:ext>
+            </a:extLst>
+          </p:cNvPr>
+          <p:cNvSpPr>
+            <a:spLocks noGrp="1"/>
+          </p:cNvSpPr>
+          <p:nvPr>
+            <p:ph type="sldNum" sz="quarter" idx="11"/>
+          </p:nvPr>
+        </p:nvSpPr>
+        <p:spPr/>
+        <p:txBody>
+          <a:bodyPr/>
+          <a:lstStyle/>
+          <a:p>
+            <a:fld id="{AA4216F1-165B-4DFF-BD92-3D8E849D7D48}" type="slidenum">
+              <a:rPr lang="en-US" altLang="ko-KR" smtClean="0"/>
+              <a:pPr/>
+              <a:t>16</a:t>
+            </a:fld>
+            <a:endParaRPr lang="en-US" altLang="ko-KR"/>
+          </a:p>
+        </p:txBody>
+      </p:sp>
+      <p:sp>
+        <p:nvSpPr>
+          <p:cNvPr id="8" name="직사각형 7">
+            <a:extLst>
+              <a:ext uri="{FF2B5EF4-FFF2-40B4-BE49-F238E27FC236}">
+                <a16:creationId xmlns:a16="http://schemas.microsoft.com/office/drawing/2014/main" id="{27E36A88-C767-9B71-A11A-5CD807BAB72A}"/>
+              </a:ext>
+            </a:extLst>
+          </p:cNvPr>
+          <p:cNvSpPr/>
+          <p:nvPr/>
+        </p:nvSpPr>
+        <p:spPr bwMode="auto">
+          <a:xfrm>
+            <a:off x="3961094" y="1046031"/>
+            <a:ext cx="1198282" cy="953251"/>
+          </a:xfrm>
+          <a:prstGeom prst="rect">
+            <a:avLst/>
+          </a:prstGeom>
+          <a:solidFill>
+            <a:schemeClr val="accent3">
+              <a:lumMod val="20000"/>
+              <a:lumOff val="80000"/>
+            </a:schemeClr>
+          </a:solidFill>
+          <a:ln w="9525" cap="flat" cmpd="sng" algn="ctr">
+            <a:solidFill>
+              <a:schemeClr val="accent3">
+                <a:lumMod val="75000"/>
+              </a:schemeClr>
+            </a:solidFill>
+            <a:prstDash val="solid"/>
+            <a:round/>
+            <a:headEnd type="none" w="med" len="med"/>
+            <a:tailEnd type="none" w="med" len="med"/>
+          </a:ln>
+          <a:effectLst/>
+        </p:spPr>
+        <p:txBody>
+          <a:bodyPr vert="horz" wrap="square" lIns="91440" tIns="45720" rIns="91440" bIns="45720" numCol="1" rtlCol="0" anchor="ctr" anchorCtr="0" compatLnSpc="1">
+            <a:prstTxWarp prst="textNoShape">
+              <a:avLst/>
+            </a:prstTxWarp>
+          </a:bodyPr>
+          <a:lstStyle/>
+          <a:p>
+            <a:r>
+              <a:rPr lang="en-US" altLang="ko-KR" sz="1400" dirty="0"/>
+              <a:t>Slot index</a:t>
+            </a:r>
+          </a:p>
+          <a:p>
+            <a:pPr marL="85725" indent="-85725">
+              <a:buFontTx/>
+              <a:buChar char="-"/>
+            </a:pPr>
+            <a:r>
+              <a:rPr lang="en-US" altLang="ko-KR" sz="1200" dirty="0"/>
+              <a:t>Index</a:t>
+            </a:r>
+          </a:p>
+          <a:p>
+            <a:pPr marL="85725" indent="-85725">
+              <a:buFontTx/>
+              <a:buChar char="-"/>
+            </a:pPr>
+            <a:r>
+              <a:rPr lang="en-US" altLang="ko-KR" sz="1200" dirty="0" err="1"/>
+              <a:t>szSlot</a:t>
+            </a:r>
+            <a:r>
+              <a:rPr lang="en-US" altLang="ko-KR" sz="1200" dirty="0"/>
+              <a:t> = 50</a:t>
+            </a:r>
+          </a:p>
+          <a:p>
+            <a:pPr marL="85725" indent="-85725">
+              <a:buFontTx/>
+              <a:buChar char="-"/>
+            </a:pPr>
+            <a:r>
+              <a:rPr lang="en-US" altLang="ko-KR" sz="1200" dirty="0" err="1"/>
+              <a:t>pPageIndex</a:t>
+            </a:r>
+            <a:endParaRPr lang="ko-KR" altLang="en-US" sz="1200" dirty="0"/>
+          </a:p>
+        </p:txBody>
+      </p:sp>
+      <p:sp>
+        <p:nvSpPr>
+          <p:cNvPr id="17" name="직사각형 16">
+            <a:extLst>
+              <a:ext uri="{FF2B5EF4-FFF2-40B4-BE49-F238E27FC236}">
+                <a16:creationId xmlns:a16="http://schemas.microsoft.com/office/drawing/2014/main" id="{0E7EC214-4B75-5497-3A0E-6608BBFE4BF4}"/>
+              </a:ext>
+            </a:extLst>
+          </p:cNvPr>
+          <p:cNvSpPr/>
+          <p:nvPr/>
+        </p:nvSpPr>
+        <p:spPr bwMode="auto">
+          <a:xfrm>
+            <a:off x="3961093" y="2415048"/>
+            <a:ext cx="1198283" cy="953251"/>
+          </a:xfrm>
+          <a:prstGeom prst="rect">
+            <a:avLst/>
+          </a:prstGeom>
+          <a:solidFill>
+            <a:schemeClr val="accent3">
+              <a:lumMod val="20000"/>
+              <a:lumOff val="80000"/>
+            </a:schemeClr>
+          </a:solidFill>
+          <a:ln w="9525" cap="flat" cmpd="sng" algn="ctr">
+            <a:solidFill>
+              <a:schemeClr val="accent3">
+                <a:lumMod val="75000"/>
+              </a:schemeClr>
+            </a:solidFill>
+            <a:prstDash val="solid"/>
+            <a:round/>
+            <a:headEnd type="none" w="med" len="med"/>
+            <a:tailEnd type="none" w="med" len="med"/>
+          </a:ln>
+          <a:effectLst/>
+        </p:spPr>
+        <p:txBody>
+          <a:bodyPr vert="horz" wrap="square" lIns="91440" tIns="45720" rIns="91440" bIns="45720" numCol="1" rtlCol="0" anchor="ctr" anchorCtr="0" compatLnSpc="1">
+            <a:prstTxWarp prst="textNoShape">
+              <a:avLst/>
+            </a:prstTxWarp>
+          </a:bodyPr>
+          <a:lstStyle/>
+          <a:p>
+            <a:r>
+              <a:rPr lang="en-US" altLang="ko-KR" sz="1400" dirty="0"/>
+              <a:t>Slot index</a:t>
+            </a:r>
+          </a:p>
+          <a:p>
+            <a:pPr marL="85725" indent="-85725">
+              <a:buFontTx/>
+              <a:buChar char="-"/>
+            </a:pPr>
+            <a:r>
+              <a:rPr lang="en-US" altLang="ko-KR" sz="1200" dirty="0"/>
+              <a:t>Index</a:t>
+            </a:r>
+          </a:p>
+          <a:p>
+            <a:pPr marL="85725" indent="-85725">
+              <a:buFontTx/>
+              <a:buChar char="-"/>
+            </a:pPr>
+            <a:r>
+              <a:rPr lang="en-US" altLang="ko-KR" sz="1200" dirty="0" err="1"/>
+              <a:t>szSlot</a:t>
+            </a:r>
+            <a:r>
+              <a:rPr lang="en-US" altLang="ko-KR" sz="1200" dirty="0"/>
+              <a:t> = 50</a:t>
+            </a:r>
+          </a:p>
+          <a:p>
+            <a:pPr marL="85725" indent="-85725">
+              <a:buFontTx/>
+              <a:buChar char="-"/>
+            </a:pPr>
+            <a:r>
+              <a:rPr lang="en-US" altLang="ko-KR" sz="1200" dirty="0" err="1"/>
+              <a:t>pPageIndex</a:t>
+            </a:r>
+            <a:endParaRPr lang="ko-KR" altLang="en-US" sz="1200" dirty="0"/>
+          </a:p>
+        </p:txBody>
+      </p:sp>
+      <p:cxnSp>
+        <p:nvCxnSpPr>
+          <p:cNvPr id="20" name="직선 화살표 연결선 19">
+            <a:extLst>
+              <a:ext uri="{FF2B5EF4-FFF2-40B4-BE49-F238E27FC236}">
+                <a16:creationId xmlns:a16="http://schemas.microsoft.com/office/drawing/2014/main" id="{C15D859F-C131-46B2-4ED5-5322A94A8BDA}"/>
+              </a:ext>
+            </a:extLst>
+          </p:cNvPr>
+          <p:cNvCxnSpPr>
+            <a:cxnSpLocks/>
+            <a:stCxn id="8" idx="2"/>
+            <a:endCxn id="17" idx="0"/>
+          </p:cNvCxnSpPr>
+          <p:nvPr/>
+        </p:nvCxnSpPr>
+        <p:spPr bwMode="auto">
+          <a:xfrm>
+            <a:off x="4560235" y="1999282"/>
+            <a:ext cx="0" cy="415766"/>
+          </a:xfrm>
+          <a:prstGeom prst="straightConnector1">
+            <a:avLst/>
+          </a:prstGeom>
+          <a:solidFill>
+            <a:schemeClr val="accent1"/>
+          </a:solidFill>
+          <a:ln w="9525" cap="flat" cmpd="sng" algn="ctr">
+            <a:solidFill>
+              <a:schemeClr val="tx1"/>
+            </a:solidFill>
+            <a:prstDash val="solid"/>
+            <a:round/>
+            <a:headEnd type="none" w="med" len="med"/>
+            <a:tailEnd type="triangle"/>
+          </a:ln>
+          <a:effectLst/>
+          <a:extLst>
+            <a:ext uri="{AF507438-7753-43E0-B8FC-AC1667EBCBE1}">
+              <a14:hiddenEffects xmlns:a14="http://schemas.microsoft.com/office/drawing/2010/main">
+                <a:effectLst>
+                  <a:outerShdw dist="35921" dir="2700000" algn="ctr" rotWithShape="0">
+                    <a:schemeClr val="bg2"/>
+                  </a:outerShdw>
+                </a:effectLst>
+              </a14:hiddenEffects>
+            </a:ext>
+          </a:extLst>
+        </p:spPr>
+      </p:cxnSp>
+      <p:sp>
+        <p:nvSpPr>
+          <p:cNvPr id="24" name="직사각형 23">
+            <a:extLst>
+              <a:ext uri="{FF2B5EF4-FFF2-40B4-BE49-F238E27FC236}">
+                <a16:creationId xmlns:a16="http://schemas.microsoft.com/office/drawing/2014/main" id="{BB8D8EC6-6114-AD57-546E-1D8E9907488F}"/>
+              </a:ext>
+            </a:extLst>
+          </p:cNvPr>
+          <p:cNvSpPr/>
+          <p:nvPr/>
+        </p:nvSpPr>
+        <p:spPr bwMode="auto">
+          <a:xfrm>
+            <a:off x="5807228" y="1046031"/>
+            <a:ext cx="1198282" cy="953251"/>
+          </a:xfrm>
+          <a:prstGeom prst="rect">
+            <a:avLst/>
+          </a:prstGeom>
+          <a:solidFill>
+            <a:schemeClr val="accent3">
+              <a:lumMod val="20000"/>
+              <a:lumOff val="80000"/>
+            </a:schemeClr>
+          </a:solidFill>
+          <a:ln w="9525" cap="flat" cmpd="sng" algn="ctr">
+            <a:solidFill>
+              <a:schemeClr val="accent3">
+                <a:lumMod val="75000"/>
+              </a:schemeClr>
+            </a:solidFill>
+            <a:prstDash val="solid"/>
+            <a:round/>
+            <a:headEnd type="none" w="med" len="med"/>
+            <a:tailEnd type="none" w="med" len="med"/>
+          </a:ln>
+          <a:effectLst/>
+        </p:spPr>
+        <p:txBody>
+          <a:bodyPr vert="horz" wrap="square" lIns="91440" tIns="45720" rIns="91440" bIns="45720" numCol="1" rtlCol="0" anchor="ctr" anchorCtr="0" compatLnSpc="1">
+            <a:prstTxWarp prst="textNoShape">
+              <a:avLst/>
+            </a:prstTxWarp>
+          </a:bodyPr>
+          <a:lstStyle/>
+          <a:p>
+            <a:r>
+              <a:rPr lang="en-US" altLang="ko-KR" sz="1400" dirty="0"/>
+              <a:t>Slot index</a:t>
+            </a:r>
+          </a:p>
+          <a:p>
+            <a:pPr marL="85725" indent="-85725">
+              <a:buFontTx/>
+              <a:buChar char="-"/>
+            </a:pPr>
+            <a:r>
+              <a:rPr lang="en-US" altLang="ko-KR" sz="1200" dirty="0"/>
+              <a:t>Index</a:t>
+            </a:r>
+          </a:p>
+          <a:p>
+            <a:pPr marL="85725" indent="-85725">
+              <a:buFontTx/>
+              <a:buChar char="-"/>
+            </a:pPr>
+            <a:r>
+              <a:rPr lang="en-US" altLang="ko-KR" sz="1200" dirty="0" err="1"/>
+              <a:t>szSlot</a:t>
+            </a:r>
+            <a:r>
+              <a:rPr lang="en-US" altLang="ko-KR" sz="1200" dirty="0"/>
+              <a:t> = 100</a:t>
+            </a:r>
+          </a:p>
+          <a:p>
+            <a:pPr marL="85725" indent="-85725">
+              <a:buFontTx/>
+              <a:buChar char="-"/>
+            </a:pPr>
+            <a:r>
+              <a:rPr lang="en-US" altLang="ko-KR" sz="1200" dirty="0" err="1"/>
+              <a:t>pPageIndex</a:t>
+            </a:r>
+            <a:endParaRPr lang="ko-KR" altLang="en-US" sz="1200" dirty="0"/>
+          </a:p>
+        </p:txBody>
+      </p:sp>
+      <p:cxnSp>
+        <p:nvCxnSpPr>
+          <p:cNvPr id="26" name="직선 화살표 연결선 25">
+            <a:extLst>
+              <a:ext uri="{FF2B5EF4-FFF2-40B4-BE49-F238E27FC236}">
+                <a16:creationId xmlns:a16="http://schemas.microsoft.com/office/drawing/2014/main" id="{F3DFBFC9-F0D4-F2D2-D0C0-A8F0CB93AA1D}"/>
+              </a:ext>
+            </a:extLst>
+          </p:cNvPr>
+          <p:cNvCxnSpPr>
+            <a:cxnSpLocks/>
+            <a:stCxn id="8" idx="3"/>
+            <a:endCxn id="24" idx="1"/>
+          </p:cNvCxnSpPr>
+          <p:nvPr/>
+        </p:nvCxnSpPr>
+        <p:spPr bwMode="auto">
+          <a:xfrm>
+            <a:off x="5159376" y="1522657"/>
+            <a:ext cx="647852" cy="0"/>
+          </a:xfrm>
+          <a:prstGeom prst="straightConnector1">
+            <a:avLst/>
+          </a:prstGeom>
+          <a:solidFill>
+            <a:schemeClr val="accent1"/>
+          </a:solidFill>
+          <a:ln w="9525" cap="flat" cmpd="sng" algn="ctr">
+            <a:solidFill>
+              <a:schemeClr val="tx1"/>
+            </a:solidFill>
+            <a:prstDash val="solid"/>
+            <a:round/>
+            <a:headEnd type="none" w="med" len="med"/>
+            <a:tailEnd type="triangle"/>
+          </a:ln>
+          <a:effectLst/>
+          <a:extLst>
+            <a:ext uri="{AF507438-7753-43E0-B8FC-AC1667EBCBE1}">
+              <a14:hiddenEffects xmlns:a14="http://schemas.microsoft.com/office/drawing/2010/main">
+                <a:effectLst>
+                  <a:outerShdw dist="35921" dir="2700000" algn="ctr" rotWithShape="0">
+                    <a:schemeClr val="bg2"/>
+                  </a:outerShdw>
+                </a:effectLst>
+              </a14:hiddenEffects>
+            </a:ext>
+          </a:extLst>
+        </p:spPr>
+      </p:cxnSp>
+      <p:sp>
+        <p:nvSpPr>
+          <p:cNvPr id="30" name="TextBox 29">
+            <a:extLst>
+              <a:ext uri="{FF2B5EF4-FFF2-40B4-BE49-F238E27FC236}">
+                <a16:creationId xmlns:a16="http://schemas.microsoft.com/office/drawing/2014/main" id="{266B1E16-C290-7A6B-CC6E-3E291E6A6670}"/>
+              </a:ext>
+            </a:extLst>
+          </p:cNvPr>
+          <p:cNvSpPr txBox="1"/>
+          <p:nvPr/>
+        </p:nvSpPr>
+        <p:spPr>
+          <a:xfrm>
+            <a:off x="5195900" y="1245656"/>
+            <a:ext cx="585417" cy="276999"/>
+          </a:xfrm>
+          <a:prstGeom prst="rect">
+            <a:avLst/>
+          </a:prstGeom>
+          <a:noFill/>
+          <a:ln>
+            <a:noFill/>
+          </a:ln>
+        </p:spPr>
+        <p:txBody>
+          <a:bodyPr wrap="none" rtlCol="0">
+            <a:spAutoFit/>
+          </a:bodyPr>
+          <a:lstStyle/>
+          <a:p>
+            <a:pPr algn="l"/>
+            <a:r>
+              <a:rPr lang="en-US" altLang="ko-KR" sz="1200" dirty="0" err="1"/>
+              <a:t>pNext</a:t>
+            </a:r>
+            <a:endParaRPr lang="ko-KR" altLang="en-US" sz="1200" dirty="0"/>
+          </a:p>
+        </p:txBody>
+      </p:sp>
+      <p:sp>
+        <p:nvSpPr>
+          <p:cNvPr id="31" name="TextBox 30">
+            <a:extLst>
+              <a:ext uri="{FF2B5EF4-FFF2-40B4-BE49-F238E27FC236}">
+                <a16:creationId xmlns:a16="http://schemas.microsoft.com/office/drawing/2014/main" id="{553DCE3C-A315-A42A-B4B1-261A021CFBAC}"/>
+              </a:ext>
+            </a:extLst>
+          </p:cNvPr>
+          <p:cNvSpPr txBox="1"/>
+          <p:nvPr/>
+        </p:nvSpPr>
+        <p:spPr>
+          <a:xfrm>
+            <a:off x="3883852" y="2068665"/>
+            <a:ext cx="760521" cy="276999"/>
+          </a:xfrm>
+          <a:prstGeom prst="rect">
+            <a:avLst/>
+          </a:prstGeom>
+          <a:noFill/>
+          <a:ln>
+            <a:noFill/>
+          </a:ln>
+        </p:spPr>
+        <p:txBody>
+          <a:bodyPr wrap="square" rtlCol="0">
+            <a:spAutoFit/>
+          </a:bodyPr>
+          <a:lstStyle/>
+          <a:p>
+            <a:pPr algn="l"/>
+            <a:r>
+              <a:rPr lang="en-US" altLang="ko-KR" sz="1200" dirty="0" err="1"/>
+              <a:t>pSibling</a:t>
+            </a:r>
+            <a:endParaRPr lang="ko-KR" altLang="en-US" sz="1200" dirty="0" err="1"/>
+          </a:p>
+        </p:txBody>
+      </p:sp>
+      <p:sp>
+        <p:nvSpPr>
+          <p:cNvPr id="35" name="직사각형 34">
+            <a:extLst>
+              <a:ext uri="{FF2B5EF4-FFF2-40B4-BE49-F238E27FC236}">
+                <a16:creationId xmlns:a16="http://schemas.microsoft.com/office/drawing/2014/main" id="{FC590DB7-20DD-3734-5E40-C376701A6678}"/>
+              </a:ext>
+            </a:extLst>
+          </p:cNvPr>
+          <p:cNvSpPr/>
+          <p:nvPr/>
+        </p:nvSpPr>
+        <p:spPr bwMode="auto">
+          <a:xfrm>
+            <a:off x="5602638" y="3029920"/>
+            <a:ext cx="552661" cy="338380"/>
+          </a:xfrm>
+          <a:prstGeom prst="rect">
+            <a:avLst/>
+          </a:prstGeom>
+          <a:solidFill>
+            <a:schemeClr val="accent1">
+              <a:lumMod val="20000"/>
+              <a:lumOff val="80000"/>
+            </a:schemeClr>
+          </a:solidFill>
+          <a:ln w="9525" cap="flat" cmpd="sng" algn="ctr">
+            <a:solidFill>
+              <a:schemeClr val="accent3">
+                <a:lumMod val="75000"/>
+              </a:schemeClr>
+            </a:solidFill>
+            <a:prstDash val="solid"/>
+            <a:round/>
+            <a:headEnd type="none" w="med" len="med"/>
+            <a:tailEnd type="none" w="med" len="med"/>
+          </a:ln>
+          <a:effectLst/>
+        </p:spPr>
+        <p:txBody>
+          <a:bodyPr vert="horz" wrap="square" lIns="91440" tIns="45720" rIns="91440" bIns="45720" numCol="1" rtlCol="0" anchor="ctr" anchorCtr="0" compatLnSpc="1">
+            <a:prstTxWarp prst="textNoShape">
+              <a:avLst/>
+            </a:prstTxWarp>
+          </a:bodyPr>
+          <a:lstStyle/>
+          <a:p>
+            <a:pPr algn="ctr"/>
+            <a:r>
+              <a:rPr lang="en-US" altLang="ko-KR" sz="1400" dirty="0"/>
+              <a:t>Slot</a:t>
+            </a:r>
+            <a:endParaRPr lang="ko-KR" altLang="en-US" sz="1400" dirty="0"/>
+          </a:p>
+        </p:txBody>
+      </p:sp>
+      <p:sp>
+        <p:nvSpPr>
+          <p:cNvPr id="37" name="직사각형 36">
+            <a:extLst>
+              <a:ext uri="{FF2B5EF4-FFF2-40B4-BE49-F238E27FC236}">
+                <a16:creationId xmlns:a16="http://schemas.microsoft.com/office/drawing/2014/main" id="{1ACF4AFC-F068-D15D-6FFD-B515B5E9ACAB}"/>
+              </a:ext>
+            </a:extLst>
+          </p:cNvPr>
+          <p:cNvSpPr/>
+          <p:nvPr/>
+        </p:nvSpPr>
+        <p:spPr bwMode="auto">
+          <a:xfrm>
+            <a:off x="6592570" y="3036352"/>
+            <a:ext cx="552661" cy="338380"/>
+          </a:xfrm>
+          <a:prstGeom prst="rect">
+            <a:avLst/>
+          </a:prstGeom>
+          <a:solidFill>
+            <a:schemeClr val="accent1">
+              <a:lumMod val="20000"/>
+              <a:lumOff val="80000"/>
+            </a:schemeClr>
+          </a:solidFill>
+          <a:ln w="9525" cap="flat" cmpd="sng" algn="ctr">
+            <a:solidFill>
+              <a:schemeClr val="accent3">
+                <a:lumMod val="75000"/>
+              </a:schemeClr>
+            </a:solidFill>
+            <a:prstDash val="solid"/>
+            <a:round/>
+            <a:headEnd type="none" w="med" len="med"/>
+            <a:tailEnd type="none" w="med" len="med"/>
+          </a:ln>
+          <a:effectLst/>
+        </p:spPr>
+        <p:txBody>
+          <a:bodyPr vert="horz" wrap="square" lIns="91440" tIns="45720" rIns="91440" bIns="45720" numCol="1" rtlCol="0" anchor="ctr" anchorCtr="0" compatLnSpc="1">
+            <a:prstTxWarp prst="textNoShape">
+              <a:avLst/>
+            </a:prstTxWarp>
+          </a:bodyPr>
+          <a:lstStyle/>
+          <a:p>
+            <a:pPr algn="ctr"/>
+            <a:r>
+              <a:rPr lang="en-US" altLang="ko-KR" sz="1400" dirty="0"/>
+              <a:t>Slot</a:t>
+            </a:r>
+            <a:endParaRPr lang="ko-KR" altLang="en-US" sz="1400" dirty="0"/>
+          </a:p>
+        </p:txBody>
+      </p:sp>
+      <p:sp>
+        <p:nvSpPr>
+          <p:cNvPr id="39" name="직사각형 38">
+            <a:extLst>
+              <a:ext uri="{FF2B5EF4-FFF2-40B4-BE49-F238E27FC236}">
+                <a16:creationId xmlns:a16="http://schemas.microsoft.com/office/drawing/2014/main" id="{3CBEAD53-7CBF-46BE-422A-7A9B0440C75C}"/>
+              </a:ext>
+            </a:extLst>
+          </p:cNvPr>
+          <p:cNvSpPr/>
+          <p:nvPr/>
+        </p:nvSpPr>
+        <p:spPr bwMode="auto">
+          <a:xfrm>
+            <a:off x="7582502" y="3028628"/>
+            <a:ext cx="552661" cy="338380"/>
+          </a:xfrm>
+          <a:prstGeom prst="rect">
+            <a:avLst/>
+          </a:prstGeom>
+          <a:solidFill>
+            <a:schemeClr val="accent1">
+              <a:lumMod val="20000"/>
+              <a:lumOff val="80000"/>
+            </a:schemeClr>
+          </a:solidFill>
+          <a:ln w="9525" cap="flat" cmpd="sng" algn="ctr">
+            <a:solidFill>
+              <a:schemeClr val="accent3">
+                <a:lumMod val="75000"/>
+              </a:schemeClr>
+            </a:solidFill>
+            <a:prstDash val="solid"/>
+            <a:round/>
+            <a:headEnd type="none" w="med" len="med"/>
+            <a:tailEnd type="none" w="med" len="med"/>
+          </a:ln>
+          <a:effectLst/>
+        </p:spPr>
+        <p:txBody>
+          <a:bodyPr vert="horz" wrap="square" lIns="91440" tIns="45720" rIns="91440" bIns="45720" numCol="1" rtlCol="0" anchor="ctr" anchorCtr="0" compatLnSpc="1">
+            <a:prstTxWarp prst="textNoShape">
+              <a:avLst/>
+            </a:prstTxWarp>
+          </a:bodyPr>
+          <a:lstStyle/>
+          <a:p>
+            <a:pPr algn="ctr"/>
+            <a:r>
+              <a:rPr lang="en-US" altLang="ko-KR" sz="1400" dirty="0"/>
+              <a:t>Slot</a:t>
+            </a:r>
+            <a:endParaRPr lang="ko-KR" altLang="en-US" sz="1400" dirty="0"/>
+          </a:p>
+        </p:txBody>
+      </p:sp>
+      <p:sp>
+        <p:nvSpPr>
+          <p:cNvPr id="41" name="직사각형 40">
+            <a:extLst>
+              <a:ext uri="{FF2B5EF4-FFF2-40B4-BE49-F238E27FC236}">
+                <a16:creationId xmlns:a16="http://schemas.microsoft.com/office/drawing/2014/main" id="{2D8213C8-5718-0AFF-EB1A-B623956DAD7B}"/>
+              </a:ext>
+            </a:extLst>
+          </p:cNvPr>
+          <p:cNvSpPr/>
+          <p:nvPr/>
+        </p:nvSpPr>
+        <p:spPr bwMode="auto">
+          <a:xfrm>
+            <a:off x="7653362" y="1046029"/>
+            <a:ext cx="1198282" cy="953251"/>
+          </a:xfrm>
+          <a:prstGeom prst="rect">
+            <a:avLst/>
+          </a:prstGeom>
+          <a:solidFill>
+            <a:schemeClr val="accent3">
+              <a:lumMod val="20000"/>
+              <a:lumOff val="80000"/>
+            </a:schemeClr>
+          </a:solidFill>
+          <a:ln w="9525" cap="flat" cmpd="sng" algn="ctr">
+            <a:solidFill>
+              <a:schemeClr val="accent3">
+                <a:lumMod val="75000"/>
+              </a:schemeClr>
+            </a:solidFill>
+            <a:prstDash val="solid"/>
+            <a:round/>
+            <a:headEnd type="none" w="med" len="med"/>
+            <a:tailEnd type="none" w="med" len="med"/>
+          </a:ln>
+          <a:effectLst/>
+        </p:spPr>
+        <p:txBody>
+          <a:bodyPr vert="horz" wrap="square" lIns="91440" tIns="45720" rIns="91440" bIns="45720" numCol="1" rtlCol="0" anchor="ctr" anchorCtr="0" compatLnSpc="1">
+            <a:prstTxWarp prst="textNoShape">
+              <a:avLst/>
+            </a:prstTxWarp>
+          </a:bodyPr>
+          <a:lstStyle/>
+          <a:p>
+            <a:r>
+              <a:rPr lang="en-US" altLang="ko-KR" sz="1400" dirty="0"/>
+              <a:t>Slot index</a:t>
+            </a:r>
+          </a:p>
+          <a:p>
+            <a:pPr marL="85725" indent="-85725">
+              <a:buFontTx/>
+              <a:buChar char="-"/>
+            </a:pPr>
+            <a:r>
+              <a:rPr lang="en-US" altLang="ko-KR" sz="1200" dirty="0"/>
+              <a:t>Index</a:t>
+            </a:r>
+          </a:p>
+          <a:p>
+            <a:pPr marL="85725" indent="-85725">
+              <a:buFontTx/>
+              <a:buChar char="-"/>
+            </a:pPr>
+            <a:r>
+              <a:rPr lang="en-US" altLang="ko-KR" sz="1200" dirty="0" err="1"/>
+              <a:t>szSlot</a:t>
+            </a:r>
+            <a:r>
+              <a:rPr lang="en-US" altLang="ko-KR" sz="1200" dirty="0"/>
+              <a:t> = 200</a:t>
+            </a:r>
+          </a:p>
+          <a:p>
+            <a:pPr marL="85725" indent="-85725">
+              <a:buFontTx/>
+              <a:buChar char="-"/>
+            </a:pPr>
+            <a:r>
+              <a:rPr lang="en-US" altLang="ko-KR" sz="1200" dirty="0" err="1"/>
+              <a:t>pPageIndex</a:t>
+            </a:r>
+            <a:endParaRPr lang="ko-KR" altLang="en-US" sz="1200" dirty="0"/>
+          </a:p>
+        </p:txBody>
+      </p:sp>
+      <p:cxnSp>
+        <p:nvCxnSpPr>
+          <p:cNvPr id="42" name="직선 화살표 연결선 41">
+            <a:extLst>
+              <a:ext uri="{FF2B5EF4-FFF2-40B4-BE49-F238E27FC236}">
+                <a16:creationId xmlns:a16="http://schemas.microsoft.com/office/drawing/2014/main" id="{44018125-7E50-1CDC-D959-4F1107CACAAE}"/>
+              </a:ext>
+            </a:extLst>
+          </p:cNvPr>
+          <p:cNvCxnSpPr>
+            <a:cxnSpLocks/>
+            <a:stCxn id="24" idx="3"/>
+            <a:endCxn id="41" idx="1"/>
+          </p:cNvCxnSpPr>
+          <p:nvPr/>
+        </p:nvCxnSpPr>
+        <p:spPr bwMode="auto">
+          <a:xfrm flipV="1">
+            <a:off x="7005510" y="1522655"/>
+            <a:ext cx="647852" cy="2"/>
+          </a:xfrm>
+          <a:prstGeom prst="straightConnector1">
+            <a:avLst/>
+          </a:prstGeom>
+          <a:solidFill>
+            <a:schemeClr val="accent1"/>
+          </a:solidFill>
+          <a:ln w="9525" cap="flat" cmpd="sng" algn="ctr">
+            <a:solidFill>
+              <a:schemeClr val="tx1"/>
+            </a:solidFill>
+            <a:prstDash val="solid"/>
+            <a:round/>
+            <a:headEnd type="none" w="med" len="med"/>
+            <a:tailEnd type="triangle"/>
+          </a:ln>
+          <a:effectLst/>
+          <a:extLst>
+            <a:ext uri="{AF507438-7753-43E0-B8FC-AC1667EBCBE1}">
+              <a14:hiddenEffects xmlns:a14="http://schemas.microsoft.com/office/drawing/2010/main">
+                <a:effectLst>
+                  <a:outerShdw dist="35921" dir="2700000" algn="ctr" rotWithShape="0">
+                    <a:schemeClr val="bg2"/>
+                  </a:outerShdw>
+                </a:effectLst>
+              </a14:hiddenEffects>
+            </a:ext>
+          </a:extLst>
+        </p:spPr>
+      </p:cxnSp>
+      <p:sp>
+        <p:nvSpPr>
+          <p:cNvPr id="46" name="TextBox 45">
+            <a:extLst>
+              <a:ext uri="{FF2B5EF4-FFF2-40B4-BE49-F238E27FC236}">
+                <a16:creationId xmlns:a16="http://schemas.microsoft.com/office/drawing/2014/main" id="{D3724888-736F-44BD-F0D1-C8AED8A433FD}"/>
+              </a:ext>
+            </a:extLst>
+          </p:cNvPr>
+          <p:cNvSpPr txBox="1"/>
+          <p:nvPr/>
+        </p:nvSpPr>
+        <p:spPr>
+          <a:xfrm>
+            <a:off x="7019233" y="1245656"/>
+            <a:ext cx="585417" cy="276999"/>
+          </a:xfrm>
+          <a:prstGeom prst="rect">
+            <a:avLst/>
+          </a:prstGeom>
+          <a:noFill/>
+          <a:ln>
+            <a:noFill/>
+          </a:ln>
+        </p:spPr>
+        <p:txBody>
+          <a:bodyPr wrap="none" rtlCol="0">
+            <a:spAutoFit/>
+          </a:bodyPr>
+          <a:lstStyle/>
+          <a:p>
+            <a:pPr algn="l"/>
+            <a:r>
+              <a:rPr lang="en-US" altLang="ko-KR" sz="1200" dirty="0" err="1"/>
+              <a:t>pNext</a:t>
+            </a:r>
+            <a:endParaRPr lang="ko-KR" altLang="en-US" sz="1200" dirty="0"/>
+          </a:p>
+        </p:txBody>
+      </p:sp>
+      <p:cxnSp>
+        <p:nvCxnSpPr>
+          <p:cNvPr id="50" name="직선 화살표 연결선 49">
+            <a:extLst>
+              <a:ext uri="{FF2B5EF4-FFF2-40B4-BE49-F238E27FC236}">
+                <a16:creationId xmlns:a16="http://schemas.microsoft.com/office/drawing/2014/main" id="{33D5842E-B03D-B683-0AB8-D5DA0B28A1D6}"/>
+              </a:ext>
+            </a:extLst>
+          </p:cNvPr>
+          <p:cNvCxnSpPr>
+            <a:stCxn id="17" idx="3"/>
+            <a:endCxn id="35" idx="1"/>
+          </p:cNvCxnSpPr>
+          <p:nvPr/>
+        </p:nvCxnSpPr>
+        <p:spPr bwMode="auto">
+          <a:xfrm>
+            <a:off x="5159376" y="2891674"/>
+            <a:ext cx="443262" cy="307436"/>
+          </a:xfrm>
+          <a:prstGeom prst="straightConnector1">
+            <a:avLst/>
+          </a:prstGeom>
+          <a:solidFill>
+            <a:schemeClr val="accent1"/>
+          </a:solidFill>
+          <a:ln w="9525" cap="flat" cmpd="sng" algn="ctr">
+            <a:solidFill>
+              <a:schemeClr val="tx1"/>
+            </a:solidFill>
+            <a:prstDash val="solid"/>
+            <a:round/>
+            <a:headEnd type="none" w="med" len="med"/>
+            <a:tailEnd type="triangle"/>
+          </a:ln>
+          <a:effectLst/>
+          <a:extLst>
+            <a:ext uri="{AF507438-7753-43E0-B8FC-AC1667EBCBE1}">
+              <a14:hiddenEffects xmlns:a14="http://schemas.microsoft.com/office/drawing/2010/main">
+                <a:effectLst>
+                  <a:outerShdw dist="35921" dir="2700000" algn="ctr" rotWithShape="0">
+                    <a:schemeClr val="bg2"/>
+                  </a:outerShdw>
+                </a:effectLst>
+              </a14:hiddenEffects>
+            </a:ext>
+          </a:extLst>
+        </p:spPr>
+      </p:cxnSp>
+      <p:cxnSp>
+        <p:nvCxnSpPr>
+          <p:cNvPr id="51" name="직선 화살표 연결선 50">
+            <a:extLst>
+              <a:ext uri="{FF2B5EF4-FFF2-40B4-BE49-F238E27FC236}">
+                <a16:creationId xmlns:a16="http://schemas.microsoft.com/office/drawing/2014/main" id="{FCE4801C-6FB6-2F1D-427C-FF4FE8550614}"/>
+              </a:ext>
+            </a:extLst>
+          </p:cNvPr>
+          <p:cNvCxnSpPr>
+            <a:stCxn id="35" idx="3"/>
+            <a:endCxn id="37" idx="1"/>
+          </p:cNvCxnSpPr>
+          <p:nvPr/>
+        </p:nvCxnSpPr>
+        <p:spPr bwMode="auto">
+          <a:xfrm>
+            <a:off x="6155299" y="3199110"/>
+            <a:ext cx="437271" cy="6432"/>
+          </a:xfrm>
+          <a:prstGeom prst="straightConnector1">
+            <a:avLst/>
+          </a:prstGeom>
+          <a:solidFill>
+            <a:schemeClr val="accent1"/>
+          </a:solidFill>
+          <a:ln w="9525" cap="flat" cmpd="sng" algn="ctr">
+            <a:solidFill>
+              <a:schemeClr val="tx1"/>
+            </a:solidFill>
+            <a:prstDash val="solid"/>
+            <a:round/>
+            <a:headEnd type="none" w="med" len="med"/>
+            <a:tailEnd type="triangle"/>
+          </a:ln>
+          <a:effectLst/>
+          <a:extLst>
+            <a:ext uri="{AF507438-7753-43E0-B8FC-AC1667EBCBE1}">
+              <a14:hiddenEffects xmlns:a14="http://schemas.microsoft.com/office/drawing/2010/main">
+                <a:effectLst>
+                  <a:outerShdw dist="35921" dir="2700000" algn="ctr" rotWithShape="0">
+                    <a:schemeClr val="bg2"/>
+                  </a:outerShdw>
+                </a:effectLst>
+              </a14:hiddenEffects>
+            </a:ext>
+          </a:extLst>
+        </p:spPr>
+      </p:cxnSp>
+      <p:cxnSp>
+        <p:nvCxnSpPr>
+          <p:cNvPr id="54" name="직선 화살표 연결선 53">
+            <a:extLst>
+              <a:ext uri="{FF2B5EF4-FFF2-40B4-BE49-F238E27FC236}">
+                <a16:creationId xmlns:a16="http://schemas.microsoft.com/office/drawing/2014/main" id="{6579873E-E3A3-9FF1-D563-1E1DCC436906}"/>
+              </a:ext>
+            </a:extLst>
+          </p:cNvPr>
+          <p:cNvCxnSpPr>
+            <a:stCxn id="37" idx="3"/>
+            <a:endCxn id="39" idx="1"/>
+          </p:cNvCxnSpPr>
+          <p:nvPr/>
+        </p:nvCxnSpPr>
+        <p:spPr bwMode="auto">
+          <a:xfrm flipV="1">
+            <a:off x="7145231" y="3197818"/>
+            <a:ext cx="437271" cy="7724"/>
+          </a:xfrm>
+          <a:prstGeom prst="straightConnector1">
+            <a:avLst/>
+          </a:prstGeom>
+          <a:solidFill>
+            <a:schemeClr val="accent1"/>
+          </a:solidFill>
+          <a:ln w="9525" cap="flat" cmpd="sng" algn="ctr">
+            <a:solidFill>
+              <a:schemeClr val="tx1"/>
+            </a:solidFill>
+            <a:prstDash val="solid"/>
+            <a:round/>
+            <a:headEnd type="none" w="med" len="med"/>
+            <a:tailEnd type="triangle"/>
+          </a:ln>
+          <a:effectLst/>
+          <a:extLst>
+            <a:ext uri="{AF507438-7753-43E0-B8FC-AC1667EBCBE1}">
+              <a14:hiddenEffects xmlns:a14="http://schemas.microsoft.com/office/drawing/2010/main">
+                <a:effectLst>
+                  <a:outerShdw dist="35921" dir="2700000" algn="ctr" rotWithShape="0">
+                    <a:schemeClr val="bg2"/>
+                  </a:outerShdw>
+                </a:effectLst>
+              </a14:hiddenEffects>
+            </a:ext>
+          </a:extLst>
+        </p:spPr>
+      </p:cxnSp>
+      <p:sp>
+        <p:nvSpPr>
+          <p:cNvPr id="57" name="TextBox 56">
+            <a:extLst>
+              <a:ext uri="{FF2B5EF4-FFF2-40B4-BE49-F238E27FC236}">
+                <a16:creationId xmlns:a16="http://schemas.microsoft.com/office/drawing/2014/main" id="{90C4E2C3-D417-72C8-2489-3BEB5B3DB089}"/>
+              </a:ext>
+            </a:extLst>
+          </p:cNvPr>
+          <p:cNvSpPr txBox="1"/>
+          <p:nvPr/>
+        </p:nvSpPr>
+        <p:spPr>
+          <a:xfrm>
+            <a:off x="6093564" y="2936206"/>
+            <a:ext cx="553357" cy="261610"/>
+          </a:xfrm>
+          <a:prstGeom prst="rect">
+            <a:avLst/>
+          </a:prstGeom>
+          <a:noFill/>
+          <a:ln>
+            <a:noFill/>
+          </a:ln>
+        </p:spPr>
+        <p:txBody>
+          <a:bodyPr wrap="none" rtlCol="0">
+            <a:spAutoFit/>
+          </a:bodyPr>
+          <a:lstStyle/>
+          <a:p>
+            <a:pPr algn="l"/>
+            <a:r>
+              <a:rPr lang="en-US" altLang="ko-KR" sz="1100" dirty="0" err="1"/>
+              <a:t>pNext</a:t>
+            </a:r>
+            <a:endParaRPr lang="ko-KR" altLang="en-US" sz="1100" dirty="0"/>
+          </a:p>
+        </p:txBody>
+      </p:sp>
+      <p:sp>
+        <p:nvSpPr>
+          <p:cNvPr id="58" name="TextBox 57">
+            <a:extLst>
+              <a:ext uri="{FF2B5EF4-FFF2-40B4-BE49-F238E27FC236}">
+                <a16:creationId xmlns:a16="http://schemas.microsoft.com/office/drawing/2014/main" id="{544F9A07-9979-EADD-FB81-DE79A901538E}"/>
+              </a:ext>
+            </a:extLst>
+          </p:cNvPr>
+          <p:cNvSpPr txBox="1"/>
+          <p:nvPr/>
+        </p:nvSpPr>
+        <p:spPr>
+          <a:xfrm>
+            <a:off x="7086144" y="2936206"/>
+            <a:ext cx="553357" cy="261610"/>
+          </a:xfrm>
+          <a:prstGeom prst="rect">
+            <a:avLst/>
+          </a:prstGeom>
+          <a:noFill/>
+          <a:ln>
+            <a:noFill/>
+          </a:ln>
+        </p:spPr>
+        <p:txBody>
+          <a:bodyPr wrap="none" rtlCol="0">
+            <a:spAutoFit/>
+          </a:bodyPr>
+          <a:lstStyle/>
+          <a:p>
+            <a:pPr algn="l"/>
+            <a:r>
+              <a:rPr lang="en-US" altLang="ko-KR" sz="1100" dirty="0" err="1"/>
+              <a:t>pNext</a:t>
+            </a:r>
+            <a:endParaRPr lang="ko-KR" altLang="en-US" sz="1100" dirty="0"/>
+          </a:p>
+        </p:txBody>
+      </p:sp>
+      <p:sp>
+        <p:nvSpPr>
+          <p:cNvPr id="63" name="TextBox 62">
+            <a:extLst>
+              <a:ext uri="{FF2B5EF4-FFF2-40B4-BE49-F238E27FC236}">
+                <a16:creationId xmlns:a16="http://schemas.microsoft.com/office/drawing/2014/main" id="{69BFBA28-1D9E-8E9C-B124-A612E0B1B79A}"/>
+              </a:ext>
+            </a:extLst>
+          </p:cNvPr>
+          <p:cNvSpPr txBox="1"/>
+          <p:nvPr/>
+        </p:nvSpPr>
+        <p:spPr>
+          <a:xfrm>
+            <a:off x="5220802" y="2722484"/>
+            <a:ext cx="601447" cy="261610"/>
+          </a:xfrm>
+          <a:prstGeom prst="rect">
+            <a:avLst/>
+          </a:prstGeom>
+          <a:noFill/>
+          <a:ln>
+            <a:noFill/>
+          </a:ln>
+        </p:spPr>
+        <p:txBody>
+          <a:bodyPr wrap="none" rtlCol="0">
+            <a:spAutoFit/>
+          </a:bodyPr>
+          <a:lstStyle/>
+          <a:p>
+            <a:pPr algn="l"/>
+            <a:r>
+              <a:rPr lang="en-US" altLang="ko-KR" sz="1100" dirty="0" err="1"/>
+              <a:t>pHead</a:t>
+            </a:r>
+            <a:endParaRPr lang="ko-KR" altLang="en-US" sz="1100" dirty="0"/>
+          </a:p>
+        </p:txBody>
+      </p:sp>
+      <p:sp>
+        <p:nvSpPr>
+          <p:cNvPr id="64" name="직사각형 63">
+            <a:extLst>
+              <a:ext uri="{FF2B5EF4-FFF2-40B4-BE49-F238E27FC236}">
+                <a16:creationId xmlns:a16="http://schemas.microsoft.com/office/drawing/2014/main" id="{4383972A-21BC-4C55-44DC-2CAB1F2AA65F}"/>
+              </a:ext>
+            </a:extLst>
+          </p:cNvPr>
+          <p:cNvSpPr/>
+          <p:nvPr/>
+        </p:nvSpPr>
+        <p:spPr bwMode="auto">
+          <a:xfrm>
+            <a:off x="3961093" y="5338903"/>
+            <a:ext cx="1198283" cy="953251"/>
+          </a:xfrm>
+          <a:prstGeom prst="rect">
+            <a:avLst/>
+          </a:prstGeom>
+          <a:solidFill>
+            <a:schemeClr val="accent3">
+              <a:lumMod val="20000"/>
+              <a:lumOff val="80000"/>
+            </a:schemeClr>
+          </a:solidFill>
+          <a:ln w="9525" cap="flat" cmpd="sng" algn="ctr">
+            <a:solidFill>
+              <a:schemeClr val="accent3">
+                <a:lumMod val="75000"/>
+              </a:schemeClr>
+            </a:solidFill>
+            <a:prstDash val="solid"/>
+            <a:round/>
+            <a:headEnd type="none" w="med" len="med"/>
+            <a:tailEnd type="none" w="med" len="med"/>
+          </a:ln>
+          <a:effectLst/>
+        </p:spPr>
+        <p:txBody>
+          <a:bodyPr vert="horz" wrap="square" lIns="91440" tIns="45720" rIns="91440" bIns="45720" numCol="1" rtlCol="0" anchor="ctr" anchorCtr="0" compatLnSpc="1">
+            <a:prstTxWarp prst="textNoShape">
+              <a:avLst/>
+            </a:prstTxWarp>
+          </a:bodyPr>
+          <a:lstStyle/>
+          <a:p>
+            <a:r>
+              <a:rPr lang="en-US" altLang="ko-KR" sz="1400" dirty="0"/>
+              <a:t>Slot index</a:t>
+            </a:r>
+          </a:p>
+          <a:p>
+            <a:pPr marL="85725" indent="-85725">
+              <a:buFontTx/>
+              <a:buChar char="-"/>
+            </a:pPr>
+            <a:r>
+              <a:rPr lang="en-US" altLang="ko-KR" sz="1200" dirty="0"/>
+              <a:t>Index</a:t>
+            </a:r>
+          </a:p>
+          <a:p>
+            <a:pPr marL="85725" indent="-85725">
+              <a:buFontTx/>
+              <a:buChar char="-"/>
+            </a:pPr>
+            <a:r>
+              <a:rPr lang="en-US" altLang="ko-KR" sz="1200" dirty="0" err="1"/>
+              <a:t>szSlot</a:t>
+            </a:r>
+            <a:r>
+              <a:rPr lang="en-US" altLang="ko-KR" sz="1200" dirty="0"/>
+              <a:t> = 50</a:t>
+            </a:r>
+          </a:p>
+          <a:p>
+            <a:pPr marL="85725" indent="-85725">
+              <a:buFontTx/>
+              <a:buChar char="-"/>
+            </a:pPr>
+            <a:r>
+              <a:rPr lang="en-US" altLang="ko-KR" sz="1200" dirty="0" err="1"/>
+              <a:t>pPageIndex</a:t>
+            </a:r>
+            <a:endParaRPr lang="ko-KR" altLang="en-US" sz="1200" dirty="0"/>
+          </a:p>
+        </p:txBody>
+      </p:sp>
+      <p:sp>
+        <p:nvSpPr>
+          <p:cNvPr id="65" name="직사각형 64">
+            <a:extLst>
+              <a:ext uri="{FF2B5EF4-FFF2-40B4-BE49-F238E27FC236}">
+                <a16:creationId xmlns:a16="http://schemas.microsoft.com/office/drawing/2014/main" id="{2EA8D118-42D2-5A1C-6704-A5BFD1F2AC6D}"/>
+              </a:ext>
+            </a:extLst>
+          </p:cNvPr>
+          <p:cNvSpPr/>
+          <p:nvPr/>
+        </p:nvSpPr>
+        <p:spPr bwMode="auto">
+          <a:xfrm>
+            <a:off x="5602639" y="5900437"/>
+            <a:ext cx="720670" cy="485585"/>
+          </a:xfrm>
+          <a:prstGeom prst="rect">
+            <a:avLst/>
+          </a:prstGeom>
+          <a:solidFill>
+            <a:schemeClr val="accent1">
+              <a:lumMod val="20000"/>
+              <a:lumOff val="80000"/>
+            </a:schemeClr>
+          </a:solidFill>
+          <a:ln w="9525" cap="flat" cmpd="sng" algn="ctr">
+            <a:solidFill>
+              <a:schemeClr val="accent3">
+                <a:lumMod val="75000"/>
+              </a:schemeClr>
+            </a:solidFill>
+            <a:prstDash val="solid"/>
+            <a:round/>
+            <a:headEnd type="none" w="med" len="med"/>
+            <a:tailEnd type="none" w="med" len="med"/>
+          </a:ln>
+          <a:effectLst/>
+        </p:spPr>
+        <p:txBody>
+          <a:bodyPr vert="horz" wrap="square" lIns="91440" tIns="45720" rIns="91440" bIns="45720" numCol="1" rtlCol="0" anchor="ctr" anchorCtr="0" compatLnSpc="1">
+            <a:prstTxWarp prst="textNoShape">
+              <a:avLst/>
+            </a:prstTxWarp>
+          </a:bodyPr>
+          <a:lstStyle/>
+          <a:p>
+            <a:pPr algn="ctr"/>
+            <a:r>
+              <a:rPr lang="en-US" altLang="ko-KR" sz="1400" dirty="0"/>
+              <a:t>Page Index</a:t>
+            </a:r>
+            <a:endParaRPr lang="ko-KR" altLang="en-US" sz="1400" dirty="0"/>
+          </a:p>
+        </p:txBody>
+      </p:sp>
+      <p:cxnSp>
+        <p:nvCxnSpPr>
+          <p:cNvPr id="68" name="직선 화살표 연결선 67">
+            <a:extLst>
+              <a:ext uri="{FF2B5EF4-FFF2-40B4-BE49-F238E27FC236}">
+                <a16:creationId xmlns:a16="http://schemas.microsoft.com/office/drawing/2014/main" id="{96E6C90F-D0A5-445E-0603-B251CFA786EA}"/>
+              </a:ext>
+            </a:extLst>
+          </p:cNvPr>
+          <p:cNvCxnSpPr>
+            <a:cxnSpLocks/>
+            <a:stCxn id="64" idx="3"/>
+            <a:endCxn id="65" idx="1"/>
+          </p:cNvCxnSpPr>
+          <p:nvPr/>
+        </p:nvCxnSpPr>
+        <p:spPr bwMode="auto">
+          <a:xfrm>
+            <a:off x="5159376" y="5815529"/>
+            <a:ext cx="443263" cy="327701"/>
+          </a:xfrm>
+          <a:prstGeom prst="straightConnector1">
+            <a:avLst/>
+          </a:prstGeom>
+          <a:solidFill>
+            <a:schemeClr val="accent1"/>
+          </a:solidFill>
+          <a:ln w="9525" cap="flat" cmpd="sng" algn="ctr">
+            <a:solidFill>
+              <a:schemeClr val="tx1"/>
+            </a:solidFill>
+            <a:prstDash val="solid"/>
+            <a:round/>
+            <a:headEnd type="none" w="med" len="med"/>
+            <a:tailEnd type="triangle"/>
+          </a:ln>
+          <a:effectLst/>
+          <a:extLst>
+            <a:ext uri="{AF507438-7753-43E0-B8FC-AC1667EBCBE1}">
+              <a14:hiddenEffects xmlns:a14="http://schemas.microsoft.com/office/drawing/2010/main">
+                <a:effectLst>
+                  <a:outerShdw dist="35921" dir="2700000" algn="ctr" rotWithShape="0">
+                    <a:schemeClr val="bg2"/>
+                  </a:outerShdw>
+                </a:effectLst>
+              </a14:hiddenEffects>
+            </a:ext>
+          </a:extLst>
+        </p:spPr>
+      </p:cxnSp>
+      <p:cxnSp>
+        <p:nvCxnSpPr>
+          <p:cNvPr id="69" name="직선 화살표 연결선 68">
+            <a:extLst>
+              <a:ext uri="{FF2B5EF4-FFF2-40B4-BE49-F238E27FC236}">
+                <a16:creationId xmlns:a16="http://schemas.microsoft.com/office/drawing/2014/main" id="{3124337B-41FE-9115-7AB4-7E78AE588457}"/>
+              </a:ext>
+            </a:extLst>
+          </p:cNvPr>
+          <p:cNvCxnSpPr>
+            <a:cxnSpLocks/>
+            <a:stCxn id="65" idx="3"/>
+            <a:endCxn id="80" idx="1"/>
+          </p:cNvCxnSpPr>
+          <p:nvPr/>
+        </p:nvCxnSpPr>
+        <p:spPr bwMode="auto">
+          <a:xfrm>
+            <a:off x="6323309" y="6143230"/>
+            <a:ext cx="462180" cy="0"/>
+          </a:xfrm>
+          <a:prstGeom prst="straightConnector1">
+            <a:avLst/>
+          </a:prstGeom>
+          <a:solidFill>
+            <a:schemeClr val="accent1"/>
+          </a:solidFill>
+          <a:ln w="9525" cap="flat" cmpd="sng" algn="ctr">
+            <a:solidFill>
+              <a:schemeClr val="tx1"/>
+            </a:solidFill>
+            <a:prstDash val="solid"/>
+            <a:round/>
+            <a:headEnd type="none" w="med" len="med"/>
+            <a:tailEnd type="triangle"/>
+          </a:ln>
+          <a:effectLst/>
+          <a:extLst>
+            <a:ext uri="{AF507438-7753-43E0-B8FC-AC1667EBCBE1}">
+              <a14:hiddenEffects xmlns:a14="http://schemas.microsoft.com/office/drawing/2010/main">
+                <a:effectLst>
+                  <a:outerShdw dist="35921" dir="2700000" algn="ctr" rotWithShape="0">
+                    <a:schemeClr val="bg2"/>
+                  </a:outerShdw>
+                </a:effectLst>
+              </a14:hiddenEffects>
+            </a:ext>
+          </a:extLst>
+        </p:spPr>
+      </p:cxnSp>
+      <p:cxnSp>
+        <p:nvCxnSpPr>
+          <p:cNvPr id="70" name="직선 화살표 연결선 69">
+            <a:extLst>
+              <a:ext uri="{FF2B5EF4-FFF2-40B4-BE49-F238E27FC236}">
+                <a16:creationId xmlns:a16="http://schemas.microsoft.com/office/drawing/2014/main" id="{FC31625A-978F-32C3-E7FE-1367A09B2473}"/>
+              </a:ext>
+            </a:extLst>
+          </p:cNvPr>
+          <p:cNvCxnSpPr>
+            <a:cxnSpLocks/>
+            <a:stCxn id="80" idx="3"/>
+            <a:endCxn id="82" idx="1"/>
+          </p:cNvCxnSpPr>
+          <p:nvPr/>
+        </p:nvCxnSpPr>
+        <p:spPr bwMode="auto">
+          <a:xfrm>
+            <a:off x="7506159" y="6143230"/>
+            <a:ext cx="462180" cy="26"/>
+          </a:xfrm>
+          <a:prstGeom prst="straightConnector1">
+            <a:avLst/>
+          </a:prstGeom>
+          <a:solidFill>
+            <a:schemeClr val="accent1"/>
+          </a:solidFill>
+          <a:ln w="9525" cap="flat" cmpd="sng" algn="ctr">
+            <a:solidFill>
+              <a:schemeClr val="tx1"/>
+            </a:solidFill>
+            <a:prstDash val="solid"/>
+            <a:round/>
+            <a:headEnd type="none" w="med" len="med"/>
+            <a:tailEnd type="triangle"/>
+          </a:ln>
+          <a:effectLst/>
+          <a:extLst>
+            <a:ext uri="{AF507438-7753-43E0-B8FC-AC1667EBCBE1}">
+              <a14:hiddenEffects xmlns:a14="http://schemas.microsoft.com/office/drawing/2010/main">
+                <a:effectLst>
+                  <a:outerShdw dist="35921" dir="2700000" algn="ctr" rotWithShape="0">
+                    <a:schemeClr val="bg2"/>
+                  </a:outerShdw>
+                </a:effectLst>
+              </a14:hiddenEffects>
+            </a:ext>
+          </a:extLst>
+        </p:spPr>
+      </p:cxnSp>
+      <p:sp>
+        <p:nvSpPr>
+          <p:cNvPr id="71" name="TextBox 70">
+            <a:extLst>
+              <a:ext uri="{FF2B5EF4-FFF2-40B4-BE49-F238E27FC236}">
+                <a16:creationId xmlns:a16="http://schemas.microsoft.com/office/drawing/2014/main" id="{8268F01F-C18C-4E8F-4DDF-339E3A94B8E0}"/>
+              </a:ext>
+            </a:extLst>
+          </p:cNvPr>
+          <p:cNvSpPr txBox="1"/>
+          <p:nvPr/>
+        </p:nvSpPr>
+        <p:spPr>
+          <a:xfrm>
+            <a:off x="6282838" y="5843235"/>
+            <a:ext cx="553357" cy="261610"/>
+          </a:xfrm>
+          <a:prstGeom prst="rect">
+            <a:avLst/>
+          </a:prstGeom>
+          <a:noFill/>
+          <a:ln>
+            <a:noFill/>
+          </a:ln>
+        </p:spPr>
+        <p:txBody>
+          <a:bodyPr wrap="none" rtlCol="0">
+            <a:spAutoFit/>
+          </a:bodyPr>
+          <a:lstStyle/>
+          <a:p>
+            <a:pPr algn="l"/>
+            <a:r>
+              <a:rPr lang="en-US" altLang="ko-KR" sz="1100" dirty="0" err="1"/>
+              <a:t>pNext</a:t>
+            </a:r>
+            <a:endParaRPr lang="ko-KR" altLang="en-US" sz="1100" dirty="0"/>
+          </a:p>
+        </p:txBody>
+      </p:sp>
+      <p:sp>
+        <p:nvSpPr>
+          <p:cNvPr id="72" name="TextBox 71">
+            <a:extLst>
+              <a:ext uri="{FF2B5EF4-FFF2-40B4-BE49-F238E27FC236}">
+                <a16:creationId xmlns:a16="http://schemas.microsoft.com/office/drawing/2014/main" id="{9D086867-6E20-8BF4-698D-16FB684F8592}"/>
+              </a:ext>
+            </a:extLst>
+          </p:cNvPr>
+          <p:cNvSpPr txBox="1"/>
+          <p:nvPr/>
+        </p:nvSpPr>
+        <p:spPr>
+          <a:xfrm>
+            <a:off x="7470530" y="5843235"/>
+            <a:ext cx="553357" cy="261610"/>
+          </a:xfrm>
+          <a:prstGeom prst="rect">
+            <a:avLst/>
+          </a:prstGeom>
+          <a:noFill/>
+          <a:ln>
+            <a:noFill/>
+          </a:ln>
+        </p:spPr>
+        <p:txBody>
+          <a:bodyPr wrap="none" rtlCol="0">
+            <a:spAutoFit/>
+          </a:bodyPr>
+          <a:lstStyle/>
+          <a:p>
+            <a:pPr algn="l"/>
+            <a:r>
+              <a:rPr lang="en-US" altLang="ko-KR" sz="1100" dirty="0" err="1"/>
+              <a:t>pNext</a:t>
+            </a:r>
+            <a:endParaRPr lang="ko-KR" altLang="en-US" sz="1100" dirty="0"/>
+          </a:p>
+        </p:txBody>
+      </p:sp>
+      <p:sp>
+        <p:nvSpPr>
+          <p:cNvPr id="73" name="TextBox 72">
+            <a:extLst>
+              <a:ext uri="{FF2B5EF4-FFF2-40B4-BE49-F238E27FC236}">
+                <a16:creationId xmlns:a16="http://schemas.microsoft.com/office/drawing/2014/main" id="{AABB69AD-B483-A6BE-C2C2-E045F7C6E207}"/>
+              </a:ext>
+            </a:extLst>
+          </p:cNvPr>
+          <p:cNvSpPr txBox="1"/>
+          <p:nvPr/>
+        </p:nvSpPr>
+        <p:spPr>
+          <a:xfrm>
+            <a:off x="5220803" y="5593002"/>
+            <a:ext cx="938077" cy="261610"/>
+          </a:xfrm>
+          <a:prstGeom prst="rect">
+            <a:avLst/>
+          </a:prstGeom>
+          <a:noFill/>
+          <a:ln>
+            <a:noFill/>
+          </a:ln>
+        </p:spPr>
+        <p:txBody>
+          <a:bodyPr wrap="none" rtlCol="0">
+            <a:spAutoFit/>
+          </a:bodyPr>
+          <a:lstStyle/>
+          <a:p>
+            <a:pPr algn="l"/>
+            <a:r>
+              <a:rPr lang="en-US" altLang="ko-KR" sz="1100" dirty="0" err="1"/>
+              <a:t>pPageIndex</a:t>
+            </a:r>
+            <a:endParaRPr lang="ko-KR" altLang="en-US" sz="1100" dirty="0"/>
+          </a:p>
+        </p:txBody>
+      </p:sp>
+      <p:sp>
+        <p:nvSpPr>
+          <p:cNvPr id="80" name="직사각형 79">
+            <a:extLst>
+              <a:ext uri="{FF2B5EF4-FFF2-40B4-BE49-F238E27FC236}">
+                <a16:creationId xmlns:a16="http://schemas.microsoft.com/office/drawing/2014/main" id="{AEED2948-1BBD-0287-DD6B-EA097551C7C5}"/>
+              </a:ext>
+            </a:extLst>
+          </p:cNvPr>
+          <p:cNvSpPr/>
+          <p:nvPr/>
+        </p:nvSpPr>
+        <p:spPr bwMode="auto">
+          <a:xfrm>
+            <a:off x="6785489" y="5900437"/>
+            <a:ext cx="720670" cy="485585"/>
+          </a:xfrm>
+          <a:prstGeom prst="rect">
+            <a:avLst/>
+          </a:prstGeom>
+          <a:solidFill>
+            <a:schemeClr val="accent1">
+              <a:lumMod val="20000"/>
+              <a:lumOff val="80000"/>
+            </a:schemeClr>
+          </a:solidFill>
+          <a:ln w="9525" cap="flat" cmpd="sng" algn="ctr">
+            <a:solidFill>
+              <a:schemeClr val="accent3">
+                <a:lumMod val="75000"/>
+              </a:schemeClr>
+            </a:solidFill>
+            <a:prstDash val="solid"/>
+            <a:round/>
+            <a:headEnd type="none" w="med" len="med"/>
+            <a:tailEnd type="none" w="med" len="med"/>
+          </a:ln>
+          <a:effectLst/>
+        </p:spPr>
+        <p:txBody>
+          <a:bodyPr vert="horz" wrap="square" lIns="91440" tIns="45720" rIns="91440" bIns="45720" numCol="1" rtlCol="0" anchor="ctr" anchorCtr="0" compatLnSpc="1">
+            <a:prstTxWarp prst="textNoShape">
+              <a:avLst/>
+            </a:prstTxWarp>
+          </a:bodyPr>
+          <a:lstStyle/>
+          <a:p>
+            <a:pPr algn="ctr"/>
+            <a:r>
+              <a:rPr lang="en-US" altLang="ko-KR" sz="1400" dirty="0"/>
+              <a:t>Page Index</a:t>
+            </a:r>
+            <a:endParaRPr lang="ko-KR" altLang="en-US" sz="1400" dirty="0"/>
+          </a:p>
+        </p:txBody>
+      </p:sp>
+      <p:sp>
+        <p:nvSpPr>
+          <p:cNvPr id="82" name="직사각형 81">
+            <a:extLst>
+              <a:ext uri="{FF2B5EF4-FFF2-40B4-BE49-F238E27FC236}">
+                <a16:creationId xmlns:a16="http://schemas.microsoft.com/office/drawing/2014/main" id="{C009C17D-4497-FD00-A596-C60D3B3FA268}"/>
+              </a:ext>
+            </a:extLst>
+          </p:cNvPr>
+          <p:cNvSpPr/>
+          <p:nvPr/>
+        </p:nvSpPr>
+        <p:spPr bwMode="auto">
+          <a:xfrm>
+            <a:off x="7968339" y="5900463"/>
+            <a:ext cx="720670" cy="485585"/>
+          </a:xfrm>
+          <a:prstGeom prst="rect">
+            <a:avLst/>
+          </a:prstGeom>
+          <a:solidFill>
+            <a:schemeClr val="accent1">
+              <a:lumMod val="20000"/>
+              <a:lumOff val="80000"/>
+            </a:schemeClr>
+          </a:solidFill>
+          <a:ln w="9525" cap="flat" cmpd="sng" algn="ctr">
+            <a:solidFill>
+              <a:schemeClr val="accent3">
+                <a:lumMod val="75000"/>
+              </a:schemeClr>
+            </a:solidFill>
+            <a:prstDash val="solid"/>
+            <a:round/>
+            <a:headEnd type="none" w="med" len="med"/>
+            <a:tailEnd type="none" w="med" len="med"/>
+          </a:ln>
+          <a:effectLst/>
+        </p:spPr>
+        <p:txBody>
+          <a:bodyPr vert="horz" wrap="square" lIns="91440" tIns="45720" rIns="91440" bIns="45720" numCol="1" rtlCol="0" anchor="ctr" anchorCtr="0" compatLnSpc="1">
+            <a:prstTxWarp prst="textNoShape">
+              <a:avLst/>
+            </a:prstTxWarp>
+          </a:bodyPr>
+          <a:lstStyle/>
+          <a:p>
+            <a:pPr algn="ctr"/>
+            <a:r>
+              <a:rPr lang="en-US" altLang="ko-KR" sz="1400" dirty="0"/>
+              <a:t>Page Index</a:t>
+            </a:r>
+            <a:endParaRPr lang="ko-KR" altLang="en-US" sz="1400" dirty="0"/>
+          </a:p>
+        </p:txBody>
+      </p:sp>
+      <p:sp>
+        <p:nvSpPr>
+          <p:cNvPr id="85" name="직사각형 84">
+            <a:extLst>
+              <a:ext uri="{FF2B5EF4-FFF2-40B4-BE49-F238E27FC236}">
+                <a16:creationId xmlns:a16="http://schemas.microsoft.com/office/drawing/2014/main" id="{3860B019-D33D-A24C-BF38-90308C75A6CF}"/>
+              </a:ext>
+            </a:extLst>
+          </p:cNvPr>
+          <p:cNvSpPr/>
+          <p:nvPr/>
+        </p:nvSpPr>
+        <p:spPr bwMode="auto">
+          <a:xfrm>
+            <a:off x="3961092" y="3982080"/>
+            <a:ext cx="1198283" cy="953251"/>
+          </a:xfrm>
+          <a:prstGeom prst="rect">
+            <a:avLst/>
+          </a:prstGeom>
+          <a:solidFill>
+            <a:schemeClr val="accent3">
+              <a:lumMod val="20000"/>
+              <a:lumOff val="80000"/>
+            </a:schemeClr>
+          </a:solidFill>
+          <a:ln w="9525" cap="flat" cmpd="sng" algn="ctr">
+            <a:solidFill>
+              <a:schemeClr val="accent3">
+                <a:lumMod val="75000"/>
+              </a:schemeClr>
+            </a:solidFill>
+            <a:prstDash val="solid"/>
+            <a:round/>
+            <a:headEnd type="none" w="med" len="med"/>
+            <a:tailEnd type="none" w="med" len="med"/>
+          </a:ln>
+          <a:effectLst/>
+        </p:spPr>
+        <p:txBody>
+          <a:bodyPr vert="horz" wrap="square" lIns="91440" tIns="45720" rIns="91440" bIns="45720" numCol="1" rtlCol="0" anchor="ctr" anchorCtr="0" compatLnSpc="1">
+            <a:prstTxWarp prst="textNoShape">
+              <a:avLst/>
+            </a:prstTxWarp>
+          </a:bodyPr>
+          <a:lstStyle/>
+          <a:p>
+            <a:r>
+              <a:rPr lang="en-US" altLang="ko-KR" sz="1400" dirty="0"/>
+              <a:t>Slot index</a:t>
+            </a:r>
+          </a:p>
+          <a:p>
+            <a:pPr marL="85725" indent="-85725">
+              <a:buFontTx/>
+              <a:buChar char="-"/>
+            </a:pPr>
+            <a:r>
+              <a:rPr lang="en-US" altLang="ko-KR" sz="1200" dirty="0"/>
+              <a:t>Index</a:t>
+            </a:r>
+          </a:p>
+          <a:p>
+            <a:pPr marL="85725" indent="-85725">
+              <a:buFontTx/>
+              <a:buChar char="-"/>
+            </a:pPr>
+            <a:r>
+              <a:rPr lang="en-US" altLang="ko-KR" sz="1200" dirty="0" err="1"/>
+              <a:t>szSlot</a:t>
+            </a:r>
+            <a:r>
+              <a:rPr lang="en-US" altLang="ko-KR" sz="1200" dirty="0"/>
+              <a:t> = 50</a:t>
+            </a:r>
+          </a:p>
+          <a:p>
+            <a:pPr marL="85725" indent="-85725">
+              <a:buFontTx/>
+              <a:buChar char="-"/>
+            </a:pPr>
+            <a:r>
+              <a:rPr lang="en-US" altLang="ko-KR" sz="1200" dirty="0" err="1"/>
+              <a:t>pPageIndex</a:t>
+            </a:r>
+            <a:endParaRPr lang="ko-KR" altLang="en-US" sz="1200" dirty="0"/>
+          </a:p>
+        </p:txBody>
+      </p:sp>
+      <p:sp>
+        <p:nvSpPr>
+          <p:cNvPr id="86" name="직사각형 85">
+            <a:extLst>
+              <a:ext uri="{FF2B5EF4-FFF2-40B4-BE49-F238E27FC236}">
+                <a16:creationId xmlns:a16="http://schemas.microsoft.com/office/drawing/2014/main" id="{393187A3-337F-A883-719B-1D7A7C79DF8C}"/>
+              </a:ext>
+            </a:extLst>
+          </p:cNvPr>
+          <p:cNvSpPr/>
+          <p:nvPr/>
+        </p:nvSpPr>
+        <p:spPr bwMode="auto">
+          <a:xfrm>
+            <a:off x="5602638" y="4543614"/>
+            <a:ext cx="720670" cy="485585"/>
+          </a:xfrm>
+          <a:prstGeom prst="rect">
+            <a:avLst/>
+          </a:prstGeom>
+          <a:solidFill>
+            <a:schemeClr val="accent1">
+              <a:lumMod val="20000"/>
+              <a:lumOff val="80000"/>
+            </a:schemeClr>
+          </a:solidFill>
+          <a:ln w="9525" cap="flat" cmpd="sng" algn="ctr">
+            <a:solidFill>
+              <a:schemeClr val="accent3">
+                <a:lumMod val="75000"/>
+              </a:schemeClr>
+            </a:solidFill>
+            <a:prstDash val="solid"/>
+            <a:round/>
+            <a:headEnd type="none" w="med" len="med"/>
+            <a:tailEnd type="none" w="med" len="med"/>
+          </a:ln>
+          <a:effectLst/>
+        </p:spPr>
+        <p:txBody>
+          <a:bodyPr vert="horz" wrap="square" lIns="91440" tIns="45720" rIns="91440" bIns="45720" numCol="1" rtlCol="0" anchor="ctr" anchorCtr="0" compatLnSpc="1">
+            <a:prstTxWarp prst="textNoShape">
+              <a:avLst/>
+            </a:prstTxWarp>
+          </a:bodyPr>
+          <a:lstStyle/>
+          <a:p>
+            <a:pPr algn="ctr"/>
+            <a:r>
+              <a:rPr lang="en-US" altLang="ko-KR" sz="1400" dirty="0"/>
+              <a:t>Page Index</a:t>
+            </a:r>
+            <a:endParaRPr lang="ko-KR" altLang="en-US" sz="1400" dirty="0"/>
+          </a:p>
+        </p:txBody>
+      </p:sp>
+      <p:cxnSp>
+        <p:nvCxnSpPr>
+          <p:cNvPr id="87" name="직선 화살표 연결선 86">
+            <a:extLst>
+              <a:ext uri="{FF2B5EF4-FFF2-40B4-BE49-F238E27FC236}">
+                <a16:creationId xmlns:a16="http://schemas.microsoft.com/office/drawing/2014/main" id="{69E3F8D3-A4AF-EA2F-767D-C22E6E8C3212}"/>
+              </a:ext>
+            </a:extLst>
+          </p:cNvPr>
+          <p:cNvCxnSpPr>
+            <a:cxnSpLocks/>
+            <a:stCxn id="85" idx="3"/>
+            <a:endCxn id="86" idx="1"/>
+          </p:cNvCxnSpPr>
+          <p:nvPr/>
+        </p:nvCxnSpPr>
+        <p:spPr bwMode="auto">
+          <a:xfrm>
+            <a:off x="5159375" y="4458706"/>
+            <a:ext cx="443263" cy="327701"/>
+          </a:xfrm>
+          <a:prstGeom prst="straightConnector1">
+            <a:avLst/>
+          </a:prstGeom>
+          <a:solidFill>
+            <a:schemeClr val="accent1"/>
+          </a:solidFill>
+          <a:ln w="9525" cap="flat" cmpd="sng" algn="ctr">
+            <a:solidFill>
+              <a:schemeClr val="tx1"/>
+            </a:solidFill>
+            <a:prstDash val="solid"/>
+            <a:round/>
+            <a:headEnd type="none" w="med" len="med"/>
+            <a:tailEnd type="triangle"/>
+          </a:ln>
+          <a:effectLst/>
+          <a:extLst>
+            <a:ext uri="{AF507438-7753-43E0-B8FC-AC1667EBCBE1}">
+              <a14:hiddenEffects xmlns:a14="http://schemas.microsoft.com/office/drawing/2010/main">
+                <a:effectLst>
+                  <a:outerShdw dist="35921" dir="2700000" algn="ctr" rotWithShape="0">
+                    <a:schemeClr val="bg2"/>
+                  </a:outerShdw>
+                </a:effectLst>
+              </a14:hiddenEffects>
+            </a:ext>
+          </a:extLst>
+        </p:spPr>
+      </p:cxnSp>
+      <p:sp>
+        <p:nvSpPr>
+          <p:cNvPr id="92" name="TextBox 91">
+            <a:extLst>
+              <a:ext uri="{FF2B5EF4-FFF2-40B4-BE49-F238E27FC236}">
+                <a16:creationId xmlns:a16="http://schemas.microsoft.com/office/drawing/2014/main" id="{588E25E6-9F13-CB83-B045-360E599484DC}"/>
+              </a:ext>
+            </a:extLst>
+          </p:cNvPr>
+          <p:cNvSpPr txBox="1"/>
+          <p:nvPr/>
+        </p:nvSpPr>
+        <p:spPr>
+          <a:xfrm>
+            <a:off x="5220802" y="4236179"/>
+            <a:ext cx="938077" cy="261610"/>
+          </a:xfrm>
+          <a:prstGeom prst="rect">
+            <a:avLst/>
+          </a:prstGeom>
+          <a:noFill/>
+          <a:ln>
+            <a:noFill/>
+          </a:ln>
+        </p:spPr>
+        <p:txBody>
+          <a:bodyPr wrap="none" rtlCol="0">
+            <a:spAutoFit/>
+          </a:bodyPr>
+          <a:lstStyle/>
+          <a:p>
+            <a:pPr algn="l"/>
+            <a:r>
+              <a:rPr lang="en-US" altLang="ko-KR" sz="1100" dirty="0" err="1"/>
+              <a:t>pPageIndex</a:t>
+            </a:r>
+            <a:endParaRPr lang="ko-KR" altLang="en-US" sz="1100" dirty="0"/>
+          </a:p>
+        </p:txBody>
+      </p:sp>
+    </p:spTree>
+    <p:extLst>
+      <p:ext uri="{BB962C8B-B14F-4D97-AF65-F5344CB8AC3E}">
+        <p14:creationId xmlns:p14="http://schemas.microsoft.com/office/powerpoint/2010/main" val="2133518456"/>
+      </p:ext>
+    </p:extLst>
+  </p:cSld>
+  <p:clrMapOvr>
+    <a:masterClrMapping/>
+  </p:clrMapOvr>
+</p:sld>
+</file>
+
+<file path=ppt/slides/slide17.xml><?xml version="1.0" encoding="utf-8"?>
+<p:sld xmlns:a="http://schemas.openxmlformats.org/drawingml/2006/main" xmlns:r="http://schemas.openxmlformats.org/officeDocument/2006/relationships" xmlns:p="http://schemas.openxmlformats.org/presentationml/2006/main">
+  <p:cSld>
+    <p:spTree>
+      <p:nvGrpSpPr>
+        <p:cNvPr id="1" name=""/>
+        <p:cNvGrpSpPr/>
+        <p:nvPr/>
+      </p:nvGrpSpPr>
+      <p:grpSpPr>
+        <a:xfrm>
+          <a:off x="0" y="0"/>
+          <a:ext cx="0" cy="0"/>
+          <a:chOff x="0" y="0"/>
+          <a:chExt cx="0" cy="0"/>
+        </a:xfrm>
+      </p:grpSpPr>
+      <p:sp>
+        <p:nvSpPr>
+          <p:cNvPr id="2" name="내용 개체 틀 1">
+            <a:extLst>
+              <a:ext uri="{FF2B5EF4-FFF2-40B4-BE49-F238E27FC236}">
+                <a16:creationId xmlns:a16="http://schemas.microsoft.com/office/drawing/2014/main" id="{69D59E08-227B-CA6F-AEF3-7B36AC61C57C}"/>
+              </a:ext>
+            </a:extLst>
+          </p:cNvPr>
+          <p:cNvSpPr>
+            <a:spLocks noGrp="1"/>
+          </p:cNvSpPr>
+          <p:nvPr>
+            <p:ph sz="half" idx="1"/>
+          </p:nvPr>
+        </p:nvSpPr>
+        <p:spPr/>
+        <p:txBody>
+          <a:bodyPr/>
+          <a:lstStyle/>
+          <a:p>
+            <a:r>
+              <a:rPr lang="en-US" altLang="ko-KR" dirty="0" err="1"/>
+              <a:t>SlotIndex</a:t>
+            </a:r>
+            <a:r>
+              <a:rPr lang="en-US" altLang="ko-KR" dirty="0"/>
+              <a:t> Free</a:t>
+            </a:r>
+            <a:endParaRPr lang="ko-KR" altLang="en-US" dirty="0"/>
+          </a:p>
+        </p:txBody>
+      </p:sp>
+      <p:sp>
+        <p:nvSpPr>
+          <p:cNvPr id="3" name="내용 개체 틀 2">
+            <a:extLst>
+              <a:ext uri="{FF2B5EF4-FFF2-40B4-BE49-F238E27FC236}">
+                <a16:creationId xmlns:a16="http://schemas.microsoft.com/office/drawing/2014/main" id="{70C7B2ED-E9BA-5417-7596-9F1F3B921281}"/>
+              </a:ext>
+            </a:extLst>
+          </p:cNvPr>
+          <p:cNvSpPr>
+            <a:spLocks noGrp="1"/>
+          </p:cNvSpPr>
+          <p:nvPr>
+            <p:ph sz="half" idx="2"/>
+          </p:nvPr>
+        </p:nvSpPr>
+        <p:spPr/>
+        <p:txBody>
+          <a:bodyPr/>
+          <a:lstStyle/>
+          <a:p>
+            <a:endParaRPr lang="ko-KR" altLang="en-US"/>
+          </a:p>
+        </p:txBody>
+      </p:sp>
+      <p:sp>
+        <p:nvSpPr>
+          <p:cNvPr id="4" name="바닥글 개체 틀 3">
+            <a:extLst>
+              <a:ext uri="{FF2B5EF4-FFF2-40B4-BE49-F238E27FC236}">
+                <a16:creationId xmlns:a16="http://schemas.microsoft.com/office/drawing/2014/main" id="{6A322E8E-1901-9186-CB7C-FFCA55838D26}"/>
+              </a:ext>
+            </a:extLst>
+          </p:cNvPr>
+          <p:cNvSpPr>
+            <a:spLocks noGrp="1"/>
+          </p:cNvSpPr>
+          <p:nvPr>
+            <p:ph type="ftr" sz="quarter" idx="10"/>
+          </p:nvPr>
+        </p:nvSpPr>
+        <p:spPr/>
+        <p:txBody>
+          <a:bodyPr/>
+          <a:lstStyle/>
+          <a:p>
+            <a:pPr>
+              <a:buFont typeface="맑은 고딕" panose="020B0503020000020004" pitchFamily="50" charset="-127"/>
+              <a:buChar char="ⓒ"/>
+            </a:pPr>
+            <a:r>
+              <a:rPr lang="en-US" altLang="ko-KR"/>
+              <a:t>Sungwoon Choi 2021</a:t>
+            </a:r>
+            <a:endParaRPr lang="en-US" altLang="ko-KR" dirty="0"/>
+          </a:p>
+        </p:txBody>
+      </p:sp>
+      <p:sp>
+        <p:nvSpPr>
+          <p:cNvPr id="5" name="슬라이드 번호 개체 틀 4">
+            <a:extLst>
+              <a:ext uri="{FF2B5EF4-FFF2-40B4-BE49-F238E27FC236}">
+                <a16:creationId xmlns:a16="http://schemas.microsoft.com/office/drawing/2014/main" id="{1C3F9E93-40F7-3F29-D06C-E09BD2F98621}"/>
+              </a:ext>
+            </a:extLst>
+          </p:cNvPr>
+          <p:cNvSpPr>
+            <a:spLocks noGrp="1"/>
+          </p:cNvSpPr>
+          <p:nvPr>
+            <p:ph type="sldNum" sz="quarter" idx="11"/>
+          </p:nvPr>
+        </p:nvSpPr>
+        <p:spPr/>
+        <p:txBody>
+          <a:bodyPr/>
+          <a:lstStyle/>
+          <a:p>
+            <a:fld id="{AA4216F1-165B-4DFF-BD92-3D8E849D7D48}" type="slidenum">
+              <a:rPr lang="en-US" altLang="ko-KR" smtClean="0"/>
+              <a:pPr/>
+              <a:t>17</a:t>
+            </a:fld>
+            <a:endParaRPr lang="en-US" altLang="ko-KR"/>
+          </a:p>
+        </p:txBody>
+      </p:sp>
+    </p:spTree>
+    <p:extLst>
+      <p:ext uri="{BB962C8B-B14F-4D97-AF65-F5344CB8AC3E}">
+        <p14:creationId xmlns:p14="http://schemas.microsoft.com/office/powerpoint/2010/main" val="70536944"/>
       </p:ext>
     </p:extLst>
   </p:cSld>
@@ -20078,25 +22280,17 @@
     </a:lnDef>
     <a:txDef>
       <a:spPr>
-        <a:solidFill>
-          <a:schemeClr val="bg1">
-            <a:lumMod val="95000"/>
-          </a:schemeClr>
-        </a:solidFill>
+        <a:noFill/>
         <a:ln>
-          <a:solidFill>
-            <a:schemeClr val="accent3">
-              <a:lumMod val="75000"/>
-            </a:schemeClr>
-          </a:solidFill>
+          <a:noFill/>
         </a:ln>
       </a:spPr>
-      <a:bodyPr wrap="square" rtlCol="0">
+      <a:bodyPr wrap="none" rtlCol="0">
         <a:spAutoFit/>
       </a:bodyPr>
       <a:lstStyle>
         <a:defPPr algn="l">
-          <a:defRPr sz="1200" dirty="0" smtClean="0"/>
+          <a:defRPr sz="1200" dirty="0" err="1" smtClean="0"/>
         </a:defPPr>
       </a:lstStyle>
     </a:txDef>
